--- a/LabelSerialNumberChangeProposal.pptx
+++ b/LabelSerialNumberChangeProposal.pptx
@@ -6,12 +6,19 @@
   </p:sldMasterIdLst>
   <p:sldIdLst>
     <p:sldId id="256" r:id="rId2"/>
-    <p:sldId id="257" r:id="rId3"/>
-    <p:sldId id="259" r:id="rId4"/>
-    <p:sldId id="260" r:id="rId5"/>
-    <p:sldId id="261" r:id="rId6"/>
-    <p:sldId id="263" r:id="rId7"/>
-    <p:sldId id="262" r:id="rId8"/>
+    <p:sldId id="266" r:id="rId3"/>
+    <p:sldId id="267" r:id="rId4"/>
+    <p:sldId id="268" r:id="rId5"/>
+    <p:sldId id="269" r:id="rId6"/>
+    <p:sldId id="270" r:id="rId7"/>
+    <p:sldId id="257" r:id="rId8"/>
+    <p:sldId id="265" r:id="rId9"/>
+    <p:sldId id="259" r:id="rId10"/>
+    <p:sldId id="260" r:id="rId11"/>
+    <p:sldId id="261" r:id="rId12"/>
+    <p:sldId id="264" r:id="rId13"/>
+    <p:sldId id="263" r:id="rId14"/>
+    <p:sldId id="262" r:id="rId15"/>
   </p:sldIdLst>
   <p:sldSz cx="12192000" cy="6858000"/>
   <p:notesSz cx="6858000" cy="9144000"/>
@@ -3106,6 +3113,753 @@
 </dgm:colorsDef>
 </file>
 
+<file path=ppt/diagrams/colors5.xml><?xml version="1.0" encoding="utf-8"?>
+<dgm:colorsDef xmlns:dgm="http://schemas.openxmlformats.org/drawingml/2006/diagram" xmlns:a="http://schemas.openxmlformats.org/drawingml/2006/main" uniqueId="urn:microsoft.com/office/officeart/2005/8/colors/accent1_2">
+  <dgm:title val=""/>
+  <dgm:desc val=""/>
+  <dgm:catLst>
+    <dgm:cat type="accent1" pri="11200"/>
+  </dgm:catLst>
+  <dgm:styleLbl name="node0">
+    <dgm:fillClrLst meth="repeat">
+      <a:schemeClr val="accent1"/>
+    </dgm:fillClrLst>
+    <dgm:linClrLst meth="repeat">
+      <a:schemeClr val="lt1"/>
+    </dgm:linClrLst>
+    <dgm:effectClrLst/>
+    <dgm:txLinClrLst/>
+    <dgm:txFillClrLst/>
+    <dgm:txEffectClrLst/>
+  </dgm:styleLbl>
+  <dgm:styleLbl name="alignNode1">
+    <dgm:fillClrLst meth="repeat">
+      <a:schemeClr val="accent1"/>
+    </dgm:fillClrLst>
+    <dgm:linClrLst meth="repeat">
+      <a:schemeClr val="accent1"/>
+    </dgm:linClrLst>
+    <dgm:effectClrLst/>
+    <dgm:txLinClrLst/>
+    <dgm:txFillClrLst/>
+    <dgm:txEffectClrLst/>
+  </dgm:styleLbl>
+  <dgm:styleLbl name="node1">
+    <dgm:fillClrLst meth="repeat">
+      <a:schemeClr val="accent1"/>
+    </dgm:fillClrLst>
+    <dgm:linClrLst meth="repeat">
+      <a:schemeClr val="lt1"/>
+    </dgm:linClrLst>
+    <dgm:effectClrLst/>
+    <dgm:txLinClrLst/>
+    <dgm:txFillClrLst/>
+    <dgm:txEffectClrLst/>
+  </dgm:styleLbl>
+  <dgm:styleLbl name="lnNode1">
+    <dgm:fillClrLst meth="repeat">
+      <a:schemeClr val="accent1"/>
+    </dgm:fillClrLst>
+    <dgm:linClrLst meth="repeat">
+      <a:schemeClr val="lt1"/>
+    </dgm:linClrLst>
+    <dgm:effectClrLst/>
+    <dgm:txLinClrLst/>
+    <dgm:txFillClrLst/>
+    <dgm:txEffectClrLst/>
+  </dgm:styleLbl>
+  <dgm:styleLbl name="vennNode1">
+    <dgm:fillClrLst meth="repeat">
+      <a:schemeClr val="accent1">
+        <a:alpha val="50000"/>
+      </a:schemeClr>
+    </dgm:fillClrLst>
+    <dgm:linClrLst meth="repeat">
+      <a:schemeClr val="lt1"/>
+    </dgm:linClrLst>
+    <dgm:effectClrLst/>
+    <dgm:txLinClrLst/>
+    <dgm:txFillClrLst/>
+    <dgm:txEffectClrLst/>
+  </dgm:styleLbl>
+  <dgm:styleLbl name="node2">
+    <dgm:fillClrLst meth="repeat">
+      <a:schemeClr val="accent1"/>
+    </dgm:fillClrLst>
+    <dgm:linClrLst meth="repeat">
+      <a:schemeClr val="lt1"/>
+    </dgm:linClrLst>
+    <dgm:effectClrLst/>
+    <dgm:txLinClrLst/>
+    <dgm:txFillClrLst/>
+    <dgm:txEffectClrLst/>
+  </dgm:styleLbl>
+  <dgm:styleLbl name="node3">
+    <dgm:fillClrLst meth="repeat">
+      <a:schemeClr val="accent1"/>
+    </dgm:fillClrLst>
+    <dgm:linClrLst meth="repeat">
+      <a:schemeClr val="lt1"/>
+    </dgm:linClrLst>
+    <dgm:effectClrLst/>
+    <dgm:txLinClrLst/>
+    <dgm:txFillClrLst/>
+    <dgm:txEffectClrLst/>
+  </dgm:styleLbl>
+  <dgm:styleLbl name="node4">
+    <dgm:fillClrLst meth="repeat">
+      <a:schemeClr val="accent1"/>
+    </dgm:fillClrLst>
+    <dgm:linClrLst meth="repeat">
+      <a:schemeClr val="lt1"/>
+    </dgm:linClrLst>
+    <dgm:effectClrLst/>
+    <dgm:txLinClrLst/>
+    <dgm:txFillClrLst/>
+    <dgm:txEffectClrLst/>
+  </dgm:styleLbl>
+  <dgm:styleLbl name="fgImgPlace1">
+    <dgm:fillClrLst meth="repeat">
+      <a:schemeClr val="accent1">
+        <a:tint val="50000"/>
+      </a:schemeClr>
+    </dgm:fillClrLst>
+    <dgm:linClrLst meth="repeat">
+      <a:schemeClr val="lt1"/>
+    </dgm:linClrLst>
+    <dgm:effectClrLst/>
+    <dgm:txLinClrLst/>
+    <dgm:txFillClrLst meth="repeat">
+      <a:schemeClr val="lt1"/>
+    </dgm:txFillClrLst>
+    <dgm:txEffectClrLst/>
+  </dgm:styleLbl>
+  <dgm:styleLbl name="alignImgPlace1">
+    <dgm:fillClrLst meth="repeat">
+      <a:schemeClr val="accent1">
+        <a:tint val="50000"/>
+      </a:schemeClr>
+    </dgm:fillClrLst>
+    <dgm:linClrLst meth="repeat">
+      <a:schemeClr val="lt1"/>
+    </dgm:linClrLst>
+    <dgm:effectClrLst/>
+    <dgm:txLinClrLst/>
+    <dgm:txFillClrLst meth="repeat">
+      <a:schemeClr val="lt1"/>
+    </dgm:txFillClrLst>
+    <dgm:txEffectClrLst/>
+  </dgm:styleLbl>
+  <dgm:styleLbl name="bgImgPlace1">
+    <dgm:fillClrLst meth="repeat">
+      <a:schemeClr val="accent1">
+        <a:tint val="50000"/>
+      </a:schemeClr>
+    </dgm:fillClrLst>
+    <dgm:linClrLst meth="repeat">
+      <a:schemeClr val="lt1"/>
+    </dgm:linClrLst>
+    <dgm:effectClrLst/>
+    <dgm:txLinClrLst/>
+    <dgm:txFillClrLst meth="repeat">
+      <a:schemeClr val="lt1"/>
+    </dgm:txFillClrLst>
+    <dgm:txEffectClrLst/>
+  </dgm:styleLbl>
+  <dgm:styleLbl name="sibTrans2D1">
+    <dgm:fillClrLst meth="repeat">
+      <a:schemeClr val="accent1">
+        <a:tint val="60000"/>
+      </a:schemeClr>
+    </dgm:fillClrLst>
+    <dgm:linClrLst meth="repeat">
+      <a:schemeClr val="accent1">
+        <a:tint val="60000"/>
+      </a:schemeClr>
+    </dgm:linClrLst>
+    <dgm:effectClrLst/>
+    <dgm:txLinClrLst/>
+    <dgm:txFillClrLst/>
+    <dgm:txEffectClrLst/>
+  </dgm:styleLbl>
+  <dgm:styleLbl name="fgSibTrans2D1">
+    <dgm:fillClrLst meth="repeat">
+      <a:schemeClr val="accent1">
+        <a:tint val="60000"/>
+      </a:schemeClr>
+    </dgm:fillClrLst>
+    <dgm:linClrLst meth="repeat">
+      <a:schemeClr val="accent1">
+        <a:tint val="60000"/>
+      </a:schemeClr>
+    </dgm:linClrLst>
+    <dgm:effectClrLst/>
+    <dgm:txLinClrLst/>
+    <dgm:txFillClrLst/>
+    <dgm:txEffectClrLst/>
+  </dgm:styleLbl>
+  <dgm:styleLbl name="bgSibTrans2D1">
+    <dgm:fillClrLst meth="repeat">
+      <a:schemeClr val="accent1">
+        <a:tint val="60000"/>
+      </a:schemeClr>
+    </dgm:fillClrLst>
+    <dgm:linClrLst meth="repeat">
+      <a:schemeClr val="accent1">
+        <a:tint val="60000"/>
+      </a:schemeClr>
+    </dgm:linClrLst>
+    <dgm:effectClrLst/>
+    <dgm:txLinClrLst/>
+    <dgm:txFillClrLst/>
+    <dgm:txEffectClrLst/>
+  </dgm:styleLbl>
+  <dgm:styleLbl name="sibTrans1D1">
+    <dgm:fillClrLst meth="repeat">
+      <a:schemeClr val="accent1"/>
+    </dgm:fillClrLst>
+    <dgm:linClrLst meth="repeat">
+      <a:schemeClr val="accent1"/>
+    </dgm:linClrLst>
+    <dgm:effectClrLst/>
+    <dgm:txLinClrLst/>
+    <dgm:txFillClrLst meth="repeat">
+      <a:schemeClr val="tx1"/>
+    </dgm:txFillClrLst>
+    <dgm:txEffectClrLst/>
+  </dgm:styleLbl>
+  <dgm:styleLbl name="callout">
+    <dgm:fillClrLst meth="repeat">
+      <a:schemeClr val="accent1"/>
+    </dgm:fillClrLst>
+    <dgm:linClrLst meth="repeat">
+      <a:schemeClr val="accent1">
+        <a:tint val="50000"/>
+      </a:schemeClr>
+    </dgm:linClrLst>
+    <dgm:effectClrLst/>
+    <dgm:txLinClrLst/>
+    <dgm:txFillClrLst meth="repeat">
+      <a:schemeClr val="tx1"/>
+    </dgm:txFillClrLst>
+    <dgm:txEffectClrLst/>
+  </dgm:styleLbl>
+  <dgm:styleLbl name="asst0">
+    <dgm:fillClrLst meth="repeat">
+      <a:schemeClr val="accent1"/>
+    </dgm:fillClrLst>
+    <dgm:linClrLst meth="repeat">
+      <a:schemeClr val="lt1"/>
+    </dgm:linClrLst>
+    <dgm:effectClrLst/>
+    <dgm:txLinClrLst/>
+    <dgm:txFillClrLst/>
+    <dgm:txEffectClrLst/>
+  </dgm:styleLbl>
+  <dgm:styleLbl name="asst1">
+    <dgm:fillClrLst meth="repeat">
+      <a:schemeClr val="accent1"/>
+    </dgm:fillClrLst>
+    <dgm:linClrLst meth="repeat">
+      <a:schemeClr val="lt1"/>
+    </dgm:linClrLst>
+    <dgm:effectClrLst/>
+    <dgm:txLinClrLst/>
+    <dgm:txFillClrLst/>
+    <dgm:txEffectClrLst/>
+  </dgm:styleLbl>
+  <dgm:styleLbl name="asst2">
+    <dgm:fillClrLst meth="repeat">
+      <a:schemeClr val="accent1"/>
+    </dgm:fillClrLst>
+    <dgm:linClrLst meth="repeat">
+      <a:schemeClr val="lt1"/>
+    </dgm:linClrLst>
+    <dgm:effectClrLst/>
+    <dgm:txLinClrLst/>
+    <dgm:txFillClrLst/>
+    <dgm:txEffectClrLst/>
+  </dgm:styleLbl>
+  <dgm:styleLbl name="asst3">
+    <dgm:fillClrLst meth="repeat">
+      <a:schemeClr val="accent1"/>
+    </dgm:fillClrLst>
+    <dgm:linClrLst meth="repeat">
+      <a:schemeClr val="lt1"/>
+    </dgm:linClrLst>
+    <dgm:effectClrLst/>
+    <dgm:txLinClrLst/>
+    <dgm:txFillClrLst/>
+    <dgm:txEffectClrLst/>
+  </dgm:styleLbl>
+  <dgm:styleLbl name="asst4">
+    <dgm:fillClrLst meth="repeat">
+      <a:schemeClr val="accent1"/>
+    </dgm:fillClrLst>
+    <dgm:linClrLst meth="repeat">
+      <a:schemeClr val="lt1"/>
+    </dgm:linClrLst>
+    <dgm:effectClrLst/>
+    <dgm:txLinClrLst/>
+    <dgm:txFillClrLst/>
+    <dgm:txEffectClrLst/>
+  </dgm:styleLbl>
+  <dgm:styleLbl name="parChTrans2D1">
+    <dgm:fillClrLst meth="repeat">
+      <a:schemeClr val="accent1">
+        <a:tint val="60000"/>
+      </a:schemeClr>
+    </dgm:fillClrLst>
+    <dgm:linClrLst meth="repeat">
+      <a:schemeClr val="accent1">
+        <a:tint val="60000"/>
+      </a:schemeClr>
+    </dgm:linClrLst>
+    <dgm:effectClrLst/>
+    <dgm:txLinClrLst/>
+    <dgm:txFillClrLst meth="repeat">
+      <a:schemeClr val="lt1"/>
+    </dgm:txFillClrLst>
+    <dgm:txEffectClrLst/>
+  </dgm:styleLbl>
+  <dgm:styleLbl name="parChTrans2D2">
+    <dgm:fillClrLst meth="repeat">
+      <a:schemeClr val="accent1"/>
+    </dgm:fillClrLst>
+    <dgm:linClrLst meth="repeat">
+      <a:schemeClr val="accent1"/>
+    </dgm:linClrLst>
+    <dgm:effectClrLst/>
+    <dgm:txLinClrLst/>
+    <dgm:txFillClrLst meth="repeat">
+      <a:schemeClr val="lt1"/>
+    </dgm:txFillClrLst>
+    <dgm:txEffectClrLst/>
+  </dgm:styleLbl>
+  <dgm:styleLbl name="parChTrans2D3">
+    <dgm:fillClrLst meth="repeat">
+      <a:schemeClr val="accent1"/>
+    </dgm:fillClrLst>
+    <dgm:linClrLst meth="repeat">
+      <a:schemeClr val="accent1"/>
+    </dgm:linClrLst>
+    <dgm:effectClrLst/>
+    <dgm:txLinClrLst/>
+    <dgm:txFillClrLst meth="repeat">
+      <a:schemeClr val="lt1"/>
+    </dgm:txFillClrLst>
+    <dgm:txEffectClrLst/>
+  </dgm:styleLbl>
+  <dgm:styleLbl name="parChTrans2D4">
+    <dgm:fillClrLst meth="repeat">
+      <a:schemeClr val="accent1"/>
+    </dgm:fillClrLst>
+    <dgm:linClrLst meth="repeat">
+      <a:schemeClr val="accent1"/>
+    </dgm:linClrLst>
+    <dgm:effectClrLst/>
+    <dgm:txLinClrLst/>
+    <dgm:txFillClrLst meth="repeat">
+      <a:schemeClr val="lt1"/>
+    </dgm:txFillClrLst>
+    <dgm:txEffectClrLst/>
+  </dgm:styleLbl>
+  <dgm:styleLbl name="parChTrans1D1">
+    <dgm:fillClrLst meth="repeat">
+      <a:schemeClr val="accent1"/>
+    </dgm:fillClrLst>
+    <dgm:linClrLst meth="repeat">
+      <a:schemeClr val="accent1">
+        <a:shade val="60000"/>
+      </a:schemeClr>
+    </dgm:linClrLst>
+    <dgm:effectClrLst/>
+    <dgm:txLinClrLst/>
+    <dgm:txFillClrLst meth="repeat">
+      <a:schemeClr val="tx1"/>
+    </dgm:txFillClrLst>
+    <dgm:txEffectClrLst/>
+  </dgm:styleLbl>
+  <dgm:styleLbl name="parChTrans1D2">
+    <dgm:fillClrLst meth="repeat">
+      <a:schemeClr val="accent1"/>
+    </dgm:fillClrLst>
+    <dgm:linClrLst meth="repeat">
+      <a:schemeClr val="accent1">
+        <a:shade val="60000"/>
+      </a:schemeClr>
+    </dgm:linClrLst>
+    <dgm:effectClrLst/>
+    <dgm:txLinClrLst/>
+    <dgm:txFillClrLst meth="repeat">
+      <a:schemeClr val="tx1"/>
+    </dgm:txFillClrLst>
+    <dgm:txEffectClrLst/>
+  </dgm:styleLbl>
+  <dgm:styleLbl name="parChTrans1D3">
+    <dgm:fillClrLst meth="repeat">
+      <a:schemeClr val="accent1"/>
+    </dgm:fillClrLst>
+    <dgm:linClrLst meth="repeat">
+      <a:schemeClr val="accent1">
+        <a:shade val="80000"/>
+      </a:schemeClr>
+    </dgm:linClrLst>
+    <dgm:effectClrLst/>
+    <dgm:txLinClrLst/>
+    <dgm:txFillClrLst meth="repeat">
+      <a:schemeClr val="tx1"/>
+    </dgm:txFillClrLst>
+    <dgm:txEffectClrLst/>
+  </dgm:styleLbl>
+  <dgm:styleLbl name="parChTrans1D4">
+    <dgm:fillClrLst meth="repeat">
+      <a:schemeClr val="accent1"/>
+    </dgm:fillClrLst>
+    <dgm:linClrLst meth="repeat">
+      <a:schemeClr val="accent1">
+        <a:shade val="80000"/>
+      </a:schemeClr>
+    </dgm:linClrLst>
+    <dgm:effectClrLst/>
+    <dgm:txLinClrLst/>
+    <dgm:txFillClrLst meth="repeat">
+      <a:schemeClr val="tx1"/>
+    </dgm:txFillClrLst>
+    <dgm:txEffectClrLst/>
+  </dgm:styleLbl>
+  <dgm:styleLbl name="fgAcc1">
+    <dgm:fillClrLst meth="repeat">
+      <a:schemeClr val="lt1">
+        <a:alpha val="90000"/>
+      </a:schemeClr>
+    </dgm:fillClrLst>
+    <dgm:linClrLst meth="repeat">
+      <a:schemeClr val="accent1"/>
+    </dgm:linClrLst>
+    <dgm:effectClrLst/>
+    <dgm:txLinClrLst/>
+    <dgm:txFillClrLst meth="repeat">
+      <a:schemeClr val="dk1"/>
+    </dgm:txFillClrLst>
+    <dgm:txEffectClrLst/>
+  </dgm:styleLbl>
+  <dgm:styleLbl name="conFgAcc1">
+    <dgm:fillClrLst meth="repeat">
+      <a:schemeClr val="lt1">
+        <a:alpha val="90000"/>
+      </a:schemeClr>
+    </dgm:fillClrLst>
+    <dgm:linClrLst meth="repeat">
+      <a:schemeClr val="accent1"/>
+    </dgm:linClrLst>
+    <dgm:effectClrLst/>
+    <dgm:txLinClrLst/>
+    <dgm:txFillClrLst meth="repeat">
+      <a:schemeClr val="dk1"/>
+    </dgm:txFillClrLst>
+    <dgm:txEffectClrLst/>
+  </dgm:styleLbl>
+  <dgm:styleLbl name="alignAcc1">
+    <dgm:fillClrLst meth="repeat">
+      <a:schemeClr val="lt1">
+        <a:alpha val="90000"/>
+      </a:schemeClr>
+    </dgm:fillClrLst>
+    <dgm:linClrLst meth="repeat">
+      <a:schemeClr val="accent1"/>
+    </dgm:linClrLst>
+    <dgm:effectClrLst/>
+    <dgm:txLinClrLst/>
+    <dgm:txFillClrLst meth="repeat">
+      <a:schemeClr val="dk1"/>
+    </dgm:txFillClrLst>
+    <dgm:txEffectClrLst/>
+  </dgm:styleLbl>
+  <dgm:styleLbl name="trAlignAcc1">
+    <dgm:fillClrLst meth="repeat">
+      <a:schemeClr val="lt1">
+        <a:alpha val="40000"/>
+      </a:schemeClr>
+    </dgm:fillClrLst>
+    <dgm:linClrLst meth="repeat">
+      <a:schemeClr val="accent1"/>
+    </dgm:linClrLst>
+    <dgm:effectClrLst/>
+    <dgm:txLinClrLst/>
+    <dgm:txFillClrLst meth="repeat">
+      <a:schemeClr val="dk1"/>
+    </dgm:txFillClrLst>
+    <dgm:txEffectClrLst/>
+  </dgm:styleLbl>
+  <dgm:styleLbl name="bgAcc1">
+    <dgm:fillClrLst meth="repeat">
+      <a:schemeClr val="lt1">
+        <a:alpha val="90000"/>
+      </a:schemeClr>
+    </dgm:fillClrLst>
+    <dgm:linClrLst meth="repeat">
+      <a:schemeClr val="accent1"/>
+    </dgm:linClrLst>
+    <dgm:effectClrLst/>
+    <dgm:txLinClrLst/>
+    <dgm:txFillClrLst meth="repeat">
+      <a:schemeClr val="dk1"/>
+    </dgm:txFillClrLst>
+    <dgm:txEffectClrLst/>
+  </dgm:styleLbl>
+  <dgm:styleLbl name="solidFgAcc1">
+    <dgm:fillClrLst meth="repeat">
+      <a:schemeClr val="lt1"/>
+    </dgm:fillClrLst>
+    <dgm:linClrLst meth="repeat">
+      <a:schemeClr val="accent1"/>
+    </dgm:linClrLst>
+    <dgm:effectClrLst/>
+    <dgm:txLinClrLst/>
+    <dgm:txFillClrLst meth="repeat">
+      <a:schemeClr val="dk1"/>
+    </dgm:txFillClrLst>
+    <dgm:txEffectClrLst/>
+  </dgm:styleLbl>
+  <dgm:styleLbl name="solidAlignAcc1">
+    <dgm:fillClrLst meth="repeat">
+      <a:schemeClr val="lt1"/>
+    </dgm:fillClrLst>
+    <dgm:linClrLst meth="repeat">
+      <a:schemeClr val="accent1"/>
+    </dgm:linClrLst>
+    <dgm:effectClrLst/>
+    <dgm:txLinClrLst/>
+    <dgm:txFillClrLst meth="repeat">
+      <a:schemeClr val="dk1"/>
+    </dgm:txFillClrLst>
+    <dgm:txEffectClrLst/>
+  </dgm:styleLbl>
+  <dgm:styleLbl name="solidBgAcc1">
+    <dgm:fillClrLst meth="repeat">
+      <a:schemeClr val="lt1"/>
+    </dgm:fillClrLst>
+    <dgm:linClrLst meth="repeat">
+      <a:schemeClr val="accent1"/>
+    </dgm:linClrLst>
+    <dgm:effectClrLst/>
+    <dgm:txLinClrLst/>
+    <dgm:txFillClrLst meth="repeat">
+      <a:schemeClr val="dk1"/>
+    </dgm:txFillClrLst>
+    <dgm:txEffectClrLst/>
+  </dgm:styleLbl>
+  <dgm:styleLbl name="fgAccFollowNode1">
+    <dgm:fillClrLst meth="repeat">
+      <a:schemeClr val="accent1">
+        <a:alpha val="90000"/>
+        <a:tint val="40000"/>
+      </a:schemeClr>
+    </dgm:fillClrLst>
+    <dgm:linClrLst meth="repeat">
+      <a:schemeClr val="accent1">
+        <a:alpha val="90000"/>
+        <a:tint val="40000"/>
+      </a:schemeClr>
+    </dgm:linClrLst>
+    <dgm:effectClrLst/>
+    <dgm:txLinClrLst/>
+    <dgm:txFillClrLst meth="repeat">
+      <a:schemeClr val="dk1"/>
+    </dgm:txFillClrLst>
+    <dgm:txEffectClrLst/>
+  </dgm:styleLbl>
+  <dgm:styleLbl name="alignAccFollowNode1">
+    <dgm:fillClrLst meth="repeat">
+      <a:schemeClr val="accent1">
+        <a:alpha val="90000"/>
+        <a:tint val="40000"/>
+      </a:schemeClr>
+    </dgm:fillClrLst>
+    <dgm:linClrLst meth="repeat">
+      <a:schemeClr val="accent1">
+        <a:alpha val="90000"/>
+        <a:tint val="40000"/>
+      </a:schemeClr>
+    </dgm:linClrLst>
+    <dgm:effectClrLst/>
+    <dgm:txLinClrLst/>
+    <dgm:txFillClrLst meth="repeat">
+      <a:schemeClr val="dk1"/>
+    </dgm:txFillClrLst>
+    <dgm:txEffectClrLst/>
+  </dgm:styleLbl>
+  <dgm:styleLbl name="bgAccFollowNode1">
+    <dgm:fillClrLst meth="repeat">
+      <a:schemeClr val="accent1">
+        <a:alpha val="90000"/>
+        <a:tint val="40000"/>
+      </a:schemeClr>
+    </dgm:fillClrLst>
+    <dgm:linClrLst meth="repeat">
+      <a:schemeClr val="accent1">
+        <a:alpha val="90000"/>
+        <a:tint val="40000"/>
+      </a:schemeClr>
+    </dgm:linClrLst>
+    <dgm:effectClrLst/>
+    <dgm:txLinClrLst/>
+    <dgm:txFillClrLst meth="repeat">
+      <a:schemeClr val="dk1"/>
+    </dgm:txFillClrLst>
+    <dgm:txEffectClrLst/>
+  </dgm:styleLbl>
+  <dgm:styleLbl name="fgAcc0">
+    <dgm:fillClrLst meth="repeat">
+      <a:schemeClr val="lt1">
+        <a:alpha val="90000"/>
+      </a:schemeClr>
+    </dgm:fillClrLst>
+    <dgm:linClrLst meth="repeat">
+      <a:schemeClr val="accent1"/>
+    </dgm:linClrLst>
+    <dgm:effectClrLst/>
+    <dgm:txLinClrLst/>
+    <dgm:txFillClrLst meth="repeat">
+      <a:schemeClr val="dk1"/>
+    </dgm:txFillClrLst>
+    <dgm:txEffectClrLst/>
+  </dgm:styleLbl>
+  <dgm:styleLbl name="fgAcc2">
+    <dgm:fillClrLst meth="repeat">
+      <a:schemeClr val="lt1">
+        <a:alpha val="90000"/>
+      </a:schemeClr>
+    </dgm:fillClrLst>
+    <dgm:linClrLst meth="repeat">
+      <a:schemeClr val="accent1"/>
+    </dgm:linClrLst>
+    <dgm:effectClrLst/>
+    <dgm:txLinClrLst/>
+    <dgm:txFillClrLst meth="repeat">
+      <a:schemeClr val="dk1"/>
+    </dgm:txFillClrLst>
+    <dgm:txEffectClrLst/>
+  </dgm:styleLbl>
+  <dgm:styleLbl name="fgAcc3">
+    <dgm:fillClrLst meth="repeat">
+      <a:schemeClr val="lt1">
+        <a:alpha val="90000"/>
+      </a:schemeClr>
+    </dgm:fillClrLst>
+    <dgm:linClrLst meth="repeat">
+      <a:schemeClr val="accent1"/>
+    </dgm:linClrLst>
+    <dgm:effectClrLst/>
+    <dgm:txLinClrLst/>
+    <dgm:txFillClrLst meth="repeat">
+      <a:schemeClr val="dk1"/>
+    </dgm:txFillClrLst>
+    <dgm:txEffectClrLst/>
+  </dgm:styleLbl>
+  <dgm:styleLbl name="fgAcc4">
+    <dgm:fillClrLst meth="repeat">
+      <a:schemeClr val="lt1">
+        <a:alpha val="90000"/>
+      </a:schemeClr>
+    </dgm:fillClrLst>
+    <dgm:linClrLst meth="repeat">
+      <a:schemeClr val="accent1"/>
+    </dgm:linClrLst>
+    <dgm:effectClrLst/>
+    <dgm:txLinClrLst/>
+    <dgm:txFillClrLst meth="repeat">
+      <a:schemeClr val="dk1"/>
+    </dgm:txFillClrLst>
+    <dgm:txEffectClrLst/>
+  </dgm:styleLbl>
+  <dgm:styleLbl name="bgShp">
+    <dgm:fillClrLst meth="repeat">
+      <a:schemeClr val="accent1">
+        <a:tint val="40000"/>
+      </a:schemeClr>
+    </dgm:fillClrLst>
+    <dgm:linClrLst meth="repeat">
+      <a:schemeClr val="accent1"/>
+    </dgm:linClrLst>
+    <dgm:effectClrLst/>
+    <dgm:txLinClrLst/>
+    <dgm:txFillClrLst meth="repeat">
+      <a:schemeClr val="dk1"/>
+    </dgm:txFillClrLst>
+    <dgm:txEffectClrLst/>
+  </dgm:styleLbl>
+  <dgm:styleLbl name="dkBgShp">
+    <dgm:fillClrLst meth="repeat">
+      <a:schemeClr val="accent1">
+        <a:shade val="80000"/>
+      </a:schemeClr>
+    </dgm:fillClrLst>
+    <dgm:linClrLst meth="repeat">
+      <a:schemeClr val="accent1"/>
+    </dgm:linClrLst>
+    <dgm:effectClrLst/>
+    <dgm:txLinClrLst/>
+    <dgm:txFillClrLst meth="repeat">
+      <a:schemeClr val="lt1"/>
+    </dgm:txFillClrLst>
+    <dgm:txEffectClrLst/>
+  </dgm:styleLbl>
+  <dgm:styleLbl name="trBgShp">
+    <dgm:fillClrLst meth="repeat">
+      <a:schemeClr val="accent1">
+        <a:tint val="50000"/>
+        <a:alpha val="40000"/>
+      </a:schemeClr>
+    </dgm:fillClrLst>
+    <dgm:linClrLst meth="repeat">
+      <a:schemeClr val="accent1"/>
+    </dgm:linClrLst>
+    <dgm:effectClrLst/>
+    <dgm:txLinClrLst/>
+    <dgm:txFillClrLst meth="repeat">
+      <a:schemeClr val="lt1"/>
+    </dgm:txFillClrLst>
+    <dgm:txEffectClrLst/>
+  </dgm:styleLbl>
+  <dgm:styleLbl name="fgShp">
+    <dgm:fillClrLst meth="repeat">
+      <a:schemeClr val="accent1">
+        <a:tint val="60000"/>
+      </a:schemeClr>
+    </dgm:fillClrLst>
+    <dgm:linClrLst meth="repeat">
+      <a:schemeClr val="lt1"/>
+    </dgm:linClrLst>
+    <dgm:effectClrLst/>
+    <dgm:txLinClrLst/>
+    <dgm:txFillClrLst meth="repeat">
+      <a:schemeClr val="dk1"/>
+    </dgm:txFillClrLst>
+    <dgm:txEffectClrLst/>
+  </dgm:styleLbl>
+  <dgm:styleLbl name="revTx">
+    <dgm:fillClrLst meth="repeat">
+      <a:schemeClr val="lt1">
+        <a:alpha val="0"/>
+      </a:schemeClr>
+    </dgm:fillClrLst>
+    <dgm:linClrLst meth="repeat">
+      <a:schemeClr val="dk1">
+        <a:alpha val="0"/>
+      </a:schemeClr>
+    </dgm:linClrLst>
+    <dgm:effectClrLst/>
+    <dgm:txLinClrLst/>
+    <dgm:txFillClrLst meth="repeat">
+      <a:schemeClr val="tx1"/>
+    </dgm:txFillClrLst>
+    <dgm:txEffectClrLst/>
+  </dgm:styleLbl>
+</dgm:colorsDef>
+</file>
+
 <file path=ppt/diagrams/data1.xml><?xml version="1.0" encoding="utf-8"?>
 <dgm:dataModel xmlns:dgm="http://schemas.openxmlformats.org/drawingml/2006/diagram" xmlns:a="http://schemas.openxmlformats.org/drawingml/2006/main">
   <dgm:ptLst>
@@ -3387,10 +4141,10 @@
         <a:lstStyle/>
         <a:p>
           <a:r>
-            <a:rPr lang="en-US" dirty="0"/>
+            <a:rPr lang="en-US" i="1" dirty="0"/>
             <a:t>printQA.bat</a:t>
           </a:r>
-          <a:endParaRPr lang="fr-CA" dirty="0"/>
+          <a:endParaRPr lang="fr-CA" i="1" dirty="0"/>
         </a:p>
       </dgm:t>
     </dgm:pt>
@@ -3490,7 +4244,7 @@
       <dgm:spPr/>
     </dgm:pt>
     <dgm:pt modelId="{CA698B96-2FDD-477F-82FD-3398AEE00C53}" type="pres">
-      <dgm:prSet presAssocID="{E91B2509-2172-40BF-92BF-95C71C842B9D}" presName="Name37" presStyleLbl="parChTrans1D3" presStyleIdx="0" presStyleCnt="4"/>
+      <dgm:prSet presAssocID="{E91B2509-2172-40BF-92BF-95C71C842B9D}" presName="Name37" presStyleLbl="parChTrans1D3" presStyleIdx="0" presStyleCnt="5"/>
       <dgm:spPr/>
     </dgm:pt>
     <dgm:pt modelId="{473DEF0C-42E2-4A50-856D-1F839CCF32C4}" type="pres">
@@ -3506,7 +4260,7 @@
       <dgm:spPr/>
     </dgm:pt>
     <dgm:pt modelId="{CB2F9E2B-60EC-401F-A7AE-483C76BC0EC4}" type="pres">
-      <dgm:prSet presAssocID="{C1DA3676-0503-49EC-84DF-0840E579CFEF}" presName="rootText" presStyleLbl="node3" presStyleIdx="0" presStyleCnt="3">
+      <dgm:prSet presAssocID="{C1DA3676-0503-49EC-84DF-0840E579CFEF}" presName="rootText" presStyleLbl="node3" presStyleIdx="0" presStyleCnt="4">
         <dgm:presLayoutVars>
           <dgm:chPref val="3"/>
         </dgm:presLayoutVars>
@@ -3514,15 +4268,19 @@
       <dgm:spPr/>
     </dgm:pt>
     <dgm:pt modelId="{87894099-6401-42BD-9593-FCCC7AE42C49}" type="pres">
-      <dgm:prSet presAssocID="{C1DA3676-0503-49EC-84DF-0840E579CFEF}" presName="rootConnector" presStyleLbl="node3" presStyleIdx="0" presStyleCnt="3"/>
+      <dgm:prSet presAssocID="{C1DA3676-0503-49EC-84DF-0840E579CFEF}" presName="rootConnector" presStyleLbl="node3" presStyleIdx="0" presStyleCnt="4"/>
       <dgm:spPr/>
     </dgm:pt>
     <dgm:pt modelId="{5AB908CA-153D-4CCC-9357-A7CB91FB315D}" type="pres">
       <dgm:prSet presAssocID="{C1DA3676-0503-49EC-84DF-0840E579CFEF}" presName="hierChild4" presStyleCnt="0"/>
       <dgm:spPr/>
     </dgm:pt>
+    <dgm:pt modelId="{887CC9D3-38FE-45D6-B05D-3A8EDEAEB30E}" type="pres">
+      <dgm:prSet presAssocID="{C1DA3676-0503-49EC-84DF-0840E579CFEF}" presName="hierChild5" presStyleCnt="0"/>
+      <dgm:spPr/>
+    </dgm:pt>
     <dgm:pt modelId="{28A959D3-8E8F-4C33-8E58-743CD226A445}" type="pres">
-      <dgm:prSet presAssocID="{8F3C6AC4-A53B-4B83-A481-13534CEBBE7D}" presName="Name37" presStyleLbl="parChTrans1D4" presStyleIdx="0" presStyleCnt="2"/>
+      <dgm:prSet presAssocID="{8F3C6AC4-A53B-4B83-A481-13534CEBBE7D}" presName="Name37" presStyleLbl="parChTrans1D3" presStyleIdx="1" presStyleCnt="5"/>
       <dgm:spPr/>
     </dgm:pt>
     <dgm:pt modelId="{9942EE3E-75B3-40C5-9515-14C899144BE6}" type="pres">
@@ -3538,7 +4296,7 @@
       <dgm:spPr/>
     </dgm:pt>
     <dgm:pt modelId="{227A2695-8EBE-4628-A9EE-801697A0D3C2}" type="pres">
-      <dgm:prSet presAssocID="{4DE9C598-B23B-4383-915B-55E3A905EC09}" presName="rootText" presStyleLbl="node4" presStyleIdx="0" presStyleCnt="1">
+      <dgm:prSet presAssocID="{4DE9C598-B23B-4383-915B-55E3A905EC09}" presName="rootText" presStyleLbl="node3" presStyleIdx="1" presStyleCnt="4">
         <dgm:presLayoutVars>
           <dgm:chPref val="3"/>
         </dgm:presLayoutVars>
@@ -3546,7 +4304,7 @@
       <dgm:spPr/>
     </dgm:pt>
     <dgm:pt modelId="{EAF98DA0-A25D-4689-9A35-0FB204C4D414}" type="pres">
-      <dgm:prSet presAssocID="{4DE9C598-B23B-4383-915B-55E3A905EC09}" presName="rootConnector" presStyleLbl="node4" presStyleIdx="0" presStyleCnt="1"/>
+      <dgm:prSet presAssocID="{4DE9C598-B23B-4383-915B-55E3A905EC09}" presName="rootConnector" presStyleLbl="node3" presStyleIdx="1" presStyleCnt="4"/>
       <dgm:spPr/>
     </dgm:pt>
     <dgm:pt modelId="{B1130AF9-6FE0-4F08-9475-22188116C08D}" type="pres">
@@ -3558,7 +4316,7 @@
       <dgm:spPr/>
     </dgm:pt>
     <dgm:pt modelId="{CA2AF3D0-A783-4F4A-AF16-39637F115AA6}" type="pres">
-      <dgm:prSet presAssocID="{A7BDC5C7-F208-4337-83DA-CEAB2AF8A6E8}" presName="Name111" presStyleLbl="parChTrans1D4" presStyleIdx="1" presStyleCnt="2"/>
+      <dgm:prSet presAssocID="{A7BDC5C7-F208-4337-83DA-CEAB2AF8A6E8}" presName="Name111" presStyleLbl="parChTrans1D4" presStyleIdx="0" presStyleCnt="1"/>
       <dgm:spPr/>
     </dgm:pt>
     <dgm:pt modelId="{1A754903-320B-4D58-8D1D-B1046E7A0C09}" type="pres">
@@ -3574,7 +4332,7 @@
       <dgm:spPr/>
     </dgm:pt>
     <dgm:pt modelId="{54DB9B34-E7B2-41DC-B13D-F457F995CDFC}" type="pres">
-      <dgm:prSet presAssocID="{A7E99E54-94B2-4D9C-82A3-E8D7CBB0FC6A}" presName="rootText3" presStyleLbl="asst4" presStyleIdx="0" presStyleCnt="1">
+      <dgm:prSet presAssocID="{A7E99E54-94B2-4D9C-82A3-E8D7CBB0FC6A}" presName="rootText3" presStyleLbl="asst3" presStyleIdx="0" presStyleCnt="1">
         <dgm:presLayoutVars>
           <dgm:chPref val="3"/>
         </dgm:presLayoutVars>
@@ -3582,7 +4340,7 @@
       <dgm:spPr/>
     </dgm:pt>
     <dgm:pt modelId="{89957609-8B97-47C3-AEE9-6DD7393B124C}" type="pres">
-      <dgm:prSet presAssocID="{A7E99E54-94B2-4D9C-82A3-E8D7CBB0FC6A}" presName="rootConnector3" presStyleLbl="asst4" presStyleIdx="0" presStyleCnt="1"/>
+      <dgm:prSet presAssocID="{A7E99E54-94B2-4D9C-82A3-E8D7CBB0FC6A}" presName="rootConnector3" presStyleLbl="asst3" presStyleIdx="0" presStyleCnt="1"/>
       <dgm:spPr/>
     </dgm:pt>
     <dgm:pt modelId="{98A76313-0002-4F08-8C2A-2C9E7CF86A01}" type="pres">
@@ -3593,12 +4351,8 @@
       <dgm:prSet presAssocID="{A7E99E54-94B2-4D9C-82A3-E8D7CBB0FC6A}" presName="hierChild7" presStyleCnt="0"/>
       <dgm:spPr/>
     </dgm:pt>
-    <dgm:pt modelId="{887CC9D3-38FE-45D6-B05D-3A8EDEAEB30E}" type="pres">
-      <dgm:prSet presAssocID="{C1DA3676-0503-49EC-84DF-0840E579CFEF}" presName="hierChild5" presStyleCnt="0"/>
-      <dgm:spPr/>
-    </dgm:pt>
     <dgm:pt modelId="{D2C33EE2-902F-4DEC-A486-716BCF9C574A}" type="pres">
-      <dgm:prSet presAssocID="{5E696FD1-73A9-49CE-9C82-A67D5179851A}" presName="Name37" presStyleLbl="parChTrans1D3" presStyleIdx="1" presStyleCnt="4"/>
+      <dgm:prSet presAssocID="{5E696FD1-73A9-49CE-9C82-A67D5179851A}" presName="Name37" presStyleLbl="parChTrans1D3" presStyleIdx="2" presStyleCnt="5"/>
       <dgm:spPr/>
     </dgm:pt>
     <dgm:pt modelId="{ECCFF307-6359-4DCA-BF55-ED05B5388428}" type="pres">
@@ -3614,7 +4368,7 @@
       <dgm:spPr/>
     </dgm:pt>
     <dgm:pt modelId="{E16286B1-F6DD-435B-8D33-2273810FC772}" type="pres">
-      <dgm:prSet presAssocID="{DCC0585E-4EEF-477E-9E64-47DB63E3B1F0}" presName="rootText" presStyleLbl="node3" presStyleIdx="1" presStyleCnt="3">
+      <dgm:prSet presAssocID="{DCC0585E-4EEF-477E-9E64-47DB63E3B1F0}" presName="rootText" presStyleLbl="node3" presStyleIdx="2" presStyleCnt="4">
         <dgm:presLayoutVars>
           <dgm:chPref val="3"/>
         </dgm:presLayoutVars>
@@ -3622,7 +4376,7 @@
       <dgm:spPr/>
     </dgm:pt>
     <dgm:pt modelId="{05167FCA-E22E-4DDC-A69D-5406D39E103B}" type="pres">
-      <dgm:prSet presAssocID="{DCC0585E-4EEF-477E-9E64-47DB63E3B1F0}" presName="rootConnector" presStyleLbl="node3" presStyleIdx="1" presStyleCnt="3"/>
+      <dgm:prSet presAssocID="{DCC0585E-4EEF-477E-9E64-47DB63E3B1F0}" presName="rootConnector" presStyleLbl="node3" presStyleIdx="2" presStyleCnt="4"/>
       <dgm:spPr/>
     </dgm:pt>
     <dgm:pt modelId="{04B065D9-B02C-48CA-909E-658C017FE0CF}" type="pres">
@@ -3634,7 +4388,7 @@
       <dgm:spPr/>
     </dgm:pt>
     <dgm:pt modelId="{36F9C691-4B50-4159-9F42-B35EF32A6B44}" type="pres">
-      <dgm:prSet presAssocID="{F92BA4C8-D8E7-4F76-9AE8-619682ED5A87}" presName="Name37" presStyleLbl="parChTrans1D3" presStyleIdx="2" presStyleCnt="4"/>
+      <dgm:prSet presAssocID="{F92BA4C8-D8E7-4F76-9AE8-619682ED5A87}" presName="Name37" presStyleLbl="parChTrans1D3" presStyleIdx="3" presStyleCnt="5"/>
       <dgm:spPr/>
     </dgm:pt>
     <dgm:pt modelId="{312C63B7-2356-4591-A8D8-CB4355394DE3}" type="pres">
@@ -3650,7 +4404,7 @@
       <dgm:spPr/>
     </dgm:pt>
     <dgm:pt modelId="{B7B9E35F-3141-4501-8C8E-ECDBA7C3D699}" type="pres">
-      <dgm:prSet presAssocID="{4A4E3E50-38C2-4C3C-AE96-953BA26A11C9}" presName="rootText" presStyleLbl="node3" presStyleIdx="2" presStyleCnt="3">
+      <dgm:prSet presAssocID="{4A4E3E50-38C2-4C3C-AE96-953BA26A11C9}" presName="rootText" presStyleLbl="node3" presStyleIdx="3" presStyleCnt="4">
         <dgm:presLayoutVars>
           <dgm:chPref val="3"/>
         </dgm:presLayoutVars>
@@ -3658,7 +4412,7 @@
       <dgm:spPr/>
     </dgm:pt>
     <dgm:pt modelId="{7914E8B1-80D5-4A71-9775-0A174E4B78BC}" type="pres">
-      <dgm:prSet presAssocID="{4A4E3E50-38C2-4C3C-AE96-953BA26A11C9}" presName="rootConnector" presStyleLbl="node3" presStyleIdx="2" presStyleCnt="3"/>
+      <dgm:prSet presAssocID="{4A4E3E50-38C2-4C3C-AE96-953BA26A11C9}" presName="rootConnector" presStyleLbl="node3" presStyleIdx="3" presStyleCnt="4"/>
       <dgm:spPr/>
     </dgm:pt>
     <dgm:pt modelId="{9A41BE5B-11A2-49DE-9691-74C1D4BA987E}" type="pres">
@@ -3674,7 +4428,7 @@
       <dgm:spPr/>
     </dgm:pt>
     <dgm:pt modelId="{FC040049-51F5-41BD-8A19-8EF975D2FEC2}" type="pres">
-      <dgm:prSet presAssocID="{F5961BDC-783E-4C07-BC92-9011F5BBD285}" presName="Name111" presStyleLbl="parChTrans1D3" presStyleIdx="3" presStyleCnt="4"/>
+      <dgm:prSet presAssocID="{F5961BDC-783E-4C07-BC92-9011F5BBD285}" presName="Name111" presStyleLbl="parChTrans1D3" presStyleIdx="4" presStyleCnt="5"/>
       <dgm:spPr/>
     </dgm:pt>
     <dgm:pt modelId="{E0DB40E2-3599-401C-9680-5F546B644036}" type="pres">
@@ -3715,12 +4469,11 @@
     </dgm:pt>
   </dgm:ptLst>
   <dgm:cxnLst>
+    <dgm:cxn modelId="{EC288514-5953-4371-B614-67E2587A0632}" type="presOf" srcId="{8F3C6AC4-A53B-4B83-A481-13534CEBBE7D}" destId="{28A959D3-8E8F-4C33-8E58-743CD226A445}" srcOrd="0" destOrd="0" presId="urn:microsoft.com/office/officeart/2005/8/layout/orgChart1"/>
     <dgm:cxn modelId="{E6F4F318-A20C-4F11-A512-B27325BAF16D}" type="presOf" srcId="{1763EED3-26D7-4B0E-B022-1B72A013A70C}" destId="{CDB323ED-45A3-4822-B212-E9401A6C85A9}" srcOrd="1" destOrd="0" presId="urn:microsoft.com/office/officeart/2005/8/layout/orgChart1"/>
     <dgm:cxn modelId="{824EB01B-7989-4B5E-B04F-F041A0FBE0D9}" type="presOf" srcId="{12B359AD-F8D0-452E-9FE6-4E1434D70F15}" destId="{62E9EE9C-9C61-429A-9C9D-4DB0E88E4329}" srcOrd="1" destOrd="0" presId="urn:microsoft.com/office/officeart/2005/8/layout/orgChart1"/>
     <dgm:cxn modelId="{4D05E120-7DBB-46A6-B2C5-DF7850427A80}" type="presOf" srcId="{5E696FD1-73A9-49CE-9C82-A67D5179851A}" destId="{D2C33EE2-902F-4DEC-A486-716BCF9C574A}" srcOrd="0" destOrd="0" presId="urn:microsoft.com/office/officeart/2005/8/layout/orgChart1"/>
-    <dgm:cxn modelId="{8D0A1D34-09B3-4846-A91A-D43CDAF6AEFA}" type="presOf" srcId="{8F3C6AC4-A53B-4B83-A481-13534CEBBE7D}" destId="{28A959D3-8E8F-4C33-8E58-743CD226A445}" srcOrd="0" destOrd="0" presId="urn:microsoft.com/office/officeart/2005/8/layout/orgChart1"/>
-    <dgm:cxn modelId="{31F00B39-8CBC-475C-8F15-D1EF04A41CE0}" type="presOf" srcId="{A7E99E54-94B2-4D9C-82A3-E8D7CBB0FC6A}" destId="{89957609-8B97-47C3-AEE9-6DD7393B124C}" srcOrd="1" destOrd="0" presId="urn:microsoft.com/office/officeart/2005/8/layout/orgChart1"/>
-    <dgm:cxn modelId="{F3CF775F-6962-41CF-820F-F685A757F0F6}" type="presOf" srcId="{4DE9C598-B23B-4383-915B-55E3A905EC09}" destId="{227A2695-8EBE-4628-A9EE-801697A0D3C2}" srcOrd="0" destOrd="0" presId="urn:microsoft.com/office/officeart/2005/8/layout/orgChart1"/>
+    <dgm:cxn modelId="{D4789563-D13B-4B08-BDCA-385B520F591F}" type="presOf" srcId="{A7BDC5C7-F208-4337-83DA-CEAB2AF8A6E8}" destId="{CA2AF3D0-A783-4F4A-AF16-39637F115AA6}" srcOrd="0" destOrd="0" presId="urn:microsoft.com/office/officeart/2005/8/layout/orgChart1"/>
     <dgm:cxn modelId="{B22BB143-FF24-4728-B175-EA1552D06D94}" type="presOf" srcId="{B11103E8-CD81-40BE-B579-4FCAB035D7D0}" destId="{4E2D0EDB-C4D6-450E-83EA-96CF439066D6}" srcOrd="1" destOrd="0" presId="urn:microsoft.com/office/officeart/2005/8/layout/orgChart1"/>
     <dgm:cxn modelId="{175ED643-4624-4279-9AC0-71B49AB06463}" type="presOf" srcId="{12B359AD-F8D0-452E-9FE6-4E1434D70F15}" destId="{92DD8E95-5792-4CAF-BBE2-B190055FFE9B}" srcOrd="0" destOrd="0" presId="urn:microsoft.com/office/officeart/2005/8/layout/orgChart1"/>
     <dgm:cxn modelId="{19586B45-307A-4F82-965B-3618C233D3C3}" type="presOf" srcId="{C1DA3676-0503-49EC-84DF-0840E579CFEF}" destId="{87894099-6401-42BD-9593-FCCC7AE42C49}" srcOrd="1" destOrd="0" presId="urn:microsoft.com/office/officeart/2005/8/layout/orgChart1"/>
@@ -3728,25 +4481,26 @@
     <dgm:cxn modelId="{5F4F376D-5620-4216-AF82-C04C5F55E5B0}" type="presOf" srcId="{DCC0585E-4EEF-477E-9E64-47DB63E3B1F0}" destId="{E16286B1-F6DD-435B-8D33-2273810FC772}" srcOrd="0" destOrd="0" presId="urn:microsoft.com/office/officeart/2005/8/layout/orgChart1"/>
     <dgm:cxn modelId="{56DEE571-1D10-4A28-9146-2F3255577C1A}" srcId="{B11103E8-CD81-40BE-B579-4FCAB035D7D0}" destId="{C1DA3676-0503-49EC-84DF-0840E579CFEF}" srcOrd="0" destOrd="0" parTransId="{E91B2509-2172-40BF-92BF-95C71C842B9D}" sibTransId="{249178E8-CF68-4256-8FB4-C392210D1F0F}"/>
     <dgm:cxn modelId="{1DE58273-423C-4229-8419-B58F7186758D}" type="presOf" srcId="{F92BA4C8-D8E7-4F76-9AE8-619682ED5A87}" destId="{36F9C691-4B50-4159-9F42-B35EF32A6B44}" srcOrd="0" destOrd="0" presId="urn:microsoft.com/office/officeart/2005/8/layout/orgChart1"/>
-    <dgm:cxn modelId="{0DB9C854-3B70-404C-A109-1A1CFB916127}" type="presOf" srcId="{A7BDC5C7-F208-4337-83DA-CEAB2AF8A6E8}" destId="{CA2AF3D0-A783-4F4A-AF16-39637F115AA6}" srcOrd="0" destOrd="0" presId="urn:microsoft.com/office/officeart/2005/8/layout/orgChart1"/>
-    <dgm:cxn modelId="{933C0776-BD08-42D1-ADA6-BA5B5B3BC905}" srcId="{B11103E8-CD81-40BE-B579-4FCAB035D7D0}" destId="{DCC0585E-4EEF-477E-9E64-47DB63E3B1F0}" srcOrd="1" destOrd="0" parTransId="{5E696FD1-73A9-49CE-9C82-A67D5179851A}" sibTransId="{D959DD05-460A-431F-803F-199126E0D621}"/>
+    <dgm:cxn modelId="{933C0776-BD08-42D1-ADA6-BA5B5B3BC905}" srcId="{B11103E8-CD81-40BE-B579-4FCAB035D7D0}" destId="{DCC0585E-4EEF-477E-9E64-47DB63E3B1F0}" srcOrd="2" destOrd="0" parTransId="{5E696FD1-73A9-49CE-9C82-A67D5179851A}" sibTransId="{D959DD05-460A-431F-803F-199126E0D621}"/>
     <dgm:cxn modelId="{A0CB5C58-44FD-4B28-8DA0-AC4381DFBDCD}" type="presOf" srcId="{4A4E3E50-38C2-4C3C-AE96-953BA26A11C9}" destId="{B7B9E35F-3141-4501-8C8E-ECDBA7C3D699}" srcOrd="0" destOrd="0" presId="urn:microsoft.com/office/officeart/2005/8/layout/orgChart1"/>
     <dgm:cxn modelId="{67EF6583-DA13-4DCD-B2C7-E01EC5ABDE4A}" srcId="{EC376E4E-E648-41DA-86DB-8DA8BA5FAEC7}" destId="{12B359AD-F8D0-452E-9FE6-4E1434D70F15}" srcOrd="0" destOrd="0" parTransId="{F38279A6-DA67-4CAC-9D98-9FD4DBAA81BE}" sibTransId="{718721CD-C249-4EFA-880F-8D85A96569A0}"/>
     <dgm:cxn modelId="{B6C0118D-A2B4-48B2-9D92-51426B77C601}" type="presOf" srcId="{F5961BDC-783E-4C07-BC92-9011F5BBD285}" destId="{FC040049-51F5-41BD-8A19-8EF975D2FEC2}" srcOrd="0" destOrd="0" presId="urn:microsoft.com/office/officeart/2005/8/layout/orgChart1"/>
-    <dgm:cxn modelId="{909F9790-969F-4EBC-B8F3-0D35ACBC0D5C}" srcId="{C1DA3676-0503-49EC-84DF-0840E579CFEF}" destId="{4DE9C598-B23B-4383-915B-55E3A905EC09}" srcOrd="0" destOrd="0" parTransId="{8F3C6AC4-A53B-4B83-A481-13534CEBBE7D}" sibTransId="{F02FEB7E-1FF2-4F4C-AAA3-981FB56FC271}"/>
+    <dgm:cxn modelId="{909F9790-969F-4EBC-B8F3-0D35ACBC0D5C}" srcId="{B11103E8-CD81-40BE-B579-4FCAB035D7D0}" destId="{4DE9C598-B23B-4383-915B-55E3A905EC09}" srcOrd="1" destOrd="0" parTransId="{8F3C6AC4-A53B-4B83-A481-13534CEBBE7D}" sibTransId="{F02FEB7E-1FF2-4F4C-AAA3-981FB56FC271}"/>
     <dgm:cxn modelId="{907E7297-C1DA-4B69-BFF9-98329E5D3995}" type="presOf" srcId="{C1DA3676-0503-49EC-84DF-0840E579CFEF}" destId="{CB2F9E2B-60EC-401F-A7AE-483C76BC0EC4}" srcOrd="0" destOrd="0" presId="urn:microsoft.com/office/officeart/2005/8/layout/orgChart1"/>
     <dgm:cxn modelId="{E964689A-B3A3-4628-A308-30C81D211922}" type="presOf" srcId="{EC376E4E-E648-41DA-86DB-8DA8BA5FAEC7}" destId="{1FB3CEF6-77BB-4E6C-A2DD-4A3F7EC690C5}" srcOrd="0" destOrd="0" presId="urn:microsoft.com/office/officeart/2005/8/layout/orgChart1"/>
+    <dgm:cxn modelId="{E02A83A2-B2E9-46F4-AF77-D471A4A0459A}" type="presOf" srcId="{4DE9C598-B23B-4383-915B-55E3A905EC09}" destId="{EAF98DA0-A25D-4689-9A35-0FB204C4D414}" srcOrd="1" destOrd="0" presId="urn:microsoft.com/office/officeart/2005/8/layout/orgChart1"/>
     <dgm:cxn modelId="{169577A9-2FA2-4D9B-B2B3-3293E28A18B5}" srcId="{12B359AD-F8D0-452E-9FE6-4E1434D70F15}" destId="{B11103E8-CD81-40BE-B579-4FCAB035D7D0}" srcOrd="0" destOrd="0" parTransId="{8EAAB40C-C46B-4763-9B19-143C18560BB8}" sibTransId="{066CED9E-DDC2-4B20-81DF-84AEF02375EA}"/>
-    <dgm:cxn modelId="{DB621BB4-1721-46CA-9C90-60643B419F26}" srcId="{B11103E8-CD81-40BE-B579-4FCAB035D7D0}" destId="{1763EED3-26D7-4B0E-B022-1B72A013A70C}" srcOrd="3" destOrd="0" parTransId="{F5961BDC-783E-4C07-BC92-9011F5BBD285}" sibTransId="{8B6F1219-C0C9-42EE-A202-422710B569C5}"/>
+    <dgm:cxn modelId="{DB621BB4-1721-46CA-9C90-60643B419F26}" srcId="{B11103E8-CD81-40BE-B579-4FCAB035D7D0}" destId="{1763EED3-26D7-4B0E-B022-1B72A013A70C}" srcOrd="4" destOrd="0" parTransId="{F5961BDC-783E-4C07-BC92-9011F5BBD285}" sibTransId="{8B6F1219-C0C9-42EE-A202-422710B569C5}"/>
+    <dgm:cxn modelId="{8A53A4C3-6031-4734-B3C1-7BBE70A6195C}" type="presOf" srcId="{A7E99E54-94B2-4D9C-82A3-E8D7CBB0FC6A}" destId="{54DB9B34-E7B2-41DC-B13D-F457F995CDFC}" srcOrd="0" destOrd="0" presId="urn:microsoft.com/office/officeart/2005/8/layout/orgChart1"/>
     <dgm:cxn modelId="{2D5715C6-4B16-4AF8-A0C8-2697B477409C}" type="presOf" srcId="{4A4E3E50-38C2-4C3C-AE96-953BA26A11C9}" destId="{7914E8B1-80D5-4A71-9775-0A174E4B78BC}" srcOrd="1" destOrd="0" presId="urn:microsoft.com/office/officeart/2005/8/layout/orgChart1"/>
-    <dgm:cxn modelId="{B7539ECA-B938-48FC-B61B-70406F9AFC28}" type="presOf" srcId="{A7E99E54-94B2-4D9C-82A3-E8D7CBB0FC6A}" destId="{54DB9B34-E7B2-41DC-B13D-F457F995CDFC}" srcOrd="0" destOrd="0" presId="urn:microsoft.com/office/officeart/2005/8/layout/orgChart1"/>
     <dgm:cxn modelId="{756917CD-3304-41C1-83A7-9955CB260BC6}" type="presOf" srcId="{8EAAB40C-C46B-4763-9B19-143C18560BB8}" destId="{4F485F08-228B-4F23-9920-ED58748DD612}" srcOrd="0" destOrd="0" presId="urn:microsoft.com/office/officeart/2005/8/layout/orgChart1"/>
-    <dgm:cxn modelId="{468D41CD-3E05-4B9E-B09A-52FE7FA852E2}" type="presOf" srcId="{4DE9C598-B23B-4383-915B-55E3A905EC09}" destId="{EAF98DA0-A25D-4689-9A35-0FB204C4D414}" srcOrd="1" destOrd="0" presId="urn:microsoft.com/office/officeart/2005/8/layout/orgChart1"/>
     <dgm:cxn modelId="{027DE8CD-8FAF-4678-A5D7-7F37B082E9FC}" type="presOf" srcId="{DCC0585E-4EEF-477E-9E64-47DB63E3B1F0}" destId="{05167FCA-E22E-4DDC-A69D-5406D39E103B}" srcOrd="1" destOrd="0" presId="urn:microsoft.com/office/officeart/2005/8/layout/orgChart1"/>
     <dgm:cxn modelId="{931F97D1-3692-4A52-A385-70D3E0FA82DE}" type="presOf" srcId="{E91B2509-2172-40BF-92BF-95C71C842B9D}" destId="{CA698B96-2FDD-477F-82FD-3398AEE00C53}" srcOrd="0" destOrd="0" presId="urn:microsoft.com/office/officeart/2005/8/layout/orgChart1"/>
-    <dgm:cxn modelId="{F1DC65E4-3406-49EF-8BD7-3B43D972B953}" srcId="{B11103E8-CD81-40BE-B579-4FCAB035D7D0}" destId="{4A4E3E50-38C2-4C3C-AE96-953BA26A11C9}" srcOrd="2" destOrd="0" parTransId="{F92BA4C8-D8E7-4F76-9AE8-619682ED5A87}" sibTransId="{F4856804-261D-4CA9-AEA7-CB9CCF3B24D3}"/>
+    <dgm:cxn modelId="{F1DC65E4-3406-49EF-8BD7-3B43D972B953}" srcId="{B11103E8-CD81-40BE-B579-4FCAB035D7D0}" destId="{4A4E3E50-38C2-4C3C-AE96-953BA26A11C9}" srcOrd="3" destOrd="0" parTransId="{F92BA4C8-D8E7-4F76-9AE8-619682ED5A87}" sibTransId="{F4856804-261D-4CA9-AEA7-CB9CCF3B24D3}"/>
     <dgm:cxn modelId="{9C4E09F7-60C7-4A17-883C-565801E26701}" srcId="{4DE9C598-B23B-4383-915B-55E3A905EC09}" destId="{A7E99E54-94B2-4D9C-82A3-E8D7CBB0FC6A}" srcOrd="0" destOrd="0" parTransId="{A7BDC5C7-F208-4337-83DA-CEAB2AF8A6E8}" sibTransId="{E5ADC721-8733-4901-A13E-0A3C1A6D9EA5}"/>
     <dgm:cxn modelId="{ECEF2BFB-C19C-4668-B0B2-A06335D9AE4F}" type="presOf" srcId="{B11103E8-CD81-40BE-B579-4FCAB035D7D0}" destId="{F58A63D3-C78F-4550-80E7-D69343F847C2}" srcOrd="0" destOrd="0" presId="urn:microsoft.com/office/officeart/2005/8/layout/orgChart1"/>
+    <dgm:cxn modelId="{AE87FEFC-59F2-4DF6-8D52-F70F37326785}" type="presOf" srcId="{A7E99E54-94B2-4D9C-82A3-E8D7CBB0FC6A}" destId="{89957609-8B97-47C3-AEE9-6DD7393B124C}" srcOrd="1" destOrd="0" presId="urn:microsoft.com/office/officeart/2005/8/layout/orgChart1"/>
+    <dgm:cxn modelId="{EB5FA7FD-5722-430D-B7E6-B49228A21E43}" type="presOf" srcId="{4DE9C598-B23B-4383-915B-55E3A905EC09}" destId="{227A2695-8EBE-4628-A9EE-801697A0D3C2}" srcOrd="0" destOrd="0" presId="urn:microsoft.com/office/officeart/2005/8/layout/orgChart1"/>
     <dgm:cxn modelId="{F8AE411A-888F-4808-82E6-D9EAF27B6589}" type="presParOf" srcId="{1FB3CEF6-77BB-4E6C-A2DD-4A3F7EC690C5}" destId="{84C532CC-3D97-41C5-A04C-B26E921B2E45}" srcOrd="0" destOrd="0" presId="urn:microsoft.com/office/officeart/2005/8/layout/orgChart1"/>
     <dgm:cxn modelId="{AE0A2488-916C-43F6-8CD4-394EF7D7915B}" type="presParOf" srcId="{84C532CC-3D97-41C5-A04C-B26E921B2E45}" destId="{B29178D1-3B14-49B7-A807-CA017500D4CA}" srcOrd="0" destOrd="0" presId="urn:microsoft.com/office/officeart/2005/8/layout/orgChart1"/>
     <dgm:cxn modelId="{F0F2338B-EDD3-4623-97AB-FAA7FF7D98A4}" type="presParOf" srcId="{B29178D1-3B14-49B7-A807-CA017500D4CA}" destId="{92DD8E95-5792-4CAF-BBE2-B190055FFE9B}" srcOrd="0" destOrd="0" presId="urn:microsoft.com/office/officeart/2005/8/layout/orgChart1"/>
@@ -3764,30 +4518,30 @@
     <dgm:cxn modelId="{F8361AC3-010C-4552-88A4-09040E8F894E}" type="presParOf" srcId="{4624B90A-4132-4200-8AA0-82A7A6868243}" destId="{CB2F9E2B-60EC-401F-A7AE-483C76BC0EC4}" srcOrd="0" destOrd="0" presId="urn:microsoft.com/office/officeart/2005/8/layout/orgChart1"/>
     <dgm:cxn modelId="{86B63F77-1C87-4122-ADEE-F18936B8014A}" type="presParOf" srcId="{4624B90A-4132-4200-8AA0-82A7A6868243}" destId="{87894099-6401-42BD-9593-FCCC7AE42C49}" srcOrd="1" destOrd="0" presId="urn:microsoft.com/office/officeart/2005/8/layout/orgChart1"/>
     <dgm:cxn modelId="{34DA4E50-A3AA-4591-8293-F703820B1B36}" type="presParOf" srcId="{473DEF0C-42E2-4A50-856D-1F839CCF32C4}" destId="{5AB908CA-153D-4CCC-9357-A7CB91FB315D}" srcOrd="1" destOrd="0" presId="urn:microsoft.com/office/officeart/2005/8/layout/orgChart1"/>
-    <dgm:cxn modelId="{4F2697BB-0902-4FDB-A504-6B9EF1F58A8E}" type="presParOf" srcId="{5AB908CA-153D-4CCC-9357-A7CB91FB315D}" destId="{28A959D3-8E8F-4C33-8E58-743CD226A445}" srcOrd="0" destOrd="0" presId="urn:microsoft.com/office/officeart/2005/8/layout/orgChart1"/>
-    <dgm:cxn modelId="{BA9BC2E7-4711-4140-8A19-21B835C44172}" type="presParOf" srcId="{5AB908CA-153D-4CCC-9357-A7CB91FB315D}" destId="{9942EE3E-75B3-40C5-9515-14C899144BE6}" srcOrd="1" destOrd="0" presId="urn:microsoft.com/office/officeart/2005/8/layout/orgChart1"/>
-    <dgm:cxn modelId="{07A241F6-03CA-45C1-988D-8E41EE674513}" type="presParOf" srcId="{9942EE3E-75B3-40C5-9515-14C899144BE6}" destId="{95254029-3A83-4A07-BCC7-CAD6C2DADFEC}" srcOrd="0" destOrd="0" presId="urn:microsoft.com/office/officeart/2005/8/layout/orgChart1"/>
-    <dgm:cxn modelId="{C8157D12-257E-42F8-AEB2-84C2B077746D}" type="presParOf" srcId="{95254029-3A83-4A07-BCC7-CAD6C2DADFEC}" destId="{227A2695-8EBE-4628-A9EE-801697A0D3C2}" srcOrd="0" destOrd="0" presId="urn:microsoft.com/office/officeart/2005/8/layout/orgChart1"/>
-    <dgm:cxn modelId="{C2F62133-E14A-4DB4-8B26-63B8F1C7E986}" type="presParOf" srcId="{95254029-3A83-4A07-BCC7-CAD6C2DADFEC}" destId="{EAF98DA0-A25D-4689-9A35-0FB204C4D414}" srcOrd="1" destOrd="0" presId="urn:microsoft.com/office/officeart/2005/8/layout/orgChart1"/>
-    <dgm:cxn modelId="{0061ACD8-A2B5-4C85-A65B-85D68E591102}" type="presParOf" srcId="{9942EE3E-75B3-40C5-9515-14C899144BE6}" destId="{B1130AF9-6FE0-4F08-9475-22188116C08D}" srcOrd="1" destOrd="0" presId="urn:microsoft.com/office/officeart/2005/8/layout/orgChart1"/>
-    <dgm:cxn modelId="{514D2630-45AF-4B31-A6AD-C8C6F30E66B4}" type="presParOf" srcId="{9942EE3E-75B3-40C5-9515-14C899144BE6}" destId="{6AF3239C-18A1-4CE8-A367-70E1469921B0}" srcOrd="2" destOrd="0" presId="urn:microsoft.com/office/officeart/2005/8/layout/orgChart1"/>
-    <dgm:cxn modelId="{88ECD62C-95E6-473D-801A-0E5FA7C12BC1}" type="presParOf" srcId="{6AF3239C-18A1-4CE8-A367-70E1469921B0}" destId="{CA2AF3D0-A783-4F4A-AF16-39637F115AA6}" srcOrd="0" destOrd="0" presId="urn:microsoft.com/office/officeart/2005/8/layout/orgChart1"/>
-    <dgm:cxn modelId="{5E190869-AA85-4E80-9D0C-865F84883317}" type="presParOf" srcId="{6AF3239C-18A1-4CE8-A367-70E1469921B0}" destId="{1A754903-320B-4D58-8D1D-B1046E7A0C09}" srcOrd="1" destOrd="0" presId="urn:microsoft.com/office/officeart/2005/8/layout/orgChart1"/>
-    <dgm:cxn modelId="{DD5AC1A5-A7AC-4677-8BC3-2A9B6F5EE010}" type="presParOf" srcId="{1A754903-320B-4D58-8D1D-B1046E7A0C09}" destId="{1ED732C6-4FB8-4A1E-BC80-51448E89ECFB}" srcOrd="0" destOrd="0" presId="urn:microsoft.com/office/officeart/2005/8/layout/orgChart1"/>
-    <dgm:cxn modelId="{29FFC726-7B34-4077-B524-FBAAF1AAE301}" type="presParOf" srcId="{1ED732C6-4FB8-4A1E-BC80-51448E89ECFB}" destId="{54DB9B34-E7B2-41DC-B13D-F457F995CDFC}" srcOrd="0" destOrd="0" presId="urn:microsoft.com/office/officeart/2005/8/layout/orgChart1"/>
-    <dgm:cxn modelId="{70E57AEB-F3FF-48F8-8048-D04CEE924846}" type="presParOf" srcId="{1ED732C6-4FB8-4A1E-BC80-51448E89ECFB}" destId="{89957609-8B97-47C3-AEE9-6DD7393B124C}" srcOrd="1" destOrd="0" presId="urn:microsoft.com/office/officeart/2005/8/layout/orgChart1"/>
-    <dgm:cxn modelId="{D857CE09-780D-4BD0-A9BE-8172EFDB9359}" type="presParOf" srcId="{1A754903-320B-4D58-8D1D-B1046E7A0C09}" destId="{98A76313-0002-4F08-8C2A-2C9E7CF86A01}" srcOrd="1" destOrd="0" presId="urn:microsoft.com/office/officeart/2005/8/layout/orgChart1"/>
-    <dgm:cxn modelId="{5055A2FF-DB74-415B-B0FB-51D16748ECA7}" type="presParOf" srcId="{1A754903-320B-4D58-8D1D-B1046E7A0C09}" destId="{B66ED59C-56CC-4674-9E98-64456A927D23}" srcOrd="2" destOrd="0" presId="urn:microsoft.com/office/officeart/2005/8/layout/orgChart1"/>
     <dgm:cxn modelId="{07B5A45B-F1F0-4663-B634-6597C7788CF8}" type="presParOf" srcId="{473DEF0C-42E2-4A50-856D-1F839CCF32C4}" destId="{887CC9D3-38FE-45D6-B05D-3A8EDEAEB30E}" srcOrd="2" destOrd="0" presId="urn:microsoft.com/office/officeart/2005/8/layout/orgChart1"/>
-    <dgm:cxn modelId="{8665360A-069C-438B-B348-BE17BDD53A30}" type="presParOf" srcId="{DF366C04-0EC9-45EA-9E59-CA10E9616C42}" destId="{D2C33EE2-902F-4DEC-A486-716BCF9C574A}" srcOrd="2" destOrd="0" presId="urn:microsoft.com/office/officeart/2005/8/layout/orgChart1"/>
-    <dgm:cxn modelId="{210AD954-3BF6-41BA-BF9D-314A1DA0489C}" type="presParOf" srcId="{DF366C04-0EC9-45EA-9E59-CA10E9616C42}" destId="{ECCFF307-6359-4DCA-BF55-ED05B5388428}" srcOrd="3" destOrd="0" presId="urn:microsoft.com/office/officeart/2005/8/layout/orgChart1"/>
+    <dgm:cxn modelId="{5F703066-DCE7-4FCC-9C32-45990E4C7284}" type="presParOf" srcId="{DF366C04-0EC9-45EA-9E59-CA10E9616C42}" destId="{28A959D3-8E8F-4C33-8E58-743CD226A445}" srcOrd="2" destOrd="0" presId="urn:microsoft.com/office/officeart/2005/8/layout/orgChart1"/>
+    <dgm:cxn modelId="{ADFEA9A2-0CD0-4DF8-9AF5-3CC0055F91EE}" type="presParOf" srcId="{DF366C04-0EC9-45EA-9E59-CA10E9616C42}" destId="{9942EE3E-75B3-40C5-9515-14C899144BE6}" srcOrd="3" destOrd="0" presId="urn:microsoft.com/office/officeart/2005/8/layout/orgChart1"/>
+    <dgm:cxn modelId="{A0AEDCB5-EF81-47B6-9DD6-DCFB8C3BA833}" type="presParOf" srcId="{9942EE3E-75B3-40C5-9515-14C899144BE6}" destId="{95254029-3A83-4A07-BCC7-CAD6C2DADFEC}" srcOrd="0" destOrd="0" presId="urn:microsoft.com/office/officeart/2005/8/layout/orgChart1"/>
+    <dgm:cxn modelId="{463CEBDF-5752-4235-8F56-BDF69DE02976}" type="presParOf" srcId="{95254029-3A83-4A07-BCC7-CAD6C2DADFEC}" destId="{227A2695-8EBE-4628-A9EE-801697A0D3C2}" srcOrd="0" destOrd="0" presId="urn:microsoft.com/office/officeart/2005/8/layout/orgChart1"/>
+    <dgm:cxn modelId="{01F9196F-E620-4D41-8079-413E3E478A4F}" type="presParOf" srcId="{95254029-3A83-4A07-BCC7-CAD6C2DADFEC}" destId="{EAF98DA0-A25D-4689-9A35-0FB204C4D414}" srcOrd="1" destOrd="0" presId="urn:microsoft.com/office/officeart/2005/8/layout/orgChart1"/>
+    <dgm:cxn modelId="{2CA2CC3E-C7B9-4A61-ABDA-AB5D0432D556}" type="presParOf" srcId="{9942EE3E-75B3-40C5-9515-14C899144BE6}" destId="{B1130AF9-6FE0-4F08-9475-22188116C08D}" srcOrd="1" destOrd="0" presId="urn:microsoft.com/office/officeart/2005/8/layout/orgChart1"/>
+    <dgm:cxn modelId="{B10E8E32-4EC3-4C7E-8A27-8D2BC7AE6F3E}" type="presParOf" srcId="{9942EE3E-75B3-40C5-9515-14C899144BE6}" destId="{6AF3239C-18A1-4CE8-A367-70E1469921B0}" srcOrd="2" destOrd="0" presId="urn:microsoft.com/office/officeart/2005/8/layout/orgChart1"/>
+    <dgm:cxn modelId="{6E061069-E97D-44EE-9174-333BF8414A6E}" type="presParOf" srcId="{6AF3239C-18A1-4CE8-A367-70E1469921B0}" destId="{CA2AF3D0-A783-4F4A-AF16-39637F115AA6}" srcOrd="0" destOrd="0" presId="urn:microsoft.com/office/officeart/2005/8/layout/orgChart1"/>
+    <dgm:cxn modelId="{A0A5496A-ADA4-4185-9F47-5B6EA009FE0D}" type="presParOf" srcId="{6AF3239C-18A1-4CE8-A367-70E1469921B0}" destId="{1A754903-320B-4D58-8D1D-B1046E7A0C09}" srcOrd="1" destOrd="0" presId="urn:microsoft.com/office/officeart/2005/8/layout/orgChart1"/>
+    <dgm:cxn modelId="{6D4E6F5A-F976-4D34-98B7-5480E061600E}" type="presParOf" srcId="{1A754903-320B-4D58-8D1D-B1046E7A0C09}" destId="{1ED732C6-4FB8-4A1E-BC80-51448E89ECFB}" srcOrd="0" destOrd="0" presId="urn:microsoft.com/office/officeart/2005/8/layout/orgChart1"/>
+    <dgm:cxn modelId="{9B96A133-0B77-4118-B66E-956CDF2F96DE}" type="presParOf" srcId="{1ED732C6-4FB8-4A1E-BC80-51448E89ECFB}" destId="{54DB9B34-E7B2-41DC-B13D-F457F995CDFC}" srcOrd="0" destOrd="0" presId="urn:microsoft.com/office/officeart/2005/8/layout/orgChart1"/>
+    <dgm:cxn modelId="{95772096-7DBA-4E8C-91C6-4F8A0A64416C}" type="presParOf" srcId="{1ED732C6-4FB8-4A1E-BC80-51448E89ECFB}" destId="{89957609-8B97-47C3-AEE9-6DD7393B124C}" srcOrd="1" destOrd="0" presId="urn:microsoft.com/office/officeart/2005/8/layout/orgChart1"/>
+    <dgm:cxn modelId="{2739B281-BD78-4410-BADC-C96574C56CCB}" type="presParOf" srcId="{1A754903-320B-4D58-8D1D-B1046E7A0C09}" destId="{98A76313-0002-4F08-8C2A-2C9E7CF86A01}" srcOrd="1" destOrd="0" presId="urn:microsoft.com/office/officeart/2005/8/layout/orgChart1"/>
+    <dgm:cxn modelId="{1040F5D0-2127-428D-B706-9E5757FFC25A}" type="presParOf" srcId="{1A754903-320B-4D58-8D1D-B1046E7A0C09}" destId="{B66ED59C-56CC-4674-9E98-64456A927D23}" srcOrd="2" destOrd="0" presId="urn:microsoft.com/office/officeart/2005/8/layout/orgChart1"/>
+    <dgm:cxn modelId="{8665360A-069C-438B-B348-BE17BDD53A30}" type="presParOf" srcId="{DF366C04-0EC9-45EA-9E59-CA10E9616C42}" destId="{D2C33EE2-902F-4DEC-A486-716BCF9C574A}" srcOrd="4" destOrd="0" presId="urn:microsoft.com/office/officeart/2005/8/layout/orgChart1"/>
+    <dgm:cxn modelId="{210AD954-3BF6-41BA-BF9D-314A1DA0489C}" type="presParOf" srcId="{DF366C04-0EC9-45EA-9E59-CA10E9616C42}" destId="{ECCFF307-6359-4DCA-BF55-ED05B5388428}" srcOrd="5" destOrd="0" presId="urn:microsoft.com/office/officeart/2005/8/layout/orgChart1"/>
     <dgm:cxn modelId="{FF80E84C-32E4-41F8-AE92-2B365DF8FC17}" type="presParOf" srcId="{ECCFF307-6359-4DCA-BF55-ED05B5388428}" destId="{E1A219C8-0B21-4371-AEDF-DFE36A8898FB}" srcOrd="0" destOrd="0" presId="urn:microsoft.com/office/officeart/2005/8/layout/orgChart1"/>
     <dgm:cxn modelId="{89AFDE49-FEEF-49F4-A926-EE60B8CFF04C}" type="presParOf" srcId="{E1A219C8-0B21-4371-AEDF-DFE36A8898FB}" destId="{E16286B1-F6DD-435B-8D33-2273810FC772}" srcOrd="0" destOrd="0" presId="urn:microsoft.com/office/officeart/2005/8/layout/orgChart1"/>
     <dgm:cxn modelId="{40F9ECC6-485F-4032-8331-0A512C8D41DF}" type="presParOf" srcId="{E1A219C8-0B21-4371-AEDF-DFE36A8898FB}" destId="{05167FCA-E22E-4DDC-A69D-5406D39E103B}" srcOrd="1" destOrd="0" presId="urn:microsoft.com/office/officeart/2005/8/layout/orgChart1"/>
     <dgm:cxn modelId="{A28DB575-C011-4191-8075-82E820FE698A}" type="presParOf" srcId="{ECCFF307-6359-4DCA-BF55-ED05B5388428}" destId="{04B065D9-B02C-48CA-909E-658C017FE0CF}" srcOrd="1" destOrd="0" presId="urn:microsoft.com/office/officeart/2005/8/layout/orgChart1"/>
     <dgm:cxn modelId="{5A0E0D31-0F75-4FA6-BA31-6F8C67F2952C}" type="presParOf" srcId="{ECCFF307-6359-4DCA-BF55-ED05B5388428}" destId="{C39E0C51-7389-4934-9866-1F5F14D69376}" srcOrd="2" destOrd="0" presId="urn:microsoft.com/office/officeart/2005/8/layout/orgChart1"/>
-    <dgm:cxn modelId="{9198E430-4E3B-4BE6-B09D-89FA0286C30C}" type="presParOf" srcId="{DF366C04-0EC9-45EA-9E59-CA10E9616C42}" destId="{36F9C691-4B50-4159-9F42-B35EF32A6B44}" srcOrd="4" destOrd="0" presId="urn:microsoft.com/office/officeart/2005/8/layout/orgChart1"/>
-    <dgm:cxn modelId="{2B36E909-34B6-4C95-8761-53C7FC7080B9}" type="presParOf" srcId="{DF366C04-0EC9-45EA-9E59-CA10E9616C42}" destId="{312C63B7-2356-4591-A8D8-CB4355394DE3}" srcOrd="5" destOrd="0" presId="urn:microsoft.com/office/officeart/2005/8/layout/orgChart1"/>
+    <dgm:cxn modelId="{9198E430-4E3B-4BE6-B09D-89FA0286C30C}" type="presParOf" srcId="{DF366C04-0EC9-45EA-9E59-CA10E9616C42}" destId="{36F9C691-4B50-4159-9F42-B35EF32A6B44}" srcOrd="6" destOrd="0" presId="urn:microsoft.com/office/officeart/2005/8/layout/orgChart1"/>
+    <dgm:cxn modelId="{2B36E909-34B6-4C95-8761-53C7FC7080B9}" type="presParOf" srcId="{DF366C04-0EC9-45EA-9E59-CA10E9616C42}" destId="{312C63B7-2356-4591-A8D8-CB4355394DE3}" srcOrd="7" destOrd="0" presId="urn:microsoft.com/office/officeart/2005/8/layout/orgChart1"/>
     <dgm:cxn modelId="{72D56477-E19B-4C56-8DCA-ABF4A3C334B7}" type="presParOf" srcId="{312C63B7-2356-4591-A8D8-CB4355394DE3}" destId="{980CD6A4-C2BD-46F1-9817-29D82D14EAD8}" srcOrd="0" destOrd="0" presId="urn:microsoft.com/office/officeart/2005/8/layout/orgChart1"/>
     <dgm:cxn modelId="{A760D4C3-30AD-46E6-BE5F-1C179C8D0BE2}" type="presParOf" srcId="{980CD6A4-C2BD-46F1-9817-29D82D14EAD8}" destId="{B7B9E35F-3141-4501-8C8E-ECDBA7C3D699}" srcOrd="0" destOrd="0" presId="urn:microsoft.com/office/officeart/2005/8/layout/orgChart1"/>
     <dgm:cxn modelId="{0B1DAF5E-956D-45F9-ABE7-38276EE83E97}" type="presParOf" srcId="{980CD6A4-C2BD-46F1-9817-29D82D14EAD8}" destId="{7914E8B1-80D5-4A71-9775-0A174E4B78BC}" srcOrd="1" destOrd="0" presId="urn:microsoft.com/office/officeart/2005/8/layout/orgChart1"/>
@@ -3816,6 +4570,713 @@
 <file path=ppt/diagrams/data2.xml><?xml version="1.0" encoding="utf-8"?>
 <dgm:dataModel xmlns:dgm="http://schemas.openxmlformats.org/drawingml/2006/diagram" xmlns:a="http://schemas.openxmlformats.org/drawingml/2006/main">
   <dgm:ptLst>
+    <dgm:pt modelId="{EC376E4E-E648-41DA-86DB-8DA8BA5FAEC7}" type="doc">
+      <dgm:prSet loTypeId="urn:microsoft.com/office/officeart/2005/8/layout/orgChart1" loCatId="hierarchy" qsTypeId="urn:microsoft.com/office/officeart/2005/8/quickstyle/simple1" qsCatId="simple" csTypeId="urn:microsoft.com/office/officeart/2005/8/colors/accent1_2" csCatId="accent1" phldr="1"/>
+      <dgm:spPr/>
+      <dgm:t>
+        <a:bodyPr/>
+        <a:lstStyle/>
+        <a:p>
+          <a:endParaRPr lang="fr-CA"/>
+        </a:p>
+      </dgm:t>
+    </dgm:pt>
+    <dgm:pt modelId="{12B359AD-F8D0-452E-9FE6-4E1434D70F15}">
+      <dgm:prSet phldrT="[Text]"/>
+      <dgm:spPr/>
+      <dgm:t>
+        <a:bodyPr/>
+        <a:lstStyle/>
+        <a:p>
+          <a:r>
+            <a:rPr lang="en-US" dirty="0" err="1"/>
+            <a:t>Autohotkey</a:t>
+          </a:r>
+          <a:endParaRPr lang="fr-CA" dirty="0"/>
+        </a:p>
+      </dgm:t>
+    </dgm:pt>
+    <dgm:pt modelId="{F38279A6-DA67-4CAC-9D98-9FD4DBAA81BE}" type="parTrans" cxnId="{67EF6583-DA13-4DCD-B2C7-E01EC5ABDE4A}">
+      <dgm:prSet/>
+      <dgm:spPr/>
+      <dgm:t>
+        <a:bodyPr/>
+        <a:lstStyle/>
+        <a:p>
+          <a:endParaRPr lang="fr-CA"/>
+        </a:p>
+      </dgm:t>
+    </dgm:pt>
+    <dgm:pt modelId="{718721CD-C249-4EFA-880F-8D85A96569A0}" type="sibTrans" cxnId="{67EF6583-DA13-4DCD-B2C7-E01EC5ABDE4A}">
+      <dgm:prSet/>
+      <dgm:spPr/>
+      <dgm:t>
+        <a:bodyPr/>
+        <a:lstStyle/>
+        <a:p>
+          <a:endParaRPr lang="fr-CA"/>
+        </a:p>
+      </dgm:t>
+    </dgm:pt>
+    <dgm:pt modelId="{B11103E8-CD81-40BE-B579-4FCAB035D7D0}">
+      <dgm:prSet phldrT="[Text]"/>
+      <dgm:spPr/>
+      <dgm:t>
+        <a:bodyPr/>
+        <a:lstStyle/>
+        <a:p>
+          <a:r>
+            <a:rPr lang="en-US" dirty="0"/>
+            <a:t>C++</a:t>
+          </a:r>
+          <a:endParaRPr lang="fr-CA" dirty="0"/>
+        </a:p>
+      </dgm:t>
+    </dgm:pt>
+    <dgm:pt modelId="{8EAAB40C-C46B-4763-9B19-143C18560BB8}" type="parTrans" cxnId="{169577A9-2FA2-4D9B-B2B3-3293E28A18B5}">
+      <dgm:prSet/>
+      <dgm:spPr/>
+      <dgm:t>
+        <a:bodyPr/>
+        <a:lstStyle/>
+        <a:p>
+          <a:endParaRPr lang="fr-CA"/>
+        </a:p>
+      </dgm:t>
+    </dgm:pt>
+    <dgm:pt modelId="{066CED9E-DDC2-4B20-81DF-84AEF02375EA}" type="sibTrans" cxnId="{169577A9-2FA2-4D9B-B2B3-3293E28A18B5}">
+      <dgm:prSet/>
+      <dgm:spPr/>
+      <dgm:t>
+        <a:bodyPr/>
+        <a:lstStyle/>
+        <a:p>
+          <a:endParaRPr lang="fr-CA"/>
+        </a:p>
+      </dgm:t>
+    </dgm:pt>
+    <dgm:pt modelId="{C1DA3676-0503-49EC-84DF-0840E579CFEF}">
+      <dgm:prSet/>
+      <dgm:spPr/>
+      <dgm:t>
+        <a:bodyPr/>
+        <a:lstStyle/>
+        <a:p>
+          <a:r>
+            <a:rPr lang="en-US" dirty="0"/>
+            <a:t>batch</a:t>
+          </a:r>
+          <a:endParaRPr lang="fr-CA" dirty="0"/>
+        </a:p>
+      </dgm:t>
+    </dgm:pt>
+    <dgm:pt modelId="{E91B2509-2172-40BF-92BF-95C71C842B9D}" type="parTrans" cxnId="{56DEE571-1D10-4A28-9146-2F3255577C1A}">
+      <dgm:prSet/>
+      <dgm:spPr/>
+      <dgm:t>
+        <a:bodyPr/>
+        <a:lstStyle/>
+        <a:p>
+          <a:endParaRPr lang="fr-CA"/>
+        </a:p>
+      </dgm:t>
+    </dgm:pt>
+    <dgm:pt modelId="{249178E8-CF68-4256-8FB4-C392210D1F0F}" type="sibTrans" cxnId="{56DEE571-1D10-4A28-9146-2F3255577C1A}">
+      <dgm:prSet/>
+      <dgm:spPr/>
+      <dgm:t>
+        <a:bodyPr/>
+        <a:lstStyle/>
+        <a:p>
+          <a:endParaRPr lang="fr-CA"/>
+        </a:p>
+      </dgm:t>
+    </dgm:pt>
+    <dgm:pt modelId="{1763EED3-26D7-4B0E-B022-1B72A013A70C}" type="asst">
+      <dgm:prSet/>
+      <dgm:spPr/>
+      <dgm:t>
+        <a:bodyPr/>
+        <a:lstStyle/>
+        <a:p>
+          <a:r>
+            <a:rPr lang="en-US" dirty="0"/>
+            <a:t>txt</a:t>
+          </a:r>
+          <a:endParaRPr lang="fr-CA" dirty="0"/>
+        </a:p>
+      </dgm:t>
+    </dgm:pt>
+    <dgm:pt modelId="{F5961BDC-783E-4C07-BC92-9011F5BBD285}" type="parTrans" cxnId="{DB621BB4-1721-46CA-9C90-60643B419F26}">
+      <dgm:prSet/>
+      <dgm:spPr/>
+      <dgm:t>
+        <a:bodyPr/>
+        <a:lstStyle/>
+        <a:p>
+          <a:endParaRPr lang="fr-CA"/>
+        </a:p>
+      </dgm:t>
+    </dgm:pt>
+    <dgm:pt modelId="{8B6F1219-C0C9-42EE-A202-422710B569C5}" type="sibTrans" cxnId="{DB621BB4-1721-46CA-9C90-60643B419F26}">
+      <dgm:prSet/>
+      <dgm:spPr/>
+      <dgm:t>
+        <a:bodyPr/>
+        <a:lstStyle/>
+        <a:p>
+          <a:endParaRPr lang="fr-CA"/>
+        </a:p>
+      </dgm:t>
+    </dgm:pt>
+    <dgm:pt modelId="{4A4E3E50-38C2-4C3C-AE96-953BA26A11C9}">
+      <dgm:prSet/>
+      <dgm:spPr/>
+      <dgm:t>
+        <a:bodyPr/>
+        <a:lstStyle/>
+        <a:p>
+          <a:r>
+            <a:rPr lang="en-US" dirty="0"/>
+            <a:t>batch</a:t>
+          </a:r>
+          <a:endParaRPr lang="fr-CA" dirty="0"/>
+        </a:p>
+      </dgm:t>
+    </dgm:pt>
+    <dgm:pt modelId="{F4856804-261D-4CA9-AEA7-CB9CCF3B24D3}" type="sibTrans" cxnId="{F1DC65E4-3406-49EF-8BD7-3B43D972B953}">
+      <dgm:prSet/>
+      <dgm:spPr/>
+      <dgm:t>
+        <a:bodyPr/>
+        <a:lstStyle/>
+        <a:p>
+          <a:endParaRPr lang="fr-CA"/>
+        </a:p>
+      </dgm:t>
+    </dgm:pt>
+    <dgm:pt modelId="{F92BA4C8-D8E7-4F76-9AE8-619682ED5A87}" type="parTrans" cxnId="{F1DC65E4-3406-49EF-8BD7-3B43D972B953}">
+      <dgm:prSet/>
+      <dgm:spPr/>
+      <dgm:t>
+        <a:bodyPr/>
+        <a:lstStyle/>
+        <a:p>
+          <a:endParaRPr lang="fr-CA"/>
+        </a:p>
+      </dgm:t>
+    </dgm:pt>
+    <dgm:pt modelId="{4DE9C598-B23B-4383-915B-55E3A905EC09}">
+      <dgm:prSet/>
+      <dgm:spPr/>
+      <dgm:t>
+        <a:bodyPr/>
+        <a:lstStyle/>
+        <a:p>
+          <a:r>
+            <a:rPr lang="en-US" dirty="0"/>
+            <a:t>batch</a:t>
+          </a:r>
+          <a:endParaRPr lang="fr-CA" dirty="0"/>
+        </a:p>
+      </dgm:t>
+    </dgm:pt>
+    <dgm:pt modelId="{8F3C6AC4-A53B-4B83-A481-13534CEBBE7D}" type="parTrans" cxnId="{909F9790-969F-4EBC-B8F3-0D35ACBC0D5C}">
+      <dgm:prSet/>
+      <dgm:spPr/>
+      <dgm:t>
+        <a:bodyPr/>
+        <a:lstStyle/>
+        <a:p>
+          <a:endParaRPr lang="fr-CA"/>
+        </a:p>
+      </dgm:t>
+    </dgm:pt>
+    <dgm:pt modelId="{F02FEB7E-1FF2-4F4C-AAA3-981FB56FC271}" type="sibTrans" cxnId="{909F9790-969F-4EBC-B8F3-0D35ACBC0D5C}">
+      <dgm:prSet/>
+      <dgm:spPr/>
+      <dgm:t>
+        <a:bodyPr/>
+        <a:lstStyle/>
+        <a:p>
+          <a:endParaRPr lang="fr-CA"/>
+        </a:p>
+      </dgm:t>
+    </dgm:pt>
+    <dgm:pt modelId="{A7E99E54-94B2-4D9C-82A3-E8D7CBB0FC6A}" type="asst">
+      <dgm:prSet/>
+      <dgm:spPr/>
+      <dgm:t>
+        <a:bodyPr/>
+        <a:lstStyle/>
+        <a:p>
+          <a:r>
+            <a:rPr lang="en-US" dirty="0"/>
+            <a:t>txt</a:t>
+          </a:r>
+          <a:endParaRPr lang="fr-CA" dirty="0"/>
+        </a:p>
+      </dgm:t>
+    </dgm:pt>
+    <dgm:pt modelId="{A7BDC5C7-F208-4337-83DA-CEAB2AF8A6E8}" type="parTrans" cxnId="{9C4E09F7-60C7-4A17-883C-565801E26701}">
+      <dgm:prSet/>
+      <dgm:spPr/>
+      <dgm:t>
+        <a:bodyPr/>
+        <a:lstStyle/>
+        <a:p>
+          <a:endParaRPr lang="fr-CA"/>
+        </a:p>
+      </dgm:t>
+    </dgm:pt>
+    <dgm:pt modelId="{E5ADC721-8733-4901-A13E-0A3C1A6D9EA5}" type="sibTrans" cxnId="{9C4E09F7-60C7-4A17-883C-565801E26701}">
+      <dgm:prSet/>
+      <dgm:spPr/>
+      <dgm:t>
+        <a:bodyPr/>
+        <a:lstStyle/>
+        <a:p>
+          <a:endParaRPr lang="fr-CA"/>
+        </a:p>
+      </dgm:t>
+    </dgm:pt>
+    <dgm:pt modelId="{DCC0585E-4EEF-477E-9E64-47DB63E3B1F0}">
+      <dgm:prSet/>
+      <dgm:spPr/>
+      <dgm:t>
+        <a:bodyPr/>
+        <a:lstStyle/>
+        <a:p>
+          <a:r>
+            <a:rPr lang="en-US" i="1" dirty="0"/>
+            <a:t>batch</a:t>
+          </a:r>
+          <a:endParaRPr lang="fr-CA" i="1" dirty="0"/>
+        </a:p>
+      </dgm:t>
+    </dgm:pt>
+    <dgm:pt modelId="{5E696FD1-73A9-49CE-9C82-A67D5179851A}" type="parTrans" cxnId="{933C0776-BD08-42D1-ADA6-BA5B5B3BC905}">
+      <dgm:prSet/>
+      <dgm:spPr/>
+      <dgm:t>
+        <a:bodyPr/>
+        <a:lstStyle/>
+        <a:p>
+          <a:endParaRPr lang="fr-CA"/>
+        </a:p>
+      </dgm:t>
+    </dgm:pt>
+    <dgm:pt modelId="{D959DD05-460A-431F-803F-199126E0D621}" type="sibTrans" cxnId="{933C0776-BD08-42D1-ADA6-BA5B5B3BC905}">
+      <dgm:prSet/>
+      <dgm:spPr/>
+      <dgm:t>
+        <a:bodyPr/>
+        <a:lstStyle/>
+        <a:p>
+          <a:endParaRPr lang="fr-CA"/>
+        </a:p>
+      </dgm:t>
+    </dgm:pt>
+    <dgm:pt modelId="{1FB3CEF6-77BB-4E6C-A2DD-4A3F7EC690C5}" type="pres">
+      <dgm:prSet presAssocID="{EC376E4E-E648-41DA-86DB-8DA8BA5FAEC7}" presName="hierChild1" presStyleCnt="0">
+        <dgm:presLayoutVars>
+          <dgm:orgChart val="1"/>
+          <dgm:chPref val="1"/>
+          <dgm:dir/>
+          <dgm:animOne val="branch"/>
+          <dgm:animLvl val="lvl"/>
+          <dgm:resizeHandles/>
+        </dgm:presLayoutVars>
+      </dgm:prSet>
+      <dgm:spPr/>
+    </dgm:pt>
+    <dgm:pt modelId="{84C532CC-3D97-41C5-A04C-B26E921B2E45}" type="pres">
+      <dgm:prSet presAssocID="{12B359AD-F8D0-452E-9FE6-4E1434D70F15}" presName="hierRoot1" presStyleCnt="0">
+        <dgm:presLayoutVars>
+          <dgm:hierBranch val="init"/>
+        </dgm:presLayoutVars>
+      </dgm:prSet>
+      <dgm:spPr/>
+    </dgm:pt>
+    <dgm:pt modelId="{B29178D1-3B14-49B7-A807-CA017500D4CA}" type="pres">
+      <dgm:prSet presAssocID="{12B359AD-F8D0-452E-9FE6-4E1434D70F15}" presName="rootComposite1" presStyleCnt="0"/>
+      <dgm:spPr/>
+    </dgm:pt>
+    <dgm:pt modelId="{92DD8E95-5792-4CAF-BBE2-B190055FFE9B}" type="pres">
+      <dgm:prSet presAssocID="{12B359AD-F8D0-452E-9FE6-4E1434D70F15}" presName="rootText1" presStyleLbl="node0" presStyleIdx="0" presStyleCnt="1">
+        <dgm:presLayoutVars>
+          <dgm:chPref val="3"/>
+        </dgm:presLayoutVars>
+      </dgm:prSet>
+      <dgm:spPr/>
+    </dgm:pt>
+    <dgm:pt modelId="{62E9EE9C-9C61-429A-9C9D-4DB0E88E4329}" type="pres">
+      <dgm:prSet presAssocID="{12B359AD-F8D0-452E-9FE6-4E1434D70F15}" presName="rootConnector1" presStyleLbl="node1" presStyleIdx="0" presStyleCnt="0"/>
+      <dgm:spPr/>
+    </dgm:pt>
+    <dgm:pt modelId="{A404C32F-A4F7-49E3-8E72-DD5167BB2C44}" type="pres">
+      <dgm:prSet presAssocID="{12B359AD-F8D0-452E-9FE6-4E1434D70F15}" presName="hierChild2" presStyleCnt="0"/>
+      <dgm:spPr/>
+    </dgm:pt>
+    <dgm:pt modelId="{4F485F08-228B-4F23-9920-ED58748DD612}" type="pres">
+      <dgm:prSet presAssocID="{8EAAB40C-C46B-4763-9B19-143C18560BB8}" presName="Name37" presStyleLbl="parChTrans1D2" presStyleIdx="0" presStyleCnt="1"/>
+      <dgm:spPr/>
+    </dgm:pt>
+    <dgm:pt modelId="{57E17CB4-9CE1-4EFF-9213-9E6AA8A73D8C}" type="pres">
+      <dgm:prSet presAssocID="{B11103E8-CD81-40BE-B579-4FCAB035D7D0}" presName="hierRoot2" presStyleCnt="0">
+        <dgm:presLayoutVars>
+          <dgm:hierBranch val="init"/>
+        </dgm:presLayoutVars>
+      </dgm:prSet>
+      <dgm:spPr/>
+    </dgm:pt>
+    <dgm:pt modelId="{9C640B7D-D67D-4B8E-A8C5-471568107335}" type="pres">
+      <dgm:prSet presAssocID="{B11103E8-CD81-40BE-B579-4FCAB035D7D0}" presName="rootComposite" presStyleCnt="0"/>
+      <dgm:spPr/>
+    </dgm:pt>
+    <dgm:pt modelId="{F58A63D3-C78F-4550-80E7-D69343F847C2}" type="pres">
+      <dgm:prSet presAssocID="{B11103E8-CD81-40BE-B579-4FCAB035D7D0}" presName="rootText" presStyleLbl="node2" presStyleIdx="0" presStyleCnt="1">
+        <dgm:presLayoutVars>
+          <dgm:chPref val="3"/>
+        </dgm:presLayoutVars>
+      </dgm:prSet>
+      <dgm:spPr/>
+    </dgm:pt>
+    <dgm:pt modelId="{4E2D0EDB-C4D6-450E-83EA-96CF439066D6}" type="pres">
+      <dgm:prSet presAssocID="{B11103E8-CD81-40BE-B579-4FCAB035D7D0}" presName="rootConnector" presStyleLbl="node2" presStyleIdx="0" presStyleCnt="1"/>
+      <dgm:spPr/>
+    </dgm:pt>
+    <dgm:pt modelId="{DF366C04-0EC9-45EA-9E59-CA10E9616C42}" type="pres">
+      <dgm:prSet presAssocID="{B11103E8-CD81-40BE-B579-4FCAB035D7D0}" presName="hierChild4" presStyleCnt="0"/>
+      <dgm:spPr/>
+    </dgm:pt>
+    <dgm:pt modelId="{CA698B96-2FDD-477F-82FD-3398AEE00C53}" type="pres">
+      <dgm:prSet presAssocID="{E91B2509-2172-40BF-92BF-95C71C842B9D}" presName="Name37" presStyleLbl="parChTrans1D3" presStyleIdx="0" presStyleCnt="5"/>
+      <dgm:spPr/>
+    </dgm:pt>
+    <dgm:pt modelId="{473DEF0C-42E2-4A50-856D-1F839CCF32C4}" type="pres">
+      <dgm:prSet presAssocID="{C1DA3676-0503-49EC-84DF-0840E579CFEF}" presName="hierRoot2" presStyleCnt="0">
+        <dgm:presLayoutVars>
+          <dgm:hierBranch val="init"/>
+        </dgm:presLayoutVars>
+      </dgm:prSet>
+      <dgm:spPr/>
+    </dgm:pt>
+    <dgm:pt modelId="{4624B90A-4132-4200-8AA0-82A7A6868243}" type="pres">
+      <dgm:prSet presAssocID="{C1DA3676-0503-49EC-84DF-0840E579CFEF}" presName="rootComposite" presStyleCnt="0"/>
+      <dgm:spPr/>
+    </dgm:pt>
+    <dgm:pt modelId="{CB2F9E2B-60EC-401F-A7AE-483C76BC0EC4}" type="pres">
+      <dgm:prSet presAssocID="{C1DA3676-0503-49EC-84DF-0840E579CFEF}" presName="rootText" presStyleLbl="node3" presStyleIdx="0" presStyleCnt="4">
+        <dgm:presLayoutVars>
+          <dgm:chPref val="3"/>
+        </dgm:presLayoutVars>
+      </dgm:prSet>
+      <dgm:spPr/>
+    </dgm:pt>
+    <dgm:pt modelId="{87894099-6401-42BD-9593-FCCC7AE42C49}" type="pres">
+      <dgm:prSet presAssocID="{C1DA3676-0503-49EC-84DF-0840E579CFEF}" presName="rootConnector" presStyleLbl="node3" presStyleIdx="0" presStyleCnt="4"/>
+      <dgm:spPr/>
+    </dgm:pt>
+    <dgm:pt modelId="{5AB908CA-153D-4CCC-9357-A7CB91FB315D}" type="pres">
+      <dgm:prSet presAssocID="{C1DA3676-0503-49EC-84DF-0840E579CFEF}" presName="hierChild4" presStyleCnt="0"/>
+      <dgm:spPr/>
+    </dgm:pt>
+    <dgm:pt modelId="{887CC9D3-38FE-45D6-B05D-3A8EDEAEB30E}" type="pres">
+      <dgm:prSet presAssocID="{C1DA3676-0503-49EC-84DF-0840E579CFEF}" presName="hierChild5" presStyleCnt="0"/>
+      <dgm:spPr/>
+    </dgm:pt>
+    <dgm:pt modelId="{28A959D3-8E8F-4C33-8E58-743CD226A445}" type="pres">
+      <dgm:prSet presAssocID="{8F3C6AC4-A53B-4B83-A481-13534CEBBE7D}" presName="Name37" presStyleLbl="parChTrans1D3" presStyleIdx="1" presStyleCnt="5"/>
+      <dgm:spPr/>
+    </dgm:pt>
+    <dgm:pt modelId="{9942EE3E-75B3-40C5-9515-14C899144BE6}" type="pres">
+      <dgm:prSet presAssocID="{4DE9C598-B23B-4383-915B-55E3A905EC09}" presName="hierRoot2" presStyleCnt="0">
+        <dgm:presLayoutVars>
+          <dgm:hierBranch val="init"/>
+        </dgm:presLayoutVars>
+      </dgm:prSet>
+      <dgm:spPr/>
+    </dgm:pt>
+    <dgm:pt modelId="{95254029-3A83-4A07-BCC7-CAD6C2DADFEC}" type="pres">
+      <dgm:prSet presAssocID="{4DE9C598-B23B-4383-915B-55E3A905EC09}" presName="rootComposite" presStyleCnt="0"/>
+      <dgm:spPr/>
+    </dgm:pt>
+    <dgm:pt modelId="{227A2695-8EBE-4628-A9EE-801697A0D3C2}" type="pres">
+      <dgm:prSet presAssocID="{4DE9C598-B23B-4383-915B-55E3A905EC09}" presName="rootText" presStyleLbl="node3" presStyleIdx="1" presStyleCnt="4">
+        <dgm:presLayoutVars>
+          <dgm:chPref val="3"/>
+        </dgm:presLayoutVars>
+      </dgm:prSet>
+      <dgm:spPr/>
+    </dgm:pt>
+    <dgm:pt modelId="{EAF98DA0-A25D-4689-9A35-0FB204C4D414}" type="pres">
+      <dgm:prSet presAssocID="{4DE9C598-B23B-4383-915B-55E3A905EC09}" presName="rootConnector" presStyleLbl="node3" presStyleIdx="1" presStyleCnt="4"/>
+      <dgm:spPr/>
+    </dgm:pt>
+    <dgm:pt modelId="{B1130AF9-6FE0-4F08-9475-22188116C08D}" type="pres">
+      <dgm:prSet presAssocID="{4DE9C598-B23B-4383-915B-55E3A905EC09}" presName="hierChild4" presStyleCnt="0"/>
+      <dgm:spPr/>
+    </dgm:pt>
+    <dgm:pt modelId="{6AF3239C-18A1-4CE8-A367-70E1469921B0}" type="pres">
+      <dgm:prSet presAssocID="{4DE9C598-B23B-4383-915B-55E3A905EC09}" presName="hierChild5" presStyleCnt="0"/>
+      <dgm:spPr/>
+    </dgm:pt>
+    <dgm:pt modelId="{CA2AF3D0-A783-4F4A-AF16-39637F115AA6}" type="pres">
+      <dgm:prSet presAssocID="{A7BDC5C7-F208-4337-83DA-CEAB2AF8A6E8}" presName="Name111" presStyleLbl="parChTrans1D4" presStyleIdx="0" presStyleCnt="1"/>
+      <dgm:spPr/>
+    </dgm:pt>
+    <dgm:pt modelId="{1A754903-320B-4D58-8D1D-B1046E7A0C09}" type="pres">
+      <dgm:prSet presAssocID="{A7E99E54-94B2-4D9C-82A3-E8D7CBB0FC6A}" presName="hierRoot3" presStyleCnt="0">
+        <dgm:presLayoutVars>
+          <dgm:hierBranch val="init"/>
+        </dgm:presLayoutVars>
+      </dgm:prSet>
+      <dgm:spPr/>
+    </dgm:pt>
+    <dgm:pt modelId="{1ED732C6-4FB8-4A1E-BC80-51448E89ECFB}" type="pres">
+      <dgm:prSet presAssocID="{A7E99E54-94B2-4D9C-82A3-E8D7CBB0FC6A}" presName="rootComposite3" presStyleCnt="0"/>
+      <dgm:spPr/>
+    </dgm:pt>
+    <dgm:pt modelId="{54DB9B34-E7B2-41DC-B13D-F457F995CDFC}" type="pres">
+      <dgm:prSet presAssocID="{A7E99E54-94B2-4D9C-82A3-E8D7CBB0FC6A}" presName="rootText3" presStyleLbl="asst3" presStyleIdx="0" presStyleCnt="1">
+        <dgm:presLayoutVars>
+          <dgm:chPref val="3"/>
+        </dgm:presLayoutVars>
+      </dgm:prSet>
+      <dgm:spPr/>
+    </dgm:pt>
+    <dgm:pt modelId="{89957609-8B97-47C3-AEE9-6DD7393B124C}" type="pres">
+      <dgm:prSet presAssocID="{A7E99E54-94B2-4D9C-82A3-E8D7CBB0FC6A}" presName="rootConnector3" presStyleLbl="asst3" presStyleIdx="0" presStyleCnt="1"/>
+      <dgm:spPr/>
+    </dgm:pt>
+    <dgm:pt modelId="{98A76313-0002-4F08-8C2A-2C9E7CF86A01}" type="pres">
+      <dgm:prSet presAssocID="{A7E99E54-94B2-4D9C-82A3-E8D7CBB0FC6A}" presName="hierChild6" presStyleCnt="0"/>
+      <dgm:spPr/>
+    </dgm:pt>
+    <dgm:pt modelId="{B66ED59C-56CC-4674-9E98-64456A927D23}" type="pres">
+      <dgm:prSet presAssocID="{A7E99E54-94B2-4D9C-82A3-E8D7CBB0FC6A}" presName="hierChild7" presStyleCnt="0"/>
+      <dgm:spPr/>
+    </dgm:pt>
+    <dgm:pt modelId="{D2C33EE2-902F-4DEC-A486-716BCF9C574A}" type="pres">
+      <dgm:prSet presAssocID="{5E696FD1-73A9-49CE-9C82-A67D5179851A}" presName="Name37" presStyleLbl="parChTrans1D3" presStyleIdx="2" presStyleCnt="5"/>
+      <dgm:spPr/>
+    </dgm:pt>
+    <dgm:pt modelId="{ECCFF307-6359-4DCA-BF55-ED05B5388428}" type="pres">
+      <dgm:prSet presAssocID="{DCC0585E-4EEF-477E-9E64-47DB63E3B1F0}" presName="hierRoot2" presStyleCnt="0">
+        <dgm:presLayoutVars>
+          <dgm:hierBranch val="init"/>
+        </dgm:presLayoutVars>
+      </dgm:prSet>
+      <dgm:spPr/>
+    </dgm:pt>
+    <dgm:pt modelId="{E1A219C8-0B21-4371-AEDF-DFE36A8898FB}" type="pres">
+      <dgm:prSet presAssocID="{DCC0585E-4EEF-477E-9E64-47DB63E3B1F0}" presName="rootComposite" presStyleCnt="0"/>
+      <dgm:spPr/>
+    </dgm:pt>
+    <dgm:pt modelId="{E16286B1-F6DD-435B-8D33-2273810FC772}" type="pres">
+      <dgm:prSet presAssocID="{DCC0585E-4EEF-477E-9E64-47DB63E3B1F0}" presName="rootText" presStyleLbl="node3" presStyleIdx="2" presStyleCnt="4">
+        <dgm:presLayoutVars>
+          <dgm:chPref val="3"/>
+        </dgm:presLayoutVars>
+      </dgm:prSet>
+      <dgm:spPr/>
+    </dgm:pt>
+    <dgm:pt modelId="{05167FCA-E22E-4DDC-A69D-5406D39E103B}" type="pres">
+      <dgm:prSet presAssocID="{DCC0585E-4EEF-477E-9E64-47DB63E3B1F0}" presName="rootConnector" presStyleLbl="node3" presStyleIdx="2" presStyleCnt="4"/>
+      <dgm:spPr/>
+    </dgm:pt>
+    <dgm:pt modelId="{04B065D9-B02C-48CA-909E-658C017FE0CF}" type="pres">
+      <dgm:prSet presAssocID="{DCC0585E-4EEF-477E-9E64-47DB63E3B1F0}" presName="hierChild4" presStyleCnt="0"/>
+      <dgm:spPr/>
+    </dgm:pt>
+    <dgm:pt modelId="{C39E0C51-7389-4934-9866-1F5F14D69376}" type="pres">
+      <dgm:prSet presAssocID="{DCC0585E-4EEF-477E-9E64-47DB63E3B1F0}" presName="hierChild5" presStyleCnt="0"/>
+      <dgm:spPr/>
+    </dgm:pt>
+    <dgm:pt modelId="{36F9C691-4B50-4159-9F42-B35EF32A6B44}" type="pres">
+      <dgm:prSet presAssocID="{F92BA4C8-D8E7-4F76-9AE8-619682ED5A87}" presName="Name37" presStyleLbl="parChTrans1D3" presStyleIdx="3" presStyleCnt="5"/>
+      <dgm:spPr/>
+    </dgm:pt>
+    <dgm:pt modelId="{312C63B7-2356-4591-A8D8-CB4355394DE3}" type="pres">
+      <dgm:prSet presAssocID="{4A4E3E50-38C2-4C3C-AE96-953BA26A11C9}" presName="hierRoot2" presStyleCnt="0">
+        <dgm:presLayoutVars>
+          <dgm:hierBranch val="init"/>
+        </dgm:presLayoutVars>
+      </dgm:prSet>
+      <dgm:spPr/>
+    </dgm:pt>
+    <dgm:pt modelId="{980CD6A4-C2BD-46F1-9817-29D82D14EAD8}" type="pres">
+      <dgm:prSet presAssocID="{4A4E3E50-38C2-4C3C-AE96-953BA26A11C9}" presName="rootComposite" presStyleCnt="0"/>
+      <dgm:spPr/>
+    </dgm:pt>
+    <dgm:pt modelId="{B7B9E35F-3141-4501-8C8E-ECDBA7C3D699}" type="pres">
+      <dgm:prSet presAssocID="{4A4E3E50-38C2-4C3C-AE96-953BA26A11C9}" presName="rootText" presStyleLbl="node3" presStyleIdx="3" presStyleCnt="4">
+        <dgm:presLayoutVars>
+          <dgm:chPref val="3"/>
+        </dgm:presLayoutVars>
+      </dgm:prSet>
+      <dgm:spPr/>
+    </dgm:pt>
+    <dgm:pt modelId="{7914E8B1-80D5-4A71-9775-0A174E4B78BC}" type="pres">
+      <dgm:prSet presAssocID="{4A4E3E50-38C2-4C3C-AE96-953BA26A11C9}" presName="rootConnector" presStyleLbl="node3" presStyleIdx="3" presStyleCnt="4"/>
+      <dgm:spPr/>
+    </dgm:pt>
+    <dgm:pt modelId="{9A41BE5B-11A2-49DE-9691-74C1D4BA987E}" type="pres">
+      <dgm:prSet presAssocID="{4A4E3E50-38C2-4C3C-AE96-953BA26A11C9}" presName="hierChild4" presStyleCnt="0"/>
+      <dgm:spPr/>
+    </dgm:pt>
+    <dgm:pt modelId="{85FA3BA1-A365-448F-A481-B42201C75EC0}" type="pres">
+      <dgm:prSet presAssocID="{4A4E3E50-38C2-4C3C-AE96-953BA26A11C9}" presName="hierChild5" presStyleCnt="0"/>
+      <dgm:spPr/>
+    </dgm:pt>
+    <dgm:pt modelId="{F19ED6C9-E811-4A81-B81D-39A9263CF631}" type="pres">
+      <dgm:prSet presAssocID="{B11103E8-CD81-40BE-B579-4FCAB035D7D0}" presName="hierChild5" presStyleCnt="0"/>
+      <dgm:spPr/>
+    </dgm:pt>
+    <dgm:pt modelId="{FC040049-51F5-41BD-8A19-8EF975D2FEC2}" type="pres">
+      <dgm:prSet presAssocID="{F5961BDC-783E-4C07-BC92-9011F5BBD285}" presName="Name111" presStyleLbl="parChTrans1D3" presStyleIdx="4" presStyleCnt="5"/>
+      <dgm:spPr/>
+    </dgm:pt>
+    <dgm:pt modelId="{E0DB40E2-3599-401C-9680-5F546B644036}" type="pres">
+      <dgm:prSet presAssocID="{1763EED3-26D7-4B0E-B022-1B72A013A70C}" presName="hierRoot3" presStyleCnt="0">
+        <dgm:presLayoutVars>
+          <dgm:hierBranch val="init"/>
+        </dgm:presLayoutVars>
+      </dgm:prSet>
+      <dgm:spPr/>
+    </dgm:pt>
+    <dgm:pt modelId="{515AAB93-BCBE-42EC-B1F7-B27571C91AF5}" type="pres">
+      <dgm:prSet presAssocID="{1763EED3-26D7-4B0E-B022-1B72A013A70C}" presName="rootComposite3" presStyleCnt="0"/>
+      <dgm:spPr/>
+    </dgm:pt>
+    <dgm:pt modelId="{B7666E4B-FE3C-4B7F-ADE2-C772AB73DAAC}" type="pres">
+      <dgm:prSet presAssocID="{1763EED3-26D7-4B0E-B022-1B72A013A70C}" presName="rootText3" presStyleLbl="asst2" presStyleIdx="0" presStyleCnt="1">
+        <dgm:presLayoutVars>
+          <dgm:chPref val="3"/>
+        </dgm:presLayoutVars>
+      </dgm:prSet>
+      <dgm:spPr/>
+    </dgm:pt>
+    <dgm:pt modelId="{CDB323ED-45A3-4822-B212-E9401A6C85A9}" type="pres">
+      <dgm:prSet presAssocID="{1763EED3-26D7-4B0E-B022-1B72A013A70C}" presName="rootConnector3" presStyleLbl="asst2" presStyleIdx="0" presStyleCnt="1"/>
+      <dgm:spPr/>
+    </dgm:pt>
+    <dgm:pt modelId="{3DB201A7-C860-4FB7-8D3B-58534778303D}" type="pres">
+      <dgm:prSet presAssocID="{1763EED3-26D7-4B0E-B022-1B72A013A70C}" presName="hierChild6" presStyleCnt="0"/>
+      <dgm:spPr/>
+    </dgm:pt>
+    <dgm:pt modelId="{6363C885-82C7-47EA-A523-E2E983433547}" type="pres">
+      <dgm:prSet presAssocID="{1763EED3-26D7-4B0E-B022-1B72A013A70C}" presName="hierChild7" presStyleCnt="0"/>
+      <dgm:spPr/>
+    </dgm:pt>
+    <dgm:pt modelId="{2C29BC7D-5112-4919-A59E-9E62F8CFE046}" type="pres">
+      <dgm:prSet presAssocID="{12B359AD-F8D0-452E-9FE6-4E1434D70F15}" presName="hierChild3" presStyleCnt="0"/>
+      <dgm:spPr/>
+    </dgm:pt>
+  </dgm:ptLst>
+  <dgm:cxnLst>
+    <dgm:cxn modelId="{EC288514-5953-4371-B614-67E2587A0632}" type="presOf" srcId="{8F3C6AC4-A53B-4B83-A481-13534CEBBE7D}" destId="{28A959D3-8E8F-4C33-8E58-743CD226A445}" srcOrd="0" destOrd="0" presId="urn:microsoft.com/office/officeart/2005/8/layout/orgChart1"/>
+    <dgm:cxn modelId="{E6F4F318-A20C-4F11-A512-B27325BAF16D}" type="presOf" srcId="{1763EED3-26D7-4B0E-B022-1B72A013A70C}" destId="{CDB323ED-45A3-4822-B212-E9401A6C85A9}" srcOrd="1" destOrd="0" presId="urn:microsoft.com/office/officeart/2005/8/layout/orgChart1"/>
+    <dgm:cxn modelId="{824EB01B-7989-4B5E-B04F-F041A0FBE0D9}" type="presOf" srcId="{12B359AD-F8D0-452E-9FE6-4E1434D70F15}" destId="{62E9EE9C-9C61-429A-9C9D-4DB0E88E4329}" srcOrd="1" destOrd="0" presId="urn:microsoft.com/office/officeart/2005/8/layout/orgChart1"/>
+    <dgm:cxn modelId="{4D05E120-7DBB-46A6-B2C5-DF7850427A80}" type="presOf" srcId="{5E696FD1-73A9-49CE-9C82-A67D5179851A}" destId="{D2C33EE2-902F-4DEC-A486-716BCF9C574A}" srcOrd="0" destOrd="0" presId="urn:microsoft.com/office/officeart/2005/8/layout/orgChart1"/>
+    <dgm:cxn modelId="{D4789563-D13B-4B08-BDCA-385B520F591F}" type="presOf" srcId="{A7BDC5C7-F208-4337-83DA-CEAB2AF8A6E8}" destId="{CA2AF3D0-A783-4F4A-AF16-39637F115AA6}" srcOrd="0" destOrd="0" presId="urn:microsoft.com/office/officeart/2005/8/layout/orgChart1"/>
+    <dgm:cxn modelId="{B22BB143-FF24-4728-B175-EA1552D06D94}" type="presOf" srcId="{B11103E8-CD81-40BE-B579-4FCAB035D7D0}" destId="{4E2D0EDB-C4D6-450E-83EA-96CF439066D6}" srcOrd="1" destOrd="0" presId="urn:microsoft.com/office/officeart/2005/8/layout/orgChart1"/>
+    <dgm:cxn modelId="{175ED643-4624-4279-9AC0-71B49AB06463}" type="presOf" srcId="{12B359AD-F8D0-452E-9FE6-4E1434D70F15}" destId="{92DD8E95-5792-4CAF-BBE2-B190055FFE9B}" srcOrd="0" destOrd="0" presId="urn:microsoft.com/office/officeart/2005/8/layout/orgChart1"/>
+    <dgm:cxn modelId="{19586B45-307A-4F82-965B-3618C233D3C3}" type="presOf" srcId="{C1DA3676-0503-49EC-84DF-0840E579CFEF}" destId="{87894099-6401-42BD-9593-FCCC7AE42C49}" srcOrd="1" destOrd="0" presId="urn:microsoft.com/office/officeart/2005/8/layout/orgChart1"/>
+    <dgm:cxn modelId="{198BD745-2D9F-4E83-921B-DBA00E038AA2}" type="presOf" srcId="{1763EED3-26D7-4B0E-B022-1B72A013A70C}" destId="{B7666E4B-FE3C-4B7F-ADE2-C772AB73DAAC}" srcOrd="0" destOrd="0" presId="urn:microsoft.com/office/officeart/2005/8/layout/orgChart1"/>
+    <dgm:cxn modelId="{5F4F376D-5620-4216-AF82-C04C5F55E5B0}" type="presOf" srcId="{DCC0585E-4EEF-477E-9E64-47DB63E3B1F0}" destId="{E16286B1-F6DD-435B-8D33-2273810FC772}" srcOrd="0" destOrd="0" presId="urn:microsoft.com/office/officeart/2005/8/layout/orgChart1"/>
+    <dgm:cxn modelId="{56DEE571-1D10-4A28-9146-2F3255577C1A}" srcId="{B11103E8-CD81-40BE-B579-4FCAB035D7D0}" destId="{C1DA3676-0503-49EC-84DF-0840E579CFEF}" srcOrd="0" destOrd="0" parTransId="{E91B2509-2172-40BF-92BF-95C71C842B9D}" sibTransId="{249178E8-CF68-4256-8FB4-C392210D1F0F}"/>
+    <dgm:cxn modelId="{1DE58273-423C-4229-8419-B58F7186758D}" type="presOf" srcId="{F92BA4C8-D8E7-4F76-9AE8-619682ED5A87}" destId="{36F9C691-4B50-4159-9F42-B35EF32A6B44}" srcOrd="0" destOrd="0" presId="urn:microsoft.com/office/officeart/2005/8/layout/orgChart1"/>
+    <dgm:cxn modelId="{933C0776-BD08-42D1-ADA6-BA5B5B3BC905}" srcId="{B11103E8-CD81-40BE-B579-4FCAB035D7D0}" destId="{DCC0585E-4EEF-477E-9E64-47DB63E3B1F0}" srcOrd="2" destOrd="0" parTransId="{5E696FD1-73A9-49CE-9C82-A67D5179851A}" sibTransId="{D959DD05-460A-431F-803F-199126E0D621}"/>
+    <dgm:cxn modelId="{A0CB5C58-44FD-4B28-8DA0-AC4381DFBDCD}" type="presOf" srcId="{4A4E3E50-38C2-4C3C-AE96-953BA26A11C9}" destId="{B7B9E35F-3141-4501-8C8E-ECDBA7C3D699}" srcOrd="0" destOrd="0" presId="urn:microsoft.com/office/officeart/2005/8/layout/orgChart1"/>
+    <dgm:cxn modelId="{67EF6583-DA13-4DCD-B2C7-E01EC5ABDE4A}" srcId="{EC376E4E-E648-41DA-86DB-8DA8BA5FAEC7}" destId="{12B359AD-F8D0-452E-9FE6-4E1434D70F15}" srcOrd="0" destOrd="0" parTransId="{F38279A6-DA67-4CAC-9D98-9FD4DBAA81BE}" sibTransId="{718721CD-C249-4EFA-880F-8D85A96569A0}"/>
+    <dgm:cxn modelId="{B6C0118D-A2B4-48B2-9D92-51426B77C601}" type="presOf" srcId="{F5961BDC-783E-4C07-BC92-9011F5BBD285}" destId="{FC040049-51F5-41BD-8A19-8EF975D2FEC2}" srcOrd="0" destOrd="0" presId="urn:microsoft.com/office/officeart/2005/8/layout/orgChart1"/>
+    <dgm:cxn modelId="{909F9790-969F-4EBC-B8F3-0D35ACBC0D5C}" srcId="{B11103E8-CD81-40BE-B579-4FCAB035D7D0}" destId="{4DE9C598-B23B-4383-915B-55E3A905EC09}" srcOrd="1" destOrd="0" parTransId="{8F3C6AC4-A53B-4B83-A481-13534CEBBE7D}" sibTransId="{F02FEB7E-1FF2-4F4C-AAA3-981FB56FC271}"/>
+    <dgm:cxn modelId="{907E7297-C1DA-4B69-BFF9-98329E5D3995}" type="presOf" srcId="{C1DA3676-0503-49EC-84DF-0840E579CFEF}" destId="{CB2F9E2B-60EC-401F-A7AE-483C76BC0EC4}" srcOrd="0" destOrd="0" presId="urn:microsoft.com/office/officeart/2005/8/layout/orgChart1"/>
+    <dgm:cxn modelId="{E964689A-B3A3-4628-A308-30C81D211922}" type="presOf" srcId="{EC376E4E-E648-41DA-86DB-8DA8BA5FAEC7}" destId="{1FB3CEF6-77BB-4E6C-A2DD-4A3F7EC690C5}" srcOrd="0" destOrd="0" presId="urn:microsoft.com/office/officeart/2005/8/layout/orgChart1"/>
+    <dgm:cxn modelId="{E02A83A2-B2E9-46F4-AF77-D471A4A0459A}" type="presOf" srcId="{4DE9C598-B23B-4383-915B-55E3A905EC09}" destId="{EAF98DA0-A25D-4689-9A35-0FB204C4D414}" srcOrd="1" destOrd="0" presId="urn:microsoft.com/office/officeart/2005/8/layout/orgChart1"/>
+    <dgm:cxn modelId="{169577A9-2FA2-4D9B-B2B3-3293E28A18B5}" srcId="{12B359AD-F8D0-452E-9FE6-4E1434D70F15}" destId="{B11103E8-CD81-40BE-B579-4FCAB035D7D0}" srcOrd="0" destOrd="0" parTransId="{8EAAB40C-C46B-4763-9B19-143C18560BB8}" sibTransId="{066CED9E-DDC2-4B20-81DF-84AEF02375EA}"/>
+    <dgm:cxn modelId="{DB621BB4-1721-46CA-9C90-60643B419F26}" srcId="{B11103E8-CD81-40BE-B579-4FCAB035D7D0}" destId="{1763EED3-26D7-4B0E-B022-1B72A013A70C}" srcOrd="4" destOrd="0" parTransId="{F5961BDC-783E-4C07-BC92-9011F5BBD285}" sibTransId="{8B6F1219-C0C9-42EE-A202-422710B569C5}"/>
+    <dgm:cxn modelId="{8A53A4C3-6031-4734-B3C1-7BBE70A6195C}" type="presOf" srcId="{A7E99E54-94B2-4D9C-82A3-E8D7CBB0FC6A}" destId="{54DB9B34-E7B2-41DC-B13D-F457F995CDFC}" srcOrd="0" destOrd="0" presId="urn:microsoft.com/office/officeart/2005/8/layout/orgChart1"/>
+    <dgm:cxn modelId="{2D5715C6-4B16-4AF8-A0C8-2697B477409C}" type="presOf" srcId="{4A4E3E50-38C2-4C3C-AE96-953BA26A11C9}" destId="{7914E8B1-80D5-4A71-9775-0A174E4B78BC}" srcOrd="1" destOrd="0" presId="urn:microsoft.com/office/officeart/2005/8/layout/orgChart1"/>
+    <dgm:cxn modelId="{756917CD-3304-41C1-83A7-9955CB260BC6}" type="presOf" srcId="{8EAAB40C-C46B-4763-9B19-143C18560BB8}" destId="{4F485F08-228B-4F23-9920-ED58748DD612}" srcOrd="0" destOrd="0" presId="urn:microsoft.com/office/officeart/2005/8/layout/orgChart1"/>
+    <dgm:cxn modelId="{027DE8CD-8FAF-4678-A5D7-7F37B082E9FC}" type="presOf" srcId="{DCC0585E-4EEF-477E-9E64-47DB63E3B1F0}" destId="{05167FCA-E22E-4DDC-A69D-5406D39E103B}" srcOrd="1" destOrd="0" presId="urn:microsoft.com/office/officeart/2005/8/layout/orgChart1"/>
+    <dgm:cxn modelId="{931F97D1-3692-4A52-A385-70D3E0FA82DE}" type="presOf" srcId="{E91B2509-2172-40BF-92BF-95C71C842B9D}" destId="{CA698B96-2FDD-477F-82FD-3398AEE00C53}" srcOrd="0" destOrd="0" presId="urn:microsoft.com/office/officeart/2005/8/layout/orgChart1"/>
+    <dgm:cxn modelId="{F1DC65E4-3406-49EF-8BD7-3B43D972B953}" srcId="{B11103E8-CD81-40BE-B579-4FCAB035D7D0}" destId="{4A4E3E50-38C2-4C3C-AE96-953BA26A11C9}" srcOrd="3" destOrd="0" parTransId="{F92BA4C8-D8E7-4F76-9AE8-619682ED5A87}" sibTransId="{F4856804-261D-4CA9-AEA7-CB9CCF3B24D3}"/>
+    <dgm:cxn modelId="{9C4E09F7-60C7-4A17-883C-565801E26701}" srcId="{4DE9C598-B23B-4383-915B-55E3A905EC09}" destId="{A7E99E54-94B2-4D9C-82A3-E8D7CBB0FC6A}" srcOrd="0" destOrd="0" parTransId="{A7BDC5C7-F208-4337-83DA-CEAB2AF8A6E8}" sibTransId="{E5ADC721-8733-4901-A13E-0A3C1A6D9EA5}"/>
+    <dgm:cxn modelId="{ECEF2BFB-C19C-4668-B0B2-A06335D9AE4F}" type="presOf" srcId="{B11103E8-CD81-40BE-B579-4FCAB035D7D0}" destId="{F58A63D3-C78F-4550-80E7-D69343F847C2}" srcOrd="0" destOrd="0" presId="urn:microsoft.com/office/officeart/2005/8/layout/orgChart1"/>
+    <dgm:cxn modelId="{AE87FEFC-59F2-4DF6-8D52-F70F37326785}" type="presOf" srcId="{A7E99E54-94B2-4D9C-82A3-E8D7CBB0FC6A}" destId="{89957609-8B97-47C3-AEE9-6DD7393B124C}" srcOrd="1" destOrd="0" presId="urn:microsoft.com/office/officeart/2005/8/layout/orgChart1"/>
+    <dgm:cxn modelId="{EB5FA7FD-5722-430D-B7E6-B49228A21E43}" type="presOf" srcId="{4DE9C598-B23B-4383-915B-55E3A905EC09}" destId="{227A2695-8EBE-4628-A9EE-801697A0D3C2}" srcOrd="0" destOrd="0" presId="urn:microsoft.com/office/officeart/2005/8/layout/orgChart1"/>
+    <dgm:cxn modelId="{F8AE411A-888F-4808-82E6-D9EAF27B6589}" type="presParOf" srcId="{1FB3CEF6-77BB-4E6C-A2DD-4A3F7EC690C5}" destId="{84C532CC-3D97-41C5-A04C-B26E921B2E45}" srcOrd="0" destOrd="0" presId="urn:microsoft.com/office/officeart/2005/8/layout/orgChart1"/>
+    <dgm:cxn modelId="{AE0A2488-916C-43F6-8CD4-394EF7D7915B}" type="presParOf" srcId="{84C532CC-3D97-41C5-A04C-B26E921B2E45}" destId="{B29178D1-3B14-49B7-A807-CA017500D4CA}" srcOrd="0" destOrd="0" presId="urn:microsoft.com/office/officeart/2005/8/layout/orgChart1"/>
+    <dgm:cxn modelId="{F0F2338B-EDD3-4623-97AB-FAA7FF7D98A4}" type="presParOf" srcId="{B29178D1-3B14-49B7-A807-CA017500D4CA}" destId="{92DD8E95-5792-4CAF-BBE2-B190055FFE9B}" srcOrd="0" destOrd="0" presId="urn:microsoft.com/office/officeart/2005/8/layout/orgChart1"/>
+    <dgm:cxn modelId="{75773ED5-5BD4-4B23-B927-C8A54268DDAD}" type="presParOf" srcId="{B29178D1-3B14-49B7-A807-CA017500D4CA}" destId="{62E9EE9C-9C61-429A-9C9D-4DB0E88E4329}" srcOrd="1" destOrd="0" presId="urn:microsoft.com/office/officeart/2005/8/layout/orgChart1"/>
+    <dgm:cxn modelId="{9DCE7586-38F0-4B6F-A4B5-97BE9F82679E}" type="presParOf" srcId="{84C532CC-3D97-41C5-A04C-B26E921B2E45}" destId="{A404C32F-A4F7-49E3-8E72-DD5167BB2C44}" srcOrd="1" destOrd="0" presId="urn:microsoft.com/office/officeart/2005/8/layout/orgChart1"/>
+    <dgm:cxn modelId="{4A83FBF0-5CA3-4A90-AB11-F526A5012580}" type="presParOf" srcId="{A404C32F-A4F7-49E3-8E72-DD5167BB2C44}" destId="{4F485F08-228B-4F23-9920-ED58748DD612}" srcOrd="0" destOrd="0" presId="urn:microsoft.com/office/officeart/2005/8/layout/orgChart1"/>
+    <dgm:cxn modelId="{18B58898-A39F-404B-83D1-2E35BB95CF02}" type="presParOf" srcId="{A404C32F-A4F7-49E3-8E72-DD5167BB2C44}" destId="{57E17CB4-9CE1-4EFF-9213-9E6AA8A73D8C}" srcOrd="1" destOrd="0" presId="urn:microsoft.com/office/officeart/2005/8/layout/orgChart1"/>
+    <dgm:cxn modelId="{3CDC3DBC-7AD9-4660-8FD4-E5B358FBD322}" type="presParOf" srcId="{57E17CB4-9CE1-4EFF-9213-9E6AA8A73D8C}" destId="{9C640B7D-D67D-4B8E-A8C5-471568107335}" srcOrd="0" destOrd="0" presId="urn:microsoft.com/office/officeart/2005/8/layout/orgChart1"/>
+    <dgm:cxn modelId="{3C433F5B-9E7D-4335-8F8B-A2C85A305CB9}" type="presParOf" srcId="{9C640B7D-D67D-4B8E-A8C5-471568107335}" destId="{F58A63D3-C78F-4550-80E7-D69343F847C2}" srcOrd="0" destOrd="0" presId="urn:microsoft.com/office/officeart/2005/8/layout/orgChart1"/>
+    <dgm:cxn modelId="{15575AAB-B9B1-477F-8E61-DAD43D9A106E}" type="presParOf" srcId="{9C640B7D-D67D-4B8E-A8C5-471568107335}" destId="{4E2D0EDB-C4D6-450E-83EA-96CF439066D6}" srcOrd="1" destOrd="0" presId="urn:microsoft.com/office/officeart/2005/8/layout/orgChart1"/>
+    <dgm:cxn modelId="{7CEA1FA0-74E2-4F02-B0BC-131CCB9A333B}" type="presParOf" srcId="{57E17CB4-9CE1-4EFF-9213-9E6AA8A73D8C}" destId="{DF366C04-0EC9-45EA-9E59-CA10E9616C42}" srcOrd="1" destOrd="0" presId="urn:microsoft.com/office/officeart/2005/8/layout/orgChart1"/>
+    <dgm:cxn modelId="{47795B8E-899B-4008-AFF6-5AB37A7C4623}" type="presParOf" srcId="{DF366C04-0EC9-45EA-9E59-CA10E9616C42}" destId="{CA698B96-2FDD-477F-82FD-3398AEE00C53}" srcOrd="0" destOrd="0" presId="urn:microsoft.com/office/officeart/2005/8/layout/orgChart1"/>
+    <dgm:cxn modelId="{38A4F6E3-6062-49FF-8CE3-A36E981CB9B6}" type="presParOf" srcId="{DF366C04-0EC9-45EA-9E59-CA10E9616C42}" destId="{473DEF0C-42E2-4A50-856D-1F839CCF32C4}" srcOrd="1" destOrd="0" presId="urn:microsoft.com/office/officeart/2005/8/layout/orgChart1"/>
+    <dgm:cxn modelId="{B0AAA5BD-323E-40F8-88D6-04DCC54A5DBF}" type="presParOf" srcId="{473DEF0C-42E2-4A50-856D-1F839CCF32C4}" destId="{4624B90A-4132-4200-8AA0-82A7A6868243}" srcOrd="0" destOrd="0" presId="urn:microsoft.com/office/officeart/2005/8/layout/orgChart1"/>
+    <dgm:cxn modelId="{F8361AC3-010C-4552-88A4-09040E8F894E}" type="presParOf" srcId="{4624B90A-4132-4200-8AA0-82A7A6868243}" destId="{CB2F9E2B-60EC-401F-A7AE-483C76BC0EC4}" srcOrd="0" destOrd="0" presId="urn:microsoft.com/office/officeart/2005/8/layout/orgChart1"/>
+    <dgm:cxn modelId="{86B63F77-1C87-4122-ADEE-F18936B8014A}" type="presParOf" srcId="{4624B90A-4132-4200-8AA0-82A7A6868243}" destId="{87894099-6401-42BD-9593-FCCC7AE42C49}" srcOrd="1" destOrd="0" presId="urn:microsoft.com/office/officeart/2005/8/layout/orgChart1"/>
+    <dgm:cxn modelId="{34DA4E50-A3AA-4591-8293-F703820B1B36}" type="presParOf" srcId="{473DEF0C-42E2-4A50-856D-1F839CCF32C4}" destId="{5AB908CA-153D-4CCC-9357-A7CB91FB315D}" srcOrd="1" destOrd="0" presId="urn:microsoft.com/office/officeart/2005/8/layout/orgChart1"/>
+    <dgm:cxn modelId="{07B5A45B-F1F0-4663-B634-6597C7788CF8}" type="presParOf" srcId="{473DEF0C-42E2-4A50-856D-1F839CCF32C4}" destId="{887CC9D3-38FE-45D6-B05D-3A8EDEAEB30E}" srcOrd="2" destOrd="0" presId="urn:microsoft.com/office/officeart/2005/8/layout/orgChart1"/>
+    <dgm:cxn modelId="{5F703066-DCE7-4FCC-9C32-45990E4C7284}" type="presParOf" srcId="{DF366C04-0EC9-45EA-9E59-CA10E9616C42}" destId="{28A959D3-8E8F-4C33-8E58-743CD226A445}" srcOrd="2" destOrd="0" presId="urn:microsoft.com/office/officeart/2005/8/layout/orgChart1"/>
+    <dgm:cxn modelId="{ADFEA9A2-0CD0-4DF8-9AF5-3CC0055F91EE}" type="presParOf" srcId="{DF366C04-0EC9-45EA-9E59-CA10E9616C42}" destId="{9942EE3E-75B3-40C5-9515-14C899144BE6}" srcOrd="3" destOrd="0" presId="urn:microsoft.com/office/officeart/2005/8/layout/orgChart1"/>
+    <dgm:cxn modelId="{A0AEDCB5-EF81-47B6-9DD6-DCFB8C3BA833}" type="presParOf" srcId="{9942EE3E-75B3-40C5-9515-14C899144BE6}" destId="{95254029-3A83-4A07-BCC7-CAD6C2DADFEC}" srcOrd="0" destOrd="0" presId="urn:microsoft.com/office/officeart/2005/8/layout/orgChart1"/>
+    <dgm:cxn modelId="{463CEBDF-5752-4235-8F56-BDF69DE02976}" type="presParOf" srcId="{95254029-3A83-4A07-BCC7-CAD6C2DADFEC}" destId="{227A2695-8EBE-4628-A9EE-801697A0D3C2}" srcOrd="0" destOrd="0" presId="urn:microsoft.com/office/officeart/2005/8/layout/orgChart1"/>
+    <dgm:cxn modelId="{01F9196F-E620-4D41-8079-413E3E478A4F}" type="presParOf" srcId="{95254029-3A83-4A07-BCC7-CAD6C2DADFEC}" destId="{EAF98DA0-A25D-4689-9A35-0FB204C4D414}" srcOrd="1" destOrd="0" presId="urn:microsoft.com/office/officeart/2005/8/layout/orgChart1"/>
+    <dgm:cxn modelId="{2CA2CC3E-C7B9-4A61-ABDA-AB5D0432D556}" type="presParOf" srcId="{9942EE3E-75B3-40C5-9515-14C899144BE6}" destId="{B1130AF9-6FE0-4F08-9475-22188116C08D}" srcOrd="1" destOrd="0" presId="urn:microsoft.com/office/officeart/2005/8/layout/orgChart1"/>
+    <dgm:cxn modelId="{B10E8E32-4EC3-4C7E-8A27-8D2BC7AE6F3E}" type="presParOf" srcId="{9942EE3E-75B3-40C5-9515-14C899144BE6}" destId="{6AF3239C-18A1-4CE8-A367-70E1469921B0}" srcOrd="2" destOrd="0" presId="urn:microsoft.com/office/officeart/2005/8/layout/orgChart1"/>
+    <dgm:cxn modelId="{6E061069-E97D-44EE-9174-333BF8414A6E}" type="presParOf" srcId="{6AF3239C-18A1-4CE8-A367-70E1469921B0}" destId="{CA2AF3D0-A783-4F4A-AF16-39637F115AA6}" srcOrd="0" destOrd="0" presId="urn:microsoft.com/office/officeart/2005/8/layout/orgChart1"/>
+    <dgm:cxn modelId="{A0A5496A-ADA4-4185-9F47-5B6EA009FE0D}" type="presParOf" srcId="{6AF3239C-18A1-4CE8-A367-70E1469921B0}" destId="{1A754903-320B-4D58-8D1D-B1046E7A0C09}" srcOrd="1" destOrd="0" presId="urn:microsoft.com/office/officeart/2005/8/layout/orgChart1"/>
+    <dgm:cxn modelId="{6D4E6F5A-F976-4D34-98B7-5480E061600E}" type="presParOf" srcId="{1A754903-320B-4D58-8D1D-B1046E7A0C09}" destId="{1ED732C6-4FB8-4A1E-BC80-51448E89ECFB}" srcOrd="0" destOrd="0" presId="urn:microsoft.com/office/officeart/2005/8/layout/orgChart1"/>
+    <dgm:cxn modelId="{9B96A133-0B77-4118-B66E-956CDF2F96DE}" type="presParOf" srcId="{1ED732C6-4FB8-4A1E-BC80-51448E89ECFB}" destId="{54DB9B34-E7B2-41DC-B13D-F457F995CDFC}" srcOrd="0" destOrd="0" presId="urn:microsoft.com/office/officeart/2005/8/layout/orgChart1"/>
+    <dgm:cxn modelId="{95772096-7DBA-4E8C-91C6-4F8A0A64416C}" type="presParOf" srcId="{1ED732C6-4FB8-4A1E-BC80-51448E89ECFB}" destId="{89957609-8B97-47C3-AEE9-6DD7393B124C}" srcOrd="1" destOrd="0" presId="urn:microsoft.com/office/officeart/2005/8/layout/orgChart1"/>
+    <dgm:cxn modelId="{2739B281-BD78-4410-BADC-C96574C56CCB}" type="presParOf" srcId="{1A754903-320B-4D58-8D1D-B1046E7A0C09}" destId="{98A76313-0002-4F08-8C2A-2C9E7CF86A01}" srcOrd="1" destOrd="0" presId="urn:microsoft.com/office/officeart/2005/8/layout/orgChart1"/>
+    <dgm:cxn modelId="{1040F5D0-2127-428D-B706-9E5757FFC25A}" type="presParOf" srcId="{1A754903-320B-4D58-8D1D-B1046E7A0C09}" destId="{B66ED59C-56CC-4674-9E98-64456A927D23}" srcOrd="2" destOrd="0" presId="urn:microsoft.com/office/officeart/2005/8/layout/orgChart1"/>
+    <dgm:cxn modelId="{8665360A-069C-438B-B348-BE17BDD53A30}" type="presParOf" srcId="{DF366C04-0EC9-45EA-9E59-CA10E9616C42}" destId="{D2C33EE2-902F-4DEC-A486-716BCF9C574A}" srcOrd="4" destOrd="0" presId="urn:microsoft.com/office/officeart/2005/8/layout/orgChart1"/>
+    <dgm:cxn modelId="{210AD954-3BF6-41BA-BF9D-314A1DA0489C}" type="presParOf" srcId="{DF366C04-0EC9-45EA-9E59-CA10E9616C42}" destId="{ECCFF307-6359-4DCA-BF55-ED05B5388428}" srcOrd="5" destOrd="0" presId="urn:microsoft.com/office/officeart/2005/8/layout/orgChart1"/>
+    <dgm:cxn modelId="{FF80E84C-32E4-41F8-AE92-2B365DF8FC17}" type="presParOf" srcId="{ECCFF307-6359-4DCA-BF55-ED05B5388428}" destId="{E1A219C8-0B21-4371-AEDF-DFE36A8898FB}" srcOrd="0" destOrd="0" presId="urn:microsoft.com/office/officeart/2005/8/layout/orgChart1"/>
+    <dgm:cxn modelId="{89AFDE49-FEEF-49F4-A926-EE60B8CFF04C}" type="presParOf" srcId="{E1A219C8-0B21-4371-AEDF-DFE36A8898FB}" destId="{E16286B1-F6DD-435B-8D33-2273810FC772}" srcOrd="0" destOrd="0" presId="urn:microsoft.com/office/officeart/2005/8/layout/orgChart1"/>
+    <dgm:cxn modelId="{40F9ECC6-485F-4032-8331-0A512C8D41DF}" type="presParOf" srcId="{E1A219C8-0B21-4371-AEDF-DFE36A8898FB}" destId="{05167FCA-E22E-4DDC-A69D-5406D39E103B}" srcOrd="1" destOrd="0" presId="urn:microsoft.com/office/officeart/2005/8/layout/orgChart1"/>
+    <dgm:cxn modelId="{A28DB575-C011-4191-8075-82E820FE698A}" type="presParOf" srcId="{ECCFF307-6359-4DCA-BF55-ED05B5388428}" destId="{04B065D9-B02C-48CA-909E-658C017FE0CF}" srcOrd="1" destOrd="0" presId="urn:microsoft.com/office/officeart/2005/8/layout/orgChart1"/>
+    <dgm:cxn modelId="{5A0E0D31-0F75-4FA6-BA31-6F8C67F2952C}" type="presParOf" srcId="{ECCFF307-6359-4DCA-BF55-ED05B5388428}" destId="{C39E0C51-7389-4934-9866-1F5F14D69376}" srcOrd="2" destOrd="0" presId="urn:microsoft.com/office/officeart/2005/8/layout/orgChart1"/>
+    <dgm:cxn modelId="{9198E430-4E3B-4BE6-B09D-89FA0286C30C}" type="presParOf" srcId="{DF366C04-0EC9-45EA-9E59-CA10E9616C42}" destId="{36F9C691-4B50-4159-9F42-B35EF32A6B44}" srcOrd="6" destOrd="0" presId="urn:microsoft.com/office/officeart/2005/8/layout/orgChart1"/>
+    <dgm:cxn modelId="{2B36E909-34B6-4C95-8761-53C7FC7080B9}" type="presParOf" srcId="{DF366C04-0EC9-45EA-9E59-CA10E9616C42}" destId="{312C63B7-2356-4591-A8D8-CB4355394DE3}" srcOrd="7" destOrd="0" presId="urn:microsoft.com/office/officeart/2005/8/layout/orgChart1"/>
+    <dgm:cxn modelId="{72D56477-E19B-4C56-8DCA-ABF4A3C334B7}" type="presParOf" srcId="{312C63B7-2356-4591-A8D8-CB4355394DE3}" destId="{980CD6A4-C2BD-46F1-9817-29D82D14EAD8}" srcOrd="0" destOrd="0" presId="urn:microsoft.com/office/officeart/2005/8/layout/orgChart1"/>
+    <dgm:cxn modelId="{A760D4C3-30AD-46E6-BE5F-1C179C8D0BE2}" type="presParOf" srcId="{980CD6A4-C2BD-46F1-9817-29D82D14EAD8}" destId="{B7B9E35F-3141-4501-8C8E-ECDBA7C3D699}" srcOrd="0" destOrd="0" presId="urn:microsoft.com/office/officeart/2005/8/layout/orgChart1"/>
+    <dgm:cxn modelId="{0B1DAF5E-956D-45F9-ABE7-38276EE83E97}" type="presParOf" srcId="{980CD6A4-C2BD-46F1-9817-29D82D14EAD8}" destId="{7914E8B1-80D5-4A71-9775-0A174E4B78BC}" srcOrd="1" destOrd="0" presId="urn:microsoft.com/office/officeart/2005/8/layout/orgChart1"/>
+    <dgm:cxn modelId="{D45D76B3-4F81-4105-BDC0-F4348EB14AC2}" type="presParOf" srcId="{312C63B7-2356-4591-A8D8-CB4355394DE3}" destId="{9A41BE5B-11A2-49DE-9691-74C1D4BA987E}" srcOrd="1" destOrd="0" presId="urn:microsoft.com/office/officeart/2005/8/layout/orgChart1"/>
+    <dgm:cxn modelId="{E3F970F7-E7A7-4878-9FC2-A11B5FB44CBE}" type="presParOf" srcId="{312C63B7-2356-4591-A8D8-CB4355394DE3}" destId="{85FA3BA1-A365-448F-A481-B42201C75EC0}" srcOrd="2" destOrd="0" presId="urn:microsoft.com/office/officeart/2005/8/layout/orgChart1"/>
+    <dgm:cxn modelId="{BE6522C7-F6FB-47B7-A837-36905466FE80}" type="presParOf" srcId="{57E17CB4-9CE1-4EFF-9213-9E6AA8A73D8C}" destId="{F19ED6C9-E811-4A81-B81D-39A9263CF631}" srcOrd="2" destOrd="0" presId="urn:microsoft.com/office/officeart/2005/8/layout/orgChart1"/>
+    <dgm:cxn modelId="{B51DC95F-7A7F-4C64-BD86-1F02CF9370EB}" type="presParOf" srcId="{F19ED6C9-E811-4A81-B81D-39A9263CF631}" destId="{FC040049-51F5-41BD-8A19-8EF975D2FEC2}" srcOrd="0" destOrd="0" presId="urn:microsoft.com/office/officeart/2005/8/layout/orgChart1"/>
+    <dgm:cxn modelId="{8CED516B-562D-4460-8B62-B079E64FD0EF}" type="presParOf" srcId="{F19ED6C9-E811-4A81-B81D-39A9263CF631}" destId="{E0DB40E2-3599-401C-9680-5F546B644036}" srcOrd="1" destOrd="0" presId="urn:microsoft.com/office/officeart/2005/8/layout/orgChart1"/>
+    <dgm:cxn modelId="{CEA312CE-F6CD-49D8-B4AE-937B8D46899A}" type="presParOf" srcId="{E0DB40E2-3599-401C-9680-5F546B644036}" destId="{515AAB93-BCBE-42EC-B1F7-B27571C91AF5}" srcOrd="0" destOrd="0" presId="urn:microsoft.com/office/officeart/2005/8/layout/orgChart1"/>
+    <dgm:cxn modelId="{E2B89FA4-4702-4631-9A91-F5CB778B97BC}" type="presParOf" srcId="{515AAB93-BCBE-42EC-B1F7-B27571C91AF5}" destId="{B7666E4B-FE3C-4B7F-ADE2-C772AB73DAAC}" srcOrd="0" destOrd="0" presId="urn:microsoft.com/office/officeart/2005/8/layout/orgChart1"/>
+    <dgm:cxn modelId="{700F29D5-08BA-464B-8CFD-E2DBF3B951D4}" type="presParOf" srcId="{515AAB93-BCBE-42EC-B1F7-B27571C91AF5}" destId="{CDB323ED-45A3-4822-B212-E9401A6C85A9}" srcOrd="1" destOrd="0" presId="urn:microsoft.com/office/officeart/2005/8/layout/orgChart1"/>
+    <dgm:cxn modelId="{1519EC72-97C0-4DC1-B80A-A6CB471A9448}" type="presParOf" srcId="{E0DB40E2-3599-401C-9680-5F546B644036}" destId="{3DB201A7-C860-4FB7-8D3B-58534778303D}" srcOrd="1" destOrd="0" presId="urn:microsoft.com/office/officeart/2005/8/layout/orgChart1"/>
+    <dgm:cxn modelId="{9227C59E-07A2-4FB5-A4B8-1C4534A0211A}" type="presParOf" srcId="{E0DB40E2-3599-401C-9680-5F546B644036}" destId="{6363C885-82C7-47EA-A523-E2E983433547}" srcOrd="2" destOrd="0" presId="urn:microsoft.com/office/officeart/2005/8/layout/orgChart1"/>
+    <dgm:cxn modelId="{33C5C47A-603D-4D34-AACB-A3AFF7EA5F94}" type="presParOf" srcId="{84C532CC-3D97-41C5-A04C-B26E921B2E45}" destId="{2C29BC7D-5112-4919-A59E-9E62F8CFE046}" srcOrd="2" destOrd="0" presId="urn:microsoft.com/office/officeart/2005/8/layout/orgChart1"/>
+  </dgm:cxnLst>
+  <dgm:bg/>
+  <dgm:whole/>
+  <dgm:extLst>
+    <a:ext uri="http://schemas.microsoft.com/office/drawing/2008/diagram">
+      <dsp:dataModelExt xmlns:dsp="http://schemas.microsoft.com/office/drawing/2008/diagram" relId="rId6" minVer="http://schemas.openxmlformats.org/drawingml/2006/diagram"/>
+    </a:ext>
+  </dgm:extLst>
+</dgm:dataModel>
+</file>
+
+<file path=ppt/diagrams/data3.xml><?xml version="1.0" encoding="utf-8"?>
+<dgm:dataModel xmlns:dgm="http://schemas.openxmlformats.org/drawingml/2006/diagram" xmlns:a="http://schemas.openxmlformats.org/drawingml/2006/main">
+  <dgm:ptLst>
     <dgm:pt modelId="{13687DA8-7EF2-4F94-9B7A-7C5AD17D7931}" type="doc">
       <dgm:prSet loTypeId="urn:microsoft.com/office/officeart/2005/8/layout/vList2" loCatId="list" qsTypeId="urn:microsoft.com/office/officeart/2005/8/quickstyle/simple1" qsCatId="simple" csTypeId="urn:microsoft.com/office/officeart/2005/8/colors/accent1_2" csCatId="accent1" phldr="1"/>
       <dgm:spPr/>
@@ -3992,8 +5453,13 @@
         <a:p>
           <a:r>
             <a:rPr lang="en-US" dirty="0"/>
-            <a:t>yearlyLogCleanup.exe</a:t>
+            <a:t>yearlyLogCleanup.exe             – </a:t>
           </a:r>
+          <a:r>
+            <a:rPr lang="en-US" dirty="0" err="1"/>
+            <a:t>c++</a:t>
+          </a:r>
+          <a:endParaRPr lang="en-US" dirty="0"/>
         </a:p>
       </dgm:t>
     </dgm:pt>
@@ -4073,7 +5539,7 @@
         <a:p>
           <a:r>
             <a:rPr lang="en-US" dirty="0"/>
-            <a:t>Cleans bLog.txt of old barcodes, presumably not being used anymore</a:t>
+            <a:t>Cleans bLog.txt of old barcodes, presumably not being used post SQL</a:t>
           </a:r>
           <a:endParaRPr lang="fr-CA" dirty="0"/>
         </a:p>
@@ -4273,7 +5739,7 @@
 </dgm:dataModel>
 </file>
 
-<file path=ppt/diagrams/data3.xml><?xml version="1.0" encoding="utf-8"?>
+<file path=ppt/diagrams/data4.xml><?xml version="1.0" encoding="utf-8"?>
 <dgm:dataModel xmlns:dgm="http://schemas.openxmlformats.org/drawingml/2006/diagram" xmlns:a="http://schemas.openxmlformats.org/drawingml/2006/main">
   <dgm:ptLst>
     <dgm:pt modelId="{099330CB-DC5C-40B6-B94C-B2D1E2777A7E}" type="doc">
@@ -4505,7 +5971,7 @@
 </dgm:dataModel>
 </file>
 
-<file path=ppt/diagrams/data4.xml><?xml version="1.0" encoding="utf-8"?>
+<file path=ppt/diagrams/data5.xml><?xml version="1.0" encoding="utf-8"?>
 <dgm:dataModel xmlns:dgm="http://schemas.openxmlformats.org/drawingml/2006/diagram" xmlns:a="http://schemas.openxmlformats.org/drawingml/2006/main">
   <dgm:ptLst>
     <dgm:pt modelId="{A360F438-0520-4785-B431-247D61CA62FD}" type="doc">
@@ -4848,8 +6314,8 @@
       </dsp:nvSpPr>
       <dsp:spPr>
         <a:xfrm>
-          <a:off x="3907151" y="1530843"/>
-          <a:ext cx="132672" cy="581233"/>
+          <a:off x="3496798" y="1856174"/>
+          <a:ext cx="160801" cy="704463"/>
         </a:xfrm>
         <a:custGeom>
           <a:avLst/>
@@ -4860,13 +6326,13 @@
           <a:pathLst>
             <a:path>
               <a:moveTo>
-                <a:pt x="132672" y="0"/>
+                <a:pt x="160801" y="0"/>
               </a:moveTo>
               <a:lnTo>
-                <a:pt x="132672" y="581233"/>
+                <a:pt x="160801" y="704463"/>
               </a:lnTo>
               <a:lnTo>
-                <a:pt x="0" y="581233"/>
+                <a:pt x="0" y="704463"/>
               </a:lnTo>
             </a:path>
           </a:pathLst>
@@ -4906,8 +6372,8 @@
       </dsp:nvSpPr>
       <dsp:spPr>
         <a:xfrm>
-          <a:off x="4039824" y="1530843"/>
-          <a:ext cx="1528896" cy="1162466"/>
+          <a:off x="3657600" y="1856174"/>
+          <a:ext cx="2779566" cy="1408926"/>
         </a:xfrm>
         <a:custGeom>
           <a:avLst/>
@@ -4921,13 +6387,13 @@
                 <a:pt x="0" y="0"/>
               </a:moveTo>
               <a:lnTo>
-                <a:pt x="0" y="1029793"/>
+                <a:pt x="0" y="1248124"/>
               </a:lnTo>
               <a:lnTo>
-                <a:pt x="1528896" y="1029793"/>
+                <a:pt x="2779566" y="1248124"/>
               </a:lnTo>
               <a:lnTo>
-                <a:pt x="1528896" y="1162466"/>
+                <a:pt x="2779566" y="1408926"/>
               </a:lnTo>
             </a:path>
           </a:pathLst>
@@ -4967,8 +6433,8 @@
       </dsp:nvSpPr>
       <dsp:spPr>
         <a:xfrm>
-          <a:off x="3994104" y="1530843"/>
-          <a:ext cx="91440" cy="1162466"/>
+          <a:off x="3657600" y="1856174"/>
+          <a:ext cx="926522" cy="1408926"/>
         </a:xfrm>
         <a:custGeom>
           <a:avLst/>
@@ -4979,10 +6445,16 @@
           <a:pathLst>
             <a:path>
               <a:moveTo>
-                <a:pt x="45720" y="0"/>
+                <a:pt x="0" y="0"/>
               </a:moveTo>
               <a:lnTo>
-                <a:pt x="45720" y="1162466"/>
+                <a:pt x="0" y="1248124"/>
+              </a:lnTo>
+              <a:lnTo>
+                <a:pt x="926522" y="1248124"/>
+              </a:lnTo>
+              <a:lnTo>
+                <a:pt x="926522" y="1408926"/>
               </a:lnTo>
             </a:path>
           </a:pathLst>
@@ -5022,8 +6494,8 @@
       </dsp:nvSpPr>
       <dsp:spPr>
         <a:xfrm>
-          <a:off x="2378254" y="4222206"/>
-          <a:ext cx="132672" cy="581233"/>
+          <a:off x="2570276" y="4030821"/>
+          <a:ext cx="160801" cy="704463"/>
         </a:xfrm>
         <a:custGeom>
           <a:avLst/>
@@ -5034,13 +6506,13 @@
           <a:pathLst>
             <a:path>
               <a:moveTo>
-                <a:pt x="132672" y="0"/>
+                <a:pt x="160801" y="0"/>
               </a:moveTo>
               <a:lnTo>
-                <a:pt x="132672" y="581233"/>
+                <a:pt x="160801" y="704463"/>
               </a:lnTo>
               <a:lnTo>
-                <a:pt x="0" y="581233"/>
+                <a:pt x="0" y="704463"/>
               </a:lnTo>
             </a:path>
           </a:pathLst>
@@ -5080,8 +6552,8 @@
       </dsp:nvSpPr>
       <dsp:spPr>
         <a:xfrm>
-          <a:off x="2465207" y="3325085"/>
-          <a:ext cx="91440" cy="265345"/>
+          <a:off x="2731077" y="1856174"/>
+          <a:ext cx="926522" cy="1408926"/>
         </a:xfrm>
         <a:custGeom>
           <a:avLst/>
@@ -5092,10 +6564,16 @@
           <a:pathLst>
             <a:path>
               <a:moveTo>
-                <a:pt x="45720" y="0"/>
+                <a:pt x="926522" y="0"/>
               </a:moveTo>
               <a:lnTo>
-                <a:pt x="45720" y="265345"/>
+                <a:pt x="926522" y="1248124"/>
+              </a:lnTo>
+              <a:lnTo>
+                <a:pt x="0" y="1248124"/>
+              </a:lnTo>
+              <a:lnTo>
+                <a:pt x="0" y="1408926"/>
               </a:lnTo>
             </a:path>
           </a:pathLst>
@@ -5135,8 +6613,8 @@
       </dsp:nvSpPr>
       <dsp:spPr>
         <a:xfrm>
-          <a:off x="2510927" y="1530843"/>
-          <a:ext cx="1528896" cy="1162466"/>
+          <a:off x="878033" y="1856174"/>
+          <a:ext cx="2779566" cy="1408926"/>
         </a:xfrm>
         <a:custGeom>
           <a:avLst/>
@@ -5147,16 +6625,16 @@
           <a:pathLst>
             <a:path>
               <a:moveTo>
-                <a:pt x="1528896" y="0"/>
+                <a:pt x="2779566" y="0"/>
               </a:moveTo>
               <a:lnTo>
-                <a:pt x="1528896" y="1029793"/>
+                <a:pt x="2779566" y="1248124"/>
               </a:lnTo>
               <a:lnTo>
-                <a:pt x="0" y="1029793"/>
+                <a:pt x="0" y="1248124"/>
               </a:lnTo>
               <a:lnTo>
-                <a:pt x="0" y="1162466"/>
+                <a:pt x="0" y="1408926"/>
               </a:lnTo>
             </a:path>
           </a:pathLst>
@@ -5196,8 +6674,8 @@
       </dsp:nvSpPr>
       <dsp:spPr>
         <a:xfrm>
-          <a:off x="3994104" y="633722"/>
-          <a:ext cx="91440" cy="265345"/>
+          <a:off x="3611880" y="768851"/>
+          <a:ext cx="91440" cy="321602"/>
         </a:xfrm>
         <a:custGeom>
           <a:avLst/>
@@ -5211,7 +6689,7 @@
                 <a:pt x="45720" y="0"/>
               </a:moveTo>
               <a:lnTo>
-                <a:pt x="45720" y="265345"/>
+                <a:pt x="45720" y="321602"/>
               </a:lnTo>
             </a:path>
           </a:pathLst>
@@ -5251,8 +6729,8 @@
       </dsp:nvSpPr>
       <dsp:spPr>
         <a:xfrm>
-          <a:off x="3408048" y="1947"/>
-          <a:ext cx="1263550" cy="631775"/>
+          <a:off x="2891879" y="3130"/>
+          <a:ext cx="1531441" cy="765720"/>
         </a:xfrm>
         <a:prstGeom prst="rect">
           <a:avLst/>
@@ -5293,12 +6771,12 @@
         </a:fontRef>
       </dsp:style>
       <dsp:txBody>
-        <a:bodyPr spcFirstLastPara="0" vert="horz" wrap="square" lIns="8890" tIns="8890" rIns="8890" bIns="8890" numCol="1" spcCol="1270" anchor="ctr" anchorCtr="0">
+        <a:bodyPr spcFirstLastPara="0" vert="horz" wrap="square" lIns="10795" tIns="10795" rIns="10795" bIns="10795" numCol="1" spcCol="1270" anchor="ctr" anchorCtr="0">
           <a:noAutofit/>
         </a:bodyPr>
         <a:lstStyle/>
         <a:p>
-          <a:pPr marL="0" lvl="0" indent="0" algn="ctr" defTabSz="622300">
+          <a:pPr marL="0" lvl="0" indent="0" algn="ctr" defTabSz="755650">
             <a:lnSpc>
               <a:spcPct val="90000"/>
             </a:lnSpc>
@@ -5311,15 +6789,15 @@
             <a:buNone/>
           </a:pPr>
           <a:r>
-            <a:rPr lang="en-US" sz="1400" kern="1200" dirty="0"/>
+            <a:rPr lang="en-US" sz="1700" kern="1200" dirty="0"/>
             <a:t>initScan.exe</a:t>
           </a:r>
-          <a:endParaRPr lang="fr-CA" sz="1400" kern="1200" dirty="0"/>
+          <a:endParaRPr lang="fr-CA" sz="1700" kern="1200" dirty="0"/>
         </a:p>
       </dsp:txBody>
       <dsp:txXfrm>
-        <a:off x="3408048" y="1947"/>
-        <a:ext cx="1263550" cy="631775"/>
+        <a:off x="2891879" y="3130"/>
+        <a:ext cx="1531441" cy="765720"/>
       </dsp:txXfrm>
     </dsp:sp>
     <dsp:sp modelId="{F58A63D3-C78F-4550-80E7-D69343F847C2}">
@@ -5329,8 +6807,8 @@
       </dsp:nvSpPr>
       <dsp:spPr>
         <a:xfrm>
-          <a:off x="3408048" y="899068"/>
-          <a:ext cx="1263550" cy="631775"/>
+          <a:off x="2891879" y="1090453"/>
+          <a:ext cx="1531441" cy="765720"/>
         </a:xfrm>
         <a:prstGeom prst="rect">
           <a:avLst/>
@@ -5371,12 +6849,12 @@
         </a:fontRef>
       </dsp:style>
       <dsp:txBody>
-        <a:bodyPr spcFirstLastPara="0" vert="horz" wrap="square" lIns="8890" tIns="8890" rIns="8890" bIns="8890" numCol="1" spcCol="1270" anchor="ctr" anchorCtr="0">
+        <a:bodyPr spcFirstLastPara="0" vert="horz" wrap="square" lIns="10795" tIns="10795" rIns="10795" bIns="10795" numCol="1" spcCol="1270" anchor="ctr" anchorCtr="0">
           <a:noAutofit/>
         </a:bodyPr>
         <a:lstStyle/>
         <a:p>
-          <a:pPr marL="0" lvl="0" indent="0" algn="ctr" defTabSz="622300">
+          <a:pPr marL="0" lvl="0" indent="0" algn="ctr" defTabSz="755650">
             <a:lnSpc>
               <a:spcPct val="90000"/>
             </a:lnSpc>
@@ -5389,15 +6867,15 @@
             <a:buNone/>
           </a:pPr>
           <a:r>
-            <a:rPr lang="en-US" sz="1400" kern="1200" dirty="0"/>
+            <a:rPr lang="en-US" sz="1700" kern="1200" dirty="0"/>
             <a:t>logCheck.exe</a:t>
           </a:r>
-          <a:endParaRPr lang="fr-CA" sz="1400" kern="1200" dirty="0"/>
+          <a:endParaRPr lang="fr-CA" sz="1700" kern="1200" dirty="0"/>
         </a:p>
       </dsp:txBody>
       <dsp:txXfrm>
-        <a:off x="3408048" y="899068"/>
-        <a:ext cx="1263550" cy="631775"/>
+        <a:off x="2891879" y="1090453"/>
+        <a:ext cx="1531441" cy="765720"/>
       </dsp:txXfrm>
     </dsp:sp>
     <dsp:sp modelId="{CB2F9E2B-60EC-401F-A7AE-483C76BC0EC4}">
@@ -5407,8 +6885,8 @@
       </dsp:nvSpPr>
       <dsp:spPr>
         <a:xfrm>
-          <a:off x="1879152" y="2693310"/>
-          <a:ext cx="1263550" cy="631775"/>
+          <a:off x="112313" y="3265100"/>
+          <a:ext cx="1531441" cy="765720"/>
         </a:xfrm>
         <a:prstGeom prst="rect">
           <a:avLst/>
@@ -5449,12 +6927,12 @@
         </a:fontRef>
       </dsp:style>
       <dsp:txBody>
-        <a:bodyPr spcFirstLastPara="0" vert="horz" wrap="square" lIns="8890" tIns="8890" rIns="8890" bIns="8890" numCol="1" spcCol="1270" anchor="ctr" anchorCtr="0">
+        <a:bodyPr spcFirstLastPara="0" vert="horz" wrap="square" lIns="10795" tIns="10795" rIns="10795" bIns="10795" numCol="1" spcCol="1270" anchor="ctr" anchorCtr="0">
           <a:noAutofit/>
         </a:bodyPr>
         <a:lstStyle/>
         <a:p>
-          <a:pPr marL="0" lvl="0" indent="0" algn="ctr" defTabSz="622300">
+          <a:pPr marL="0" lvl="0" indent="0" algn="ctr" defTabSz="755650">
             <a:lnSpc>
               <a:spcPct val="90000"/>
             </a:lnSpc>
@@ -5467,15 +6945,15 @@
             <a:buNone/>
           </a:pPr>
           <a:r>
-            <a:rPr lang="en-US" sz="1400" kern="1200" dirty="0"/>
+            <a:rPr lang="en-US" sz="1700" kern="1200" dirty="0"/>
             <a:t>printLabels.bat</a:t>
           </a:r>
-          <a:endParaRPr lang="fr-CA" sz="1400" kern="1200" dirty="0"/>
+          <a:endParaRPr lang="fr-CA" sz="1700" kern="1200" dirty="0"/>
         </a:p>
       </dsp:txBody>
       <dsp:txXfrm>
-        <a:off x="1879152" y="2693310"/>
-        <a:ext cx="1263550" cy="631775"/>
+        <a:off x="112313" y="3265100"/>
+        <a:ext cx="1531441" cy="765720"/>
       </dsp:txXfrm>
     </dsp:sp>
     <dsp:sp modelId="{227A2695-8EBE-4628-A9EE-801697A0D3C2}">
@@ -5485,8 +6963,8 @@
       </dsp:nvSpPr>
       <dsp:spPr>
         <a:xfrm>
-          <a:off x="1879152" y="3590431"/>
-          <a:ext cx="1263550" cy="631775"/>
+          <a:off x="1965357" y="3265100"/>
+          <a:ext cx="1531441" cy="765720"/>
         </a:xfrm>
         <a:prstGeom prst="rect">
           <a:avLst/>
@@ -5527,12 +7005,12 @@
         </a:fontRef>
       </dsp:style>
       <dsp:txBody>
-        <a:bodyPr spcFirstLastPara="0" vert="horz" wrap="square" lIns="8890" tIns="8890" rIns="8890" bIns="8890" numCol="1" spcCol="1270" anchor="ctr" anchorCtr="0">
+        <a:bodyPr spcFirstLastPara="0" vert="horz" wrap="square" lIns="10795" tIns="10795" rIns="10795" bIns="10795" numCol="1" spcCol="1270" anchor="ctr" anchorCtr="0">
           <a:noAutofit/>
         </a:bodyPr>
         <a:lstStyle/>
         <a:p>
-          <a:pPr marL="0" lvl="0" indent="0" algn="ctr" defTabSz="622300">
+          <a:pPr marL="0" lvl="0" indent="0" algn="ctr" defTabSz="755650">
             <a:lnSpc>
               <a:spcPct val="90000"/>
             </a:lnSpc>
@@ -5545,15 +7023,15 @@
             <a:buNone/>
           </a:pPr>
           <a:r>
-            <a:rPr lang="en-US" sz="1400" kern="1200" dirty="0"/>
+            <a:rPr lang="en-US" sz="1700" kern="1200" dirty="0"/>
             <a:t>SNCountUp.bat</a:t>
           </a:r>
-          <a:endParaRPr lang="fr-CA" sz="1400" kern="1200" dirty="0"/>
+          <a:endParaRPr lang="fr-CA" sz="1700" kern="1200" dirty="0"/>
         </a:p>
       </dsp:txBody>
       <dsp:txXfrm>
-        <a:off x="1879152" y="3590431"/>
-        <a:ext cx="1263550" cy="631775"/>
+        <a:off x="1965357" y="3265100"/>
+        <a:ext cx="1531441" cy="765720"/>
       </dsp:txXfrm>
     </dsp:sp>
     <dsp:sp modelId="{54DB9B34-E7B2-41DC-B13D-F457F995CDFC}">
@@ -5563,8 +7041,8 @@
       </dsp:nvSpPr>
       <dsp:spPr>
         <a:xfrm>
-          <a:off x="1114704" y="4487552"/>
-          <a:ext cx="1263550" cy="631775"/>
+          <a:off x="1038835" y="4352423"/>
+          <a:ext cx="1531441" cy="765720"/>
         </a:xfrm>
         <a:prstGeom prst="rect">
           <a:avLst/>
@@ -5605,12 +7083,12 @@
         </a:fontRef>
       </dsp:style>
       <dsp:txBody>
-        <a:bodyPr spcFirstLastPara="0" vert="horz" wrap="square" lIns="8890" tIns="8890" rIns="8890" bIns="8890" numCol="1" spcCol="1270" anchor="ctr" anchorCtr="0">
+        <a:bodyPr spcFirstLastPara="0" vert="horz" wrap="square" lIns="10795" tIns="10795" rIns="10795" bIns="10795" numCol="1" spcCol="1270" anchor="ctr" anchorCtr="0">
           <a:noAutofit/>
         </a:bodyPr>
         <a:lstStyle/>
         <a:p>
-          <a:pPr marL="0" lvl="0" indent="0" algn="ctr" defTabSz="622300">
+          <a:pPr marL="0" lvl="0" indent="0" algn="ctr" defTabSz="755650">
             <a:lnSpc>
               <a:spcPct val="90000"/>
             </a:lnSpc>
@@ -5623,15 +7101,15 @@
             <a:buNone/>
           </a:pPr>
           <a:r>
-            <a:rPr lang="en-US" sz="1400" kern="1200" dirty="0"/>
+            <a:rPr lang="en-US" sz="1700" kern="1200" dirty="0"/>
             <a:t>SNCount.txt</a:t>
           </a:r>
-          <a:endParaRPr lang="fr-CA" sz="1400" kern="1200" dirty="0"/>
+          <a:endParaRPr lang="fr-CA" sz="1700" kern="1200" dirty="0"/>
         </a:p>
       </dsp:txBody>
       <dsp:txXfrm>
-        <a:off x="1114704" y="4487552"/>
-        <a:ext cx="1263550" cy="631775"/>
+        <a:off x="1038835" y="4352423"/>
+        <a:ext cx="1531441" cy="765720"/>
       </dsp:txXfrm>
     </dsp:sp>
     <dsp:sp modelId="{E16286B1-F6DD-435B-8D33-2273810FC772}">
@@ -5641,8 +7119,8 @@
       </dsp:nvSpPr>
       <dsp:spPr>
         <a:xfrm>
-          <a:off x="3408048" y="2693310"/>
-          <a:ext cx="1263550" cy="631775"/>
+          <a:off x="3818401" y="3265100"/>
+          <a:ext cx="1531441" cy="765720"/>
         </a:xfrm>
         <a:prstGeom prst="rect">
           <a:avLst/>
@@ -5683,12 +7161,12 @@
         </a:fontRef>
       </dsp:style>
       <dsp:txBody>
-        <a:bodyPr spcFirstLastPara="0" vert="horz" wrap="square" lIns="8890" tIns="8890" rIns="8890" bIns="8890" numCol="1" spcCol="1270" anchor="ctr" anchorCtr="0">
+        <a:bodyPr spcFirstLastPara="0" vert="horz" wrap="square" lIns="10795" tIns="10795" rIns="10795" bIns="10795" numCol="1" spcCol="1270" anchor="ctr" anchorCtr="0">
           <a:noAutofit/>
         </a:bodyPr>
         <a:lstStyle/>
         <a:p>
-          <a:pPr marL="0" lvl="0" indent="0" algn="ctr" defTabSz="622300">
+          <a:pPr marL="0" lvl="0" indent="0" algn="ctr" defTabSz="755650">
             <a:lnSpc>
               <a:spcPct val="90000"/>
             </a:lnSpc>
@@ -5701,15 +7179,15 @@
             <a:buNone/>
           </a:pPr>
           <a:r>
-            <a:rPr lang="en-US" sz="1400" kern="1200" dirty="0"/>
+            <a:rPr lang="en-US" sz="1700" i="1" kern="1200" dirty="0"/>
             <a:t>printQA.bat</a:t>
           </a:r>
-          <a:endParaRPr lang="fr-CA" sz="1400" kern="1200" dirty="0"/>
+          <a:endParaRPr lang="fr-CA" sz="1700" i="1" kern="1200" dirty="0"/>
         </a:p>
       </dsp:txBody>
       <dsp:txXfrm>
-        <a:off x="3408048" y="2693310"/>
-        <a:ext cx="1263550" cy="631775"/>
+        <a:off x="3818401" y="3265100"/>
+        <a:ext cx="1531441" cy="765720"/>
       </dsp:txXfrm>
     </dsp:sp>
     <dsp:sp modelId="{B7B9E35F-3141-4501-8C8E-ECDBA7C3D699}">
@@ -5719,8 +7197,8 @@
       </dsp:nvSpPr>
       <dsp:spPr>
         <a:xfrm>
-          <a:off x="4936945" y="2693310"/>
-          <a:ext cx="1263550" cy="631775"/>
+          <a:off x="5671445" y="3265100"/>
+          <a:ext cx="1531441" cy="765720"/>
         </a:xfrm>
         <a:prstGeom prst="rect">
           <a:avLst/>
@@ -5761,12 +7239,12 @@
         </a:fontRef>
       </dsp:style>
       <dsp:txBody>
-        <a:bodyPr spcFirstLastPara="0" vert="horz" wrap="square" lIns="8890" tIns="8890" rIns="8890" bIns="8890" numCol="1" spcCol="1270" anchor="ctr" anchorCtr="0">
+        <a:bodyPr spcFirstLastPara="0" vert="horz" wrap="square" lIns="10795" tIns="10795" rIns="10795" bIns="10795" numCol="1" spcCol="1270" anchor="ctr" anchorCtr="0">
           <a:noAutofit/>
         </a:bodyPr>
         <a:lstStyle/>
         <a:p>
-          <a:pPr marL="0" lvl="0" indent="0" algn="ctr" defTabSz="622300">
+          <a:pPr marL="0" lvl="0" indent="0" algn="ctr" defTabSz="755650">
             <a:lnSpc>
               <a:spcPct val="90000"/>
             </a:lnSpc>
@@ -5779,15 +7257,15 @@
             <a:buNone/>
           </a:pPr>
           <a:r>
-            <a:rPr lang="en-US" sz="1400" kern="1200" dirty="0"/>
+            <a:rPr lang="en-US" sz="1700" kern="1200" dirty="0"/>
             <a:t>printWIP.bat</a:t>
           </a:r>
-          <a:endParaRPr lang="fr-CA" sz="1400" kern="1200" dirty="0"/>
+          <a:endParaRPr lang="fr-CA" sz="1700" kern="1200" dirty="0"/>
         </a:p>
       </dsp:txBody>
       <dsp:txXfrm>
-        <a:off x="4936945" y="2693310"/>
-        <a:ext cx="1263550" cy="631775"/>
+        <a:off x="5671445" y="3265100"/>
+        <a:ext cx="1531441" cy="765720"/>
       </dsp:txXfrm>
     </dsp:sp>
     <dsp:sp modelId="{B7666E4B-FE3C-4B7F-ADE2-C772AB73DAAC}">
@@ -5797,8 +7275,8 @@
       </dsp:nvSpPr>
       <dsp:spPr>
         <a:xfrm>
-          <a:off x="2643600" y="1796189"/>
-          <a:ext cx="1263550" cy="631775"/>
+          <a:off x="1965357" y="2177777"/>
+          <a:ext cx="1531441" cy="765720"/>
         </a:xfrm>
         <a:prstGeom prst="rect">
           <a:avLst/>
@@ -5839,12 +7317,12 @@
         </a:fontRef>
       </dsp:style>
       <dsp:txBody>
-        <a:bodyPr spcFirstLastPara="0" vert="horz" wrap="square" lIns="8890" tIns="8890" rIns="8890" bIns="8890" numCol="1" spcCol="1270" anchor="ctr" anchorCtr="0">
+        <a:bodyPr spcFirstLastPara="0" vert="horz" wrap="square" lIns="10795" tIns="10795" rIns="10795" bIns="10795" numCol="1" spcCol="1270" anchor="ctr" anchorCtr="0">
           <a:noAutofit/>
         </a:bodyPr>
         <a:lstStyle/>
         <a:p>
-          <a:pPr marL="0" lvl="0" indent="0" algn="ctr" defTabSz="622300">
+          <a:pPr marL="0" lvl="0" indent="0" algn="ctr" defTabSz="755650">
             <a:lnSpc>
               <a:spcPct val="90000"/>
             </a:lnSpc>
@@ -5857,15 +7335,15 @@
             <a:buNone/>
           </a:pPr>
           <a:r>
-            <a:rPr lang="en-US" sz="1400" kern="1200" dirty="0"/>
+            <a:rPr lang="en-US" sz="1700" kern="1200" dirty="0"/>
             <a:t>bLog.txt</a:t>
           </a:r>
-          <a:endParaRPr lang="fr-CA" sz="1400" kern="1200" dirty="0"/>
+          <a:endParaRPr lang="fr-CA" sz="1700" kern="1200" dirty="0"/>
         </a:p>
       </dsp:txBody>
       <dsp:txXfrm>
-        <a:off x="2643600" y="1796189"/>
-        <a:ext cx="1263550" cy="631775"/>
+        <a:off x="1965357" y="2177777"/>
+        <a:ext cx="1531441" cy="765720"/>
       </dsp:txXfrm>
     </dsp:sp>
   </dsp:spTree>
@@ -5873,6 +7351,1057 @@
 </file>
 
 <file path=ppt/diagrams/drawing2.xml><?xml version="1.0" encoding="utf-8"?>
+<dsp:drawing xmlns:dgm="http://schemas.openxmlformats.org/drawingml/2006/diagram" xmlns:dsp="http://schemas.microsoft.com/office/drawing/2008/diagram" xmlns:a="http://schemas.openxmlformats.org/drawingml/2006/main">
+  <dsp:spTree>
+    <dsp:nvGrpSpPr>
+      <dsp:cNvPr id="0" name=""/>
+      <dsp:cNvGrpSpPr/>
+    </dsp:nvGrpSpPr>
+    <dsp:grpSpPr/>
+    <dsp:sp modelId="{FC040049-51F5-41BD-8A19-8EF975D2FEC2}">
+      <dsp:nvSpPr>
+        <dsp:cNvPr id="0" name=""/>
+        <dsp:cNvSpPr/>
+      </dsp:nvSpPr>
+      <dsp:spPr>
+        <a:xfrm>
+          <a:off x="3496798" y="1856174"/>
+          <a:ext cx="160801" cy="704463"/>
+        </a:xfrm>
+        <a:custGeom>
+          <a:avLst/>
+          <a:gdLst/>
+          <a:ahLst/>
+          <a:cxnLst/>
+          <a:rect l="0" t="0" r="0" b="0"/>
+          <a:pathLst>
+            <a:path>
+              <a:moveTo>
+                <a:pt x="160801" y="0"/>
+              </a:moveTo>
+              <a:lnTo>
+                <a:pt x="160801" y="704463"/>
+              </a:lnTo>
+              <a:lnTo>
+                <a:pt x="0" y="704463"/>
+              </a:lnTo>
+            </a:path>
+          </a:pathLst>
+        </a:custGeom>
+        <a:noFill/>
+        <a:ln w="10795" cap="flat" cmpd="sng" algn="ctr">
+          <a:solidFill>
+            <a:schemeClr val="accent1">
+              <a:shade val="80000"/>
+              <a:hueOff val="0"/>
+              <a:satOff val="0"/>
+              <a:lumOff val="0"/>
+              <a:alphaOff val="0"/>
+            </a:schemeClr>
+          </a:solidFill>
+          <a:prstDash val="solid"/>
+        </a:ln>
+        <a:effectLst/>
+      </dsp:spPr>
+      <dsp:style>
+        <a:lnRef idx="2">
+          <a:scrgbClr r="0" g="0" b="0"/>
+        </a:lnRef>
+        <a:fillRef idx="0">
+          <a:scrgbClr r="0" g="0" b="0"/>
+        </a:fillRef>
+        <a:effectRef idx="0">
+          <a:scrgbClr r="0" g="0" b="0"/>
+        </a:effectRef>
+        <a:fontRef idx="minor"/>
+      </dsp:style>
+    </dsp:sp>
+    <dsp:sp modelId="{36F9C691-4B50-4159-9F42-B35EF32A6B44}">
+      <dsp:nvSpPr>
+        <dsp:cNvPr id="0" name=""/>
+        <dsp:cNvSpPr/>
+      </dsp:nvSpPr>
+      <dsp:spPr>
+        <a:xfrm>
+          <a:off x="3657600" y="1856174"/>
+          <a:ext cx="2779566" cy="1408926"/>
+        </a:xfrm>
+        <a:custGeom>
+          <a:avLst/>
+          <a:gdLst/>
+          <a:ahLst/>
+          <a:cxnLst/>
+          <a:rect l="0" t="0" r="0" b="0"/>
+          <a:pathLst>
+            <a:path>
+              <a:moveTo>
+                <a:pt x="0" y="0"/>
+              </a:moveTo>
+              <a:lnTo>
+                <a:pt x="0" y="1248124"/>
+              </a:lnTo>
+              <a:lnTo>
+                <a:pt x="2779566" y="1248124"/>
+              </a:lnTo>
+              <a:lnTo>
+                <a:pt x="2779566" y="1408926"/>
+              </a:lnTo>
+            </a:path>
+          </a:pathLst>
+        </a:custGeom>
+        <a:noFill/>
+        <a:ln w="10795" cap="flat" cmpd="sng" algn="ctr">
+          <a:solidFill>
+            <a:schemeClr val="accent1">
+              <a:shade val="80000"/>
+              <a:hueOff val="0"/>
+              <a:satOff val="0"/>
+              <a:lumOff val="0"/>
+              <a:alphaOff val="0"/>
+            </a:schemeClr>
+          </a:solidFill>
+          <a:prstDash val="solid"/>
+        </a:ln>
+        <a:effectLst/>
+      </dsp:spPr>
+      <dsp:style>
+        <a:lnRef idx="2">
+          <a:scrgbClr r="0" g="0" b="0"/>
+        </a:lnRef>
+        <a:fillRef idx="0">
+          <a:scrgbClr r="0" g="0" b="0"/>
+        </a:fillRef>
+        <a:effectRef idx="0">
+          <a:scrgbClr r="0" g="0" b="0"/>
+        </a:effectRef>
+        <a:fontRef idx="minor"/>
+      </dsp:style>
+    </dsp:sp>
+    <dsp:sp modelId="{D2C33EE2-902F-4DEC-A486-716BCF9C574A}">
+      <dsp:nvSpPr>
+        <dsp:cNvPr id="0" name=""/>
+        <dsp:cNvSpPr/>
+      </dsp:nvSpPr>
+      <dsp:spPr>
+        <a:xfrm>
+          <a:off x="3657600" y="1856174"/>
+          <a:ext cx="926522" cy="1408926"/>
+        </a:xfrm>
+        <a:custGeom>
+          <a:avLst/>
+          <a:gdLst/>
+          <a:ahLst/>
+          <a:cxnLst/>
+          <a:rect l="0" t="0" r="0" b="0"/>
+          <a:pathLst>
+            <a:path>
+              <a:moveTo>
+                <a:pt x="0" y="0"/>
+              </a:moveTo>
+              <a:lnTo>
+                <a:pt x="0" y="1248124"/>
+              </a:lnTo>
+              <a:lnTo>
+                <a:pt x="926522" y="1248124"/>
+              </a:lnTo>
+              <a:lnTo>
+                <a:pt x="926522" y="1408926"/>
+              </a:lnTo>
+            </a:path>
+          </a:pathLst>
+        </a:custGeom>
+        <a:noFill/>
+        <a:ln w="10795" cap="flat" cmpd="sng" algn="ctr">
+          <a:solidFill>
+            <a:schemeClr val="accent1">
+              <a:shade val="80000"/>
+              <a:hueOff val="0"/>
+              <a:satOff val="0"/>
+              <a:lumOff val="0"/>
+              <a:alphaOff val="0"/>
+            </a:schemeClr>
+          </a:solidFill>
+          <a:prstDash val="solid"/>
+        </a:ln>
+        <a:effectLst/>
+      </dsp:spPr>
+      <dsp:style>
+        <a:lnRef idx="2">
+          <a:scrgbClr r="0" g="0" b="0"/>
+        </a:lnRef>
+        <a:fillRef idx="0">
+          <a:scrgbClr r="0" g="0" b="0"/>
+        </a:fillRef>
+        <a:effectRef idx="0">
+          <a:scrgbClr r="0" g="0" b="0"/>
+        </a:effectRef>
+        <a:fontRef idx="minor"/>
+      </dsp:style>
+    </dsp:sp>
+    <dsp:sp modelId="{CA2AF3D0-A783-4F4A-AF16-39637F115AA6}">
+      <dsp:nvSpPr>
+        <dsp:cNvPr id="0" name=""/>
+        <dsp:cNvSpPr/>
+      </dsp:nvSpPr>
+      <dsp:spPr>
+        <a:xfrm>
+          <a:off x="2570276" y="4030821"/>
+          <a:ext cx="160801" cy="704463"/>
+        </a:xfrm>
+        <a:custGeom>
+          <a:avLst/>
+          <a:gdLst/>
+          <a:ahLst/>
+          <a:cxnLst/>
+          <a:rect l="0" t="0" r="0" b="0"/>
+          <a:pathLst>
+            <a:path>
+              <a:moveTo>
+                <a:pt x="160801" y="0"/>
+              </a:moveTo>
+              <a:lnTo>
+                <a:pt x="160801" y="704463"/>
+              </a:lnTo>
+              <a:lnTo>
+                <a:pt x="0" y="704463"/>
+              </a:lnTo>
+            </a:path>
+          </a:pathLst>
+        </a:custGeom>
+        <a:noFill/>
+        <a:ln w="10795" cap="flat" cmpd="sng" algn="ctr">
+          <a:solidFill>
+            <a:schemeClr val="accent1">
+              <a:shade val="80000"/>
+              <a:hueOff val="0"/>
+              <a:satOff val="0"/>
+              <a:lumOff val="0"/>
+              <a:alphaOff val="0"/>
+            </a:schemeClr>
+          </a:solidFill>
+          <a:prstDash val="solid"/>
+        </a:ln>
+        <a:effectLst/>
+      </dsp:spPr>
+      <dsp:style>
+        <a:lnRef idx="2">
+          <a:scrgbClr r="0" g="0" b="0"/>
+        </a:lnRef>
+        <a:fillRef idx="0">
+          <a:scrgbClr r="0" g="0" b="0"/>
+        </a:fillRef>
+        <a:effectRef idx="0">
+          <a:scrgbClr r="0" g="0" b="0"/>
+        </a:effectRef>
+        <a:fontRef idx="minor"/>
+      </dsp:style>
+    </dsp:sp>
+    <dsp:sp modelId="{28A959D3-8E8F-4C33-8E58-743CD226A445}">
+      <dsp:nvSpPr>
+        <dsp:cNvPr id="0" name=""/>
+        <dsp:cNvSpPr/>
+      </dsp:nvSpPr>
+      <dsp:spPr>
+        <a:xfrm>
+          <a:off x="2731077" y="1856174"/>
+          <a:ext cx="926522" cy="1408926"/>
+        </a:xfrm>
+        <a:custGeom>
+          <a:avLst/>
+          <a:gdLst/>
+          <a:ahLst/>
+          <a:cxnLst/>
+          <a:rect l="0" t="0" r="0" b="0"/>
+          <a:pathLst>
+            <a:path>
+              <a:moveTo>
+                <a:pt x="926522" y="0"/>
+              </a:moveTo>
+              <a:lnTo>
+                <a:pt x="926522" y="1248124"/>
+              </a:lnTo>
+              <a:lnTo>
+                <a:pt x="0" y="1248124"/>
+              </a:lnTo>
+              <a:lnTo>
+                <a:pt x="0" y="1408926"/>
+              </a:lnTo>
+            </a:path>
+          </a:pathLst>
+        </a:custGeom>
+        <a:noFill/>
+        <a:ln w="10795" cap="flat" cmpd="sng" algn="ctr">
+          <a:solidFill>
+            <a:schemeClr val="accent1">
+              <a:shade val="80000"/>
+              <a:hueOff val="0"/>
+              <a:satOff val="0"/>
+              <a:lumOff val="0"/>
+              <a:alphaOff val="0"/>
+            </a:schemeClr>
+          </a:solidFill>
+          <a:prstDash val="solid"/>
+        </a:ln>
+        <a:effectLst/>
+      </dsp:spPr>
+      <dsp:style>
+        <a:lnRef idx="2">
+          <a:scrgbClr r="0" g="0" b="0"/>
+        </a:lnRef>
+        <a:fillRef idx="0">
+          <a:scrgbClr r="0" g="0" b="0"/>
+        </a:fillRef>
+        <a:effectRef idx="0">
+          <a:scrgbClr r="0" g="0" b="0"/>
+        </a:effectRef>
+        <a:fontRef idx="minor"/>
+      </dsp:style>
+    </dsp:sp>
+    <dsp:sp modelId="{CA698B96-2FDD-477F-82FD-3398AEE00C53}">
+      <dsp:nvSpPr>
+        <dsp:cNvPr id="0" name=""/>
+        <dsp:cNvSpPr/>
+      </dsp:nvSpPr>
+      <dsp:spPr>
+        <a:xfrm>
+          <a:off x="878033" y="1856174"/>
+          <a:ext cx="2779566" cy="1408926"/>
+        </a:xfrm>
+        <a:custGeom>
+          <a:avLst/>
+          <a:gdLst/>
+          <a:ahLst/>
+          <a:cxnLst/>
+          <a:rect l="0" t="0" r="0" b="0"/>
+          <a:pathLst>
+            <a:path>
+              <a:moveTo>
+                <a:pt x="2779566" y="0"/>
+              </a:moveTo>
+              <a:lnTo>
+                <a:pt x="2779566" y="1248124"/>
+              </a:lnTo>
+              <a:lnTo>
+                <a:pt x="0" y="1248124"/>
+              </a:lnTo>
+              <a:lnTo>
+                <a:pt x="0" y="1408926"/>
+              </a:lnTo>
+            </a:path>
+          </a:pathLst>
+        </a:custGeom>
+        <a:noFill/>
+        <a:ln w="10795" cap="flat" cmpd="sng" algn="ctr">
+          <a:solidFill>
+            <a:schemeClr val="accent1">
+              <a:shade val="80000"/>
+              <a:hueOff val="0"/>
+              <a:satOff val="0"/>
+              <a:lumOff val="0"/>
+              <a:alphaOff val="0"/>
+            </a:schemeClr>
+          </a:solidFill>
+          <a:prstDash val="solid"/>
+        </a:ln>
+        <a:effectLst/>
+      </dsp:spPr>
+      <dsp:style>
+        <a:lnRef idx="2">
+          <a:scrgbClr r="0" g="0" b="0"/>
+        </a:lnRef>
+        <a:fillRef idx="0">
+          <a:scrgbClr r="0" g="0" b="0"/>
+        </a:fillRef>
+        <a:effectRef idx="0">
+          <a:scrgbClr r="0" g="0" b="0"/>
+        </a:effectRef>
+        <a:fontRef idx="minor"/>
+      </dsp:style>
+    </dsp:sp>
+    <dsp:sp modelId="{4F485F08-228B-4F23-9920-ED58748DD612}">
+      <dsp:nvSpPr>
+        <dsp:cNvPr id="0" name=""/>
+        <dsp:cNvSpPr/>
+      </dsp:nvSpPr>
+      <dsp:spPr>
+        <a:xfrm>
+          <a:off x="3611880" y="768851"/>
+          <a:ext cx="91440" cy="321602"/>
+        </a:xfrm>
+        <a:custGeom>
+          <a:avLst/>
+          <a:gdLst/>
+          <a:ahLst/>
+          <a:cxnLst/>
+          <a:rect l="0" t="0" r="0" b="0"/>
+          <a:pathLst>
+            <a:path>
+              <a:moveTo>
+                <a:pt x="45720" y="0"/>
+              </a:moveTo>
+              <a:lnTo>
+                <a:pt x="45720" y="321602"/>
+              </a:lnTo>
+            </a:path>
+          </a:pathLst>
+        </a:custGeom>
+        <a:noFill/>
+        <a:ln w="10795" cap="flat" cmpd="sng" algn="ctr">
+          <a:solidFill>
+            <a:schemeClr val="accent1">
+              <a:shade val="60000"/>
+              <a:hueOff val="0"/>
+              <a:satOff val="0"/>
+              <a:lumOff val="0"/>
+              <a:alphaOff val="0"/>
+            </a:schemeClr>
+          </a:solidFill>
+          <a:prstDash val="solid"/>
+        </a:ln>
+        <a:effectLst/>
+      </dsp:spPr>
+      <dsp:style>
+        <a:lnRef idx="2">
+          <a:scrgbClr r="0" g="0" b="0"/>
+        </a:lnRef>
+        <a:fillRef idx="0">
+          <a:scrgbClr r="0" g="0" b="0"/>
+        </a:fillRef>
+        <a:effectRef idx="0">
+          <a:scrgbClr r="0" g="0" b="0"/>
+        </a:effectRef>
+        <a:fontRef idx="minor"/>
+      </dsp:style>
+    </dsp:sp>
+    <dsp:sp modelId="{92DD8E95-5792-4CAF-BBE2-B190055FFE9B}">
+      <dsp:nvSpPr>
+        <dsp:cNvPr id="0" name=""/>
+        <dsp:cNvSpPr/>
+      </dsp:nvSpPr>
+      <dsp:spPr>
+        <a:xfrm>
+          <a:off x="2891879" y="3130"/>
+          <a:ext cx="1531441" cy="765720"/>
+        </a:xfrm>
+        <a:prstGeom prst="rect">
+          <a:avLst/>
+        </a:prstGeom>
+        <a:solidFill>
+          <a:schemeClr val="accent1">
+            <a:hueOff val="0"/>
+            <a:satOff val="0"/>
+            <a:lumOff val="0"/>
+            <a:alphaOff val="0"/>
+          </a:schemeClr>
+        </a:solidFill>
+        <a:ln w="10795" cap="flat" cmpd="sng" algn="ctr">
+          <a:solidFill>
+            <a:schemeClr val="lt1">
+              <a:hueOff val="0"/>
+              <a:satOff val="0"/>
+              <a:lumOff val="0"/>
+              <a:alphaOff val="0"/>
+            </a:schemeClr>
+          </a:solidFill>
+          <a:prstDash val="solid"/>
+        </a:ln>
+        <a:effectLst/>
+      </dsp:spPr>
+      <dsp:style>
+        <a:lnRef idx="2">
+          <a:scrgbClr r="0" g="0" b="0"/>
+        </a:lnRef>
+        <a:fillRef idx="1">
+          <a:scrgbClr r="0" g="0" b="0"/>
+        </a:fillRef>
+        <a:effectRef idx="0">
+          <a:scrgbClr r="0" g="0" b="0"/>
+        </a:effectRef>
+        <a:fontRef idx="minor">
+          <a:schemeClr val="lt1"/>
+        </a:fontRef>
+      </dsp:style>
+      <dsp:txBody>
+        <a:bodyPr spcFirstLastPara="0" vert="horz" wrap="square" lIns="15240" tIns="15240" rIns="15240" bIns="15240" numCol="1" spcCol="1270" anchor="ctr" anchorCtr="0">
+          <a:noAutofit/>
+        </a:bodyPr>
+        <a:lstStyle/>
+        <a:p>
+          <a:pPr marL="0" lvl="0" indent="0" algn="ctr" defTabSz="1066800">
+            <a:lnSpc>
+              <a:spcPct val="90000"/>
+            </a:lnSpc>
+            <a:spcBef>
+              <a:spcPct val="0"/>
+            </a:spcBef>
+            <a:spcAft>
+              <a:spcPct val="35000"/>
+            </a:spcAft>
+            <a:buNone/>
+          </a:pPr>
+          <a:r>
+            <a:rPr lang="en-US" sz="2400" kern="1200" dirty="0" err="1"/>
+            <a:t>Autohotkey</a:t>
+          </a:r>
+          <a:endParaRPr lang="fr-CA" sz="2400" kern="1200" dirty="0"/>
+        </a:p>
+      </dsp:txBody>
+      <dsp:txXfrm>
+        <a:off x="2891879" y="3130"/>
+        <a:ext cx="1531441" cy="765720"/>
+      </dsp:txXfrm>
+    </dsp:sp>
+    <dsp:sp modelId="{F58A63D3-C78F-4550-80E7-D69343F847C2}">
+      <dsp:nvSpPr>
+        <dsp:cNvPr id="0" name=""/>
+        <dsp:cNvSpPr/>
+      </dsp:nvSpPr>
+      <dsp:spPr>
+        <a:xfrm>
+          <a:off x="2891879" y="1090453"/>
+          <a:ext cx="1531441" cy="765720"/>
+        </a:xfrm>
+        <a:prstGeom prst="rect">
+          <a:avLst/>
+        </a:prstGeom>
+        <a:solidFill>
+          <a:schemeClr val="accent1">
+            <a:hueOff val="0"/>
+            <a:satOff val="0"/>
+            <a:lumOff val="0"/>
+            <a:alphaOff val="0"/>
+          </a:schemeClr>
+        </a:solidFill>
+        <a:ln w="10795" cap="flat" cmpd="sng" algn="ctr">
+          <a:solidFill>
+            <a:schemeClr val="lt1">
+              <a:hueOff val="0"/>
+              <a:satOff val="0"/>
+              <a:lumOff val="0"/>
+              <a:alphaOff val="0"/>
+            </a:schemeClr>
+          </a:solidFill>
+          <a:prstDash val="solid"/>
+        </a:ln>
+        <a:effectLst/>
+      </dsp:spPr>
+      <dsp:style>
+        <a:lnRef idx="2">
+          <a:scrgbClr r="0" g="0" b="0"/>
+        </a:lnRef>
+        <a:fillRef idx="1">
+          <a:scrgbClr r="0" g="0" b="0"/>
+        </a:fillRef>
+        <a:effectRef idx="0">
+          <a:scrgbClr r="0" g="0" b="0"/>
+        </a:effectRef>
+        <a:fontRef idx="minor">
+          <a:schemeClr val="lt1"/>
+        </a:fontRef>
+      </dsp:style>
+      <dsp:txBody>
+        <a:bodyPr spcFirstLastPara="0" vert="horz" wrap="square" lIns="15240" tIns="15240" rIns="15240" bIns="15240" numCol="1" spcCol="1270" anchor="ctr" anchorCtr="0">
+          <a:noAutofit/>
+        </a:bodyPr>
+        <a:lstStyle/>
+        <a:p>
+          <a:pPr marL="0" lvl="0" indent="0" algn="ctr" defTabSz="1066800">
+            <a:lnSpc>
+              <a:spcPct val="90000"/>
+            </a:lnSpc>
+            <a:spcBef>
+              <a:spcPct val="0"/>
+            </a:spcBef>
+            <a:spcAft>
+              <a:spcPct val="35000"/>
+            </a:spcAft>
+            <a:buNone/>
+          </a:pPr>
+          <a:r>
+            <a:rPr lang="en-US" sz="2400" kern="1200" dirty="0"/>
+            <a:t>C++</a:t>
+          </a:r>
+          <a:endParaRPr lang="fr-CA" sz="2400" kern="1200" dirty="0"/>
+        </a:p>
+      </dsp:txBody>
+      <dsp:txXfrm>
+        <a:off x="2891879" y="1090453"/>
+        <a:ext cx="1531441" cy="765720"/>
+      </dsp:txXfrm>
+    </dsp:sp>
+    <dsp:sp modelId="{CB2F9E2B-60EC-401F-A7AE-483C76BC0EC4}">
+      <dsp:nvSpPr>
+        <dsp:cNvPr id="0" name=""/>
+        <dsp:cNvSpPr/>
+      </dsp:nvSpPr>
+      <dsp:spPr>
+        <a:xfrm>
+          <a:off x="112313" y="3265100"/>
+          <a:ext cx="1531441" cy="765720"/>
+        </a:xfrm>
+        <a:prstGeom prst="rect">
+          <a:avLst/>
+        </a:prstGeom>
+        <a:solidFill>
+          <a:schemeClr val="accent1">
+            <a:hueOff val="0"/>
+            <a:satOff val="0"/>
+            <a:lumOff val="0"/>
+            <a:alphaOff val="0"/>
+          </a:schemeClr>
+        </a:solidFill>
+        <a:ln w="10795" cap="flat" cmpd="sng" algn="ctr">
+          <a:solidFill>
+            <a:schemeClr val="lt1">
+              <a:hueOff val="0"/>
+              <a:satOff val="0"/>
+              <a:lumOff val="0"/>
+              <a:alphaOff val="0"/>
+            </a:schemeClr>
+          </a:solidFill>
+          <a:prstDash val="solid"/>
+        </a:ln>
+        <a:effectLst/>
+      </dsp:spPr>
+      <dsp:style>
+        <a:lnRef idx="2">
+          <a:scrgbClr r="0" g="0" b="0"/>
+        </a:lnRef>
+        <a:fillRef idx="1">
+          <a:scrgbClr r="0" g="0" b="0"/>
+        </a:fillRef>
+        <a:effectRef idx="0">
+          <a:scrgbClr r="0" g="0" b="0"/>
+        </a:effectRef>
+        <a:fontRef idx="minor">
+          <a:schemeClr val="lt1"/>
+        </a:fontRef>
+      </dsp:style>
+      <dsp:txBody>
+        <a:bodyPr spcFirstLastPara="0" vert="horz" wrap="square" lIns="15240" tIns="15240" rIns="15240" bIns="15240" numCol="1" spcCol="1270" anchor="ctr" anchorCtr="0">
+          <a:noAutofit/>
+        </a:bodyPr>
+        <a:lstStyle/>
+        <a:p>
+          <a:pPr marL="0" lvl="0" indent="0" algn="ctr" defTabSz="1066800">
+            <a:lnSpc>
+              <a:spcPct val="90000"/>
+            </a:lnSpc>
+            <a:spcBef>
+              <a:spcPct val="0"/>
+            </a:spcBef>
+            <a:spcAft>
+              <a:spcPct val="35000"/>
+            </a:spcAft>
+            <a:buNone/>
+          </a:pPr>
+          <a:r>
+            <a:rPr lang="en-US" sz="2400" kern="1200" dirty="0"/>
+            <a:t>batch</a:t>
+          </a:r>
+          <a:endParaRPr lang="fr-CA" sz="2400" kern="1200" dirty="0"/>
+        </a:p>
+      </dsp:txBody>
+      <dsp:txXfrm>
+        <a:off x="112313" y="3265100"/>
+        <a:ext cx="1531441" cy="765720"/>
+      </dsp:txXfrm>
+    </dsp:sp>
+    <dsp:sp modelId="{227A2695-8EBE-4628-A9EE-801697A0D3C2}">
+      <dsp:nvSpPr>
+        <dsp:cNvPr id="0" name=""/>
+        <dsp:cNvSpPr/>
+      </dsp:nvSpPr>
+      <dsp:spPr>
+        <a:xfrm>
+          <a:off x="1965357" y="3265100"/>
+          <a:ext cx="1531441" cy="765720"/>
+        </a:xfrm>
+        <a:prstGeom prst="rect">
+          <a:avLst/>
+        </a:prstGeom>
+        <a:solidFill>
+          <a:schemeClr val="accent1">
+            <a:hueOff val="0"/>
+            <a:satOff val="0"/>
+            <a:lumOff val="0"/>
+            <a:alphaOff val="0"/>
+          </a:schemeClr>
+        </a:solidFill>
+        <a:ln w="10795" cap="flat" cmpd="sng" algn="ctr">
+          <a:solidFill>
+            <a:schemeClr val="lt1">
+              <a:hueOff val="0"/>
+              <a:satOff val="0"/>
+              <a:lumOff val="0"/>
+              <a:alphaOff val="0"/>
+            </a:schemeClr>
+          </a:solidFill>
+          <a:prstDash val="solid"/>
+        </a:ln>
+        <a:effectLst/>
+      </dsp:spPr>
+      <dsp:style>
+        <a:lnRef idx="2">
+          <a:scrgbClr r="0" g="0" b="0"/>
+        </a:lnRef>
+        <a:fillRef idx="1">
+          <a:scrgbClr r="0" g="0" b="0"/>
+        </a:fillRef>
+        <a:effectRef idx="0">
+          <a:scrgbClr r="0" g="0" b="0"/>
+        </a:effectRef>
+        <a:fontRef idx="minor">
+          <a:schemeClr val="lt1"/>
+        </a:fontRef>
+      </dsp:style>
+      <dsp:txBody>
+        <a:bodyPr spcFirstLastPara="0" vert="horz" wrap="square" lIns="15240" tIns="15240" rIns="15240" bIns="15240" numCol="1" spcCol="1270" anchor="ctr" anchorCtr="0">
+          <a:noAutofit/>
+        </a:bodyPr>
+        <a:lstStyle/>
+        <a:p>
+          <a:pPr marL="0" lvl="0" indent="0" algn="ctr" defTabSz="1066800">
+            <a:lnSpc>
+              <a:spcPct val="90000"/>
+            </a:lnSpc>
+            <a:spcBef>
+              <a:spcPct val="0"/>
+            </a:spcBef>
+            <a:spcAft>
+              <a:spcPct val="35000"/>
+            </a:spcAft>
+            <a:buNone/>
+          </a:pPr>
+          <a:r>
+            <a:rPr lang="en-US" sz="2400" kern="1200" dirty="0"/>
+            <a:t>batch</a:t>
+          </a:r>
+          <a:endParaRPr lang="fr-CA" sz="2400" kern="1200" dirty="0"/>
+        </a:p>
+      </dsp:txBody>
+      <dsp:txXfrm>
+        <a:off x="1965357" y="3265100"/>
+        <a:ext cx="1531441" cy="765720"/>
+      </dsp:txXfrm>
+    </dsp:sp>
+    <dsp:sp modelId="{54DB9B34-E7B2-41DC-B13D-F457F995CDFC}">
+      <dsp:nvSpPr>
+        <dsp:cNvPr id="0" name=""/>
+        <dsp:cNvSpPr/>
+      </dsp:nvSpPr>
+      <dsp:spPr>
+        <a:xfrm>
+          <a:off x="1038835" y="4352423"/>
+          <a:ext cx="1531441" cy="765720"/>
+        </a:xfrm>
+        <a:prstGeom prst="rect">
+          <a:avLst/>
+        </a:prstGeom>
+        <a:solidFill>
+          <a:schemeClr val="accent1">
+            <a:hueOff val="0"/>
+            <a:satOff val="0"/>
+            <a:lumOff val="0"/>
+            <a:alphaOff val="0"/>
+          </a:schemeClr>
+        </a:solidFill>
+        <a:ln w="10795" cap="flat" cmpd="sng" algn="ctr">
+          <a:solidFill>
+            <a:schemeClr val="lt1">
+              <a:hueOff val="0"/>
+              <a:satOff val="0"/>
+              <a:lumOff val="0"/>
+              <a:alphaOff val="0"/>
+            </a:schemeClr>
+          </a:solidFill>
+          <a:prstDash val="solid"/>
+        </a:ln>
+        <a:effectLst/>
+      </dsp:spPr>
+      <dsp:style>
+        <a:lnRef idx="2">
+          <a:scrgbClr r="0" g="0" b="0"/>
+        </a:lnRef>
+        <a:fillRef idx="1">
+          <a:scrgbClr r="0" g="0" b="0"/>
+        </a:fillRef>
+        <a:effectRef idx="0">
+          <a:scrgbClr r="0" g="0" b="0"/>
+        </a:effectRef>
+        <a:fontRef idx="minor">
+          <a:schemeClr val="lt1"/>
+        </a:fontRef>
+      </dsp:style>
+      <dsp:txBody>
+        <a:bodyPr spcFirstLastPara="0" vert="horz" wrap="square" lIns="15240" tIns="15240" rIns="15240" bIns="15240" numCol="1" spcCol="1270" anchor="ctr" anchorCtr="0">
+          <a:noAutofit/>
+        </a:bodyPr>
+        <a:lstStyle/>
+        <a:p>
+          <a:pPr marL="0" lvl="0" indent="0" algn="ctr" defTabSz="1066800">
+            <a:lnSpc>
+              <a:spcPct val="90000"/>
+            </a:lnSpc>
+            <a:spcBef>
+              <a:spcPct val="0"/>
+            </a:spcBef>
+            <a:spcAft>
+              <a:spcPct val="35000"/>
+            </a:spcAft>
+            <a:buNone/>
+          </a:pPr>
+          <a:r>
+            <a:rPr lang="en-US" sz="2400" kern="1200" dirty="0"/>
+            <a:t>txt</a:t>
+          </a:r>
+          <a:endParaRPr lang="fr-CA" sz="2400" kern="1200" dirty="0"/>
+        </a:p>
+      </dsp:txBody>
+      <dsp:txXfrm>
+        <a:off x="1038835" y="4352423"/>
+        <a:ext cx="1531441" cy="765720"/>
+      </dsp:txXfrm>
+    </dsp:sp>
+    <dsp:sp modelId="{E16286B1-F6DD-435B-8D33-2273810FC772}">
+      <dsp:nvSpPr>
+        <dsp:cNvPr id="0" name=""/>
+        <dsp:cNvSpPr/>
+      </dsp:nvSpPr>
+      <dsp:spPr>
+        <a:xfrm>
+          <a:off x="3818401" y="3265100"/>
+          <a:ext cx="1531441" cy="765720"/>
+        </a:xfrm>
+        <a:prstGeom prst="rect">
+          <a:avLst/>
+        </a:prstGeom>
+        <a:solidFill>
+          <a:schemeClr val="accent1">
+            <a:hueOff val="0"/>
+            <a:satOff val="0"/>
+            <a:lumOff val="0"/>
+            <a:alphaOff val="0"/>
+          </a:schemeClr>
+        </a:solidFill>
+        <a:ln w="10795" cap="flat" cmpd="sng" algn="ctr">
+          <a:solidFill>
+            <a:schemeClr val="lt1">
+              <a:hueOff val="0"/>
+              <a:satOff val="0"/>
+              <a:lumOff val="0"/>
+              <a:alphaOff val="0"/>
+            </a:schemeClr>
+          </a:solidFill>
+          <a:prstDash val="solid"/>
+        </a:ln>
+        <a:effectLst/>
+      </dsp:spPr>
+      <dsp:style>
+        <a:lnRef idx="2">
+          <a:scrgbClr r="0" g="0" b="0"/>
+        </a:lnRef>
+        <a:fillRef idx="1">
+          <a:scrgbClr r="0" g="0" b="0"/>
+        </a:fillRef>
+        <a:effectRef idx="0">
+          <a:scrgbClr r="0" g="0" b="0"/>
+        </a:effectRef>
+        <a:fontRef idx="minor">
+          <a:schemeClr val="lt1"/>
+        </a:fontRef>
+      </dsp:style>
+      <dsp:txBody>
+        <a:bodyPr spcFirstLastPara="0" vert="horz" wrap="square" lIns="15240" tIns="15240" rIns="15240" bIns="15240" numCol="1" spcCol="1270" anchor="ctr" anchorCtr="0">
+          <a:noAutofit/>
+        </a:bodyPr>
+        <a:lstStyle/>
+        <a:p>
+          <a:pPr marL="0" lvl="0" indent="0" algn="ctr" defTabSz="1066800">
+            <a:lnSpc>
+              <a:spcPct val="90000"/>
+            </a:lnSpc>
+            <a:spcBef>
+              <a:spcPct val="0"/>
+            </a:spcBef>
+            <a:spcAft>
+              <a:spcPct val="35000"/>
+            </a:spcAft>
+            <a:buNone/>
+          </a:pPr>
+          <a:r>
+            <a:rPr lang="en-US" sz="2400" i="1" kern="1200" dirty="0"/>
+            <a:t>batch</a:t>
+          </a:r>
+          <a:endParaRPr lang="fr-CA" sz="2400" i="1" kern="1200" dirty="0"/>
+        </a:p>
+      </dsp:txBody>
+      <dsp:txXfrm>
+        <a:off x="3818401" y="3265100"/>
+        <a:ext cx="1531441" cy="765720"/>
+      </dsp:txXfrm>
+    </dsp:sp>
+    <dsp:sp modelId="{B7B9E35F-3141-4501-8C8E-ECDBA7C3D699}">
+      <dsp:nvSpPr>
+        <dsp:cNvPr id="0" name=""/>
+        <dsp:cNvSpPr/>
+      </dsp:nvSpPr>
+      <dsp:spPr>
+        <a:xfrm>
+          <a:off x="5671445" y="3265100"/>
+          <a:ext cx="1531441" cy="765720"/>
+        </a:xfrm>
+        <a:prstGeom prst="rect">
+          <a:avLst/>
+        </a:prstGeom>
+        <a:solidFill>
+          <a:schemeClr val="accent1">
+            <a:hueOff val="0"/>
+            <a:satOff val="0"/>
+            <a:lumOff val="0"/>
+            <a:alphaOff val="0"/>
+          </a:schemeClr>
+        </a:solidFill>
+        <a:ln w="10795" cap="flat" cmpd="sng" algn="ctr">
+          <a:solidFill>
+            <a:schemeClr val="lt1">
+              <a:hueOff val="0"/>
+              <a:satOff val="0"/>
+              <a:lumOff val="0"/>
+              <a:alphaOff val="0"/>
+            </a:schemeClr>
+          </a:solidFill>
+          <a:prstDash val="solid"/>
+        </a:ln>
+        <a:effectLst/>
+      </dsp:spPr>
+      <dsp:style>
+        <a:lnRef idx="2">
+          <a:scrgbClr r="0" g="0" b="0"/>
+        </a:lnRef>
+        <a:fillRef idx="1">
+          <a:scrgbClr r="0" g="0" b="0"/>
+        </a:fillRef>
+        <a:effectRef idx="0">
+          <a:scrgbClr r="0" g="0" b="0"/>
+        </a:effectRef>
+        <a:fontRef idx="minor">
+          <a:schemeClr val="lt1"/>
+        </a:fontRef>
+      </dsp:style>
+      <dsp:txBody>
+        <a:bodyPr spcFirstLastPara="0" vert="horz" wrap="square" lIns="15240" tIns="15240" rIns="15240" bIns="15240" numCol="1" spcCol="1270" anchor="ctr" anchorCtr="0">
+          <a:noAutofit/>
+        </a:bodyPr>
+        <a:lstStyle/>
+        <a:p>
+          <a:pPr marL="0" lvl="0" indent="0" algn="ctr" defTabSz="1066800">
+            <a:lnSpc>
+              <a:spcPct val="90000"/>
+            </a:lnSpc>
+            <a:spcBef>
+              <a:spcPct val="0"/>
+            </a:spcBef>
+            <a:spcAft>
+              <a:spcPct val="35000"/>
+            </a:spcAft>
+            <a:buNone/>
+          </a:pPr>
+          <a:r>
+            <a:rPr lang="en-US" sz="2400" kern="1200" dirty="0"/>
+            <a:t>batch</a:t>
+          </a:r>
+          <a:endParaRPr lang="fr-CA" sz="2400" kern="1200" dirty="0"/>
+        </a:p>
+      </dsp:txBody>
+      <dsp:txXfrm>
+        <a:off x="5671445" y="3265100"/>
+        <a:ext cx="1531441" cy="765720"/>
+      </dsp:txXfrm>
+    </dsp:sp>
+    <dsp:sp modelId="{B7666E4B-FE3C-4B7F-ADE2-C772AB73DAAC}">
+      <dsp:nvSpPr>
+        <dsp:cNvPr id="0" name=""/>
+        <dsp:cNvSpPr/>
+      </dsp:nvSpPr>
+      <dsp:spPr>
+        <a:xfrm>
+          <a:off x="1965357" y="2177777"/>
+          <a:ext cx="1531441" cy="765720"/>
+        </a:xfrm>
+        <a:prstGeom prst="rect">
+          <a:avLst/>
+        </a:prstGeom>
+        <a:solidFill>
+          <a:schemeClr val="accent1">
+            <a:hueOff val="0"/>
+            <a:satOff val="0"/>
+            <a:lumOff val="0"/>
+            <a:alphaOff val="0"/>
+          </a:schemeClr>
+        </a:solidFill>
+        <a:ln w="10795" cap="flat" cmpd="sng" algn="ctr">
+          <a:solidFill>
+            <a:schemeClr val="lt1">
+              <a:hueOff val="0"/>
+              <a:satOff val="0"/>
+              <a:lumOff val="0"/>
+              <a:alphaOff val="0"/>
+            </a:schemeClr>
+          </a:solidFill>
+          <a:prstDash val="solid"/>
+        </a:ln>
+        <a:effectLst/>
+      </dsp:spPr>
+      <dsp:style>
+        <a:lnRef idx="2">
+          <a:scrgbClr r="0" g="0" b="0"/>
+        </a:lnRef>
+        <a:fillRef idx="1">
+          <a:scrgbClr r="0" g="0" b="0"/>
+        </a:fillRef>
+        <a:effectRef idx="0">
+          <a:scrgbClr r="0" g="0" b="0"/>
+        </a:effectRef>
+        <a:fontRef idx="minor">
+          <a:schemeClr val="lt1"/>
+        </a:fontRef>
+      </dsp:style>
+      <dsp:txBody>
+        <a:bodyPr spcFirstLastPara="0" vert="horz" wrap="square" lIns="15240" tIns="15240" rIns="15240" bIns="15240" numCol="1" spcCol="1270" anchor="ctr" anchorCtr="0">
+          <a:noAutofit/>
+        </a:bodyPr>
+        <a:lstStyle/>
+        <a:p>
+          <a:pPr marL="0" lvl="0" indent="0" algn="ctr" defTabSz="1066800">
+            <a:lnSpc>
+              <a:spcPct val="90000"/>
+            </a:lnSpc>
+            <a:spcBef>
+              <a:spcPct val="0"/>
+            </a:spcBef>
+            <a:spcAft>
+              <a:spcPct val="35000"/>
+            </a:spcAft>
+            <a:buNone/>
+          </a:pPr>
+          <a:r>
+            <a:rPr lang="en-US" sz="2400" kern="1200" dirty="0"/>
+            <a:t>txt</a:t>
+          </a:r>
+          <a:endParaRPr lang="fr-CA" sz="2400" kern="1200" dirty="0"/>
+        </a:p>
+      </dsp:txBody>
+      <dsp:txXfrm>
+        <a:off x="1965357" y="2177777"/>
+        <a:ext cx="1531441" cy="765720"/>
+      </dsp:txXfrm>
+    </dsp:sp>
+  </dsp:spTree>
+</dsp:drawing>
+</file>
+
+<file path=ppt/diagrams/drawing3.xml><?xml version="1.0" encoding="utf-8"?>
 <dsp:drawing xmlns:dgm="http://schemas.openxmlformats.org/drawingml/2006/diagram" xmlns:dsp="http://schemas.microsoft.com/office/drawing/2008/diagram" xmlns:a="http://schemas.openxmlformats.org/drawingml/2006/main">
   <dsp:spTree>
     <dsp:nvGrpSpPr>
@@ -6272,8 +8801,13 @@
           </a:pPr>
           <a:r>
             <a:rPr lang="en-US" sz="3000" kern="1200" dirty="0"/>
-            <a:t>yearlyLogCleanup.exe</a:t>
+            <a:t>yearlyLogCleanup.exe             – </a:t>
           </a:r>
+          <a:r>
+            <a:rPr lang="en-US" sz="3000" kern="1200" dirty="0" err="1"/>
+            <a:t>c++</a:t>
+          </a:r>
+          <a:endParaRPr lang="en-US" sz="3000" kern="1200" dirty="0"/>
         </a:p>
       </dsp:txBody>
       <dsp:txXfrm>
@@ -6359,7 +8893,7 @@
           </a:pPr>
           <a:r>
             <a:rPr lang="en-US" sz="2300" kern="1200" dirty="0"/>
-            <a:t>Cleans bLog.txt of old barcodes, presumably not being used anymore</a:t>
+            <a:t>Cleans bLog.txt of old barcodes, presumably not being used post SQL</a:t>
           </a:r>
           <a:endParaRPr lang="fr-CA" sz="2300" kern="1200" dirty="0"/>
         </a:p>
@@ -6373,7 +8907,7 @@
 </dsp:drawing>
 </file>
 
-<file path=ppt/diagrams/drawing3.xml><?xml version="1.0" encoding="utf-8"?>
+<file path=ppt/diagrams/drawing4.xml><?xml version="1.0" encoding="utf-8"?>
 <dsp:drawing xmlns:dgm="http://schemas.openxmlformats.org/drawingml/2006/diagram" xmlns:dsp="http://schemas.microsoft.com/office/drawing/2008/diagram" xmlns:a="http://schemas.openxmlformats.org/drawingml/2006/main">
   <dsp:spTree>
     <dsp:nvGrpSpPr>
@@ -6643,7 +9177,7 @@
 </dsp:drawing>
 </file>
 
-<file path=ppt/diagrams/drawing4.xml><?xml version="1.0" encoding="utf-8"?>
+<file path=ppt/diagrams/drawing5.xml><?xml version="1.0" encoding="utf-8"?>
 <dsp:drawing xmlns:dgm="http://schemas.openxmlformats.org/drawingml/2006/diagram" xmlns:dsp="http://schemas.microsoft.com/office/drawing/2008/diagram" xmlns:a="http://schemas.openxmlformats.org/drawingml/2006/main">
   <dsp:spTree>
     <dsp:nvGrpSpPr>
@@ -8219,6 +10753,1152 @@
 </file>
 
 <file path=ppt/diagrams/layout2.xml><?xml version="1.0" encoding="utf-8"?>
+<dgm:layoutDef xmlns:dgm="http://schemas.openxmlformats.org/drawingml/2006/diagram" xmlns:a="http://schemas.openxmlformats.org/drawingml/2006/main" uniqueId="urn:microsoft.com/office/officeart/2005/8/layout/orgChart1">
+  <dgm:title val=""/>
+  <dgm:desc val=""/>
+  <dgm:catLst>
+    <dgm:cat type="hierarchy" pri="1000"/>
+    <dgm:cat type="convert" pri="6000"/>
+  </dgm:catLst>
+  <dgm:sampData>
+    <dgm:dataModel>
+      <dgm:ptLst>
+        <dgm:pt modelId="0" type="doc"/>
+        <dgm:pt modelId="1">
+          <dgm:prSet phldr="1"/>
+        </dgm:pt>
+        <dgm:pt modelId="2" type="asst">
+          <dgm:prSet phldr="1"/>
+        </dgm:pt>
+        <dgm:pt modelId="3">
+          <dgm:prSet phldr="1"/>
+        </dgm:pt>
+        <dgm:pt modelId="4">
+          <dgm:prSet phldr="1"/>
+        </dgm:pt>
+        <dgm:pt modelId="5">
+          <dgm:prSet phldr="1"/>
+        </dgm:pt>
+      </dgm:ptLst>
+      <dgm:cxnLst>
+        <dgm:cxn modelId="5" srcId="0" destId="1" srcOrd="0" destOrd="0"/>
+        <dgm:cxn modelId="6" srcId="1" destId="2" srcOrd="0" destOrd="0"/>
+        <dgm:cxn modelId="7" srcId="1" destId="3" srcOrd="1" destOrd="0"/>
+        <dgm:cxn modelId="8" srcId="1" destId="4" srcOrd="2" destOrd="0"/>
+        <dgm:cxn modelId="9" srcId="1" destId="5" srcOrd="3" destOrd="0"/>
+      </dgm:cxnLst>
+      <dgm:bg/>
+      <dgm:whole/>
+    </dgm:dataModel>
+  </dgm:sampData>
+  <dgm:styleData>
+    <dgm:dataModel>
+      <dgm:ptLst>
+        <dgm:pt modelId="0" type="doc"/>
+        <dgm:pt modelId="1"/>
+        <dgm:pt modelId="12"/>
+        <dgm:pt modelId="13"/>
+      </dgm:ptLst>
+      <dgm:cxnLst>
+        <dgm:cxn modelId="2" srcId="0" destId="1" srcOrd="0" destOrd="0"/>
+        <dgm:cxn modelId="16" srcId="1" destId="12" srcOrd="1" destOrd="0"/>
+        <dgm:cxn modelId="17" srcId="1" destId="13" srcOrd="2" destOrd="0"/>
+      </dgm:cxnLst>
+      <dgm:bg/>
+      <dgm:whole/>
+    </dgm:dataModel>
+  </dgm:styleData>
+  <dgm:clrData>
+    <dgm:dataModel>
+      <dgm:ptLst>
+        <dgm:pt modelId="0" type="doc"/>
+        <dgm:pt modelId="1"/>
+        <dgm:pt modelId="11" type="asst"/>
+        <dgm:pt modelId="12"/>
+        <dgm:pt modelId="13"/>
+        <dgm:pt modelId="14"/>
+      </dgm:ptLst>
+      <dgm:cxnLst>
+        <dgm:cxn modelId="2" srcId="0" destId="1" srcOrd="0" destOrd="0"/>
+        <dgm:cxn modelId="15" srcId="1" destId="11" srcOrd="0" destOrd="0"/>
+        <dgm:cxn modelId="16" srcId="1" destId="12" srcOrd="1" destOrd="0"/>
+        <dgm:cxn modelId="17" srcId="1" destId="13" srcOrd="2" destOrd="0"/>
+        <dgm:cxn modelId="18" srcId="1" destId="14" srcOrd="2" destOrd="0"/>
+      </dgm:cxnLst>
+      <dgm:bg/>
+      <dgm:whole/>
+    </dgm:dataModel>
+  </dgm:clrData>
+  <dgm:layoutNode name="hierChild1">
+    <dgm:varLst>
+      <dgm:orgChart val="1"/>
+      <dgm:chPref val="1"/>
+      <dgm:dir/>
+      <dgm:animOne val="branch"/>
+      <dgm:animLvl val="lvl"/>
+      <dgm:resizeHandles/>
+    </dgm:varLst>
+    <dgm:choose name="Name0">
+      <dgm:if name="Name1" func="var" arg="dir" op="equ" val="norm">
+        <dgm:alg type="hierChild">
+          <dgm:param type="linDir" val="fromL"/>
+        </dgm:alg>
+      </dgm:if>
+      <dgm:else name="Name2">
+        <dgm:alg type="hierChild">
+          <dgm:param type="linDir" val="fromR"/>
+        </dgm:alg>
+      </dgm:else>
+    </dgm:choose>
+    <dgm:shape xmlns:r="http://schemas.openxmlformats.org/officeDocument/2006/relationships" r:blip="">
+      <dgm:adjLst/>
+    </dgm:shape>
+    <dgm:presOf/>
+    <dgm:constrLst>
+      <dgm:constr type="w" for="des" forName="rootComposite1" refType="w" fact="10"/>
+      <dgm:constr type="h" for="des" forName="rootComposite1" refType="w" refFor="des" refForName="rootComposite1" fact="0.5"/>
+      <dgm:constr type="w" for="des" forName="rootComposite" refType="w" fact="10"/>
+      <dgm:constr type="h" for="des" forName="rootComposite" refType="w" refFor="des" refForName="rootComposite1" fact="0.5"/>
+      <dgm:constr type="w" for="des" forName="rootComposite3" refType="w" fact="10"/>
+      <dgm:constr type="h" for="des" forName="rootComposite3" refType="w" refFor="des" refForName="rootComposite1" fact="0.5"/>
+      <dgm:constr type="primFontSz" for="des" ptType="node" op="equ"/>
+      <dgm:constr type="sp" for="des" op="equ"/>
+      <dgm:constr type="sp" for="des" forName="hierRoot1" refType="w" refFor="des" refForName="rootComposite1" fact="0.21"/>
+      <dgm:constr type="sp" for="des" forName="hierRoot2" refType="sp" refFor="des" refForName="hierRoot1"/>
+      <dgm:constr type="sp" for="des" forName="hierRoot3" refType="sp" refFor="des" refForName="hierRoot1"/>
+      <dgm:constr type="sibSp" refType="w" refFor="des" refForName="rootComposite1" fact="0.21"/>
+      <dgm:constr type="sibSp" for="des" forName="hierChild2" refType="sibSp"/>
+      <dgm:constr type="sibSp" for="des" forName="hierChild3" refType="sibSp"/>
+      <dgm:constr type="sibSp" for="des" forName="hierChild4" refType="sibSp"/>
+      <dgm:constr type="sibSp" for="des" forName="hierChild5" refType="sibSp"/>
+      <dgm:constr type="sibSp" for="des" forName="hierChild6" refType="sibSp"/>
+      <dgm:constr type="sibSp" for="des" forName="hierChild7" refType="sibSp"/>
+      <dgm:constr type="secSibSp" refType="w" refFor="des" refForName="rootComposite1" fact="0.21"/>
+      <dgm:constr type="secSibSp" for="des" forName="hierChild2" refType="secSibSp"/>
+      <dgm:constr type="secSibSp" for="des" forName="hierChild3" refType="secSibSp"/>
+      <dgm:constr type="secSibSp" for="des" forName="hierChild4" refType="secSibSp"/>
+      <dgm:constr type="secSibSp" for="des" forName="hierChild5" refType="secSibSp"/>
+      <dgm:constr type="secSibSp" for="des" forName="hierChild6" refType="secSibSp"/>
+      <dgm:constr type="secSibSp" for="des" forName="hierChild7" refType="secSibSp"/>
+    </dgm:constrLst>
+    <dgm:ruleLst/>
+    <dgm:forEach name="Name3" axis="ch">
+      <dgm:forEach name="Name4" axis="self" ptType="node">
+        <dgm:layoutNode name="hierRoot1">
+          <dgm:varLst>
+            <dgm:hierBranch val="init"/>
+          </dgm:varLst>
+          <dgm:choose name="Name5">
+            <dgm:if name="Name6" func="var" arg="hierBranch" op="equ" val="l">
+              <dgm:choose name="Name7">
+                <dgm:if name="Name8" axis="ch" ptType="asst" func="cnt" op="gte" val="1">
+                  <dgm:alg type="hierRoot">
+                    <dgm:param type="hierAlign" val="tR"/>
+                  </dgm:alg>
+                  <dgm:constrLst>
+                    <dgm:constr type="alignOff" val="0.65"/>
+                  </dgm:constrLst>
+                </dgm:if>
+                <dgm:else name="Name9">
+                  <dgm:alg type="hierRoot">
+                    <dgm:param type="hierAlign" val="tR"/>
+                  </dgm:alg>
+                  <dgm:constrLst>
+                    <dgm:constr type="alignOff" val="0.25"/>
+                  </dgm:constrLst>
+                </dgm:else>
+              </dgm:choose>
+            </dgm:if>
+            <dgm:if name="Name10" func="var" arg="hierBranch" op="equ" val="r">
+              <dgm:choose name="Name11">
+                <dgm:if name="Name12" axis="ch" ptType="asst" func="cnt" op="gte" val="1">
+                  <dgm:alg type="hierRoot">
+                    <dgm:param type="hierAlign" val="tL"/>
+                  </dgm:alg>
+                  <dgm:constrLst>
+                    <dgm:constr type="alignOff" val="0.65"/>
+                  </dgm:constrLst>
+                </dgm:if>
+                <dgm:else name="Name13">
+                  <dgm:alg type="hierRoot">
+                    <dgm:param type="hierAlign" val="tL"/>
+                  </dgm:alg>
+                  <dgm:constrLst>
+                    <dgm:constr type="alignOff" val="0.25"/>
+                  </dgm:constrLst>
+                </dgm:else>
+              </dgm:choose>
+            </dgm:if>
+            <dgm:if name="Name14" func="var" arg="hierBranch" op="equ" val="hang">
+              <dgm:alg type="hierRoot"/>
+              <dgm:constrLst>
+                <dgm:constr type="alignOff" val="0.65"/>
+              </dgm:constrLst>
+            </dgm:if>
+            <dgm:else name="Name15">
+              <dgm:alg type="hierRoot"/>
+              <dgm:constrLst>
+                <dgm:constr type="alignOff"/>
+                <dgm:constr type="bendDist" for="des" ptType="parTrans" refType="sp" fact="0.5"/>
+              </dgm:constrLst>
+            </dgm:else>
+          </dgm:choose>
+          <dgm:shape xmlns:r="http://schemas.openxmlformats.org/officeDocument/2006/relationships" r:blip="">
+            <dgm:adjLst/>
+          </dgm:shape>
+          <dgm:presOf/>
+          <dgm:ruleLst/>
+          <dgm:layoutNode name="rootComposite1">
+            <dgm:alg type="composite"/>
+            <dgm:shape xmlns:r="http://schemas.openxmlformats.org/officeDocument/2006/relationships" r:blip="">
+              <dgm:adjLst/>
+            </dgm:shape>
+            <dgm:presOf axis="self" ptType="node" cnt="1"/>
+            <dgm:choose name="Name16">
+              <dgm:if name="Name17" func="var" arg="hierBranch" op="equ" val="init">
+                <dgm:constrLst>
+                  <dgm:constr type="l" for="ch" forName="rootText1"/>
+                  <dgm:constr type="t" for="ch" forName="rootText1"/>
+                  <dgm:constr type="w" for="ch" forName="rootText1" refType="w"/>
+                  <dgm:constr type="h" for="ch" forName="rootText1" refType="h"/>
+                  <dgm:constr type="l" for="ch" forName="rootConnector1"/>
+                  <dgm:constr type="t" for="ch" forName="rootConnector1"/>
+                  <dgm:constr type="w" for="ch" forName="rootConnector1" refType="w" refFor="ch" refForName="rootText1" fact="0.2"/>
+                  <dgm:constr type="h" for="ch" forName="rootConnector1" refType="h" refFor="ch" refForName="rootText1"/>
+                </dgm:constrLst>
+              </dgm:if>
+              <dgm:if name="Name18" func="var" arg="hierBranch" op="equ" val="l">
+                <dgm:constrLst>
+                  <dgm:constr type="l" for="ch" forName="rootText1"/>
+                  <dgm:constr type="t" for="ch" forName="rootText1"/>
+                  <dgm:constr type="w" for="ch" forName="rootText1" refType="w"/>
+                  <dgm:constr type="h" for="ch" forName="rootText1" refType="h"/>
+                  <dgm:constr type="r" for="ch" forName="rootConnector1" refType="w"/>
+                  <dgm:constr type="t" for="ch" forName="rootConnector1"/>
+                  <dgm:constr type="w" for="ch" forName="rootConnector1" refType="w" refFor="ch" refForName="rootText1" fact="0.2"/>
+                  <dgm:constr type="h" for="ch" forName="rootConnector1" refType="h" refFor="ch" refForName="rootText1"/>
+                </dgm:constrLst>
+              </dgm:if>
+              <dgm:if name="Name19" func="var" arg="hierBranch" op="equ" val="r">
+                <dgm:constrLst>
+                  <dgm:constr type="l" for="ch" forName="rootText1"/>
+                  <dgm:constr type="t" for="ch" forName="rootText1"/>
+                  <dgm:constr type="w" for="ch" forName="rootText1" refType="w"/>
+                  <dgm:constr type="h" for="ch" forName="rootText1" refType="h"/>
+                  <dgm:constr type="l" for="ch" forName="rootConnector1"/>
+                  <dgm:constr type="t" for="ch" forName="rootConnector1"/>
+                  <dgm:constr type="w" for="ch" forName="rootConnector1" refType="w" refFor="ch" refForName="rootText1" fact="0.2"/>
+                  <dgm:constr type="h" for="ch" forName="rootConnector1" refType="h" refFor="ch" refForName="rootText1"/>
+                </dgm:constrLst>
+              </dgm:if>
+              <dgm:else name="Name20">
+                <dgm:constrLst>
+                  <dgm:constr type="l" for="ch" forName="rootText1"/>
+                  <dgm:constr type="t" for="ch" forName="rootText1"/>
+                  <dgm:constr type="w" for="ch" forName="rootText1" refType="w"/>
+                  <dgm:constr type="h" for="ch" forName="rootText1" refType="h"/>
+                  <dgm:constr type="r" for="ch" forName="rootConnector1" refType="w"/>
+                  <dgm:constr type="t" for="ch" forName="rootConnector1"/>
+                  <dgm:constr type="w" for="ch" forName="rootConnector1" refType="w" refFor="ch" refForName="rootText1" fact="0.2"/>
+                  <dgm:constr type="h" for="ch" forName="rootConnector1" refType="h" refFor="ch" refForName="rootText1"/>
+                </dgm:constrLst>
+              </dgm:else>
+            </dgm:choose>
+            <dgm:ruleLst/>
+            <dgm:layoutNode name="rootText1" styleLbl="node0">
+              <dgm:varLst>
+                <dgm:chPref val="3"/>
+              </dgm:varLst>
+              <dgm:alg type="tx"/>
+              <dgm:shape xmlns:r="http://schemas.openxmlformats.org/officeDocument/2006/relationships" type="rect" r:blip="">
+                <dgm:adjLst/>
+              </dgm:shape>
+              <dgm:presOf axis="self" ptType="node" cnt="1"/>
+              <dgm:constrLst>
+                <dgm:constr type="primFontSz" val="65"/>
+                <dgm:constr type="lMarg" refType="primFontSz" fact="0.05"/>
+                <dgm:constr type="rMarg" refType="primFontSz" fact="0.05"/>
+                <dgm:constr type="tMarg" refType="primFontSz" fact="0.05"/>
+                <dgm:constr type="bMarg" refType="primFontSz" fact="0.05"/>
+              </dgm:constrLst>
+              <dgm:ruleLst>
+                <dgm:rule type="primFontSz" val="5" fact="NaN" max="NaN"/>
+              </dgm:ruleLst>
+            </dgm:layoutNode>
+            <dgm:layoutNode name="rootConnector1" moveWith="rootText1">
+              <dgm:alg type="sp"/>
+              <dgm:shape xmlns:r="http://schemas.openxmlformats.org/officeDocument/2006/relationships" type="rect" r:blip="" hideGeom="1">
+                <dgm:adjLst/>
+              </dgm:shape>
+              <dgm:presOf axis="self" ptType="node" cnt="1"/>
+              <dgm:constrLst/>
+              <dgm:ruleLst/>
+            </dgm:layoutNode>
+          </dgm:layoutNode>
+          <dgm:layoutNode name="hierChild2">
+            <dgm:choose name="Name21">
+              <dgm:if name="Name22" func="var" arg="hierBranch" op="equ" val="l">
+                <dgm:alg type="hierChild">
+                  <dgm:param type="chAlign" val="r"/>
+                  <dgm:param type="linDir" val="fromT"/>
+                </dgm:alg>
+              </dgm:if>
+              <dgm:if name="Name23" func="var" arg="hierBranch" op="equ" val="r">
+                <dgm:alg type="hierChild">
+                  <dgm:param type="chAlign" val="l"/>
+                  <dgm:param type="linDir" val="fromT"/>
+                </dgm:alg>
+              </dgm:if>
+              <dgm:if name="Name24" func="var" arg="hierBranch" op="equ" val="hang">
+                <dgm:choose name="Name25">
+                  <dgm:if name="Name26" func="var" arg="dir" op="equ" val="norm">
+                    <dgm:alg type="hierChild">
+                      <dgm:param type="chAlign" val="l"/>
+                      <dgm:param type="linDir" val="fromL"/>
+                      <dgm:param type="secChAlign" val="t"/>
+                      <dgm:param type="secLinDir" val="fromT"/>
+                    </dgm:alg>
+                  </dgm:if>
+                  <dgm:else name="Name27">
+                    <dgm:alg type="hierChild">
+                      <dgm:param type="chAlign" val="l"/>
+                      <dgm:param type="linDir" val="fromR"/>
+                      <dgm:param type="secChAlign" val="t"/>
+                      <dgm:param type="secLinDir" val="fromT"/>
+                    </dgm:alg>
+                  </dgm:else>
+                </dgm:choose>
+              </dgm:if>
+              <dgm:else name="Name28">
+                <dgm:choose name="Name29">
+                  <dgm:if name="Name30" func="var" arg="dir" op="equ" val="norm">
+                    <dgm:alg type="hierChild"/>
+                  </dgm:if>
+                  <dgm:else name="Name31">
+                    <dgm:alg type="hierChild">
+                      <dgm:param type="linDir" val="fromR"/>
+                    </dgm:alg>
+                  </dgm:else>
+                </dgm:choose>
+              </dgm:else>
+            </dgm:choose>
+            <dgm:shape xmlns:r="http://schemas.openxmlformats.org/officeDocument/2006/relationships" r:blip="">
+              <dgm:adjLst/>
+            </dgm:shape>
+            <dgm:presOf/>
+            <dgm:constrLst/>
+            <dgm:ruleLst/>
+            <dgm:forEach name="rep2a" axis="ch" ptType="nonAsst">
+              <dgm:forEach name="Name32" axis="precedSib" ptType="parTrans" st="-1" cnt="1">
+                <dgm:choose name="Name33">
+                  <dgm:if name="Name34" func="var" arg="hierBranch" op="equ" val="std">
+                    <dgm:layoutNode name="Name35">
+                      <dgm:alg type="conn">
+                        <dgm:param type="connRout" val="bend"/>
+                        <dgm:param type="dim" val="1D"/>
+                        <dgm:param type="endSty" val="noArr"/>
+                        <dgm:param type="begPts" val="bCtr"/>
+                        <dgm:param type="endPts" val="tCtr"/>
+                        <dgm:param type="bendPt" val="end"/>
+                      </dgm:alg>
+                      <dgm:shape xmlns:r="http://schemas.openxmlformats.org/officeDocument/2006/relationships" type="conn" r:blip="" zOrderOff="-99999">
+                        <dgm:adjLst/>
+                      </dgm:shape>
+                      <dgm:presOf axis="self"/>
+                      <dgm:constrLst>
+                        <dgm:constr type="begPad"/>
+                        <dgm:constr type="endPad"/>
+                      </dgm:constrLst>
+                      <dgm:ruleLst/>
+                    </dgm:layoutNode>
+                  </dgm:if>
+                  <dgm:if name="Name36" func="var" arg="hierBranch" op="equ" val="init">
+                    <dgm:layoutNode name="Name37">
+                      <dgm:choose name="Name38">
+                        <dgm:if name="Name39" axis="self" func="depth" op="lte" val="2">
+                          <dgm:alg type="conn">
+                            <dgm:param type="connRout" val="bend"/>
+                            <dgm:param type="dim" val="1D"/>
+                            <dgm:param type="endSty" val="noArr"/>
+                            <dgm:param type="begPts" val="bCtr"/>
+                            <dgm:param type="endPts" val="tCtr"/>
+                            <dgm:param type="bendPt" val="end"/>
+                          </dgm:alg>
+                        </dgm:if>
+                        <dgm:else name="Name40">
+                          <dgm:choose name="Name41">
+                            <dgm:if name="Name42" axis="par des" func="maxDepth" op="lte" val="1">
+                              <dgm:choose name="Name43">
+                                <dgm:if name="Name44" axis="par ch" ptType="node asst" func="cnt" op="gte" val="1">
+                                  <dgm:alg type="conn">
+                                    <dgm:param type="connRout" val="bend"/>
+                                    <dgm:param type="dim" val="1D"/>
+                                    <dgm:param type="endSty" val="noArr"/>
+                                    <dgm:param type="begPts" val="bCtr"/>
+                                    <dgm:param type="endPts" val="midL midR"/>
+                                  </dgm:alg>
+                                </dgm:if>
+                                <dgm:else name="Name45">
+                                  <dgm:alg type="conn">
+                                    <dgm:param type="connRout" val="bend"/>
+                                    <dgm:param type="dim" val="1D"/>
+                                    <dgm:param type="endSty" val="noArr"/>
+                                    <dgm:param type="begPts" val="bCtr"/>
+                                    <dgm:param type="endPts" val="midL midR"/>
+                                    <dgm:param type="srcNode" val="rootConnector"/>
+                                  </dgm:alg>
+                                </dgm:else>
+                              </dgm:choose>
+                            </dgm:if>
+                            <dgm:else name="Name46">
+                              <dgm:alg type="conn">
+                                <dgm:param type="connRout" val="bend"/>
+                                <dgm:param type="dim" val="1D"/>
+                                <dgm:param type="endSty" val="noArr"/>
+                                <dgm:param type="begPts" val="bCtr"/>
+                                <dgm:param type="endPts" val="tCtr"/>
+                                <dgm:param type="bendPt" val="end"/>
+                              </dgm:alg>
+                            </dgm:else>
+                          </dgm:choose>
+                        </dgm:else>
+                      </dgm:choose>
+                      <dgm:shape xmlns:r="http://schemas.openxmlformats.org/officeDocument/2006/relationships" type="conn" r:blip="" zOrderOff="-99999">
+                        <dgm:adjLst/>
+                      </dgm:shape>
+                      <dgm:presOf axis="self"/>
+                      <dgm:constrLst>
+                        <dgm:constr type="begPad"/>
+                        <dgm:constr type="endPad"/>
+                      </dgm:constrLst>
+                      <dgm:ruleLst/>
+                    </dgm:layoutNode>
+                  </dgm:if>
+                  <dgm:if name="Name47" func="var" arg="hierBranch" op="equ" val="hang">
+                    <dgm:layoutNode name="Name48">
+                      <dgm:alg type="conn">
+                        <dgm:param type="connRout" val="bend"/>
+                        <dgm:param type="dim" val="1D"/>
+                        <dgm:param type="endSty" val="noArr"/>
+                        <dgm:param type="begPts" val="bCtr"/>
+                        <dgm:param type="endPts" val="midL midR"/>
+                      </dgm:alg>
+                      <dgm:shape xmlns:r="http://schemas.openxmlformats.org/officeDocument/2006/relationships" type="conn" r:blip="" zOrderOff="-99999">
+                        <dgm:adjLst/>
+                      </dgm:shape>
+                      <dgm:presOf axis="self"/>
+                      <dgm:constrLst>
+                        <dgm:constr type="begPad"/>
+                        <dgm:constr type="endPad"/>
+                      </dgm:constrLst>
+                      <dgm:ruleLst/>
+                    </dgm:layoutNode>
+                  </dgm:if>
+                  <dgm:else name="Name49">
+                    <dgm:layoutNode name="Name50">
+                      <dgm:choose name="Name51">
+                        <dgm:if name="Name52" axis="self" func="depth" op="lte" val="2">
+                          <dgm:choose name="Name53">
+                            <dgm:if name="Name54" axis="par ch" ptType="node asst" func="cnt" op="gte" val="1">
+                              <dgm:alg type="conn">
+                                <dgm:param type="connRout" val="bend"/>
+                                <dgm:param type="dim" val="1D"/>
+                                <dgm:param type="endSty" val="noArr"/>
+                                <dgm:param type="begPts" val="bCtr"/>
+                                <dgm:param type="endPts" val="midL midR"/>
+                              </dgm:alg>
+                            </dgm:if>
+                            <dgm:else name="Name55">
+                              <dgm:alg type="conn">
+                                <dgm:param type="connRout" val="bend"/>
+                                <dgm:param type="dim" val="1D"/>
+                                <dgm:param type="endSty" val="noArr"/>
+                                <dgm:param type="begPts" val="bCtr"/>
+                                <dgm:param type="endPts" val="midL midR"/>
+                                <dgm:param type="srcNode" val="rootConnector1"/>
+                              </dgm:alg>
+                            </dgm:else>
+                          </dgm:choose>
+                        </dgm:if>
+                        <dgm:else name="Name56">
+                          <dgm:choose name="Name57">
+                            <dgm:if name="Name58" axis="par ch" ptType="node asst" func="cnt" op="gte" val="1">
+                              <dgm:alg type="conn">
+                                <dgm:param type="connRout" val="bend"/>
+                                <dgm:param type="dim" val="1D"/>
+                                <dgm:param type="endSty" val="noArr"/>
+                                <dgm:param type="begPts" val="bCtr"/>
+                                <dgm:param type="endPts" val="midL midR"/>
+                              </dgm:alg>
+                            </dgm:if>
+                            <dgm:else name="Name59">
+                              <dgm:alg type="conn">
+                                <dgm:param type="connRout" val="bend"/>
+                                <dgm:param type="dim" val="1D"/>
+                                <dgm:param type="endSty" val="noArr"/>
+                                <dgm:param type="begPts" val="bCtr"/>
+                                <dgm:param type="endPts" val="midL midR"/>
+                                <dgm:param type="srcNode" val="rootConnector"/>
+                              </dgm:alg>
+                            </dgm:else>
+                          </dgm:choose>
+                        </dgm:else>
+                      </dgm:choose>
+                      <dgm:shape xmlns:r="http://schemas.openxmlformats.org/officeDocument/2006/relationships" type="conn" r:blip="" zOrderOff="-99999">
+                        <dgm:adjLst/>
+                      </dgm:shape>
+                      <dgm:presOf axis="self"/>
+                      <dgm:constrLst>
+                        <dgm:constr type="begPad"/>
+                        <dgm:constr type="endPad"/>
+                      </dgm:constrLst>
+                      <dgm:ruleLst/>
+                    </dgm:layoutNode>
+                  </dgm:else>
+                </dgm:choose>
+              </dgm:forEach>
+              <dgm:layoutNode name="hierRoot2">
+                <dgm:varLst>
+                  <dgm:hierBranch val="init"/>
+                </dgm:varLst>
+                <dgm:choose name="Name60">
+                  <dgm:if name="Name61" func="var" arg="hierBranch" op="equ" val="l">
+                    <dgm:choose name="Name62">
+                      <dgm:if name="Name63" axis="ch" ptType="asst" func="cnt" op="gte" val="1">
+                        <dgm:alg type="hierRoot">
+                          <dgm:param type="hierAlign" val="tR"/>
+                        </dgm:alg>
+                        <dgm:shape xmlns:r="http://schemas.openxmlformats.org/officeDocument/2006/relationships" r:blip="">
+                          <dgm:adjLst/>
+                        </dgm:shape>
+                        <dgm:presOf/>
+                        <dgm:constrLst>
+                          <dgm:constr type="alignOff" val="0.65"/>
+                        </dgm:constrLst>
+                      </dgm:if>
+                      <dgm:else name="Name64">
+                        <dgm:alg type="hierRoot">
+                          <dgm:param type="hierAlign" val="tR"/>
+                        </dgm:alg>
+                        <dgm:shape xmlns:r="http://schemas.openxmlformats.org/officeDocument/2006/relationships" r:blip="">
+                          <dgm:adjLst/>
+                        </dgm:shape>
+                        <dgm:presOf/>
+                        <dgm:constrLst>
+                          <dgm:constr type="alignOff" val="0.25"/>
+                        </dgm:constrLst>
+                      </dgm:else>
+                    </dgm:choose>
+                  </dgm:if>
+                  <dgm:if name="Name65" func="var" arg="hierBranch" op="equ" val="r">
+                    <dgm:choose name="Name66">
+                      <dgm:if name="Name67" axis="ch" ptType="asst" func="cnt" op="gte" val="1">
+                        <dgm:alg type="hierRoot">
+                          <dgm:param type="hierAlign" val="tL"/>
+                        </dgm:alg>
+                        <dgm:shape xmlns:r="http://schemas.openxmlformats.org/officeDocument/2006/relationships" r:blip="">
+                          <dgm:adjLst/>
+                        </dgm:shape>
+                        <dgm:presOf/>
+                        <dgm:constrLst>
+                          <dgm:constr type="alignOff" val="0.65"/>
+                        </dgm:constrLst>
+                      </dgm:if>
+                      <dgm:else name="Name68">
+                        <dgm:alg type="hierRoot">
+                          <dgm:param type="hierAlign" val="tL"/>
+                        </dgm:alg>
+                        <dgm:shape xmlns:r="http://schemas.openxmlformats.org/officeDocument/2006/relationships" r:blip="">
+                          <dgm:adjLst/>
+                        </dgm:shape>
+                        <dgm:presOf/>
+                        <dgm:constrLst>
+                          <dgm:constr type="alignOff" val="0.25"/>
+                        </dgm:constrLst>
+                      </dgm:else>
+                    </dgm:choose>
+                  </dgm:if>
+                  <dgm:if name="Name69" func="var" arg="hierBranch" op="equ" val="std">
+                    <dgm:alg type="hierRoot"/>
+                    <dgm:shape xmlns:r="http://schemas.openxmlformats.org/officeDocument/2006/relationships" r:blip="">
+                      <dgm:adjLst/>
+                    </dgm:shape>
+                    <dgm:presOf/>
+                    <dgm:constrLst>
+                      <dgm:constr type="alignOff"/>
+                      <dgm:constr type="bendDist" for="des" ptType="parTrans" refType="sp" fact="0.5"/>
+                    </dgm:constrLst>
+                  </dgm:if>
+                  <dgm:if name="Name70" func="var" arg="hierBranch" op="equ" val="init">
+                    <dgm:choose name="Name71">
+                      <dgm:if name="Name72" axis="des" func="maxDepth" op="lte" val="1">
+                        <dgm:choose name="Name73">
+                          <dgm:if name="Name74" axis="ch" ptType="asst" func="cnt" op="gte" val="1">
+                            <dgm:alg type="hierRoot">
+                              <dgm:param type="hierAlign" val="tL"/>
+                            </dgm:alg>
+                            <dgm:shape xmlns:r="http://schemas.openxmlformats.org/officeDocument/2006/relationships" r:blip="">
+                              <dgm:adjLst/>
+                            </dgm:shape>
+                            <dgm:presOf/>
+                            <dgm:constrLst>
+                              <dgm:constr type="alignOff" val="0.65"/>
+                            </dgm:constrLst>
+                          </dgm:if>
+                          <dgm:else name="Name75">
+                            <dgm:alg type="hierRoot">
+                              <dgm:param type="hierAlign" val="tL"/>
+                            </dgm:alg>
+                            <dgm:shape xmlns:r="http://schemas.openxmlformats.org/officeDocument/2006/relationships" r:blip="">
+                              <dgm:adjLst/>
+                            </dgm:shape>
+                            <dgm:presOf/>
+                            <dgm:constrLst>
+                              <dgm:constr type="alignOff" val="0.25"/>
+                            </dgm:constrLst>
+                          </dgm:else>
+                        </dgm:choose>
+                      </dgm:if>
+                      <dgm:else name="Name76">
+                        <dgm:alg type="hierRoot"/>
+                        <dgm:shape xmlns:r="http://schemas.openxmlformats.org/officeDocument/2006/relationships" r:blip="">
+                          <dgm:adjLst/>
+                        </dgm:shape>
+                        <dgm:presOf/>
+                        <dgm:constrLst>
+                          <dgm:constr type="alignOff"/>
+                          <dgm:constr type="bendDist" for="des" ptType="parTrans" refType="sp" fact="0.5"/>
+                        </dgm:constrLst>
+                      </dgm:else>
+                    </dgm:choose>
+                  </dgm:if>
+                  <dgm:else name="Name77">
+                    <dgm:alg type="hierRoot"/>
+                    <dgm:shape xmlns:r="http://schemas.openxmlformats.org/officeDocument/2006/relationships" r:blip="">
+                      <dgm:adjLst/>
+                    </dgm:shape>
+                    <dgm:presOf/>
+                    <dgm:constrLst>
+                      <dgm:constr type="alignOff" val="0.65"/>
+                    </dgm:constrLst>
+                  </dgm:else>
+                </dgm:choose>
+                <dgm:ruleLst/>
+                <dgm:layoutNode name="rootComposite">
+                  <dgm:alg type="composite"/>
+                  <dgm:shape xmlns:r="http://schemas.openxmlformats.org/officeDocument/2006/relationships" r:blip="">
+                    <dgm:adjLst/>
+                  </dgm:shape>
+                  <dgm:presOf axis="self" ptType="node" cnt="1"/>
+                  <dgm:choose name="Name78">
+                    <dgm:if name="Name79" func="var" arg="hierBranch" op="equ" val="init">
+                      <dgm:constrLst>
+                        <dgm:constr type="l" for="ch" forName="rootText"/>
+                        <dgm:constr type="t" for="ch" forName="rootText"/>
+                        <dgm:constr type="w" for="ch" forName="rootText" refType="w"/>
+                        <dgm:constr type="h" for="ch" forName="rootText" refType="h"/>
+                        <dgm:constr type="l" for="ch" forName="rootConnector"/>
+                        <dgm:constr type="t" for="ch" forName="rootConnector"/>
+                        <dgm:constr type="w" for="ch" forName="rootConnector" refType="w" refFor="ch" refForName="rootText" fact="0.2"/>
+                        <dgm:constr type="h" for="ch" forName="rootConnector" refType="h" refFor="ch" refForName="rootText"/>
+                      </dgm:constrLst>
+                    </dgm:if>
+                    <dgm:if name="Name80" func="var" arg="hierBranch" op="equ" val="l">
+                      <dgm:constrLst>
+                        <dgm:constr type="l" for="ch" forName="rootText"/>
+                        <dgm:constr type="t" for="ch" forName="rootText"/>
+                        <dgm:constr type="w" for="ch" forName="rootText" refType="w"/>
+                        <dgm:constr type="h" for="ch" forName="rootText" refType="h"/>
+                        <dgm:constr type="r" for="ch" forName="rootConnector" refType="w"/>
+                        <dgm:constr type="t" for="ch" forName="rootConnector"/>
+                        <dgm:constr type="w" for="ch" forName="rootConnector" refType="w" refFor="ch" refForName="rootText" fact="0.2"/>
+                        <dgm:constr type="h" for="ch" forName="rootConnector" refType="h" refFor="ch" refForName="rootText"/>
+                      </dgm:constrLst>
+                    </dgm:if>
+                    <dgm:if name="Name81" func="var" arg="hierBranch" op="equ" val="r">
+                      <dgm:constrLst>
+                        <dgm:constr type="l" for="ch" forName="rootText"/>
+                        <dgm:constr type="t" for="ch" forName="rootText"/>
+                        <dgm:constr type="w" for="ch" forName="rootText" refType="w"/>
+                        <dgm:constr type="h" for="ch" forName="rootText" refType="h"/>
+                        <dgm:constr type="l" for="ch" forName="rootConnector"/>
+                        <dgm:constr type="t" for="ch" forName="rootConnector"/>
+                        <dgm:constr type="w" for="ch" forName="rootConnector" refType="w" refFor="ch" refForName="rootText" fact="0.2"/>
+                        <dgm:constr type="h" for="ch" forName="rootConnector" refType="h" refFor="ch" refForName="rootText"/>
+                      </dgm:constrLst>
+                    </dgm:if>
+                    <dgm:else name="Name82">
+                      <dgm:constrLst>
+                        <dgm:constr type="l" for="ch" forName="rootText"/>
+                        <dgm:constr type="t" for="ch" forName="rootText"/>
+                        <dgm:constr type="w" for="ch" forName="rootText" refType="w"/>
+                        <dgm:constr type="h" for="ch" forName="rootText" refType="h"/>
+                        <dgm:constr type="r" for="ch" forName="rootConnector" refType="w"/>
+                        <dgm:constr type="t" for="ch" forName="rootConnector"/>
+                        <dgm:constr type="w" for="ch" forName="rootConnector" refType="w" refFor="ch" refForName="rootText" fact="0.2"/>
+                        <dgm:constr type="h" for="ch" forName="rootConnector" refType="h" refFor="ch" refForName="rootText"/>
+                      </dgm:constrLst>
+                    </dgm:else>
+                  </dgm:choose>
+                  <dgm:ruleLst/>
+                  <dgm:layoutNode name="rootText">
+                    <dgm:varLst>
+                      <dgm:chPref val="3"/>
+                    </dgm:varLst>
+                    <dgm:alg type="tx"/>
+                    <dgm:shape xmlns:r="http://schemas.openxmlformats.org/officeDocument/2006/relationships" type="rect" r:blip="">
+                      <dgm:adjLst/>
+                    </dgm:shape>
+                    <dgm:presOf axis="self" ptType="node" cnt="1"/>
+                    <dgm:constrLst>
+                      <dgm:constr type="primFontSz" val="65"/>
+                      <dgm:constr type="lMarg" refType="primFontSz" fact="0.05"/>
+                      <dgm:constr type="rMarg" refType="primFontSz" fact="0.05"/>
+                      <dgm:constr type="tMarg" refType="primFontSz" fact="0.05"/>
+                      <dgm:constr type="bMarg" refType="primFontSz" fact="0.05"/>
+                    </dgm:constrLst>
+                    <dgm:ruleLst>
+                      <dgm:rule type="primFontSz" val="5" fact="NaN" max="NaN"/>
+                    </dgm:ruleLst>
+                  </dgm:layoutNode>
+                  <dgm:layoutNode name="rootConnector" moveWith="rootText">
+                    <dgm:alg type="sp"/>
+                    <dgm:shape xmlns:r="http://schemas.openxmlformats.org/officeDocument/2006/relationships" type="rect" r:blip="" hideGeom="1">
+                      <dgm:adjLst/>
+                    </dgm:shape>
+                    <dgm:presOf axis="self" ptType="node" cnt="1"/>
+                    <dgm:constrLst/>
+                    <dgm:ruleLst/>
+                  </dgm:layoutNode>
+                </dgm:layoutNode>
+                <dgm:layoutNode name="hierChild4">
+                  <dgm:choose name="Name83">
+                    <dgm:if name="Name84" func="var" arg="hierBranch" op="equ" val="l">
+                      <dgm:alg type="hierChild">
+                        <dgm:param type="chAlign" val="r"/>
+                        <dgm:param type="linDir" val="fromT"/>
+                      </dgm:alg>
+                    </dgm:if>
+                    <dgm:if name="Name85" func="var" arg="hierBranch" op="equ" val="r">
+                      <dgm:alg type="hierChild">
+                        <dgm:param type="chAlign" val="l"/>
+                        <dgm:param type="linDir" val="fromT"/>
+                      </dgm:alg>
+                    </dgm:if>
+                    <dgm:if name="Name86" func="var" arg="hierBranch" op="equ" val="hang">
+                      <dgm:choose name="Name87">
+                        <dgm:if name="Name88" func="var" arg="dir" op="equ" val="norm">
+                          <dgm:alg type="hierChild">
+                            <dgm:param type="chAlign" val="l"/>
+                            <dgm:param type="linDir" val="fromL"/>
+                            <dgm:param type="secChAlign" val="t"/>
+                            <dgm:param type="secLinDir" val="fromT"/>
+                          </dgm:alg>
+                        </dgm:if>
+                        <dgm:else name="Name89">
+                          <dgm:alg type="hierChild">
+                            <dgm:param type="chAlign" val="l"/>
+                            <dgm:param type="linDir" val="fromR"/>
+                            <dgm:param type="secChAlign" val="t"/>
+                            <dgm:param type="secLinDir" val="fromT"/>
+                          </dgm:alg>
+                        </dgm:else>
+                      </dgm:choose>
+                    </dgm:if>
+                    <dgm:if name="Name90" func="var" arg="hierBranch" op="equ" val="std">
+                      <dgm:choose name="Name91">
+                        <dgm:if name="Name92" func="var" arg="dir" op="equ" val="norm">
+                          <dgm:alg type="hierChild"/>
+                        </dgm:if>
+                        <dgm:else name="Name93">
+                          <dgm:alg type="hierChild">
+                            <dgm:param type="linDir" val="fromR"/>
+                          </dgm:alg>
+                        </dgm:else>
+                      </dgm:choose>
+                    </dgm:if>
+                    <dgm:if name="Name94" func="var" arg="hierBranch" op="equ" val="init">
+                      <dgm:choose name="Name95">
+                        <dgm:if name="Name96" axis="des" func="maxDepth" op="lte" val="1">
+                          <dgm:alg type="hierChild">
+                            <dgm:param type="chAlign" val="l"/>
+                            <dgm:param type="linDir" val="fromT"/>
+                          </dgm:alg>
+                        </dgm:if>
+                        <dgm:else name="Name97">
+                          <dgm:choose name="Name98">
+                            <dgm:if name="Name99" func="var" arg="dir" op="equ" val="norm">
+                              <dgm:alg type="hierChild"/>
+                            </dgm:if>
+                            <dgm:else name="Name100">
+                              <dgm:alg type="hierChild">
+                                <dgm:param type="linDir" val="fromR"/>
+                              </dgm:alg>
+                            </dgm:else>
+                          </dgm:choose>
+                        </dgm:else>
+                      </dgm:choose>
+                    </dgm:if>
+                    <dgm:else name="Name101"/>
+                  </dgm:choose>
+                  <dgm:shape xmlns:r="http://schemas.openxmlformats.org/officeDocument/2006/relationships" r:blip="">
+                    <dgm:adjLst/>
+                  </dgm:shape>
+                  <dgm:presOf/>
+                  <dgm:constrLst/>
+                  <dgm:ruleLst/>
+                  <dgm:forEach name="Name102" ref="rep2a"/>
+                </dgm:layoutNode>
+                <dgm:layoutNode name="hierChild5">
+                  <dgm:choose name="Name103">
+                    <dgm:if name="Name104" func="var" arg="dir" op="equ" val="norm">
+                      <dgm:alg type="hierChild">
+                        <dgm:param type="chAlign" val="l"/>
+                        <dgm:param type="linDir" val="fromL"/>
+                        <dgm:param type="secChAlign" val="t"/>
+                        <dgm:param type="secLinDir" val="fromT"/>
+                      </dgm:alg>
+                    </dgm:if>
+                    <dgm:else name="Name105">
+                      <dgm:alg type="hierChild">
+                        <dgm:param type="chAlign" val="l"/>
+                        <dgm:param type="linDir" val="fromR"/>
+                        <dgm:param type="secChAlign" val="t"/>
+                        <dgm:param type="secLinDir" val="fromT"/>
+                      </dgm:alg>
+                    </dgm:else>
+                  </dgm:choose>
+                  <dgm:shape xmlns:r="http://schemas.openxmlformats.org/officeDocument/2006/relationships" r:blip="">
+                    <dgm:adjLst/>
+                  </dgm:shape>
+                  <dgm:presOf/>
+                  <dgm:constrLst/>
+                  <dgm:ruleLst/>
+                  <dgm:forEach name="Name106" ref="rep2b"/>
+                </dgm:layoutNode>
+              </dgm:layoutNode>
+            </dgm:forEach>
+          </dgm:layoutNode>
+          <dgm:layoutNode name="hierChild3">
+            <dgm:choose name="Name107">
+              <dgm:if name="Name108" func="var" arg="dir" op="equ" val="norm">
+                <dgm:alg type="hierChild">
+                  <dgm:param type="chAlign" val="l"/>
+                  <dgm:param type="linDir" val="fromL"/>
+                  <dgm:param type="secChAlign" val="t"/>
+                  <dgm:param type="secLinDir" val="fromT"/>
+                </dgm:alg>
+              </dgm:if>
+              <dgm:else name="Name109">
+                <dgm:alg type="hierChild">
+                  <dgm:param type="chAlign" val="l"/>
+                  <dgm:param type="linDir" val="fromR"/>
+                  <dgm:param type="secChAlign" val="t"/>
+                  <dgm:param type="secLinDir" val="fromT"/>
+                </dgm:alg>
+              </dgm:else>
+            </dgm:choose>
+            <dgm:shape xmlns:r="http://schemas.openxmlformats.org/officeDocument/2006/relationships" r:blip="">
+              <dgm:adjLst/>
+            </dgm:shape>
+            <dgm:presOf/>
+            <dgm:constrLst/>
+            <dgm:ruleLst/>
+            <dgm:forEach name="rep2b" axis="ch" ptType="asst">
+              <dgm:forEach name="Name110" axis="precedSib" ptType="parTrans" st="-1" cnt="1">
+                <dgm:layoutNode name="Name111">
+                  <dgm:alg type="conn">
+                    <dgm:param type="connRout" val="bend"/>
+                    <dgm:param type="dim" val="1D"/>
+                    <dgm:param type="endSty" val="noArr"/>
+                    <dgm:param type="begPts" val="bCtr"/>
+                    <dgm:param type="endPts" val="midL midR"/>
+                  </dgm:alg>
+                  <dgm:shape xmlns:r="http://schemas.openxmlformats.org/officeDocument/2006/relationships" type="conn" r:blip="" zOrderOff="-99999">
+                    <dgm:adjLst/>
+                  </dgm:shape>
+                  <dgm:presOf axis="self"/>
+                  <dgm:constrLst>
+                    <dgm:constr type="begPad"/>
+                    <dgm:constr type="endPad"/>
+                  </dgm:constrLst>
+                  <dgm:ruleLst/>
+                </dgm:layoutNode>
+              </dgm:forEach>
+              <dgm:layoutNode name="hierRoot3">
+                <dgm:varLst>
+                  <dgm:hierBranch val="init"/>
+                </dgm:varLst>
+                <dgm:choose name="Name112">
+                  <dgm:if name="Name113" func="var" arg="hierBranch" op="equ" val="l">
+                    <dgm:alg type="hierRoot">
+                      <dgm:param type="hierAlign" val="tR"/>
+                    </dgm:alg>
+                    <dgm:shape xmlns:r="http://schemas.openxmlformats.org/officeDocument/2006/relationships" r:blip="">
+                      <dgm:adjLst/>
+                    </dgm:shape>
+                    <dgm:presOf/>
+                    <dgm:constrLst>
+                      <dgm:constr type="alignOff" val="0.65"/>
+                    </dgm:constrLst>
+                  </dgm:if>
+                  <dgm:if name="Name114" func="var" arg="hierBranch" op="equ" val="r">
+                    <dgm:alg type="hierRoot">
+                      <dgm:param type="hierAlign" val="tL"/>
+                    </dgm:alg>
+                    <dgm:shape xmlns:r="http://schemas.openxmlformats.org/officeDocument/2006/relationships" r:blip="">
+                      <dgm:adjLst/>
+                    </dgm:shape>
+                    <dgm:presOf/>
+                    <dgm:constrLst>
+                      <dgm:constr type="alignOff" val="0.65"/>
+                    </dgm:constrLst>
+                  </dgm:if>
+                  <dgm:if name="Name115" func="var" arg="hierBranch" op="equ" val="hang">
+                    <dgm:alg type="hierRoot"/>
+                    <dgm:shape xmlns:r="http://schemas.openxmlformats.org/officeDocument/2006/relationships" r:blip="">
+                      <dgm:adjLst/>
+                    </dgm:shape>
+                    <dgm:presOf/>
+                    <dgm:constrLst>
+                      <dgm:constr type="alignOff" val="0.65"/>
+                    </dgm:constrLst>
+                  </dgm:if>
+                  <dgm:if name="Name116" func="var" arg="hierBranch" op="equ" val="std">
+                    <dgm:alg type="hierRoot"/>
+                    <dgm:shape xmlns:r="http://schemas.openxmlformats.org/officeDocument/2006/relationships" r:blip="">
+                      <dgm:adjLst/>
+                    </dgm:shape>
+                    <dgm:presOf/>
+                    <dgm:constrLst>
+                      <dgm:constr type="alignOff"/>
+                      <dgm:constr type="bendDist" for="des" ptType="parTrans" refType="sp" fact="0.5"/>
+                    </dgm:constrLst>
+                  </dgm:if>
+                  <dgm:if name="Name117" func="var" arg="hierBranch" op="equ" val="init">
+                    <dgm:choose name="Name118">
+                      <dgm:if name="Name119" axis="des" func="maxDepth" op="lte" val="1">
+                        <dgm:alg type="hierRoot">
+                          <dgm:param type="hierAlign" val="tL"/>
+                        </dgm:alg>
+                        <dgm:shape xmlns:r="http://schemas.openxmlformats.org/officeDocument/2006/relationships" r:blip="">
+                          <dgm:adjLst/>
+                        </dgm:shape>
+                        <dgm:presOf/>
+                        <dgm:constrLst>
+                          <dgm:constr type="alignOff" val="0.65"/>
+                        </dgm:constrLst>
+                      </dgm:if>
+                      <dgm:else name="Name120">
+                        <dgm:alg type="hierRoot"/>
+                        <dgm:shape xmlns:r="http://schemas.openxmlformats.org/officeDocument/2006/relationships" r:blip="">
+                          <dgm:adjLst/>
+                        </dgm:shape>
+                        <dgm:presOf/>
+                        <dgm:constrLst>
+                          <dgm:constr type="alignOff"/>
+                          <dgm:constr type="bendDist" for="des" ptType="parTrans" refType="sp" fact="0.5"/>
+                        </dgm:constrLst>
+                      </dgm:else>
+                    </dgm:choose>
+                  </dgm:if>
+                  <dgm:else name="Name121"/>
+                </dgm:choose>
+                <dgm:ruleLst/>
+                <dgm:layoutNode name="rootComposite3">
+                  <dgm:alg type="composite"/>
+                  <dgm:shape xmlns:r="http://schemas.openxmlformats.org/officeDocument/2006/relationships" r:blip="">
+                    <dgm:adjLst/>
+                  </dgm:shape>
+                  <dgm:presOf axis="self" ptType="node" cnt="1"/>
+                  <dgm:choose name="Name122">
+                    <dgm:if name="Name123" func="var" arg="hierBranch" op="equ" val="init">
+                      <dgm:constrLst>
+                        <dgm:constr type="l" for="ch" forName="rootText3"/>
+                        <dgm:constr type="t" for="ch" forName="rootText3"/>
+                        <dgm:constr type="w" for="ch" forName="rootText3" refType="w"/>
+                        <dgm:constr type="h" for="ch" forName="rootText3" refType="h"/>
+                        <dgm:constr type="l" for="ch" forName="rootConnector3"/>
+                        <dgm:constr type="t" for="ch" forName="rootConnector3"/>
+                        <dgm:constr type="w" for="ch" forName="rootConnector3" refType="w" refFor="ch" refForName="rootText3" fact="0.2"/>
+                        <dgm:constr type="h" for="ch" forName="rootConnector3" refType="h" refFor="ch" refForName="rootText3"/>
+                      </dgm:constrLst>
+                    </dgm:if>
+                    <dgm:if name="Name124" func="var" arg="hierBranch" op="equ" val="l">
+                      <dgm:constrLst>
+                        <dgm:constr type="l" for="ch" forName="rootText3"/>
+                        <dgm:constr type="t" for="ch" forName="rootText3"/>
+                        <dgm:constr type="w" for="ch" forName="rootText3" refType="w"/>
+                        <dgm:constr type="h" for="ch" forName="rootText3" refType="h"/>
+                        <dgm:constr type="r" for="ch" forName="rootConnector3" refType="w"/>
+                        <dgm:constr type="t" for="ch" forName="rootConnector3"/>
+                        <dgm:constr type="w" for="ch" forName="rootConnector3" refType="w" refFor="ch" refForName="rootText3" fact="0.2"/>
+                        <dgm:constr type="h" for="ch" forName="rootConnector3" refType="h" refFor="ch" refForName="rootText3"/>
+                      </dgm:constrLst>
+                    </dgm:if>
+                    <dgm:if name="Name125" func="var" arg="hierBranch" op="equ" val="r">
+                      <dgm:constrLst>
+                        <dgm:constr type="l" for="ch" forName="rootText3"/>
+                        <dgm:constr type="t" for="ch" forName="rootText3"/>
+                        <dgm:constr type="w" for="ch" forName="rootText3" refType="w"/>
+                        <dgm:constr type="h" for="ch" forName="rootText3" refType="h"/>
+                        <dgm:constr type="l" for="ch" forName="rootConnector3"/>
+                        <dgm:constr type="t" for="ch" forName="rootConnector3"/>
+                        <dgm:constr type="w" for="ch" forName="rootConnector3" refType="w" refFor="ch" refForName="rootText3" fact="0.2"/>
+                        <dgm:constr type="h" for="ch" forName="rootConnector3" refType="h" refFor="ch" refForName="rootText3"/>
+                      </dgm:constrLst>
+                    </dgm:if>
+                    <dgm:else name="Name126">
+                      <dgm:constrLst>
+                        <dgm:constr type="l" for="ch" forName="rootText3"/>
+                        <dgm:constr type="t" for="ch" forName="rootText3"/>
+                        <dgm:constr type="w" for="ch" forName="rootText3" refType="w"/>
+                        <dgm:constr type="h" for="ch" forName="rootText3" refType="h"/>
+                        <dgm:constr type="r" for="ch" forName="rootConnector3" refType="w"/>
+                        <dgm:constr type="t" for="ch" forName="rootConnector3"/>
+                        <dgm:constr type="w" for="ch" forName="rootConnector3" refType="w" refFor="ch" refForName="rootText3" fact="0.2"/>
+                        <dgm:constr type="h" for="ch" forName="rootConnector3" refType="h" refFor="ch" refForName="rootText3"/>
+                      </dgm:constrLst>
+                    </dgm:else>
+                  </dgm:choose>
+                  <dgm:ruleLst/>
+                  <dgm:layoutNode name="rootText3">
+                    <dgm:varLst>
+                      <dgm:chPref val="3"/>
+                    </dgm:varLst>
+                    <dgm:alg type="tx"/>
+                    <dgm:shape xmlns:r="http://schemas.openxmlformats.org/officeDocument/2006/relationships" type="rect" r:blip="">
+                      <dgm:adjLst/>
+                    </dgm:shape>
+                    <dgm:presOf axis="self" ptType="node" cnt="1"/>
+                    <dgm:constrLst>
+                      <dgm:constr type="primFontSz" val="65"/>
+                      <dgm:constr type="lMarg" refType="primFontSz" fact="0.05"/>
+                      <dgm:constr type="rMarg" refType="primFontSz" fact="0.05"/>
+                      <dgm:constr type="tMarg" refType="primFontSz" fact="0.05"/>
+                      <dgm:constr type="bMarg" refType="primFontSz" fact="0.05"/>
+                    </dgm:constrLst>
+                    <dgm:ruleLst>
+                      <dgm:rule type="primFontSz" val="5" fact="NaN" max="NaN"/>
+                    </dgm:ruleLst>
+                  </dgm:layoutNode>
+                  <dgm:layoutNode name="rootConnector3" moveWith="rootText1">
+                    <dgm:alg type="sp"/>
+                    <dgm:shape xmlns:r="http://schemas.openxmlformats.org/officeDocument/2006/relationships" type="rect" r:blip="" hideGeom="1">
+                      <dgm:adjLst/>
+                    </dgm:shape>
+                    <dgm:presOf axis="self" ptType="node" cnt="1"/>
+                    <dgm:constrLst/>
+                    <dgm:ruleLst/>
+                  </dgm:layoutNode>
+                </dgm:layoutNode>
+                <dgm:layoutNode name="hierChild6">
+                  <dgm:choose name="Name127">
+                    <dgm:if name="Name128" func="var" arg="hierBranch" op="equ" val="l">
+                      <dgm:alg type="hierChild">
+                        <dgm:param type="chAlign" val="r"/>
+                        <dgm:param type="linDir" val="fromT"/>
+                      </dgm:alg>
+                    </dgm:if>
+                    <dgm:if name="Name129" func="var" arg="hierBranch" op="equ" val="r">
+                      <dgm:alg type="hierChild">
+                        <dgm:param type="chAlign" val="l"/>
+                        <dgm:param type="linDir" val="fromT"/>
+                      </dgm:alg>
+                    </dgm:if>
+                    <dgm:if name="Name130" func="var" arg="hierBranch" op="equ" val="hang">
+                      <dgm:choose name="Name131">
+                        <dgm:if name="Name132" func="var" arg="dir" op="equ" val="norm">
+                          <dgm:alg type="hierChild">
+                            <dgm:param type="chAlign" val="l"/>
+                            <dgm:param type="linDir" val="fromL"/>
+                            <dgm:param type="secChAlign" val="t"/>
+                            <dgm:param type="secLinDir" val="fromT"/>
+                          </dgm:alg>
+                        </dgm:if>
+                        <dgm:else name="Name133">
+                          <dgm:alg type="hierChild">
+                            <dgm:param type="chAlign" val="l"/>
+                            <dgm:param type="linDir" val="fromR"/>
+                            <dgm:param type="secChAlign" val="t"/>
+                            <dgm:param type="secLinDir" val="fromT"/>
+                          </dgm:alg>
+                        </dgm:else>
+                      </dgm:choose>
+                    </dgm:if>
+                    <dgm:if name="Name134" func="var" arg="hierBranch" op="equ" val="std">
+                      <dgm:choose name="Name135">
+                        <dgm:if name="Name136" func="var" arg="dir" op="equ" val="norm">
+                          <dgm:alg type="hierChild"/>
+                        </dgm:if>
+                        <dgm:else name="Name137">
+                          <dgm:alg type="hierChild">
+                            <dgm:param type="linDir" val="fromR"/>
+                          </dgm:alg>
+                        </dgm:else>
+                      </dgm:choose>
+                    </dgm:if>
+                    <dgm:if name="Name138" func="var" arg="hierBranch" op="equ" val="init">
+                      <dgm:choose name="Name139">
+                        <dgm:if name="Name140" axis="des" func="maxDepth" op="lte" val="1">
+                          <dgm:alg type="hierChild">
+                            <dgm:param type="chAlign" val="l"/>
+                            <dgm:param type="linDir" val="fromT"/>
+                          </dgm:alg>
+                        </dgm:if>
+                        <dgm:else name="Name141">
+                          <dgm:alg type="hierChild"/>
+                        </dgm:else>
+                      </dgm:choose>
+                    </dgm:if>
+                    <dgm:else name="Name142"/>
+                  </dgm:choose>
+                  <dgm:shape xmlns:r="http://schemas.openxmlformats.org/officeDocument/2006/relationships" r:blip="">
+                    <dgm:adjLst/>
+                  </dgm:shape>
+                  <dgm:presOf/>
+                  <dgm:constrLst/>
+                  <dgm:ruleLst/>
+                  <dgm:forEach name="Name143" ref="rep2a"/>
+                </dgm:layoutNode>
+                <dgm:layoutNode name="hierChild7">
+                  <dgm:choose name="Name144">
+                    <dgm:if name="Name145" func="var" arg="dir" op="equ" val="norm">
+                      <dgm:alg type="hierChild">
+                        <dgm:param type="chAlign" val="l"/>
+                        <dgm:param type="linDir" val="fromL"/>
+                        <dgm:param type="secChAlign" val="t"/>
+                        <dgm:param type="secLinDir" val="fromT"/>
+                      </dgm:alg>
+                    </dgm:if>
+                    <dgm:else name="Name146">
+                      <dgm:alg type="hierChild">
+                        <dgm:param type="chAlign" val="l"/>
+                        <dgm:param type="linDir" val="fromR"/>
+                        <dgm:param type="secChAlign" val="t"/>
+                        <dgm:param type="secLinDir" val="fromT"/>
+                      </dgm:alg>
+                    </dgm:else>
+                  </dgm:choose>
+                  <dgm:shape xmlns:r="http://schemas.openxmlformats.org/officeDocument/2006/relationships" r:blip="">
+                    <dgm:adjLst/>
+                  </dgm:shape>
+                  <dgm:presOf/>
+                  <dgm:constrLst/>
+                  <dgm:ruleLst/>
+                  <dgm:forEach name="Name147" ref="rep2b"/>
+                </dgm:layoutNode>
+              </dgm:layoutNode>
+            </dgm:forEach>
+          </dgm:layoutNode>
+        </dgm:layoutNode>
+      </dgm:forEach>
+    </dgm:forEach>
+  </dgm:layoutNode>
+</dgm:layoutDef>
+</file>
+
+<file path=ppt/diagrams/layout3.xml><?xml version="1.0" encoding="utf-8"?>
 <dgm:layoutDef xmlns:dgm="http://schemas.openxmlformats.org/drawingml/2006/diagram" xmlns:a="http://schemas.openxmlformats.org/drawingml/2006/main" uniqueId="urn:microsoft.com/office/officeart/2005/8/layout/vList2">
   <dgm:title val=""/>
   <dgm:desc val=""/>
@@ -8385,7 +12065,7 @@
 </dgm:layoutDef>
 </file>
 
-<file path=ppt/diagrams/layout3.xml><?xml version="1.0" encoding="utf-8"?>
+<file path=ppt/diagrams/layout4.xml><?xml version="1.0" encoding="utf-8"?>
 <dgm:layoutDef xmlns:dgm="http://schemas.openxmlformats.org/drawingml/2006/diagram" xmlns:a="http://schemas.openxmlformats.org/drawingml/2006/main" uniqueId="urn:microsoft.com/office/officeart/2005/8/layout/pyramid1">
   <dgm:title val=""/>
   <dgm:desc val=""/>
@@ -8617,7 +12297,7 @@
 </dgm:layoutDef>
 </file>
 
-<file path=ppt/diagrams/layout4.xml><?xml version="1.0" encoding="utf-8"?>
+<file path=ppt/diagrams/layout5.xml><?xml version="1.0" encoding="utf-8"?>
 <dgm:layoutDef xmlns:dgm="http://schemas.openxmlformats.org/drawingml/2006/diagram" xmlns:a="http://schemas.openxmlformats.org/drawingml/2006/main" uniqueId="urn:microsoft.com/office/officeart/2005/8/layout/vList2">
   <dgm:title val=""/>
   <dgm:desc val=""/>
@@ -11887,6 +15567,1040 @@
 </file>
 
 <file path=ppt/diagrams/quickStyle4.xml><?xml version="1.0" encoding="utf-8"?>
+<dgm:styleDef xmlns:dgm="http://schemas.openxmlformats.org/drawingml/2006/diagram" xmlns:a="http://schemas.openxmlformats.org/drawingml/2006/main" uniqueId="urn:microsoft.com/office/officeart/2005/8/quickstyle/simple1">
+  <dgm:title val=""/>
+  <dgm:desc val=""/>
+  <dgm:catLst>
+    <dgm:cat type="simple" pri="10100"/>
+  </dgm:catLst>
+  <dgm:scene3d>
+    <a:camera prst="orthographicFront"/>
+    <a:lightRig rig="threePt" dir="t"/>
+  </dgm:scene3d>
+  <dgm:styleLbl name="node0">
+    <dgm:scene3d>
+      <a:camera prst="orthographicFront"/>
+      <a:lightRig rig="threePt" dir="t"/>
+    </dgm:scene3d>
+    <dgm:sp3d/>
+    <dgm:txPr/>
+    <dgm:style>
+      <a:lnRef idx="2">
+        <a:scrgbClr r="0" g="0" b="0"/>
+      </a:lnRef>
+      <a:fillRef idx="1">
+        <a:scrgbClr r="0" g="0" b="0"/>
+      </a:fillRef>
+      <a:effectRef idx="0">
+        <a:scrgbClr r="0" g="0" b="0"/>
+      </a:effectRef>
+      <a:fontRef idx="minor">
+        <a:schemeClr val="lt1"/>
+      </a:fontRef>
+    </dgm:style>
+  </dgm:styleLbl>
+  <dgm:styleLbl name="lnNode1">
+    <dgm:scene3d>
+      <a:camera prst="orthographicFront"/>
+      <a:lightRig rig="threePt" dir="t"/>
+    </dgm:scene3d>
+    <dgm:sp3d/>
+    <dgm:txPr/>
+    <dgm:style>
+      <a:lnRef idx="2">
+        <a:scrgbClr r="0" g="0" b="0"/>
+      </a:lnRef>
+      <a:fillRef idx="1">
+        <a:scrgbClr r="0" g="0" b="0"/>
+      </a:fillRef>
+      <a:effectRef idx="0">
+        <a:scrgbClr r="0" g="0" b="0"/>
+      </a:effectRef>
+      <a:fontRef idx="minor">
+        <a:schemeClr val="lt1"/>
+      </a:fontRef>
+    </dgm:style>
+  </dgm:styleLbl>
+  <dgm:styleLbl name="vennNode1">
+    <dgm:scene3d>
+      <a:camera prst="orthographicFront"/>
+      <a:lightRig rig="threePt" dir="t"/>
+    </dgm:scene3d>
+    <dgm:sp3d/>
+    <dgm:txPr/>
+    <dgm:style>
+      <a:lnRef idx="2">
+        <a:scrgbClr r="0" g="0" b="0"/>
+      </a:lnRef>
+      <a:fillRef idx="1">
+        <a:scrgbClr r="0" g="0" b="0"/>
+      </a:fillRef>
+      <a:effectRef idx="0">
+        <a:scrgbClr r="0" g="0" b="0"/>
+      </a:effectRef>
+      <a:fontRef idx="minor">
+        <a:schemeClr val="tx1"/>
+      </a:fontRef>
+    </dgm:style>
+  </dgm:styleLbl>
+  <dgm:styleLbl name="alignNode1">
+    <dgm:scene3d>
+      <a:camera prst="orthographicFront"/>
+      <a:lightRig rig="threePt" dir="t"/>
+    </dgm:scene3d>
+    <dgm:sp3d/>
+    <dgm:txPr/>
+    <dgm:style>
+      <a:lnRef idx="2">
+        <a:scrgbClr r="0" g="0" b="0"/>
+      </a:lnRef>
+      <a:fillRef idx="1">
+        <a:scrgbClr r="0" g="0" b="0"/>
+      </a:fillRef>
+      <a:effectRef idx="0">
+        <a:scrgbClr r="0" g="0" b="0"/>
+      </a:effectRef>
+      <a:fontRef idx="minor">
+        <a:schemeClr val="lt1"/>
+      </a:fontRef>
+    </dgm:style>
+  </dgm:styleLbl>
+  <dgm:styleLbl name="node1">
+    <dgm:scene3d>
+      <a:camera prst="orthographicFront"/>
+      <a:lightRig rig="threePt" dir="t"/>
+    </dgm:scene3d>
+    <dgm:sp3d/>
+    <dgm:txPr/>
+    <dgm:style>
+      <a:lnRef idx="2">
+        <a:scrgbClr r="0" g="0" b="0"/>
+      </a:lnRef>
+      <a:fillRef idx="1">
+        <a:scrgbClr r="0" g="0" b="0"/>
+      </a:fillRef>
+      <a:effectRef idx="0">
+        <a:scrgbClr r="0" g="0" b="0"/>
+      </a:effectRef>
+      <a:fontRef idx="minor">
+        <a:schemeClr val="lt1"/>
+      </a:fontRef>
+    </dgm:style>
+  </dgm:styleLbl>
+  <dgm:styleLbl name="node2">
+    <dgm:scene3d>
+      <a:camera prst="orthographicFront"/>
+      <a:lightRig rig="threePt" dir="t"/>
+    </dgm:scene3d>
+    <dgm:sp3d/>
+    <dgm:txPr/>
+    <dgm:style>
+      <a:lnRef idx="2">
+        <a:scrgbClr r="0" g="0" b="0"/>
+      </a:lnRef>
+      <a:fillRef idx="1">
+        <a:scrgbClr r="0" g="0" b="0"/>
+      </a:fillRef>
+      <a:effectRef idx="0">
+        <a:scrgbClr r="0" g="0" b="0"/>
+      </a:effectRef>
+      <a:fontRef idx="minor">
+        <a:schemeClr val="lt1"/>
+      </a:fontRef>
+    </dgm:style>
+  </dgm:styleLbl>
+  <dgm:styleLbl name="node3">
+    <dgm:scene3d>
+      <a:camera prst="orthographicFront"/>
+      <a:lightRig rig="threePt" dir="t"/>
+    </dgm:scene3d>
+    <dgm:sp3d/>
+    <dgm:txPr/>
+    <dgm:style>
+      <a:lnRef idx="2">
+        <a:scrgbClr r="0" g="0" b="0"/>
+      </a:lnRef>
+      <a:fillRef idx="1">
+        <a:scrgbClr r="0" g="0" b="0"/>
+      </a:fillRef>
+      <a:effectRef idx="0">
+        <a:scrgbClr r="0" g="0" b="0"/>
+      </a:effectRef>
+      <a:fontRef idx="minor">
+        <a:schemeClr val="lt1"/>
+      </a:fontRef>
+    </dgm:style>
+  </dgm:styleLbl>
+  <dgm:styleLbl name="node4">
+    <dgm:scene3d>
+      <a:camera prst="orthographicFront"/>
+      <a:lightRig rig="threePt" dir="t"/>
+    </dgm:scene3d>
+    <dgm:sp3d/>
+    <dgm:txPr/>
+    <dgm:style>
+      <a:lnRef idx="2">
+        <a:scrgbClr r="0" g="0" b="0"/>
+      </a:lnRef>
+      <a:fillRef idx="1">
+        <a:scrgbClr r="0" g="0" b="0"/>
+      </a:fillRef>
+      <a:effectRef idx="0">
+        <a:scrgbClr r="0" g="0" b="0"/>
+      </a:effectRef>
+      <a:fontRef idx="minor">
+        <a:schemeClr val="lt1"/>
+      </a:fontRef>
+    </dgm:style>
+  </dgm:styleLbl>
+  <dgm:styleLbl name="fgImgPlace1">
+    <dgm:scene3d>
+      <a:camera prst="orthographicFront"/>
+      <a:lightRig rig="threePt" dir="t"/>
+    </dgm:scene3d>
+    <dgm:sp3d/>
+    <dgm:txPr/>
+    <dgm:style>
+      <a:lnRef idx="2">
+        <a:scrgbClr r="0" g="0" b="0"/>
+      </a:lnRef>
+      <a:fillRef idx="1">
+        <a:scrgbClr r="0" g="0" b="0"/>
+      </a:fillRef>
+      <a:effectRef idx="0">
+        <a:scrgbClr r="0" g="0" b="0"/>
+      </a:effectRef>
+      <a:fontRef idx="minor"/>
+    </dgm:style>
+  </dgm:styleLbl>
+  <dgm:styleLbl name="alignImgPlace1">
+    <dgm:scene3d>
+      <a:camera prst="orthographicFront"/>
+      <a:lightRig rig="threePt" dir="t"/>
+    </dgm:scene3d>
+    <dgm:sp3d/>
+    <dgm:txPr/>
+    <dgm:style>
+      <a:lnRef idx="2">
+        <a:scrgbClr r="0" g="0" b="0"/>
+      </a:lnRef>
+      <a:fillRef idx="1">
+        <a:scrgbClr r="0" g="0" b="0"/>
+      </a:fillRef>
+      <a:effectRef idx="0">
+        <a:scrgbClr r="0" g="0" b="0"/>
+      </a:effectRef>
+      <a:fontRef idx="minor"/>
+    </dgm:style>
+  </dgm:styleLbl>
+  <dgm:styleLbl name="bgImgPlace1">
+    <dgm:scene3d>
+      <a:camera prst="orthographicFront"/>
+      <a:lightRig rig="threePt" dir="t"/>
+    </dgm:scene3d>
+    <dgm:sp3d/>
+    <dgm:txPr/>
+    <dgm:style>
+      <a:lnRef idx="2">
+        <a:scrgbClr r="0" g="0" b="0"/>
+      </a:lnRef>
+      <a:fillRef idx="1">
+        <a:scrgbClr r="0" g="0" b="0"/>
+      </a:fillRef>
+      <a:effectRef idx="0">
+        <a:scrgbClr r="0" g="0" b="0"/>
+      </a:effectRef>
+      <a:fontRef idx="minor"/>
+    </dgm:style>
+  </dgm:styleLbl>
+  <dgm:styleLbl name="sibTrans2D1">
+    <dgm:scene3d>
+      <a:camera prst="orthographicFront"/>
+      <a:lightRig rig="threePt" dir="t"/>
+    </dgm:scene3d>
+    <dgm:sp3d/>
+    <dgm:txPr/>
+    <dgm:style>
+      <a:lnRef idx="0">
+        <a:scrgbClr r="0" g="0" b="0"/>
+      </a:lnRef>
+      <a:fillRef idx="1">
+        <a:scrgbClr r="0" g="0" b="0"/>
+      </a:fillRef>
+      <a:effectRef idx="0">
+        <a:scrgbClr r="0" g="0" b="0"/>
+      </a:effectRef>
+      <a:fontRef idx="minor">
+        <a:schemeClr val="lt1"/>
+      </a:fontRef>
+    </dgm:style>
+  </dgm:styleLbl>
+  <dgm:styleLbl name="fgSibTrans2D1">
+    <dgm:scene3d>
+      <a:camera prst="orthographicFront"/>
+      <a:lightRig rig="threePt" dir="t"/>
+    </dgm:scene3d>
+    <dgm:sp3d/>
+    <dgm:txPr/>
+    <dgm:style>
+      <a:lnRef idx="0">
+        <a:scrgbClr r="0" g="0" b="0"/>
+      </a:lnRef>
+      <a:fillRef idx="1">
+        <a:scrgbClr r="0" g="0" b="0"/>
+      </a:fillRef>
+      <a:effectRef idx="0">
+        <a:scrgbClr r="0" g="0" b="0"/>
+      </a:effectRef>
+      <a:fontRef idx="minor">
+        <a:schemeClr val="lt1"/>
+      </a:fontRef>
+    </dgm:style>
+  </dgm:styleLbl>
+  <dgm:styleLbl name="bgSibTrans2D1">
+    <dgm:scene3d>
+      <a:camera prst="orthographicFront"/>
+      <a:lightRig rig="threePt" dir="t"/>
+    </dgm:scene3d>
+    <dgm:sp3d/>
+    <dgm:txPr/>
+    <dgm:style>
+      <a:lnRef idx="0">
+        <a:scrgbClr r="0" g="0" b="0"/>
+      </a:lnRef>
+      <a:fillRef idx="1">
+        <a:scrgbClr r="0" g="0" b="0"/>
+      </a:fillRef>
+      <a:effectRef idx="0">
+        <a:scrgbClr r="0" g="0" b="0"/>
+      </a:effectRef>
+      <a:fontRef idx="minor">
+        <a:schemeClr val="lt1"/>
+      </a:fontRef>
+    </dgm:style>
+  </dgm:styleLbl>
+  <dgm:styleLbl name="sibTrans1D1">
+    <dgm:scene3d>
+      <a:camera prst="orthographicFront"/>
+      <a:lightRig rig="threePt" dir="t"/>
+    </dgm:scene3d>
+    <dgm:sp3d/>
+    <dgm:txPr/>
+    <dgm:style>
+      <a:lnRef idx="1">
+        <a:scrgbClr r="0" g="0" b="0"/>
+      </a:lnRef>
+      <a:fillRef idx="0">
+        <a:scrgbClr r="0" g="0" b="0"/>
+      </a:fillRef>
+      <a:effectRef idx="0">
+        <a:scrgbClr r="0" g="0" b="0"/>
+      </a:effectRef>
+      <a:fontRef idx="minor"/>
+    </dgm:style>
+  </dgm:styleLbl>
+  <dgm:styleLbl name="callout">
+    <dgm:scene3d>
+      <a:camera prst="orthographicFront"/>
+      <a:lightRig rig="threePt" dir="t"/>
+    </dgm:scene3d>
+    <dgm:sp3d/>
+    <dgm:txPr/>
+    <dgm:style>
+      <a:lnRef idx="2">
+        <a:scrgbClr r="0" g="0" b="0"/>
+      </a:lnRef>
+      <a:fillRef idx="1">
+        <a:scrgbClr r="0" g="0" b="0"/>
+      </a:fillRef>
+      <a:effectRef idx="0">
+        <a:scrgbClr r="0" g="0" b="0"/>
+      </a:effectRef>
+      <a:fontRef idx="minor"/>
+    </dgm:style>
+  </dgm:styleLbl>
+  <dgm:styleLbl name="asst0">
+    <dgm:scene3d>
+      <a:camera prst="orthographicFront"/>
+      <a:lightRig rig="threePt" dir="t"/>
+    </dgm:scene3d>
+    <dgm:sp3d/>
+    <dgm:txPr/>
+    <dgm:style>
+      <a:lnRef idx="2">
+        <a:scrgbClr r="0" g="0" b="0"/>
+      </a:lnRef>
+      <a:fillRef idx="1">
+        <a:scrgbClr r="0" g="0" b="0"/>
+      </a:fillRef>
+      <a:effectRef idx="0">
+        <a:scrgbClr r="0" g="0" b="0"/>
+      </a:effectRef>
+      <a:fontRef idx="minor">
+        <a:schemeClr val="lt1"/>
+      </a:fontRef>
+    </dgm:style>
+  </dgm:styleLbl>
+  <dgm:styleLbl name="asst1">
+    <dgm:scene3d>
+      <a:camera prst="orthographicFront"/>
+      <a:lightRig rig="threePt" dir="t"/>
+    </dgm:scene3d>
+    <dgm:sp3d/>
+    <dgm:txPr/>
+    <dgm:style>
+      <a:lnRef idx="2">
+        <a:scrgbClr r="0" g="0" b="0"/>
+      </a:lnRef>
+      <a:fillRef idx="1">
+        <a:scrgbClr r="0" g="0" b="0"/>
+      </a:fillRef>
+      <a:effectRef idx="0">
+        <a:scrgbClr r="0" g="0" b="0"/>
+      </a:effectRef>
+      <a:fontRef idx="minor">
+        <a:schemeClr val="lt1"/>
+      </a:fontRef>
+    </dgm:style>
+  </dgm:styleLbl>
+  <dgm:styleLbl name="asst2">
+    <dgm:scene3d>
+      <a:camera prst="orthographicFront"/>
+      <a:lightRig rig="threePt" dir="t"/>
+    </dgm:scene3d>
+    <dgm:sp3d/>
+    <dgm:txPr/>
+    <dgm:style>
+      <a:lnRef idx="2">
+        <a:scrgbClr r="0" g="0" b="0"/>
+      </a:lnRef>
+      <a:fillRef idx="1">
+        <a:scrgbClr r="0" g="0" b="0"/>
+      </a:fillRef>
+      <a:effectRef idx="0">
+        <a:scrgbClr r="0" g="0" b="0"/>
+      </a:effectRef>
+      <a:fontRef idx="minor">
+        <a:schemeClr val="lt1"/>
+      </a:fontRef>
+    </dgm:style>
+  </dgm:styleLbl>
+  <dgm:styleLbl name="asst3">
+    <dgm:scene3d>
+      <a:camera prst="orthographicFront"/>
+      <a:lightRig rig="threePt" dir="t"/>
+    </dgm:scene3d>
+    <dgm:sp3d/>
+    <dgm:txPr/>
+    <dgm:style>
+      <a:lnRef idx="2">
+        <a:scrgbClr r="0" g="0" b="0"/>
+      </a:lnRef>
+      <a:fillRef idx="1">
+        <a:scrgbClr r="0" g="0" b="0"/>
+      </a:fillRef>
+      <a:effectRef idx="0">
+        <a:scrgbClr r="0" g="0" b="0"/>
+      </a:effectRef>
+      <a:fontRef idx="minor">
+        <a:schemeClr val="lt1"/>
+      </a:fontRef>
+    </dgm:style>
+  </dgm:styleLbl>
+  <dgm:styleLbl name="asst4">
+    <dgm:scene3d>
+      <a:camera prst="orthographicFront"/>
+      <a:lightRig rig="threePt" dir="t"/>
+    </dgm:scene3d>
+    <dgm:sp3d/>
+    <dgm:txPr/>
+    <dgm:style>
+      <a:lnRef idx="2">
+        <a:scrgbClr r="0" g="0" b="0"/>
+      </a:lnRef>
+      <a:fillRef idx="1">
+        <a:scrgbClr r="0" g="0" b="0"/>
+      </a:fillRef>
+      <a:effectRef idx="0">
+        <a:scrgbClr r="0" g="0" b="0"/>
+      </a:effectRef>
+      <a:fontRef idx="minor">
+        <a:schemeClr val="lt1"/>
+      </a:fontRef>
+    </dgm:style>
+  </dgm:styleLbl>
+  <dgm:styleLbl name="parChTrans2D1">
+    <dgm:scene3d>
+      <a:camera prst="orthographicFront"/>
+      <a:lightRig rig="threePt" dir="t"/>
+    </dgm:scene3d>
+    <dgm:sp3d/>
+    <dgm:txPr/>
+    <dgm:style>
+      <a:lnRef idx="2">
+        <a:scrgbClr r="0" g="0" b="0"/>
+      </a:lnRef>
+      <a:fillRef idx="1">
+        <a:scrgbClr r="0" g="0" b="0"/>
+      </a:fillRef>
+      <a:effectRef idx="0">
+        <a:scrgbClr r="0" g="0" b="0"/>
+      </a:effectRef>
+      <a:fontRef idx="minor">
+        <a:schemeClr val="lt1"/>
+      </a:fontRef>
+    </dgm:style>
+  </dgm:styleLbl>
+  <dgm:styleLbl name="parChTrans2D2">
+    <dgm:scene3d>
+      <a:camera prst="orthographicFront"/>
+      <a:lightRig rig="threePt" dir="t"/>
+    </dgm:scene3d>
+    <dgm:sp3d/>
+    <dgm:txPr/>
+    <dgm:style>
+      <a:lnRef idx="2">
+        <a:scrgbClr r="0" g="0" b="0"/>
+      </a:lnRef>
+      <a:fillRef idx="1">
+        <a:scrgbClr r="0" g="0" b="0"/>
+      </a:fillRef>
+      <a:effectRef idx="0">
+        <a:scrgbClr r="0" g="0" b="0"/>
+      </a:effectRef>
+      <a:fontRef idx="minor">
+        <a:schemeClr val="lt1"/>
+      </a:fontRef>
+    </dgm:style>
+  </dgm:styleLbl>
+  <dgm:styleLbl name="parChTrans2D3">
+    <dgm:scene3d>
+      <a:camera prst="orthographicFront"/>
+      <a:lightRig rig="threePt" dir="t"/>
+    </dgm:scene3d>
+    <dgm:sp3d/>
+    <dgm:txPr/>
+    <dgm:style>
+      <a:lnRef idx="2">
+        <a:scrgbClr r="0" g="0" b="0"/>
+      </a:lnRef>
+      <a:fillRef idx="1">
+        <a:scrgbClr r="0" g="0" b="0"/>
+      </a:fillRef>
+      <a:effectRef idx="0">
+        <a:scrgbClr r="0" g="0" b="0"/>
+      </a:effectRef>
+      <a:fontRef idx="minor">
+        <a:schemeClr val="lt1"/>
+      </a:fontRef>
+    </dgm:style>
+  </dgm:styleLbl>
+  <dgm:styleLbl name="parChTrans2D4">
+    <dgm:scene3d>
+      <a:camera prst="orthographicFront"/>
+      <a:lightRig rig="threePt" dir="t"/>
+    </dgm:scene3d>
+    <dgm:sp3d/>
+    <dgm:txPr/>
+    <dgm:style>
+      <a:lnRef idx="2">
+        <a:scrgbClr r="0" g="0" b="0"/>
+      </a:lnRef>
+      <a:fillRef idx="1">
+        <a:scrgbClr r="0" g="0" b="0"/>
+      </a:fillRef>
+      <a:effectRef idx="0">
+        <a:scrgbClr r="0" g="0" b="0"/>
+      </a:effectRef>
+      <a:fontRef idx="minor">
+        <a:schemeClr val="lt1"/>
+      </a:fontRef>
+    </dgm:style>
+  </dgm:styleLbl>
+  <dgm:styleLbl name="parChTrans1D1">
+    <dgm:scene3d>
+      <a:camera prst="orthographicFront"/>
+      <a:lightRig rig="threePt" dir="t"/>
+    </dgm:scene3d>
+    <dgm:sp3d/>
+    <dgm:txPr/>
+    <dgm:style>
+      <a:lnRef idx="2">
+        <a:scrgbClr r="0" g="0" b="0"/>
+      </a:lnRef>
+      <a:fillRef idx="0">
+        <a:scrgbClr r="0" g="0" b="0"/>
+      </a:fillRef>
+      <a:effectRef idx="0">
+        <a:scrgbClr r="0" g="0" b="0"/>
+      </a:effectRef>
+      <a:fontRef idx="minor"/>
+    </dgm:style>
+  </dgm:styleLbl>
+  <dgm:styleLbl name="parChTrans1D2">
+    <dgm:scene3d>
+      <a:camera prst="orthographicFront"/>
+      <a:lightRig rig="threePt" dir="t"/>
+    </dgm:scene3d>
+    <dgm:sp3d/>
+    <dgm:txPr/>
+    <dgm:style>
+      <a:lnRef idx="2">
+        <a:scrgbClr r="0" g="0" b="0"/>
+      </a:lnRef>
+      <a:fillRef idx="0">
+        <a:scrgbClr r="0" g="0" b="0"/>
+      </a:fillRef>
+      <a:effectRef idx="0">
+        <a:scrgbClr r="0" g="0" b="0"/>
+      </a:effectRef>
+      <a:fontRef idx="minor"/>
+    </dgm:style>
+  </dgm:styleLbl>
+  <dgm:styleLbl name="parChTrans1D3">
+    <dgm:scene3d>
+      <a:camera prst="orthographicFront"/>
+      <a:lightRig rig="threePt" dir="t"/>
+    </dgm:scene3d>
+    <dgm:sp3d/>
+    <dgm:txPr/>
+    <dgm:style>
+      <a:lnRef idx="2">
+        <a:scrgbClr r="0" g="0" b="0"/>
+      </a:lnRef>
+      <a:fillRef idx="0">
+        <a:scrgbClr r="0" g="0" b="0"/>
+      </a:fillRef>
+      <a:effectRef idx="0">
+        <a:scrgbClr r="0" g="0" b="0"/>
+      </a:effectRef>
+      <a:fontRef idx="minor"/>
+    </dgm:style>
+  </dgm:styleLbl>
+  <dgm:styleLbl name="parChTrans1D4">
+    <dgm:scene3d>
+      <a:camera prst="orthographicFront"/>
+      <a:lightRig rig="threePt" dir="t"/>
+    </dgm:scene3d>
+    <dgm:sp3d/>
+    <dgm:txPr/>
+    <dgm:style>
+      <a:lnRef idx="2">
+        <a:scrgbClr r="0" g="0" b="0"/>
+      </a:lnRef>
+      <a:fillRef idx="0">
+        <a:scrgbClr r="0" g="0" b="0"/>
+      </a:fillRef>
+      <a:effectRef idx="0">
+        <a:scrgbClr r="0" g="0" b="0"/>
+      </a:effectRef>
+      <a:fontRef idx="minor"/>
+    </dgm:style>
+  </dgm:styleLbl>
+  <dgm:styleLbl name="fgAcc1">
+    <dgm:scene3d>
+      <a:camera prst="orthographicFront"/>
+      <a:lightRig rig="threePt" dir="t"/>
+    </dgm:scene3d>
+    <dgm:sp3d/>
+    <dgm:txPr/>
+    <dgm:style>
+      <a:lnRef idx="2">
+        <a:scrgbClr r="0" g="0" b="0"/>
+      </a:lnRef>
+      <a:fillRef idx="1">
+        <a:scrgbClr r="0" g="0" b="0"/>
+      </a:fillRef>
+      <a:effectRef idx="0">
+        <a:scrgbClr r="0" g="0" b="0"/>
+      </a:effectRef>
+      <a:fontRef idx="minor"/>
+    </dgm:style>
+  </dgm:styleLbl>
+  <dgm:styleLbl name="conFgAcc1">
+    <dgm:scene3d>
+      <a:camera prst="orthographicFront"/>
+      <a:lightRig rig="threePt" dir="t"/>
+    </dgm:scene3d>
+    <dgm:sp3d/>
+    <dgm:txPr/>
+    <dgm:style>
+      <a:lnRef idx="2">
+        <a:scrgbClr r="0" g="0" b="0"/>
+      </a:lnRef>
+      <a:fillRef idx="1">
+        <a:scrgbClr r="0" g="0" b="0"/>
+      </a:fillRef>
+      <a:effectRef idx="0">
+        <a:scrgbClr r="0" g="0" b="0"/>
+      </a:effectRef>
+      <a:fontRef idx="minor"/>
+    </dgm:style>
+  </dgm:styleLbl>
+  <dgm:styleLbl name="alignAcc1">
+    <dgm:scene3d>
+      <a:camera prst="orthographicFront"/>
+      <a:lightRig rig="threePt" dir="t"/>
+    </dgm:scene3d>
+    <dgm:sp3d/>
+    <dgm:txPr/>
+    <dgm:style>
+      <a:lnRef idx="2">
+        <a:scrgbClr r="0" g="0" b="0"/>
+      </a:lnRef>
+      <a:fillRef idx="1">
+        <a:scrgbClr r="0" g="0" b="0"/>
+      </a:fillRef>
+      <a:effectRef idx="0">
+        <a:scrgbClr r="0" g="0" b="0"/>
+      </a:effectRef>
+      <a:fontRef idx="minor"/>
+    </dgm:style>
+  </dgm:styleLbl>
+  <dgm:styleLbl name="trAlignAcc1">
+    <dgm:scene3d>
+      <a:camera prst="orthographicFront"/>
+      <a:lightRig rig="threePt" dir="t"/>
+    </dgm:scene3d>
+    <dgm:sp3d/>
+    <dgm:txPr/>
+    <dgm:style>
+      <a:lnRef idx="1">
+        <a:scrgbClr r="0" g="0" b="0"/>
+      </a:lnRef>
+      <a:fillRef idx="1">
+        <a:scrgbClr r="0" g="0" b="0"/>
+      </a:fillRef>
+      <a:effectRef idx="0">
+        <a:scrgbClr r="0" g="0" b="0"/>
+      </a:effectRef>
+      <a:fontRef idx="minor"/>
+    </dgm:style>
+  </dgm:styleLbl>
+  <dgm:styleLbl name="bgAcc1">
+    <dgm:scene3d>
+      <a:camera prst="orthographicFront"/>
+      <a:lightRig rig="threePt" dir="t"/>
+    </dgm:scene3d>
+    <dgm:sp3d/>
+    <dgm:txPr/>
+    <dgm:style>
+      <a:lnRef idx="2">
+        <a:scrgbClr r="0" g="0" b="0"/>
+      </a:lnRef>
+      <a:fillRef idx="1">
+        <a:scrgbClr r="0" g="0" b="0"/>
+      </a:fillRef>
+      <a:effectRef idx="0">
+        <a:scrgbClr r="0" g="0" b="0"/>
+      </a:effectRef>
+      <a:fontRef idx="minor"/>
+    </dgm:style>
+  </dgm:styleLbl>
+  <dgm:styleLbl name="solidFgAcc1">
+    <dgm:scene3d>
+      <a:camera prst="orthographicFront"/>
+      <a:lightRig rig="threePt" dir="t"/>
+    </dgm:scene3d>
+    <dgm:sp3d/>
+    <dgm:txPr/>
+    <dgm:style>
+      <a:lnRef idx="2">
+        <a:scrgbClr r="0" g="0" b="0"/>
+      </a:lnRef>
+      <a:fillRef idx="1">
+        <a:scrgbClr r="0" g="0" b="0"/>
+      </a:fillRef>
+      <a:effectRef idx="0">
+        <a:scrgbClr r="0" g="0" b="0"/>
+      </a:effectRef>
+      <a:fontRef idx="minor"/>
+    </dgm:style>
+  </dgm:styleLbl>
+  <dgm:styleLbl name="solidAlignAcc1">
+    <dgm:scene3d>
+      <a:camera prst="orthographicFront"/>
+      <a:lightRig rig="threePt" dir="t"/>
+    </dgm:scene3d>
+    <dgm:sp3d/>
+    <dgm:txPr/>
+    <dgm:style>
+      <a:lnRef idx="2">
+        <a:scrgbClr r="0" g="0" b="0"/>
+      </a:lnRef>
+      <a:fillRef idx="1">
+        <a:scrgbClr r="0" g="0" b="0"/>
+      </a:fillRef>
+      <a:effectRef idx="0">
+        <a:scrgbClr r="0" g="0" b="0"/>
+      </a:effectRef>
+      <a:fontRef idx="minor"/>
+    </dgm:style>
+  </dgm:styleLbl>
+  <dgm:styleLbl name="solidBgAcc1">
+    <dgm:scene3d>
+      <a:camera prst="orthographicFront"/>
+      <a:lightRig rig="threePt" dir="t"/>
+    </dgm:scene3d>
+    <dgm:sp3d/>
+    <dgm:txPr/>
+    <dgm:style>
+      <a:lnRef idx="2">
+        <a:scrgbClr r="0" g="0" b="0"/>
+      </a:lnRef>
+      <a:fillRef idx="1">
+        <a:scrgbClr r="0" g="0" b="0"/>
+      </a:fillRef>
+      <a:effectRef idx="0">
+        <a:scrgbClr r="0" g="0" b="0"/>
+      </a:effectRef>
+      <a:fontRef idx="minor"/>
+    </dgm:style>
+  </dgm:styleLbl>
+  <dgm:styleLbl name="fgAccFollowNode1">
+    <dgm:scene3d>
+      <a:camera prst="orthographicFront"/>
+      <a:lightRig rig="threePt" dir="t"/>
+    </dgm:scene3d>
+    <dgm:sp3d/>
+    <dgm:txPr/>
+    <dgm:style>
+      <a:lnRef idx="2">
+        <a:scrgbClr r="0" g="0" b="0"/>
+      </a:lnRef>
+      <a:fillRef idx="1">
+        <a:scrgbClr r="0" g="0" b="0"/>
+      </a:fillRef>
+      <a:effectRef idx="0">
+        <a:scrgbClr r="0" g="0" b="0"/>
+      </a:effectRef>
+      <a:fontRef idx="minor"/>
+    </dgm:style>
+  </dgm:styleLbl>
+  <dgm:styleLbl name="alignAccFollowNode1">
+    <dgm:scene3d>
+      <a:camera prst="orthographicFront"/>
+      <a:lightRig rig="threePt" dir="t"/>
+    </dgm:scene3d>
+    <dgm:sp3d/>
+    <dgm:txPr/>
+    <dgm:style>
+      <a:lnRef idx="2">
+        <a:scrgbClr r="0" g="0" b="0"/>
+      </a:lnRef>
+      <a:fillRef idx="1">
+        <a:scrgbClr r="0" g="0" b="0"/>
+      </a:fillRef>
+      <a:effectRef idx="0">
+        <a:scrgbClr r="0" g="0" b="0"/>
+      </a:effectRef>
+      <a:fontRef idx="minor"/>
+    </dgm:style>
+  </dgm:styleLbl>
+  <dgm:styleLbl name="bgAccFollowNode1">
+    <dgm:scene3d>
+      <a:camera prst="orthographicFront"/>
+      <a:lightRig rig="threePt" dir="t"/>
+    </dgm:scene3d>
+    <dgm:sp3d/>
+    <dgm:txPr/>
+    <dgm:style>
+      <a:lnRef idx="2">
+        <a:scrgbClr r="0" g="0" b="0"/>
+      </a:lnRef>
+      <a:fillRef idx="1">
+        <a:scrgbClr r="0" g="0" b="0"/>
+      </a:fillRef>
+      <a:effectRef idx="0">
+        <a:scrgbClr r="0" g="0" b="0"/>
+      </a:effectRef>
+      <a:fontRef idx="minor"/>
+    </dgm:style>
+  </dgm:styleLbl>
+  <dgm:styleLbl name="fgAcc0">
+    <dgm:scene3d>
+      <a:camera prst="orthographicFront"/>
+      <a:lightRig rig="threePt" dir="t"/>
+    </dgm:scene3d>
+    <dgm:sp3d/>
+    <dgm:txPr/>
+    <dgm:style>
+      <a:lnRef idx="2">
+        <a:scrgbClr r="0" g="0" b="0"/>
+      </a:lnRef>
+      <a:fillRef idx="1">
+        <a:scrgbClr r="0" g="0" b="0"/>
+      </a:fillRef>
+      <a:effectRef idx="0">
+        <a:scrgbClr r="0" g="0" b="0"/>
+      </a:effectRef>
+      <a:fontRef idx="minor"/>
+    </dgm:style>
+  </dgm:styleLbl>
+  <dgm:styleLbl name="fgAcc2">
+    <dgm:scene3d>
+      <a:camera prst="orthographicFront"/>
+      <a:lightRig rig="threePt" dir="t"/>
+    </dgm:scene3d>
+    <dgm:sp3d/>
+    <dgm:txPr/>
+    <dgm:style>
+      <a:lnRef idx="2">
+        <a:scrgbClr r="0" g="0" b="0"/>
+      </a:lnRef>
+      <a:fillRef idx="1">
+        <a:scrgbClr r="0" g="0" b="0"/>
+      </a:fillRef>
+      <a:effectRef idx="0">
+        <a:scrgbClr r="0" g="0" b="0"/>
+      </a:effectRef>
+      <a:fontRef idx="minor"/>
+    </dgm:style>
+  </dgm:styleLbl>
+  <dgm:styleLbl name="fgAcc3">
+    <dgm:scene3d>
+      <a:camera prst="orthographicFront"/>
+      <a:lightRig rig="threePt" dir="t"/>
+    </dgm:scene3d>
+    <dgm:sp3d/>
+    <dgm:txPr/>
+    <dgm:style>
+      <a:lnRef idx="2">
+        <a:scrgbClr r="0" g="0" b="0"/>
+      </a:lnRef>
+      <a:fillRef idx="1">
+        <a:scrgbClr r="0" g="0" b="0"/>
+      </a:fillRef>
+      <a:effectRef idx="0">
+        <a:scrgbClr r="0" g="0" b="0"/>
+      </a:effectRef>
+      <a:fontRef idx="minor"/>
+    </dgm:style>
+  </dgm:styleLbl>
+  <dgm:styleLbl name="fgAcc4">
+    <dgm:scene3d>
+      <a:camera prst="orthographicFront"/>
+      <a:lightRig rig="threePt" dir="t"/>
+    </dgm:scene3d>
+    <dgm:sp3d/>
+    <dgm:txPr/>
+    <dgm:style>
+      <a:lnRef idx="2">
+        <a:scrgbClr r="0" g="0" b="0"/>
+      </a:lnRef>
+      <a:fillRef idx="1">
+        <a:scrgbClr r="0" g="0" b="0"/>
+      </a:fillRef>
+      <a:effectRef idx="0">
+        <a:scrgbClr r="0" g="0" b="0"/>
+      </a:effectRef>
+      <a:fontRef idx="minor"/>
+    </dgm:style>
+  </dgm:styleLbl>
+  <dgm:styleLbl name="bgShp">
+    <dgm:scene3d>
+      <a:camera prst="orthographicFront"/>
+      <a:lightRig rig="threePt" dir="t"/>
+    </dgm:scene3d>
+    <dgm:sp3d/>
+    <dgm:txPr/>
+    <dgm:style>
+      <a:lnRef idx="0">
+        <a:scrgbClr r="0" g="0" b="0"/>
+      </a:lnRef>
+      <a:fillRef idx="1">
+        <a:scrgbClr r="0" g="0" b="0"/>
+      </a:fillRef>
+      <a:effectRef idx="0">
+        <a:scrgbClr r="0" g="0" b="0"/>
+      </a:effectRef>
+      <a:fontRef idx="minor"/>
+    </dgm:style>
+  </dgm:styleLbl>
+  <dgm:styleLbl name="dkBgShp">
+    <dgm:scene3d>
+      <a:camera prst="orthographicFront"/>
+      <a:lightRig rig="threePt" dir="t"/>
+    </dgm:scene3d>
+    <dgm:sp3d/>
+    <dgm:txPr/>
+    <dgm:style>
+      <a:lnRef idx="0">
+        <a:scrgbClr r="0" g="0" b="0"/>
+      </a:lnRef>
+      <a:fillRef idx="1">
+        <a:scrgbClr r="0" g="0" b="0"/>
+      </a:fillRef>
+      <a:effectRef idx="0">
+        <a:scrgbClr r="0" g="0" b="0"/>
+      </a:effectRef>
+      <a:fontRef idx="minor"/>
+    </dgm:style>
+  </dgm:styleLbl>
+  <dgm:styleLbl name="trBgShp">
+    <dgm:scene3d>
+      <a:camera prst="orthographicFront"/>
+      <a:lightRig rig="threePt" dir="t"/>
+    </dgm:scene3d>
+    <dgm:sp3d/>
+    <dgm:txPr/>
+    <dgm:style>
+      <a:lnRef idx="0">
+        <a:scrgbClr r="0" g="0" b="0"/>
+      </a:lnRef>
+      <a:fillRef idx="1">
+        <a:scrgbClr r="0" g="0" b="0"/>
+      </a:fillRef>
+      <a:effectRef idx="0">
+        <a:scrgbClr r="0" g="0" b="0"/>
+      </a:effectRef>
+      <a:fontRef idx="minor"/>
+    </dgm:style>
+  </dgm:styleLbl>
+  <dgm:styleLbl name="fgShp">
+    <dgm:scene3d>
+      <a:camera prst="orthographicFront"/>
+      <a:lightRig rig="threePt" dir="t"/>
+    </dgm:scene3d>
+    <dgm:sp3d/>
+    <dgm:txPr/>
+    <dgm:style>
+      <a:lnRef idx="2">
+        <a:scrgbClr r="0" g="0" b="0"/>
+      </a:lnRef>
+      <a:fillRef idx="1">
+        <a:scrgbClr r="0" g="0" b="0"/>
+      </a:fillRef>
+      <a:effectRef idx="0">
+        <a:scrgbClr r="0" g="0" b="0"/>
+      </a:effectRef>
+      <a:fontRef idx="minor"/>
+    </dgm:style>
+  </dgm:styleLbl>
+  <dgm:styleLbl name="revTx">
+    <dgm:scene3d>
+      <a:camera prst="orthographicFront"/>
+      <a:lightRig rig="threePt" dir="t"/>
+    </dgm:scene3d>
+    <dgm:sp3d/>
+    <dgm:txPr/>
+    <dgm:style>
+      <a:lnRef idx="0">
+        <a:scrgbClr r="0" g="0" b="0"/>
+      </a:lnRef>
+      <a:fillRef idx="0">
+        <a:scrgbClr r="0" g="0" b="0"/>
+      </a:fillRef>
+      <a:effectRef idx="0">
+        <a:scrgbClr r="0" g="0" b="0"/>
+      </a:effectRef>
+      <a:fontRef idx="minor"/>
+    </dgm:style>
+  </dgm:styleLbl>
+</dgm:styleDef>
+</file>
+
+<file path=ppt/diagrams/quickStyle5.xml><?xml version="1.0" encoding="utf-8"?>
 <dgm:styleDef xmlns:dgm="http://schemas.openxmlformats.org/drawingml/2006/diagram" xmlns:a="http://schemas.openxmlformats.org/drawingml/2006/main" uniqueId="urn:microsoft.com/office/officeart/2005/8/quickstyle/simple1">
   <dgm:title val=""/>
   <dgm:desc val=""/>
@@ -13145,7 +17859,7 @@
             <a:fld id="{5586B75A-687E-405C-8A0B-8D00578BA2C3}" type="datetimeFigureOut">
               <a:rPr lang="en-US" dirty="0"/>
               <a:pPr/>
-              <a:t>9/3/2021</a:t>
+              <a:t>9/10/2021</a:t>
             </a:fld>
             <a:endParaRPr lang="en-US" dirty="0"/>
           </a:p>
@@ -13312,7 +18026,7 @@
             <a:fld id="{5586B75A-687E-405C-8A0B-8D00578BA2C3}" type="datetimeFigureOut">
               <a:rPr lang="en-US" dirty="0"/>
               <a:pPr/>
-              <a:t>9/3/2021</a:t>
+              <a:t>9/10/2021</a:t>
             </a:fld>
             <a:endParaRPr lang="en-US" dirty="0"/>
           </a:p>
@@ -13489,7 +18203,7 @@
             <a:fld id="{5586B75A-687E-405C-8A0B-8D00578BA2C3}" type="datetimeFigureOut">
               <a:rPr lang="en-US" dirty="0"/>
               <a:pPr/>
-              <a:t>9/3/2021</a:t>
+              <a:t>9/10/2021</a:t>
             </a:fld>
             <a:endParaRPr lang="en-US" dirty="0"/>
           </a:p>
@@ -13656,7 +18370,7 @@
             <a:fld id="{5586B75A-687E-405C-8A0B-8D00578BA2C3}" type="datetimeFigureOut">
               <a:rPr lang="en-US" dirty="0"/>
               <a:pPr/>
-              <a:t>9/3/2021</a:t>
+              <a:t>9/10/2021</a:t>
             </a:fld>
             <a:endParaRPr lang="en-US" dirty="0"/>
           </a:p>
@@ -13911,7 +18625,7 @@
             <a:fld id="{5586B75A-687E-405C-8A0B-8D00578BA2C3}" type="datetimeFigureOut">
               <a:rPr lang="en-US" dirty="0"/>
               <a:pPr/>
-              <a:t>9/3/2021</a:t>
+              <a:t>9/10/2021</a:t>
             </a:fld>
             <a:endParaRPr lang="en-US" dirty="0"/>
           </a:p>
@@ -14196,7 +18910,7 @@
             <a:fld id="{5586B75A-687E-405C-8A0B-8D00578BA2C3}" type="datetimeFigureOut">
               <a:rPr lang="en-US" dirty="0"/>
               <a:pPr/>
-              <a:t>9/3/2021</a:t>
+              <a:t>9/10/2021</a:t>
             </a:fld>
             <a:endParaRPr lang="en-US" dirty="0"/>
           </a:p>
@@ -14635,7 +19349,7 @@
             <a:fld id="{5586B75A-687E-405C-8A0B-8D00578BA2C3}" type="datetimeFigureOut">
               <a:rPr lang="en-US" dirty="0"/>
               <a:pPr/>
-              <a:t>9/3/2021</a:t>
+              <a:t>9/10/2021</a:t>
             </a:fld>
             <a:endParaRPr lang="en-US" dirty="0"/>
           </a:p>
@@ -14750,7 +19464,7 @@
             <a:fld id="{5586B75A-687E-405C-8A0B-8D00578BA2C3}" type="datetimeFigureOut">
               <a:rPr lang="en-US" dirty="0"/>
               <a:pPr/>
-              <a:t>9/3/2021</a:t>
+              <a:t>9/10/2021</a:t>
             </a:fld>
             <a:endParaRPr lang="en-US" dirty="0"/>
           </a:p>
@@ -14842,7 +19556,7 @@
             <a:fld id="{5586B75A-687E-405C-8A0B-8D00578BA2C3}" type="datetimeFigureOut">
               <a:rPr lang="en-US" dirty="0"/>
               <a:pPr/>
-              <a:t>9/3/2021</a:t>
+              <a:t>9/10/2021</a:t>
             </a:fld>
             <a:endParaRPr lang="en-US" dirty="0"/>
           </a:p>
@@ -15127,7 +19841,7 @@
             <a:fld id="{5586B75A-687E-405C-8A0B-8D00578BA2C3}" type="datetimeFigureOut">
               <a:rPr lang="en-US" dirty="0"/>
               <a:pPr/>
-              <a:t>9/3/2021</a:t>
+              <a:t>9/10/2021</a:t>
             </a:fld>
             <a:endParaRPr lang="en-US" dirty="0"/>
           </a:p>
@@ -15397,7 +20111,7 @@
             <a:fld id="{5586B75A-687E-405C-8A0B-8D00578BA2C3}" type="datetimeFigureOut">
               <a:rPr lang="en-US" dirty="0"/>
               <a:pPr/>
-              <a:t>9/3/2021</a:t>
+              <a:t>9/10/2021</a:t>
             </a:fld>
             <a:endParaRPr lang="en-US" dirty="0"/>
           </a:p>
@@ -15691,7 +20405,7 @@
             <a:fld id="{5586B75A-687E-405C-8A0B-8D00578BA2C3}" type="datetimeFigureOut">
               <a:rPr lang="en-US" dirty="0"/>
               <a:pPr/>
-              <a:t>9/3/2021</a:t>
+              <a:t>9/10/2021</a:t>
             </a:fld>
             <a:endParaRPr lang="en-US" dirty="0"/>
           </a:p>
@@ -16217,7 +20931,9 @@
         </p:nvSpPr>
         <p:spPr/>
         <p:txBody>
-          <a:bodyPr/>
+          <a:bodyPr>
+            <a:normAutofit fontScale="70000" lnSpcReduction="20000"/>
+          </a:bodyPr>
           <a:lstStyle/>
           <a:p>
             <a:r>
@@ -16227,8 +20943,17 @@
           </a:p>
           <a:p>
             <a:r>
+              <a:rPr lang="en-US" dirty="0">
+                <a:hlinkClick r:id="rId2"/>
+              </a:rPr>
+              <a:t>jacob.scott@uwaterloo.ca</a:t>
+            </a:r>
+            <a:endParaRPr lang="en-US" dirty="0"/>
+          </a:p>
+          <a:p>
+            <a:r>
               <a:rPr lang="en-US" dirty="0"/>
-              <a:t>jacob.scott@uwaterloo.ca</a:t>
+              <a:t>13-09-2021</a:t>
             </a:r>
           </a:p>
         </p:txBody>
@@ -16246,266 +20971,7 @@
 </p:sld>
 </file>
 
-<file path=ppt/slides/slide2.xml><?xml version="1.0" encoding="utf-8"?>
-<p:sld xmlns:a="http://schemas.openxmlformats.org/drawingml/2006/main" xmlns:r="http://schemas.openxmlformats.org/officeDocument/2006/relationships" xmlns:p="http://schemas.openxmlformats.org/presentationml/2006/main">
-  <p:cSld>
-    <p:spTree>
-      <p:nvGrpSpPr>
-        <p:cNvPr id="1" name=""/>
-        <p:cNvGrpSpPr/>
-        <p:nvPr/>
-      </p:nvGrpSpPr>
-      <p:grpSpPr>
-        <a:xfrm>
-          <a:off x="0" y="0"/>
-          <a:ext cx="0" cy="0"/>
-          <a:chOff x="0" y="0"/>
-          <a:chExt cx="0" cy="0"/>
-        </a:xfrm>
-      </p:grpSpPr>
-      <p:sp>
-        <p:nvSpPr>
-          <p:cNvPr id="2" name="Title 1">
-            <a:extLst>
-              <a:ext uri="{FF2B5EF4-FFF2-40B4-BE49-F238E27FC236}">
-                <a16:creationId xmlns:a16="http://schemas.microsoft.com/office/drawing/2014/main" id="{9B310C75-9FB1-447C-8DF1-8DBC6CDD9F8D}"/>
-              </a:ext>
-            </a:extLst>
-          </p:cNvPr>
-          <p:cNvSpPr>
-            <a:spLocks noGrp="1"/>
-          </p:cNvSpPr>
-          <p:nvPr>
-            <p:ph type="title"/>
-          </p:nvPr>
-        </p:nvSpPr>
-        <p:spPr/>
-        <p:txBody>
-          <a:bodyPr/>
-          <a:lstStyle/>
-          <a:p>
-            <a:r>
-              <a:rPr lang="en-US" dirty="0"/>
-              <a:t>Scan Process</a:t>
-            </a:r>
-            <a:endParaRPr lang="fr-CA" dirty="0"/>
-          </a:p>
-        </p:txBody>
-      </p:sp>
-      <p:graphicFrame>
-        <p:nvGraphicFramePr>
-          <p:cNvPr id="5" name="Content Placeholder 4">
-            <a:extLst>
-              <a:ext uri="{FF2B5EF4-FFF2-40B4-BE49-F238E27FC236}">
-                <a16:creationId xmlns:a16="http://schemas.microsoft.com/office/drawing/2014/main" id="{EDDC7401-C5B7-4F54-9DF6-D044E27C8A7F}"/>
-              </a:ext>
-            </a:extLst>
-          </p:cNvPr>
-          <p:cNvGraphicFramePr>
-            <a:graphicFrameLocks noGrp="1"/>
-          </p:cNvGraphicFramePr>
-          <p:nvPr>
-            <p:ph idx="1"/>
-            <p:extLst>
-              <p:ext uri="{D42A27DB-BD31-4B8C-83A1-F6EECF244321}">
-                <p14:modId xmlns:p14="http://schemas.microsoft.com/office/powerpoint/2010/main" val="4287920891"/>
-              </p:ext>
-            </p:extLst>
-          </p:nvPr>
-        </p:nvGraphicFramePr>
-        <p:xfrm>
-          <a:off x="3867150" y="868363"/>
-          <a:ext cx="7315200" cy="5121275"/>
-        </p:xfrm>
-        <a:graphic>
-          <a:graphicData uri="http://schemas.openxmlformats.org/drawingml/2006/diagram">
-            <dgm:relIds xmlns:dgm="http://schemas.openxmlformats.org/drawingml/2006/diagram" xmlns:r="http://schemas.openxmlformats.org/officeDocument/2006/relationships" r:dm="rId2" r:lo="rId3" r:qs="rId4" r:cs="rId5"/>
-          </a:graphicData>
-        </a:graphic>
-      </p:graphicFrame>
-      <p:sp>
-        <p:nvSpPr>
-          <p:cNvPr id="4" name="Text Placeholder 3">
-            <a:extLst>
-              <a:ext uri="{FF2B5EF4-FFF2-40B4-BE49-F238E27FC236}">
-                <a16:creationId xmlns:a16="http://schemas.microsoft.com/office/drawing/2014/main" id="{304AA64D-F2D4-4738-8851-E339829A00B9}"/>
-              </a:ext>
-            </a:extLst>
-          </p:cNvPr>
-          <p:cNvSpPr>
-            <a:spLocks noGrp="1"/>
-          </p:cNvSpPr>
-          <p:nvPr>
-            <p:ph type="body" sz="half" idx="2"/>
-          </p:nvPr>
-        </p:nvSpPr>
-        <p:spPr/>
-        <p:txBody>
-          <a:bodyPr/>
-          <a:lstStyle/>
-          <a:p>
-            <a:r>
-              <a:rPr lang="en-US" dirty="0" err="1"/>
-              <a:t>initScan</a:t>
-            </a:r>
-            <a:r>
-              <a:rPr lang="en-US" dirty="0"/>
-              <a:t> will search for Ctrl+F10 to start the program</a:t>
-            </a:r>
-          </a:p>
-          <a:p>
-            <a:r>
-              <a:rPr lang="en-US" dirty="0"/>
-              <a:t>Scanners will automatically press F10, user must hold Ctrl</a:t>
-            </a:r>
-          </a:p>
-          <a:p>
-            <a:r>
-              <a:rPr lang="en-US" dirty="0"/>
-              <a:t>Scan twice to input the barcode</a:t>
-            </a:r>
-          </a:p>
-          <a:p>
-            <a:r>
-              <a:rPr lang="en-US" dirty="0"/>
-              <a:t>Enter the print amount</a:t>
-            </a:r>
-          </a:p>
-        </p:txBody>
-      </p:sp>
-    </p:spTree>
-    <p:extLst>
-      <p:ext uri="{BB962C8B-B14F-4D97-AF65-F5344CB8AC3E}">
-        <p14:creationId xmlns:p14="http://schemas.microsoft.com/office/powerpoint/2010/main" val="1681702759"/>
-      </p:ext>
-    </p:extLst>
-  </p:cSld>
-  <p:clrMapOvr>
-    <a:masterClrMapping/>
-  </p:clrMapOvr>
-</p:sld>
-</file>
-
-<file path=ppt/slides/slide3.xml><?xml version="1.0" encoding="utf-8"?>
-<p:sld xmlns:a="http://schemas.openxmlformats.org/drawingml/2006/main" xmlns:r="http://schemas.openxmlformats.org/officeDocument/2006/relationships" xmlns:p="http://schemas.openxmlformats.org/presentationml/2006/main">
-  <p:cSld>
-    <p:spTree>
-      <p:nvGrpSpPr>
-        <p:cNvPr id="1" name=""/>
-        <p:cNvGrpSpPr/>
-        <p:nvPr/>
-      </p:nvGrpSpPr>
-      <p:grpSpPr>
-        <a:xfrm>
-          <a:off x="0" y="0"/>
-          <a:ext cx="0" cy="0"/>
-          <a:chOff x="0" y="0"/>
-          <a:chExt cx="0" cy="0"/>
-        </a:xfrm>
-      </p:grpSpPr>
-      <p:sp>
-        <p:nvSpPr>
-          <p:cNvPr id="2" name="Title 1">
-            <a:extLst>
-              <a:ext uri="{FF2B5EF4-FFF2-40B4-BE49-F238E27FC236}">
-                <a16:creationId xmlns:a16="http://schemas.microsoft.com/office/drawing/2014/main" id="{6F03E9D7-C0D2-45C9-BECD-CEBE9C1D961B}"/>
-              </a:ext>
-            </a:extLst>
-          </p:cNvPr>
-          <p:cNvSpPr>
-            <a:spLocks noGrp="1"/>
-          </p:cNvSpPr>
-          <p:nvPr>
-            <p:ph type="title"/>
-          </p:nvPr>
-        </p:nvSpPr>
-        <p:spPr/>
-        <p:txBody>
-          <a:bodyPr/>
-          <a:lstStyle/>
-          <a:p>
-            <a:r>
-              <a:rPr lang="en-US" dirty="0"/>
-              <a:t>Reoccurring programs</a:t>
-            </a:r>
-            <a:endParaRPr lang="fr-CA" dirty="0"/>
-          </a:p>
-        </p:txBody>
-      </p:sp>
-      <p:graphicFrame>
-        <p:nvGraphicFramePr>
-          <p:cNvPr id="5" name="Content Placeholder 4">
-            <a:extLst>
-              <a:ext uri="{FF2B5EF4-FFF2-40B4-BE49-F238E27FC236}">
-                <a16:creationId xmlns:a16="http://schemas.microsoft.com/office/drawing/2014/main" id="{8F68204E-F95C-4EE6-84D7-A7FE7E2FAB7F}"/>
-              </a:ext>
-            </a:extLst>
-          </p:cNvPr>
-          <p:cNvGraphicFramePr>
-            <a:graphicFrameLocks noGrp="1"/>
-          </p:cNvGraphicFramePr>
-          <p:nvPr>
-            <p:ph idx="1"/>
-            <p:extLst>
-              <p:ext uri="{D42A27DB-BD31-4B8C-83A1-F6EECF244321}">
-                <p14:modId xmlns:p14="http://schemas.microsoft.com/office/powerpoint/2010/main" val="2428195133"/>
-              </p:ext>
-            </p:extLst>
-          </p:nvPr>
-        </p:nvGraphicFramePr>
-        <p:xfrm>
-          <a:off x="3867150" y="868363"/>
-          <a:ext cx="7315200" cy="5121275"/>
-        </p:xfrm>
-        <a:graphic>
-          <a:graphicData uri="http://schemas.openxmlformats.org/drawingml/2006/diagram">
-            <dgm:relIds xmlns:dgm="http://schemas.openxmlformats.org/drawingml/2006/diagram" xmlns:r="http://schemas.openxmlformats.org/officeDocument/2006/relationships" r:dm="rId2" r:lo="rId3" r:qs="rId4" r:cs="rId5"/>
-          </a:graphicData>
-        </a:graphic>
-      </p:graphicFrame>
-      <p:sp>
-        <p:nvSpPr>
-          <p:cNvPr id="4" name="Text Placeholder 3">
-            <a:extLst>
-              <a:ext uri="{FF2B5EF4-FFF2-40B4-BE49-F238E27FC236}">
-                <a16:creationId xmlns:a16="http://schemas.microsoft.com/office/drawing/2014/main" id="{734A07F1-973D-4E00-ACA7-9FE52C52E28B}"/>
-              </a:ext>
-            </a:extLst>
-          </p:cNvPr>
-          <p:cNvSpPr>
-            <a:spLocks noGrp="1"/>
-          </p:cNvSpPr>
-          <p:nvPr>
-            <p:ph type="body" sz="half" idx="2"/>
-          </p:nvPr>
-        </p:nvSpPr>
-        <p:spPr/>
-        <p:txBody>
-          <a:bodyPr/>
-          <a:lstStyle/>
-          <a:p>
-            <a:r>
-              <a:rPr lang="en-US" dirty="0"/>
-              <a:t>Need to be setup via Windows Task Scheduler </a:t>
-            </a:r>
-            <a:endParaRPr lang="fr-CA" dirty="0"/>
-          </a:p>
-        </p:txBody>
-      </p:sp>
-    </p:spTree>
-    <p:extLst>
-      <p:ext uri="{BB962C8B-B14F-4D97-AF65-F5344CB8AC3E}">
-        <p14:creationId xmlns:p14="http://schemas.microsoft.com/office/powerpoint/2010/main" val="2626867415"/>
-      </p:ext>
-    </p:extLst>
-  </p:cSld>
-  <p:clrMapOvr>
-    <a:masterClrMapping/>
-  </p:clrMapOvr>
-</p:sld>
-</file>
-
-<file path=ppt/slides/slide4.xml><?xml version="1.0" encoding="utf-8"?>
+<file path=ppt/slides/slide10.xml><?xml version="1.0" encoding="utf-8"?>
 <p:sld xmlns:a="http://schemas.openxmlformats.org/drawingml/2006/main" xmlns:r="http://schemas.openxmlformats.org/officeDocument/2006/relationships" xmlns:p="http://schemas.openxmlformats.org/presentationml/2006/main">
   <p:cSld>
     <p:spTree>
@@ -16595,7 +21061,7 @@
 </p:sld>
 </file>
 
-<file path=ppt/slides/slide5.xml><?xml version="1.0" encoding="utf-8"?>
+<file path=ppt/slides/slide11.xml><?xml version="1.0" encoding="utf-8"?>
 <p:sld xmlns:a="http://schemas.openxmlformats.org/drawingml/2006/main" xmlns:r="http://schemas.openxmlformats.org/officeDocument/2006/relationships" xmlns:p="http://schemas.openxmlformats.org/presentationml/2006/main">
   <p:cSld>
     <p:spTree>
@@ -16659,7 +21125,9 @@
         </p:nvSpPr>
         <p:spPr/>
         <p:txBody>
-          <a:bodyPr/>
+          <a:bodyPr>
+            <a:normAutofit/>
+          </a:bodyPr>
           <a:lstStyle/>
           <a:p>
             <a:r>
@@ -16682,7 +21150,7 @@
             </a:r>
             <a:r>
               <a:rPr lang="en-US" dirty="0"/>
-              <a:t> compiler on host computer</a:t>
+              <a:t> compiler on host computer and MSSQL</a:t>
             </a:r>
           </a:p>
           <a:p>
@@ -16694,13 +21162,13 @@
           <a:p>
             <a:r>
               <a:rPr lang="en-US" dirty="0"/>
-              <a:t>User needs to hold Ctrl</a:t>
+              <a:t>User needs to hold Ctrl (or Alt or Win)</a:t>
             </a:r>
           </a:p>
           <a:p>
             <a:r>
               <a:rPr lang="en-US" dirty="0"/>
-              <a:t>User needs to type number of prints they want, defaulted to 1</a:t>
+              <a:t>User needs to type number of prints they want, defaulted to 1 currently *</a:t>
             </a:r>
           </a:p>
           <a:p>
@@ -16728,6 +21196,9 @@
               <a:rPr lang="en-US" dirty="0"/>
               <a:t>Easily found in code of scannerUsageCheck.cpp</a:t>
             </a:r>
+            <a:endParaRPr lang="en-US" dirty="0">
+              <a:hlinkClick r:id="rId2"/>
+            </a:endParaRPr>
           </a:p>
           <a:p>
             <a:r>
@@ -16736,7 +21207,7 @@
               </a:rPr>
               <a:t>https://github.com/pixustechnologies/labelSerialNumberProject</a:t>
             </a:r>
-            <a:endParaRPr lang="fr-CA" dirty="0"/>
+            <a:endParaRPr lang="en-US" dirty="0"/>
           </a:p>
         </p:txBody>
       </p:sp>
@@ -16753,7 +21224,104 @@
 </p:sld>
 </file>
 
-<file path=ppt/slides/slide6.xml><?xml version="1.0" encoding="utf-8"?>
+<file path=ppt/slides/slide12.xml><?xml version="1.0" encoding="utf-8"?>
+<p:sld xmlns:a="http://schemas.openxmlformats.org/drawingml/2006/main" xmlns:r="http://schemas.openxmlformats.org/officeDocument/2006/relationships" xmlns:p="http://schemas.openxmlformats.org/presentationml/2006/main">
+  <p:cSld>
+    <p:spTree>
+      <p:nvGrpSpPr>
+        <p:cNvPr id="1" name=""/>
+        <p:cNvGrpSpPr/>
+        <p:nvPr/>
+      </p:nvGrpSpPr>
+      <p:grpSpPr>
+        <a:xfrm>
+          <a:off x="0" y="0"/>
+          <a:ext cx="0" cy="0"/>
+          <a:chOff x="0" y="0"/>
+          <a:chExt cx="0" cy="0"/>
+        </a:xfrm>
+      </p:grpSpPr>
+      <p:sp>
+        <p:nvSpPr>
+          <p:cNvPr id="2" name="Title 1">
+            <a:extLst>
+              <a:ext uri="{FF2B5EF4-FFF2-40B4-BE49-F238E27FC236}">
+                <a16:creationId xmlns:a16="http://schemas.microsoft.com/office/drawing/2014/main" id="{5ECB83AA-686B-4E5C-87AA-3DA038C7467E}"/>
+              </a:ext>
+            </a:extLst>
+          </p:cNvPr>
+          <p:cNvSpPr>
+            <a:spLocks noGrp="1"/>
+          </p:cNvSpPr>
+          <p:nvPr>
+            <p:ph type="title"/>
+          </p:nvPr>
+        </p:nvSpPr>
+        <p:spPr/>
+        <p:txBody>
+          <a:bodyPr/>
+          <a:lstStyle/>
+          <a:p>
+            <a:pPr algn="ctr"/>
+            <a:r>
+              <a:rPr lang="en-US" dirty="0"/>
+              <a:t>Technical Debt 2</a:t>
+            </a:r>
+            <a:endParaRPr lang="fr-CA" dirty="0"/>
+          </a:p>
+        </p:txBody>
+      </p:sp>
+      <p:sp>
+        <p:nvSpPr>
+          <p:cNvPr id="3" name="Content Placeholder 2">
+            <a:extLst>
+              <a:ext uri="{FF2B5EF4-FFF2-40B4-BE49-F238E27FC236}">
+                <a16:creationId xmlns:a16="http://schemas.microsoft.com/office/drawing/2014/main" id="{CAE08BEC-5DC2-4EAA-90C5-75CC8EAD0613}"/>
+              </a:ext>
+            </a:extLst>
+          </p:cNvPr>
+          <p:cNvSpPr>
+            <a:spLocks noGrp="1"/>
+          </p:cNvSpPr>
+          <p:nvPr>
+            <p:ph idx="1"/>
+          </p:nvPr>
+        </p:nvSpPr>
+        <p:spPr/>
+        <p:txBody>
+          <a:bodyPr/>
+          <a:lstStyle/>
+          <a:p>
+            <a:r>
+              <a:rPr lang="en-US" dirty="0"/>
+              <a:t>A</a:t>
+            </a:r>
+          </a:p>
+          <a:p>
+            <a:r>
+              <a:rPr lang="en-US" dirty="0">
+                <a:hlinkClick r:id="rId2"/>
+              </a:rPr>
+              <a:t>https://github.com/pixustechnologies/labelSerialNumberProject</a:t>
+            </a:r>
+            <a:endParaRPr lang="fr-CA" dirty="0"/>
+          </a:p>
+        </p:txBody>
+      </p:sp>
+    </p:spTree>
+    <p:extLst>
+      <p:ext uri="{BB962C8B-B14F-4D97-AF65-F5344CB8AC3E}">
+        <p14:creationId xmlns:p14="http://schemas.microsoft.com/office/powerpoint/2010/main" val="2527439539"/>
+      </p:ext>
+    </p:extLst>
+  </p:cSld>
+  <p:clrMapOvr>
+    <a:masterClrMapping/>
+  </p:clrMapOvr>
+</p:sld>
+</file>
+
+<file path=ppt/slides/slide13.xml><?xml version="1.0" encoding="utf-8"?>
 <p:sld xmlns:a="http://schemas.openxmlformats.org/drawingml/2006/main" xmlns:r="http://schemas.openxmlformats.org/officeDocument/2006/relationships" xmlns:p="http://schemas.openxmlformats.org/presentationml/2006/main">
   <p:cSld>
     <p:spTree>
@@ -16845,7 +21413,7 @@
 </p:sld>
 </file>
 
-<file path=ppt/slides/slide7.xml><?xml version="1.0" encoding="utf-8"?>
+<file path=ppt/slides/slide14.xml><?xml version="1.0" encoding="utf-8"?>
 <p:sld xmlns:a="http://schemas.openxmlformats.org/drawingml/2006/main" xmlns:r="http://schemas.openxmlformats.org/officeDocument/2006/relationships" xmlns:p="http://schemas.openxmlformats.org/presentationml/2006/main">
   <p:cSld>
     <p:spTree>
@@ -16930,6 +21498,1020 @@
     <p:extLst>
       <p:ext uri="{BB962C8B-B14F-4D97-AF65-F5344CB8AC3E}">
         <p14:creationId xmlns:p14="http://schemas.microsoft.com/office/powerpoint/2010/main" val="3914717419"/>
+      </p:ext>
+    </p:extLst>
+  </p:cSld>
+  <p:clrMapOvr>
+    <a:masterClrMapping/>
+  </p:clrMapOvr>
+</p:sld>
+</file>
+
+<file path=ppt/slides/slide2.xml><?xml version="1.0" encoding="utf-8"?>
+<p:sld xmlns:a="http://schemas.openxmlformats.org/drawingml/2006/main" xmlns:r="http://schemas.openxmlformats.org/officeDocument/2006/relationships" xmlns:p="http://schemas.openxmlformats.org/presentationml/2006/main">
+  <p:cSld>
+    <p:spTree>
+      <p:nvGrpSpPr>
+        <p:cNvPr id="1" name=""/>
+        <p:cNvGrpSpPr/>
+        <p:nvPr/>
+      </p:nvGrpSpPr>
+      <p:grpSpPr>
+        <a:xfrm>
+          <a:off x="0" y="0"/>
+          <a:ext cx="0" cy="0"/>
+          <a:chOff x="0" y="0"/>
+          <a:chExt cx="0" cy="0"/>
+        </a:xfrm>
+      </p:grpSpPr>
+      <p:sp>
+        <p:nvSpPr>
+          <p:cNvPr id="2" name="Title 1">
+            <a:extLst>
+              <a:ext uri="{FF2B5EF4-FFF2-40B4-BE49-F238E27FC236}">
+                <a16:creationId xmlns:a16="http://schemas.microsoft.com/office/drawing/2014/main" id="{EAE05DD2-8E24-48CC-A4FE-FA9AA918C3B8}"/>
+              </a:ext>
+            </a:extLst>
+          </p:cNvPr>
+          <p:cNvSpPr>
+            <a:spLocks noGrp="1"/>
+          </p:cNvSpPr>
+          <p:nvPr>
+            <p:ph type="title"/>
+          </p:nvPr>
+        </p:nvSpPr>
+        <p:spPr/>
+        <p:txBody>
+          <a:bodyPr/>
+          <a:lstStyle/>
+          <a:p>
+            <a:r>
+              <a:rPr lang="en-US" dirty="0"/>
+              <a:t>Box Label</a:t>
+            </a:r>
+            <a:endParaRPr lang="fr-CA" dirty="0"/>
+          </a:p>
+        </p:txBody>
+      </p:sp>
+      <p:sp>
+        <p:nvSpPr>
+          <p:cNvPr id="4" name="Text Placeholder 3">
+            <a:extLst>
+              <a:ext uri="{FF2B5EF4-FFF2-40B4-BE49-F238E27FC236}">
+                <a16:creationId xmlns:a16="http://schemas.microsoft.com/office/drawing/2014/main" id="{C07E3C40-B8A4-4416-B620-EB090AD7CE6D}"/>
+              </a:ext>
+            </a:extLst>
+          </p:cNvPr>
+          <p:cNvSpPr>
+            <a:spLocks noGrp="1"/>
+          </p:cNvSpPr>
+          <p:nvPr>
+            <p:ph type="body" sz="half" idx="2"/>
+          </p:nvPr>
+        </p:nvSpPr>
+        <p:spPr/>
+        <p:txBody>
+          <a:bodyPr/>
+          <a:lstStyle/>
+          <a:p>
+            <a:endParaRPr lang="fr-CA" dirty="0"/>
+          </a:p>
+        </p:txBody>
+      </p:sp>
+      <p:pic>
+        <p:nvPicPr>
+          <p:cNvPr id="6" name="Picture 5">
+            <a:extLst>
+              <a:ext uri="{FF2B5EF4-FFF2-40B4-BE49-F238E27FC236}">
+                <a16:creationId xmlns:a16="http://schemas.microsoft.com/office/drawing/2014/main" id="{CBCA6F81-F4C6-4E3E-AE9D-D544C93530BA}"/>
+              </a:ext>
+            </a:extLst>
+          </p:cNvPr>
+          <p:cNvPicPr>
+            <a:picLocks noChangeAspect="1"/>
+          </p:cNvPicPr>
+          <p:nvPr/>
+        </p:nvPicPr>
+        <p:blipFill>
+          <a:blip r:embed="rId2"/>
+          <a:stretch>
+            <a:fillRect/>
+          </a:stretch>
+        </p:blipFill>
+        <p:spPr>
+          <a:xfrm>
+            <a:off x="3553865" y="763524"/>
+            <a:ext cx="7996430" cy="5330952"/>
+          </a:xfrm>
+          <a:prstGeom prst="rect">
+            <a:avLst/>
+          </a:prstGeom>
+        </p:spPr>
+      </p:pic>
+    </p:spTree>
+    <p:extLst>
+      <p:ext uri="{BB962C8B-B14F-4D97-AF65-F5344CB8AC3E}">
+        <p14:creationId xmlns:p14="http://schemas.microsoft.com/office/powerpoint/2010/main" val="2092004385"/>
+      </p:ext>
+    </p:extLst>
+  </p:cSld>
+  <p:clrMapOvr>
+    <a:masterClrMapping/>
+  </p:clrMapOvr>
+</p:sld>
+</file>
+
+<file path=ppt/slides/slide3.xml><?xml version="1.0" encoding="utf-8"?>
+<p:sld xmlns:a="http://schemas.openxmlformats.org/drawingml/2006/main" xmlns:r="http://schemas.openxmlformats.org/officeDocument/2006/relationships" xmlns:p="http://schemas.openxmlformats.org/presentationml/2006/main">
+  <p:cSld>
+    <p:spTree>
+      <p:nvGrpSpPr>
+        <p:cNvPr id="1" name=""/>
+        <p:cNvGrpSpPr/>
+        <p:nvPr/>
+      </p:nvGrpSpPr>
+      <p:grpSpPr>
+        <a:xfrm>
+          <a:off x="0" y="0"/>
+          <a:ext cx="0" cy="0"/>
+          <a:chOff x="0" y="0"/>
+          <a:chExt cx="0" cy="0"/>
+        </a:xfrm>
+      </p:grpSpPr>
+      <p:sp>
+        <p:nvSpPr>
+          <p:cNvPr id="2" name="Title 1">
+            <a:extLst>
+              <a:ext uri="{FF2B5EF4-FFF2-40B4-BE49-F238E27FC236}">
+                <a16:creationId xmlns:a16="http://schemas.microsoft.com/office/drawing/2014/main" id="{EAE05DD2-8E24-48CC-A4FE-FA9AA918C3B8}"/>
+              </a:ext>
+            </a:extLst>
+          </p:cNvPr>
+          <p:cNvSpPr>
+            <a:spLocks noGrp="1"/>
+          </p:cNvSpPr>
+          <p:nvPr>
+            <p:ph type="title"/>
+          </p:nvPr>
+        </p:nvSpPr>
+        <p:spPr/>
+        <p:txBody>
+          <a:bodyPr/>
+          <a:lstStyle/>
+          <a:p>
+            <a:r>
+              <a:rPr lang="en-US" dirty="0"/>
+              <a:t>Product Label</a:t>
+            </a:r>
+            <a:endParaRPr lang="fr-CA" dirty="0"/>
+          </a:p>
+        </p:txBody>
+      </p:sp>
+      <p:sp>
+        <p:nvSpPr>
+          <p:cNvPr id="4" name="Text Placeholder 3">
+            <a:extLst>
+              <a:ext uri="{FF2B5EF4-FFF2-40B4-BE49-F238E27FC236}">
+                <a16:creationId xmlns:a16="http://schemas.microsoft.com/office/drawing/2014/main" id="{C07E3C40-B8A4-4416-B620-EB090AD7CE6D}"/>
+              </a:ext>
+            </a:extLst>
+          </p:cNvPr>
+          <p:cNvSpPr>
+            <a:spLocks noGrp="1"/>
+          </p:cNvSpPr>
+          <p:nvPr>
+            <p:ph type="body" sz="half" idx="2"/>
+          </p:nvPr>
+        </p:nvSpPr>
+        <p:spPr/>
+        <p:txBody>
+          <a:bodyPr/>
+          <a:lstStyle/>
+          <a:p>
+            <a:endParaRPr lang="fr-CA"/>
+          </a:p>
+        </p:txBody>
+      </p:sp>
+      <p:pic>
+        <p:nvPicPr>
+          <p:cNvPr id="7" name="Picture 6">
+            <a:extLst>
+              <a:ext uri="{FF2B5EF4-FFF2-40B4-BE49-F238E27FC236}">
+                <a16:creationId xmlns:a16="http://schemas.microsoft.com/office/drawing/2014/main" id="{272D22D8-054F-4BEA-A4BF-386FD196E98B}"/>
+              </a:ext>
+            </a:extLst>
+          </p:cNvPr>
+          <p:cNvPicPr>
+            <a:picLocks noChangeAspect="1"/>
+          </p:cNvPicPr>
+          <p:nvPr/>
+        </p:nvPicPr>
+        <p:blipFill>
+          <a:blip r:embed="rId2"/>
+          <a:stretch>
+            <a:fillRect/>
+          </a:stretch>
+        </p:blipFill>
+        <p:spPr>
+          <a:xfrm>
+            <a:off x="3646146" y="759629"/>
+            <a:ext cx="7973802" cy="5338742"/>
+          </a:xfrm>
+          <a:prstGeom prst="rect">
+            <a:avLst/>
+          </a:prstGeom>
+        </p:spPr>
+      </p:pic>
+    </p:spTree>
+    <p:extLst>
+      <p:ext uri="{BB962C8B-B14F-4D97-AF65-F5344CB8AC3E}">
+        <p14:creationId xmlns:p14="http://schemas.microsoft.com/office/powerpoint/2010/main" val="1635497784"/>
+      </p:ext>
+    </p:extLst>
+  </p:cSld>
+  <p:clrMapOvr>
+    <a:masterClrMapping/>
+  </p:clrMapOvr>
+</p:sld>
+</file>
+
+<file path=ppt/slides/slide4.xml><?xml version="1.0" encoding="utf-8"?>
+<p:sld xmlns:a="http://schemas.openxmlformats.org/drawingml/2006/main" xmlns:r="http://schemas.openxmlformats.org/officeDocument/2006/relationships" xmlns:p="http://schemas.openxmlformats.org/presentationml/2006/main">
+  <p:cSld>
+    <p:spTree>
+      <p:nvGrpSpPr>
+        <p:cNvPr id="1" name=""/>
+        <p:cNvGrpSpPr/>
+        <p:nvPr/>
+      </p:nvGrpSpPr>
+      <p:grpSpPr>
+        <a:xfrm>
+          <a:off x="0" y="0"/>
+          <a:ext cx="0" cy="0"/>
+          <a:chOff x="0" y="0"/>
+          <a:chExt cx="0" cy="0"/>
+        </a:xfrm>
+      </p:grpSpPr>
+      <p:sp>
+        <p:nvSpPr>
+          <p:cNvPr id="2" name="Title 1">
+            <a:extLst>
+              <a:ext uri="{FF2B5EF4-FFF2-40B4-BE49-F238E27FC236}">
+                <a16:creationId xmlns:a16="http://schemas.microsoft.com/office/drawing/2014/main" id="{EAE05DD2-8E24-48CC-A4FE-FA9AA918C3B8}"/>
+              </a:ext>
+            </a:extLst>
+          </p:cNvPr>
+          <p:cNvSpPr>
+            <a:spLocks noGrp="1"/>
+          </p:cNvSpPr>
+          <p:nvPr>
+            <p:ph type="title"/>
+          </p:nvPr>
+        </p:nvSpPr>
+        <p:spPr/>
+        <p:txBody>
+          <a:bodyPr/>
+          <a:lstStyle/>
+          <a:p>
+            <a:r>
+              <a:rPr lang="en-US" dirty="0"/>
+              <a:t>Serial Number List</a:t>
+            </a:r>
+            <a:endParaRPr lang="fr-CA" dirty="0"/>
+          </a:p>
+        </p:txBody>
+      </p:sp>
+      <p:sp>
+        <p:nvSpPr>
+          <p:cNvPr id="4" name="Text Placeholder 3">
+            <a:extLst>
+              <a:ext uri="{FF2B5EF4-FFF2-40B4-BE49-F238E27FC236}">
+                <a16:creationId xmlns:a16="http://schemas.microsoft.com/office/drawing/2014/main" id="{C07E3C40-B8A4-4416-B620-EB090AD7CE6D}"/>
+              </a:ext>
+            </a:extLst>
+          </p:cNvPr>
+          <p:cNvSpPr>
+            <a:spLocks noGrp="1"/>
+          </p:cNvSpPr>
+          <p:nvPr>
+            <p:ph type="body" sz="half" idx="2"/>
+          </p:nvPr>
+        </p:nvSpPr>
+        <p:spPr/>
+        <p:txBody>
+          <a:bodyPr/>
+          <a:lstStyle/>
+          <a:p>
+            <a:r>
+              <a:rPr lang="en-US" dirty="0"/>
+              <a:t>Amt/Amt or Amt?</a:t>
+            </a:r>
+          </a:p>
+          <a:p>
+            <a:r>
+              <a:rPr lang="en-US" dirty="0"/>
+              <a:t>Boxes or Circle?</a:t>
+            </a:r>
+          </a:p>
+          <a:p>
+            <a:r>
+              <a:rPr lang="en-US" dirty="0"/>
+              <a:t>Any more info wanted?</a:t>
+            </a:r>
+            <a:endParaRPr lang="fr-CA" dirty="0"/>
+          </a:p>
+          <a:p>
+            <a:r>
+              <a:rPr lang="en-US" dirty="0"/>
+              <a:t>Spacing?</a:t>
+            </a:r>
+            <a:endParaRPr lang="fr-CA" dirty="0"/>
+          </a:p>
+        </p:txBody>
+      </p:sp>
+      <p:pic>
+        <p:nvPicPr>
+          <p:cNvPr id="13" name="Picture 12">
+            <a:extLst>
+              <a:ext uri="{FF2B5EF4-FFF2-40B4-BE49-F238E27FC236}">
+                <a16:creationId xmlns:a16="http://schemas.microsoft.com/office/drawing/2014/main" id="{4C972FD7-027D-480D-8207-745B0BF055CE}"/>
+              </a:ext>
+            </a:extLst>
+          </p:cNvPr>
+          <p:cNvPicPr>
+            <a:picLocks noChangeAspect="1"/>
+          </p:cNvPicPr>
+          <p:nvPr/>
+        </p:nvPicPr>
+        <p:blipFill>
+          <a:blip r:embed="rId2"/>
+          <a:stretch>
+            <a:fillRect/>
+          </a:stretch>
+        </p:blipFill>
+        <p:spPr>
+          <a:xfrm>
+            <a:off x="3570644" y="767420"/>
+            <a:ext cx="8115230" cy="5042280"/>
+          </a:xfrm>
+          <a:prstGeom prst="rect">
+            <a:avLst/>
+          </a:prstGeom>
+        </p:spPr>
+      </p:pic>
+    </p:spTree>
+    <p:extLst>
+      <p:ext uri="{BB962C8B-B14F-4D97-AF65-F5344CB8AC3E}">
+        <p14:creationId xmlns:p14="http://schemas.microsoft.com/office/powerpoint/2010/main" val="2733193354"/>
+      </p:ext>
+    </p:extLst>
+  </p:cSld>
+  <p:clrMapOvr>
+    <a:masterClrMapping/>
+  </p:clrMapOvr>
+</p:sld>
+</file>
+
+<file path=ppt/slides/slide5.xml><?xml version="1.0" encoding="utf-8"?>
+<p:sld xmlns:a="http://schemas.openxmlformats.org/drawingml/2006/main" xmlns:r="http://schemas.openxmlformats.org/officeDocument/2006/relationships" xmlns:p="http://schemas.openxmlformats.org/presentationml/2006/main">
+  <p:cSld>
+    <p:spTree>
+      <p:nvGrpSpPr>
+        <p:cNvPr id="1" name=""/>
+        <p:cNvGrpSpPr/>
+        <p:nvPr/>
+      </p:nvGrpSpPr>
+      <p:grpSpPr>
+        <a:xfrm>
+          <a:off x="0" y="0"/>
+          <a:ext cx="0" cy="0"/>
+          <a:chOff x="0" y="0"/>
+          <a:chExt cx="0" cy="0"/>
+        </a:xfrm>
+      </p:grpSpPr>
+      <p:sp>
+        <p:nvSpPr>
+          <p:cNvPr id="2" name="Title 1">
+            <a:extLst>
+              <a:ext uri="{FF2B5EF4-FFF2-40B4-BE49-F238E27FC236}">
+                <a16:creationId xmlns:a16="http://schemas.microsoft.com/office/drawing/2014/main" id="{C965CC8C-0E1B-4E05-BD18-8AEF48A39748}"/>
+              </a:ext>
+            </a:extLst>
+          </p:cNvPr>
+          <p:cNvSpPr>
+            <a:spLocks noGrp="1"/>
+          </p:cNvSpPr>
+          <p:nvPr>
+            <p:ph type="title"/>
+          </p:nvPr>
+        </p:nvSpPr>
+        <p:spPr/>
+        <p:txBody>
+          <a:bodyPr/>
+          <a:lstStyle/>
+          <a:p>
+            <a:r>
+              <a:rPr lang="en-US" dirty="0"/>
+              <a:t>Serial Number List</a:t>
+            </a:r>
+            <a:endParaRPr lang="fr-CA" dirty="0"/>
+          </a:p>
+        </p:txBody>
+      </p:sp>
+      <p:sp>
+        <p:nvSpPr>
+          <p:cNvPr id="3" name="Picture Placeholder 2">
+            <a:extLst>
+              <a:ext uri="{FF2B5EF4-FFF2-40B4-BE49-F238E27FC236}">
+                <a16:creationId xmlns:a16="http://schemas.microsoft.com/office/drawing/2014/main" id="{22B443F7-658F-4120-9647-6E66A0CB1443}"/>
+              </a:ext>
+            </a:extLst>
+          </p:cNvPr>
+          <p:cNvSpPr>
+            <a:spLocks noGrp="1"/>
+          </p:cNvSpPr>
+          <p:nvPr>
+            <p:ph type="pic" idx="1"/>
+          </p:nvPr>
+        </p:nvSpPr>
+        <p:spPr/>
+      </p:sp>
+      <p:sp>
+        <p:nvSpPr>
+          <p:cNvPr id="4" name="Text Placeholder 3">
+            <a:extLst>
+              <a:ext uri="{FF2B5EF4-FFF2-40B4-BE49-F238E27FC236}">
+                <a16:creationId xmlns:a16="http://schemas.microsoft.com/office/drawing/2014/main" id="{031AF9AE-7242-49FE-A604-D67C2885187D}"/>
+              </a:ext>
+            </a:extLst>
+          </p:cNvPr>
+          <p:cNvSpPr>
+            <a:spLocks noGrp="1"/>
+          </p:cNvSpPr>
+          <p:nvPr>
+            <p:ph type="body" sz="half" idx="2"/>
+          </p:nvPr>
+        </p:nvSpPr>
+        <p:spPr/>
+        <p:txBody>
+          <a:bodyPr/>
+          <a:lstStyle/>
+          <a:p>
+            <a:r>
+              <a:rPr lang="en-US" dirty="0"/>
+              <a:t>Amt/Amt or Amt?</a:t>
+            </a:r>
+          </a:p>
+          <a:p>
+            <a:r>
+              <a:rPr lang="en-US" dirty="0"/>
+              <a:t>Boxes or Circle?</a:t>
+            </a:r>
+          </a:p>
+          <a:p>
+            <a:r>
+              <a:rPr lang="en-US" dirty="0"/>
+              <a:t>Any more info wanted?</a:t>
+            </a:r>
+            <a:endParaRPr lang="fr-CA" dirty="0"/>
+          </a:p>
+          <a:p>
+            <a:r>
+              <a:rPr lang="en-US" dirty="0"/>
+              <a:t>Spacing?</a:t>
+            </a:r>
+            <a:endParaRPr lang="fr-CA" dirty="0"/>
+          </a:p>
+        </p:txBody>
+      </p:sp>
+      <p:pic>
+        <p:nvPicPr>
+          <p:cNvPr id="14" name="Picture 13">
+            <a:extLst>
+              <a:ext uri="{FF2B5EF4-FFF2-40B4-BE49-F238E27FC236}">
+                <a16:creationId xmlns:a16="http://schemas.microsoft.com/office/drawing/2014/main" id="{FD2B8DA0-C985-4141-B0CE-A938BF2501D9}"/>
+              </a:ext>
+            </a:extLst>
+          </p:cNvPr>
+          <p:cNvPicPr>
+            <a:picLocks noChangeAspect="1"/>
+          </p:cNvPicPr>
+          <p:nvPr/>
+        </p:nvPicPr>
+        <p:blipFill>
+          <a:blip r:embed="rId2"/>
+          <a:stretch>
+            <a:fillRect/>
+          </a:stretch>
+        </p:blipFill>
+        <p:spPr>
+          <a:xfrm>
+            <a:off x="3570644" y="759630"/>
+            <a:ext cx="8115230" cy="5365880"/>
+          </a:xfrm>
+          <a:prstGeom prst="rect">
+            <a:avLst/>
+          </a:prstGeom>
+        </p:spPr>
+      </p:pic>
+    </p:spTree>
+    <p:extLst>
+      <p:ext uri="{BB962C8B-B14F-4D97-AF65-F5344CB8AC3E}">
+        <p14:creationId xmlns:p14="http://schemas.microsoft.com/office/powerpoint/2010/main" val="229289581"/>
+      </p:ext>
+    </p:extLst>
+  </p:cSld>
+  <p:clrMapOvr>
+    <a:masterClrMapping/>
+  </p:clrMapOvr>
+</p:sld>
+</file>
+
+<file path=ppt/slides/slide6.xml><?xml version="1.0" encoding="utf-8"?>
+<p:sld xmlns:a="http://schemas.openxmlformats.org/drawingml/2006/main" xmlns:r="http://schemas.openxmlformats.org/officeDocument/2006/relationships" xmlns:p="http://schemas.openxmlformats.org/presentationml/2006/main">
+  <p:cSld>
+    <p:spTree>
+      <p:nvGrpSpPr>
+        <p:cNvPr id="1" name=""/>
+        <p:cNvGrpSpPr/>
+        <p:nvPr/>
+      </p:nvGrpSpPr>
+      <p:grpSpPr>
+        <a:xfrm>
+          <a:off x="0" y="0"/>
+          <a:ext cx="0" cy="0"/>
+          <a:chOff x="0" y="0"/>
+          <a:chExt cx="0" cy="0"/>
+        </a:xfrm>
+      </p:grpSpPr>
+      <p:sp>
+        <p:nvSpPr>
+          <p:cNvPr id="2" name="Title 1">
+            <a:extLst>
+              <a:ext uri="{FF2B5EF4-FFF2-40B4-BE49-F238E27FC236}">
+                <a16:creationId xmlns:a16="http://schemas.microsoft.com/office/drawing/2014/main" id="{5EE01691-E9FF-4D29-B428-0AC50545A42B}"/>
+              </a:ext>
+            </a:extLst>
+          </p:cNvPr>
+          <p:cNvSpPr>
+            <a:spLocks noGrp="1"/>
+          </p:cNvSpPr>
+          <p:nvPr>
+            <p:ph type="title"/>
+          </p:nvPr>
+        </p:nvSpPr>
+        <p:spPr/>
+        <p:txBody>
+          <a:bodyPr/>
+          <a:lstStyle/>
+          <a:p>
+            <a:r>
+              <a:rPr lang="en-US" dirty="0"/>
+              <a:t>Quality Assurance Inspection</a:t>
+            </a:r>
+            <a:endParaRPr lang="fr-CA" dirty="0"/>
+          </a:p>
+        </p:txBody>
+      </p:sp>
+      <p:sp>
+        <p:nvSpPr>
+          <p:cNvPr id="4" name="Text Placeholder 3">
+            <a:extLst>
+              <a:ext uri="{FF2B5EF4-FFF2-40B4-BE49-F238E27FC236}">
+                <a16:creationId xmlns:a16="http://schemas.microsoft.com/office/drawing/2014/main" id="{87DA55F0-5E28-4131-A3F4-1550CBD1809F}"/>
+              </a:ext>
+            </a:extLst>
+          </p:cNvPr>
+          <p:cNvSpPr>
+            <a:spLocks noGrp="1"/>
+          </p:cNvSpPr>
+          <p:nvPr>
+            <p:ph type="body" sz="half" idx="2"/>
+          </p:nvPr>
+        </p:nvSpPr>
+        <p:spPr/>
+        <p:txBody>
+          <a:bodyPr/>
+          <a:lstStyle/>
+          <a:p>
+            <a:r>
+              <a:rPr lang="en-US" dirty="0"/>
+              <a:t>-missing database</a:t>
+            </a:r>
+            <a:endParaRPr lang="fr-CA" dirty="0"/>
+          </a:p>
+        </p:txBody>
+      </p:sp>
+      <p:pic>
+        <p:nvPicPr>
+          <p:cNvPr id="6" name="Picture 5">
+            <a:extLst>
+              <a:ext uri="{FF2B5EF4-FFF2-40B4-BE49-F238E27FC236}">
+                <a16:creationId xmlns:a16="http://schemas.microsoft.com/office/drawing/2014/main" id="{659BD9C9-3F99-40A5-9650-47665D1F33E6}"/>
+              </a:ext>
+            </a:extLst>
+          </p:cNvPr>
+          <p:cNvPicPr>
+            <a:picLocks noChangeAspect="1"/>
+          </p:cNvPicPr>
+          <p:nvPr/>
+        </p:nvPicPr>
+        <p:blipFill rotWithShape="1">
+          <a:blip r:embed="rId2"/>
+          <a:srcRect b="12722"/>
+          <a:stretch/>
+        </p:blipFill>
+        <p:spPr>
+          <a:xfrm>
+            <a:off x="4563611" y="438325"/>
+            <a:ext cx="5719674" cy="5981350"/>
+          </a:xfrm>
+          <a:prstGeom prst="rect">
+            <a:avLst/>
+          </a:prstGeom>
+        </p:spPr>
+      </p:pic>
+    </p:spTree>
+    <p:extLst>
+      <p:ext uri="{BB962C8B-B14F-4D97-AF65-F5344CB8AC3E}">
+        <p14:creationId xmlns:p14="http://schemas.microsoft.com/office/powerpoint/2010/main" val="1416948588"/>
+      </p:ext>
+    </p:extLst>
+  </p:cSld>
+  <p:clrMapOvr>
+    <a:masterClrMapping/>
+  </p:clrMapOvr>
+</p:sld>
+</file>
+
+<file path=ppt/slides/slide7.xml><?xml version="1.0" encoding="utf-8"?>
+<p:sld xmlns:a="http://schemas.openxmlformats.org/drawingml/2006/main" xmlns:r="http://schemas.openxmlformats.org/officeDocument/2006/relationships" xmlns:p="http://schemas.openxmlformats.org/presentationml/2006/main">
+  <p:cSld>
+    <p:spTree>
+      <p:nvGrpSpPr>
+        <p:cNvPr id="1" name=""/>
+        <p:cNvGrpSpPr/>
+        <p:nvPr/>
+      </p:nvGrpSpPr>
+      <p:grpSpPr>
+        <a:xfrm>
+          <a:off x="0" y="0"/>
+          <a:ext cx="0" cy="0"/>
+          <a:chOff x="0" y="0"/>
+          <a:chExt cx="0" cy="0"/>
+        </a:xfrm>
+      </p:grpSpPr>
+      <p:sp>
+        <p:nvSpPr>
+          <p:cNvPr id="2" name="Title 1">
+            <a:extLst>
+              <a:ext uri="{FF2B5EF4-FFF2-40B4-BE49-F238E27FC236}">
+                <a16:creationId xmlns:a16="http://schemas.microsoft.com/office/drawing/2014/main" id="{9B310C75-9FB1-447C-8DF1-8DBC6CDD9F8D}"/>
+              </a:ext>
+            </a:extLst>
+          </p:cNvPr>
+          <p:cNvSpPr>
+            <a:spLocks noGrp="1"/>
+          </p:cNvSpPr>
+          <p:nvPr>
+            <p:ph type="title"/>
+          </p:nvPr>
+        </p:nvSpPr>
+        <p:spPr/>
+        <p:txBody>
+          <a:bodyPr/>
+          <a:lstStyle/>
+          <a:p>
+            <a:r>
+              <a:rPr lang="en-US" dirty="0"/>
+              <a:t>Scan Process</a:t>
+            </a:r>
+            <a:endParaRPr lang="fr-CA" dirty="0"/>
+          </a:p>
+        </p:txBody>
+      </p:sp>
+      <p:graphicFrame>
+        <p:nvGraphicFramePr>
+          <p:cNvPr id="5" name="Content Placeholder 4">
+            <a:extLst>
+              <a:ext uri="{FF2B5EF4-FFF2-40B4-BE49-F238E27FC236}">
+                <a16:creationId xmlns:a16="http://schemas.microsoft.com/office/drawing/2014/main" id="{EDDC7401-C5B7-4F54-9DF6-D044E27C8A7F}"/>
+              </a:ext>
+            </a:extLst>
+          </p:cNvPr>
+          <p:cNvGraphicFramePr>
+            <a:graphicFrameLocks noGrp="1"/>
+          </p:cNvGraphicFramePr>
+          <p:nvPr>
+            <p:ph idx="1"/>
+            <p:extLst>
+              <p:ext uri="{D42A27DB-BD31-4B8C-83A1-F6EECF244321}">
+                <p14:modId xmlns:p14="http://schemas.microsoft.com/office/powerpoint/2010/main" val="445049179"/>
+              </p:ext>
+            </p:extLst>
+          </p:nvPr>
+        </p:nvGraphicFramePr>
+        <p:xfrm>
+          <a:off x="3867150" y="868363"/>
+          <a:ext cx="7315200" cy="5121275"/>
+        </p:xfrm>
+        <a:graphic>
+          <a:graphicData uri="http://schemas.openxmlformats.org/drawingml/2006/diagram">
+            <dgm:relIds xmlns:dgm="http://schemas.openxmlformats.org/drawingml/2006/diagram" xmlns:r="http://schemas.openxmlformats.org/officeDocument/2006/relationships" r:dm="rId2" r:lo="rId3" r:qs="rId4" r:cs="rId5"/>
+          </a:graphicData>
+        </a:graphic>
+      </p:graphicFrame>
+      <p:sp>
+        <p:nvSpPr>
+          <p:cNvPr id="4" name="Text Placeholder 3">
+            <a:extLst>
+              <a:ext uri="{FF2B5EF4-FFF2-40B4-BE49-F238E27FC236}">
+                <a16:creationId xmlns:a16="http://schemas.microsoft.com/office/drawing/2014/main" id="{304AA64D-F2D4-4738-8851-E339829A00B9}"/>
+              </a:ext>
+            </a:extLst>
+          </p:cNvPr>
+          <p:cNvSpPr>
+            <a:spLocks noGrp="1"/>
+          </p:cNvSpPr>
+          <p:nvPr>
+            <p:ph type="body" sz="half" idx="2"/>
+          </p:nvPr>
+        </p:nvSpPr>
+        <p:spPr/>
+        <p:txBody>
+          <a:bodyPr/>
+          <a:lstStyle/>
+          <a:p>
+            <a:r>
+              <a:rPr lang="en-US" dirty="0" err="1"/>
+              <a:t>initScan</a:t>
+            </a:r>
+            <a:r>
+              <a:rPr lang="en-US" dirty="0"/>
+              <a:t> will search for Ctrl+F10 to start the program</a:t>
+            </a:r>
+          </a:p>
+          <a:p>
+            <a:r>
+              <a:rPr lang="en-US" dirty="0"/>
+              <a:t>Scanners will automatically press F10, user must hold Ctrl</a:t>
+            </a:r>
+          </a:p>
+          <a:p>
+            <a:r>
+              <a:rPr lang="en-US" dirty="0"/>
+              <a:t>Scan twice to input the barcode</a:t>
+            </a:r>
+          </a:p>
+          <a:p>
+            <a:r>
+              <a:rPr lang="en-US" dirty="0"/>
+              <a:t>Enter the print amount *</a:t>
+            </a:r>
+          </a:p>
+        </p:txBody>
+      </p:sp>
+    </p:spTree>
+    <p:extLst>
+      <p:ext uri="{BB962C8B-B14F-4D97-AF65-F5344CB8AC3E}">
+        <p14:creationId xmlns:p14="http://schemas.microsoft.com/office/powerpoint/2010/main" val="1681702759"/>
+      </p:ext>
+    </p:extLst>
+  </p:cSld>
+  <p:clrMapOvr>
+    <a:masterClrMapping/>
+  </p:clrMapOvr>
+</p:sld>
+</file>
+
+<file path=ppt/slides/slide8.xml><?xml version="1.0" encoding="utf-8"?>
+<p:sld xmlns:a="http://schemas.openxmlformats.org/drawingml/2006/main" xmlns:r="http://schemas.openxmlformats.org/officeDocument/2006/relationships" xmlns:p="http://schemas.openxmlformats.org/presentationml/2006/main">
+  <p:cSld>
+    <p:spTree>
+      <p:nvGrpSpPr>
+        <p:cNvPr id="1" name=""/>
+        <p:cNvGrpSpPr/>
+        <p:nvPr/>
+      </p:nvGrpSpPr>
+      <p:grpSpPr>
+        <a:xfrm>
+          <a:off x="0" y="0"/>
+          <a:ext cx="0" cy="0"/>
+          <a:chOff x="0" y="0"/>
+          <a:chExt cx="0" cy="0"/>
+        </a:xfrm>
+      </p:grpSpPr>
+      <p:sp>
+        <p:nvSpPr>
+          <p:cNvPr id="2" name="Title 1">
+            <a:extLst>
+              <a:ext uri="{FF2B5EF4-FFF2-40B4-BE49-F238E27FC236}">
+                <a16:creationId xmlns:a16="http://schemas.microsoft.com/office/drawing/2014/main" id="{9B310C75-9FB1-447C-8DF1-8DBC6CDD9F8D}"/>
+              </a:ext>
+            </a:extLst>
+          </p:cNvPr>
+          <p:cNvSpPr>
+            <a:spLocks noGrp="1"/>
+          </p:cNvSpPr>
+          <p:nvPr>
+            <p:ph type="title"/>
+          </p:nvPr>
+        </p:nvSpPr>
+        <p:spPr/>
+        <p:txBody>
+          <a:bodyPr/>
+          <a:lstStyle/>
+          <a:p>
+            <a:r>
+              <a:rPr lang="en-US" dirty="0"/>
+              <a:t>Scan Process</a:t>
+            </a:r>
+            <a:endParaRPr lang="fr-CA" dirty="0"/>
+          </a:p>
+        </p:txBody>
+      </p:sp>
+      <p:graphicFrame>
+        <p:nvGraphicFramePr>
+          <p:cNvPr id="5" name="Content Placeholder 4">
+            <a:extLst>
+              <a:ext uri="{FF2B5EF4-FFF2-40B4-BE49-F238E27FC236}">
+                <a16:creationId xmlns:a16="http://schemas.microsoft.com/office/drawing/2014/main" id="{EDDC7401-C5B7-4F54-9DF6-D044E27C8A7F}"/>
+              </a:ext>
+            </a:extLst>
+          </p:cNvPr>
+          <p:cNvGraphicFramePr>
+            <a:graphicFrameLocks noGrp="1"/>
+          </p:cNvGraphicFramePr>
+          <p:nvPr>
+            <p:ph idx="1"/>
+            <p:extLst>
+              <p:ext uri="{D42A27DB-BD31-4B8C-83A1-F6EECF244321}">
+                <p14:modId xmlns:p14="http://schemas.microsoft.com/office/powerpoint/2010/main" val="1659771835"/>
+              </p:ext>
+            </p:extLst>
+          </p:nvPr>
+        </p:nvGraphicFramePr>
+        <p:xfrm>
+          <a:off x="3867150" y="868363"/>
+          <a:ext cx="7315200" cy="5121275"/>
+        </p:xfrm>
+        <a:graphic>
+          <a:graphicData uri="http://schemas.openxmlformats.org/drawingml/2006/diagram">
+            <dgm:relIds xmlns:dgm="http://schemas.openxmlformats.org/drawingml/2006/diagram" xmlns:r="http://schemas.openxmlformats.org/officeDocument/2006/relationships" r:dm="rId2" r:lo="rId3" r:qs="rId4" r:cs="rId5"/>
+          </a:graphicData>
+        </a:graphic>
+      </p:graphicFrame>
+      <p:sp>
+        <p:nvSpPr>
+          <p:cNvPr id="4" name="Text Placeholder 3">
+            <a:extLst>
+              <a:ext uri="{FF2B5EF4-FFF2-40B4-BE49-F238E27FC236}">
+                <a16:creationId xmlns:a16="http://schemas.microsoft.com/office/drawing/2014/main" id="{304AA64D-F2D4-4738-8851-E339829A00B9}"/>
+              </a:ext>
+            </a:extLst>
+          </p:cNvPr>
+          <p:cNvSpPr>
+            <a:spLocks noGrp="1"/>
+          </p:cNvSpPr>
+          <p:nvPr>
+            <p:ph type="body" sz="half" idx="2"/>
+          </p:nvPr>
+        </p:nvSpPr>
+        <p:spPr/>
+        <p:txBody>
+          <a:bodyPr/>
+          <a:lstStyle/>
+          <a:p>
+            <a:r>
+              <a:rPr lang="en-US" dirty="0"/>
+              <a:t>Programs Used</a:t>
+            </a:r>
+          </a:p>
+        </p:txBody>
+      </p:sp>
+    </p:spTree>
+    <p:extLst>
+      <p:ext uri="{BB962C8B-B14F-4D97-AF65-F5344CB8AC3E}">
+        <p14:creationId xmlns:p14="http://schemas.microsoft.com/office/powerpoint/2010/main" val="1776397155"/>
+      </p:ext>
+    </p:extLst>
+  </p:cSld>
+  <p:clrMapOvr>
+    <a:masterClrMapping/>
+  </p:clrMapOvr>
+</p:sld>
+</file>
+
+<file path=ppt/slides/slide9.xml><?xml version="1.0" encoding="utf-8"?>
+<p:sld xmlns:a="http://schemas.openxmlformats.org/drawingml/2006/main" xmlns:r="http://schemas.openxmlformats.org/officeDocument/2006/relationships" xmlns:p="http://schemas.openxmlformats.org/presentationml/2006/main">
+  <p:cSld>
+    <p:spTree>
+      <p:nvGrpSpPr>
+        <p:cNvPr id="1" name=""/>
+        <p:cNvGrpSpPr/>
+        <p:nvPr/>
+      </p:nvGrpSpPr>
+      <p:grpSpPr>
+        <a:xfrm>
+          <a:off x="0" y="0"/>
+          <a:ext cx="0" cy="0"/>
+          <a:chOff x="0" y="0"/>
+          <a:chExt cx="0" cy="0"/>
+        </a:xfrm>
+      </p:grpSpPr>
+      <p:sp>
+        <p:nvSpPr>
+          <p:cNvPr id="2" name="Title 1">
+            <a:extLst>
+              <a:ext uri="{FF2B5EF4-FFF2-40B4-BE49-F238E27FC236}">
+                <a16:creationId xmlns:a16="http://schemas.microsoft.com/office/drawing/2014/main" id="{6F03E9D7-C0D2-45C9-BECD-CEBE9C1D961B}"/>
+              </a:ext>
+            </a:extLst>
+          </p:cNvPr>
+          <p:cNvSpPr>
+            <a:spLocks noGrp="1"/>
+          </p:cNvSpPr>
+          <p:nvPr>
+            <p:ph type="title"/>
+          </p:nvPr>
+        </p:nvSpPr>
+        <p:spPr/>
+        <p:txBody>
+          <a:bodyPr/>
+          <a:lstStyle/>
+          <a:p>
+            <a:r>
+              <a:rPr lang="en-US" dirty="0"/>
+              <a:t>Reoccurring programs</a:t>
+            </a:r>
+            <a:endParaRPr lang="fr-CA" dirty="0"/>
+          </a:p>
+        </p:txBody>
+      </p:sp>
+      <p:graphicFrame>
+        <p:nvGraphicFramePr>
+          <p:cNvPr id="5" name="Content Placeholder 4">
+            <a:extLst>
+              <a:ext uri="{FF2B5EF4-FFF2-40B4-BE49-F238E27FC236}">
+                <a16:creationId xmlns:a16="http://schemas.microsoft.com/office/drawing/2014/main" id="{8F68204E-F95C-4EE6-84D7-A7FE7E2FAB7F}"/>
+              </a:ext>
+            </a:extLst>
+          </p:cNvPr>
+          <p:cNvGraphicFramePr>
+            <a:graphicFrameLocks noGrp="1"/>
+          </p:cNvGraphicFramePr>
+          <p:nvPr>
+            <p:ph idx="1"/>
+            <p:extLst>
+              <p:ext uri="{D42A27DB-BD31-4B8C-83A1-F6EECF244321}">
+                <p14:modId xmlns:p14="http://schemas.microsoft.com/office/powerpoint/2010/main" val="3667617667"/>
+              </p:ext>
+            </p:extLst>
+          </p:nvPr>
+        </p:nvGraphicFramePr>
+        <p:xfrm>
+          <a:off x="3867150" y="868363"/>
+          <a:ext cx="7315200" cy="5121275"/>
+        </p:xfrm>
+        <a:graphic>
+          <a:graphicData uri="http://schemas.openxmlformats.org/drawingml/2006/diagram">
+            <dgm:relIds xmlns:dgm="http://schemas.openxmlformats.org/drawingml/2006/diagram" xmlns:r="http://schemas.openxmlformats.org/officeDocument/2006/relationships" r:dm="rId2" r:lo="rId3" r:qs="rId4" r:cs="rId5"/>
+          </a:graphicData>
+        </a:graphic>
+      </p:graphicFrame>
+      <p:sp>
+        <p:nvSpPr>
+          <p:cNvPr id="4" name="Text Placeholder 3">
+            <a:extLst>
+              <a:ext uri="{FF2B5EF4-FFF2-40B4-BE49-F238E27FC236}">
+                <a16:creationId xmlns:a16="http://schemas.microsoft.com/office/drawing/2014/main" id="{734A07F1-973D-4E00-ACA7-9FE52C52E28B}"/>
+              </a:ext>
+            </a:extLst>
+          </p:cNvPr>
+          <p:cNvSpPr>
+            <a:spLocks noGrp="1"/>
+          </p:cNvSpPr>
+          <p:nvPr>
+            <p:ph type="body" sz="half" idx="2"/>
+          </p:nvPr>
+        </p:nvSpPr>
+        <p:spPr/>
+        <p:txBody>
+          <a:bodyPr/>
+          <a:lstStyle/>
+          <a:p>
+            <a:r>
+              <a:rPr lang="en-US" dirty="0"/>
+              <a:t>Need to be setup via Windows Task Scheduler </a:t>
+            </a:r>
+            <a:endParaRPr lang="fr-CA" dirty="0"/>
+          </a:p>
+        </p:txBody>
+      </p:sp>
+    </p:spTree>
+    <p:extLst>
+      <p:ext uri="{BB962C8B-B14F-4D97-AF65-F5344CB8AC3E}">
+        <p14:creationId xmlns:p14="http://schemas.microsoft.com/office/powerpoint/2010/main" val="2626867415"/>
       </p:ext>
     </p:extLst>
   </p:cSld>

--- a/LabelSerialNumberChangeProposal.pptx
+++ b/LabelSerialNumberChangeProposal.pptx
@@ -13,12 +13,16 @@
     <p:sldId id="270" r:id="rId7"/>
     <p:sldId id="257" r:id="rId8"/>
     <p:sldId id="265" r:id="rId9"/>
-    <p:sldId id="259" r:id="rId10"/>
-    <p:sldId id="260" r:id="rId11"/>
-    <p:sldId id="261" r:id="rId12"/>
-    <p:sldId id="264" r:id="rId13"/>
-    <p:sldId id="263" r:id="rId14"/>
-    <p:sldId id="262" r:id="rId15"/>
+    <p:sldId id="272" r:id="rId10"/>
+    <p:sldId id="273" r:id="rId11"/>
+    <p:sldId id="274" r:id="rId12"/>
+    <p:sldId id="271" r:id="rId13"/>
+    <p:sldId id="259" r:id="rId14"/>
+    <p:sldId id="260" r:id="rId15"/>
+    <p:sldId id="261" r:id="rId16"/>
+    <p:sldId id="264" r:id="rId17"/>
+    <p:sldId id="263" r:id="rId18"/>
+    <p:sldId id="262" r:id="rId19"/>
   </p:sldIdLst>
   <p:sldSz cx="12192000" cy="6858000"/>
   <p:notesSz cx="6858000" cy="9144000"/>
@@ -3959,6 +3963,17 @@
             <a:rPr lang="en-US" dirty="0"/>
             <a:t>printLabels.bat</a:t>
           </a:r>
+          <a:br>
+            <a:rPr lang="en-US" dirty="0"/>
+          </a:br>
+          <a:r>
+            <a:rPr lang="en-US" dirty="0"/>
+            <a:t>+2 .</a:t>
+          </a:r>
+          <a:r>
+            <a:rPr lang="en-US" dirty="0" err="1"/>
+            <a:t>rpt</a:t>
+          </a:r>
           <a:endParaRPr lang="fr-CA" dirty="0"/>
         </a:p>
       </dgm:t>
@@ -4033,6 +4048,21 @@
             <a:rPr lang="en-US" dirty="0"/>
             <a:t>printWIP.bat</a:t>
           </a:r>
+          <a:br>
+            <a:rPr lang="en-US" dirty="0"/>
+          </a:br>
+          <a:r>
+            <a:rPr lang="en-US" dirty="0"/>
+            <a:t>+2 .</a:t>
+          </a:r>
+          <a:r>
+            <a:rPr lang="en-US" dirty="0" err="1"/>
+            <a:t>rpt</a:t>
+          </a:r>
+          <a:r>
+            <a:rPr lang="en-US" dirty="0"/>
+            <a:t> +.docx</a:t>
+          </a:r>
           <a:endParaRPr lang="fr-CA" dirty="0"/>
         </a:p>
       </dgm:t>
@@ -4143,6 +4173,17 @@
           <a:r>
             <a:rPr lang="en-US" i="1" dirty="0"/>
             <a:t>printQA.bat</a:t>
+          </a:r>
+          <a:br>
+            <a:rPr lang="en-US" i="1" dirty="0"/>
+          </a:br>
+          <a:r>
+            <a:rPr lang="en-US" i="1" dirty="0"/>
+            <a:t>+1 .</a:t>
+          </a:r>
+          <a:r>
+            <a:rPr lang="en-US" i="1" dirty="0" err="1"/>
+            <a:t>rpt</a:t>
           </a:r>
           <a:endParaRPr lang="fr-CA" i="1" dirty="0"/>
         </a:p>
@@ -4590,7 +4631,7 @@
         <a:p>
           <a:r>
             <a:rPr lang="en-US" dirty="0" err="1"/>
-            <a:t>Autohotkey</a:t>
+            <a:t>AutoHotkey</a:t>
           </a:r>
           <a:endParaRPr lang="fr-CA" dirty="0"/>
         </a:p>
@@ -6948,6 +6989,17 @@
             <a:rPr lang="en-US" sz="1700" kern="1200" dirty="0"/>
             <a:t>printLabels.bat</a:t>
           </a:r>
+          <a:br>
+            <a:rPr lang="en-US" sz="1700" kern="1200" dirty="0"/>
+          </a:br>
+          <a:r>
+            <a:rPr lang="en-US" sz="1700" kern="1200" dirty="0"/>
+            <a:t>+2 .</a:t>
+          </a:r>
+          <a:r>
+            <a:rPr lang="en-US" sz="1700" kern="1200" dirty="0" err="1"/>
+            <a:t>rpt</a:t>
+          </a:r>
           <a:endParaRPr lang="fr-CA" sz="1700" kern="1200" dirty="0"/>
         </a:p>
       </dsp:txBody>
@@ -7182,6 +7234,17 @@
             <a:rPr lang="en-US" sz="1700" i="1" kern="1200" dirty="0"/>
             <a:t>printQA.bat</a:t>
           </a:r>
+          <a:br>
+            <a:rPr lang="en-US" sz="1700" i="1" kern="1200" dirty="0"/>
+          </a:br>
+          <a:r>
+            <a:rPr lang="en-US" sz="1700" i="1" kern="1200" dirty="0"/>
+            <a:t>+1 .</a:t>
+          </a:r>
+          <a:r>
+            <a:rPr lang="en-US" sz="1700" i="1" kern="1200" dirty="0" err="1"/>
+            <a:t>rpt</a:t>
+          </a:r>
           <a:endParaRPr lang="fr-CA" sz="1700" i="1" kern="1200" dirty="0"/>
         </a:p>
       </dsp:txBody>
@@ -7259,6 +7322,21 @@
           <a:r>
             <a:rPr lang="en-US" sz="1700" kern="1200" dirty="0"/>
             <a:t>printWIP.bat</a:t>
+          </a:r>
+          <a:br>
+            <a:rPr lang="en-US" sz="1700" kern="1200" dirty="0"/>
+          </a:br>
+          <a:r>
+            <a:rPr lang="en-US" sz="1700" kern="1200" dirty="0"/>
+            <a:t>+2 .</a:t>
+          </a:r>
+          <a:r>
+            <a:rPr lang="en-US" sz="1700" kern="1200" dirty="0" err="1"/>
+            <a:t>rpt</a:t>
+          </a:r>
+          <a:r>
+            <a:rPr lang="en-US" sz="1700" kern="1200" dirty="0"/>
+            <a:t> +.docx</a:t>
           </a:r>
           <a:endParaRPr lang="fr-CA" sz="1700" kern="1200" dirty="0"/>
         </a:p>
@@ -7822,12 +7900,12 @@
         </a:fontRef>
       </dsp:style>
       <dsp:txBody>
-        <a:bodyPr spcFirstLastPara="0" vert="horz" wrap="square" lIns="15240" tIns="15240" rIns="15240" bIns="15240" numCol="1" spcCol="1270" anchor="ctr" anchorCtr="0">
+        <a:bodyPr spcFirstLastPara="0" vert="horz" wrap="square" lIns="14605" tIns="14605" rIns="14605" bIns="14605" numCol="1" spcCol="1270" anchor="ctr" anchorCtr="0">
           <a:noAutofit/>
         </a:bodyPr>
         <a:lstStyle/>
         <a:p>
-          <a:pPr marL="0" lvl="0" indent="0" algn="ctr" defTabSz="1066800">
+          <a:pPr marL="0" lvl="0" indent="0" algn="ctr" defTabSz="1022350">
             <a:lnSpc>
               <a:spcPct val="90000"/>
             </a:lnSpc>
@@ -7840,10 +7918,10 @@
             <a:buNone/>
           </a:pPr>
           <a:r>
-            <a:rPr lang="en-US" sz="2400" kern="1200" dirty="0" err="1"/>
-            <a:t>Autohotkey</a:t>
+            <a:rPr lang="en-US" sz="2300" kern="1200" dirty="0" err="1"/>
+            <a:t>AutoHotkey</a:t>
           </a:r>
-          <a:endParaRPr lang="fr-CA" sz="2400" kern="1200" dirty="0"/>
+          <a:endParaRPr lang="fr-CA" sz="2300" kern="1200" dirty="0"/>
         </a:p>
       </dsp:txBody>
       <dsp:txXfrm>
@@ -7900,12 +7978,12 @@
         </a:fontRef>
       </dsp:style>
       <dsp:txBody>
-        <a:bodyPr spcFirstLastPara="0" vert="horz" wrap="square" lIns="15240" tIns="15240" rIns="15240" bIns="15240" numCol="1" spcCol="1270" anchor="ctr" anchorCtr="0">
+        <a:bodyPr spcFirstLastPara="0" vert="horz" wrap="square" lIns="14605" tIns="14605" rIns="14605" bIns="14605" numCol="1" spcCol="1270" anchor="ctr" anchorCtr="0">
           <a:noAutofit/>
         </a:bodyPr>
         <a:lstStyle/>
         <a:p>
-          <a:pPr marL="0" lvl="0" indent="0" algn="ctr" defTabSz="1066800">
+          <a:pPr marL="0" lvl="0" indent="0" algn="ctr" defTabSz="1022350">
             <a:lnSpc>
               <a:spcPct val="90000"/>
             </a:lnSpc>
@@ -7918,10 +7996,10 @@
             <a:buNone/>
           </a:pPr>
           <a:r>
-            <a:rPr lang="en-US" sz="2400" kern="1200" dirty="0"/>
+            <a:rPr lang="en-US" sz="2300" kern="1200" dirty="0"/>
             <a:t>C++</a:t>
           </a:r>
-          <a:endParaRPr lang="fr-CA" sz="2400" kern="1200" dirty="0"/>
+          <a:endParaRPr lang="fr-CA" sz="2300" kern="1200" dirty="0"/>
         </a:p>
       </dsp:txBody>
       <dsp:txXfrm>
@@ -7978,12 +8056,12 @@
         </a:fontRef>
       </dsp:style>
       <dsp:txBody>
-        <a:bodyPr spcFirstLastPara="0" vert="horz" wrap="square" lIns="15240" tIns="15240" rIns="15240" bIns="15240" numCol="1" spcCol="1270" anchor="ctr" anchorCtr="0">
+        <a:bodyPr spcFirstLastPara="0" vert="horz" wrap="square" lIns="14605" tIns="14605" rIns="14605" bIns="14605" numCol="1" spcCol="1270" anchor="ctr" anchorCtr="0">
           <a:noAutofit/>
         </a:bodyPr>
         <a:lstStyle/>
         <a:p>
-          <a:pPr marL="0" lvl="0" indent="0" algn="ctr" defTabSz="1066800">
+          <a:pPr marL="0" lvl="0" indent="0" algn="ctr" defTabSz="1022350">
             <a:lnSpc>
               <a:spcPct val="90000"/>
             </a:lnSpc>
@@ -7996,10 +8074,10 @@
             <a:buNone/>
           </a:pPr>
           <a:r>
-            <a:rPr lang="en-US" sz="2400" kern="1200" dirty="0"/>
+            <a:rPr lang="en-US" sz="2300" kern="1200" dirty="0"/>
             <a:t>batch</a:t>
           </a:r>
-          <a:endParaRPr lang="fr-CA" sz="2400" kern="1200" dirty="0"/>
+          <a:endParaRPr lang="fr-CA" sz="2300" kern="1200" dirty="0"/>
         </a:p>
       </dsp:txBody>
       <dsp:txXfrm>
@@ -8056,12 +8134,12 @@
         </a:fontRef>
       </dsp:style>
       <dsp:txBody>
-        <a:bodyPr spcFirstLastPara="0" vert="horz" wrap="square" lIns="15240" tIns="15240" rIns="15240" bIns="15240" numCol="1" spcCol="1270" anchor="ctr" anchorCtr="0">
+        <a:bodyPr spcFirstLastPara="0" vert="horz" wrap="square" lIns="14605" tIns="14605" rIns="14605" bIns="14605" numCol="1" spcCol="1270" anchor="ctr" anchorCtr="0">
           <a:noAutofit/>
         </a:bodyPr>
         <a:lstStyle/>
         <a:p>
-          <a:pPr marL="0" lvl="0" indent="0" algn="ctr" defTabSz="1066800">
+          <a:pPr marL="0" lvl="0" indent="0" algn="ctr" defTabSz="1022350">
             <a:lnSpc>
               <a:spcPct val="90000"/>
             </a:lnSpc>
@@ -8074,10 +8152,10 @@
             <a:buNone/>
           </a:pPr>
           <a:r>
-            <a:rPr lang="en-US" sz="2400" kern="1200" dirty="0"/>
+            <a:rPr lang="en-US" sz="2300" kern="1200" dirty="0"/>
             <a:t>batch</a:t>
           </a:r>
-          <a:endParaRPr lang="fr-CA" sz="2400" kern="1200" dirty="0"/>
+          <a:endParaRPr lang="fr-CA" sz="2300" kern="1200" dirty="0"/>
         </a:p>
       </dsp:txBody>
       <dsp:txXfrm>
@@ -8134,12 +8212,12 @@
         </a:fontRef>
       </dsp:style>
       <dsp:txBody>
-        <a:bodyPr spcFirstLastPara="0" vert="horz" wrap="square" lIns="15240" tIns="15240" rIns="15240" bIns="15240" numCol="1" spcCol="1270" anchor="ctr" anchorCtr="0">
+        <a:bodyPr spcFirstLastPara="0" vert="horz" wrap="square" lIns="14605" tIns="14605" rIns="14605" bIns="14605" numCol="1" spcCol="1270" anchor="ctr" anchorCtr="0">
           <a:noAutofit/>
         </a:bodyPr>
         <a:lstStyle/>
         <a:p>
-          <a:pPr marL="0" lvl="0" indent="0" algn="ctr" defTabSz="1066800">
+          <a:pPr marL="0" lvl="0" indent="0" algn="ctr" defTabSz="1022350">
             <a:lnSpc>
               <a:spcPct val="90000"/>
             </a:lnSpc>
@@ -8152,10 +8230,10 @@
             <a:buNone/>
           </a:pPr>
           <a:r>
-            <a:rPr lang="en-US" sz="2400" kern="1200" dirty="0"/>
+            <a:rPr lang="en-US" sz="2300" kern="1200" dirty="0"/>
             <a:t>txt</a:t>
           </a:r>
-          <a:endParaRPr lang="fr-CA" sz="2400" kern="1200" dirty="0"/>
+          <a:endParaRPr lang="fr-CA" sz="2300" kern="1200" dirty="0"/>
         </a:p>
       </dsp:txBody>
       <dsp:txXfrm>
@@ -8212,12 +8290,12 @@
         </a:fontRef>
       </dsp:style>
       <dsp:txBody>
-        <a:bodyPr spcFirstLastPara="0" vert="horz" wrap="square" lIns="15240" tIns="15240" rIns="15240" bIns="15240" numCol="1" spcCol="1270" anchor="ctr" anchorCtr="0">
+        <a:bodyPr spcFirstLastPara="0" vert="horz" wrap="square" lIns="14605" tIns="14605" rIns="14605" bIns="14605" numCol="1" spcCol="1270" anchor="ctr" anchorCtr="0">
           <a:noAutofit/>
         </a:bodyPr>
         <a:lstStyle/>
         <a:p>
-          <a:pPr marL="0" lvl="0" indent="0" algn="ctr" defTabSz="1066800">
+          <a:pPr marL="0" lvl="0" indent="0" algn="ctr" defTabSz="1022350">
             <a:lnSpc>
               <a:spcPct val="90000"/>
             </a:lnSpc>
@@ -8230,10 +8308,10 @@
             <a:buNone/>
           </a:pPr>
           <a:r>
-            <a:rPr lang="en-US" sz="2400" i="1" kern="1200" dirty="0"/>
+            <a:rPr lang="en-US" sz="2300" i="1" kern="1200" dirty="0"/>
             <a:t>batch</a:t>
           </a:r>
-          <a:endParaRPr lang="fr-CA" sz="2400" i="1" kern="1200" dirty="0"/>
+          <a:endParaRPr lang="fr-CA" sz="2300" i="1" kern="1200" dirty="0"/>
         </a:p>
       </dsp:txBody>
       <dsp:txXfrm>
@@ -8290,12 +8368,12 @@
         </a:fontRef>
       </dsp:style>
       <dsp:txBody>
-        <a:bodyPr spcFirstLastPara="0" vert="horz" wrap="square" lIns="15240" tIns="15240" rIns="15240" bIns="15240" numCol="1" spcCol="1270" anchor="ctr" anchorCtr="0">
+        <a:bodyPr spcFirstLastPara="0" vert="horz" wrap="square" lIns="14605" tIns="14605" rIns="14605" bIns="14605" numCol="1" spcCol="1270" anchor="ctr" anchorCtr="0">
           <a:noAutofit/>
         </a:bodyPr>
         <a:lstStyle/>
         <a:p>
-          <a:pPr marL="0" lvl="0" indent="0" algn="ctr" defTabSz="1066800">
+          <a:pPr marL="0" lvl="0" indent="0" algn="ctr" defTabSz="1022350">
             <a:lnSpc>
               <a:spcPct val="90000"/>
             </a:lnSpc>
@@ -8308,10 +8386,10 @@
             <a:buNone/>
           </a:pPr>
           <a:r>
-            <a:rPr lang="en-US" sz="2400" kern="1200" dirty="0"/>
+            <a:rPr lang="en-US" sz="2300" kern="1200" dirty="0"/>
             <a:t>batch</a:t>
           </a:r>
-          <a:endParaRPr lang="fr-CA" sz="2400" kern="1200" dirty="0"/>
+          <a:endParaRPr lang="fr-CA" sz="2300" kern="1200" dirty="0"/>
         </a:p>
       </dsp:txBody>
       <dsp:txXfrm>
@@ -8368,12 +8446,12 @@
         </a:fontRef>
       </dsp:style>
       <dsp:txBody>
-        <a:bodyPr spcFirstLastPara="0" vert="horz" wrap="square" lIns="15240" tIns="15240" rIns="15240" bIns="15240" numCol="1" spcCol="1270" anchor="ctr" anchorCtr="0">
+        <a:bodyPr spcFirstLastPara="0" vert="horz" wrap="square" lIns="14605" tIns="14605" rIns="14605" bIns="14605" numCol="1" spcCol="1270" anchor="ctr" anchorCtr="0">
           <a:noAutofit/>
         </a:bodyPr>
         <a:lstStyle/>
         <a:p>
-          <a:pPr marL="0" lvl="0" indent="0" algn="ctr" defTabSz="1066800">
+          <a:pPr marL="0" lvl="0" indent="0" algn="ctr" defTabSz="1022350">
             <a:lnSpc>
               <a:spcPct val="90000"/>
             </a:lnSpc>
@@ -8386,10 +8464,10 @@
             <a:buNone/>
           </a:pPr>
           <a:r>
-            <a:rPr lang="en-US" sz="2400" kern="1200" dirty="0"/>
+            <a:rPr lang="en-US" sz="2300" kern="1200" dirty="0"/>
             <a:t>txt</a:t>
           </a:r>
-          <a:endParaRPr lang="fr-CA" sz="2400" kern="1200" dirty="0"/>
+          <a:endParaRPr lang="fr-CA" sz="2300" kern="1200" dirty="0"/>
         </a:p>
       </dsp:txBody>
       <dsp:txXfrm>
@@ -17859,7 +17937,7 @@
             <a:fld id="{5586B75A-687E-405C-8A0B-8D00578BA2C3}" type="datetimeFigureOut">
               <a:rPr lang="en-US" dirty="0"/>
               <a:pPr/>
-              <a:t>9/10/2021</a:t>
+              <a:t>9/13/2021</a:t>
             </a:fld>
             <a:endParaRPr lang="en-US" dirty="0"/>
           </a:p>
@@ -18026,7 +18104,7 @@
             <a:fld id="{5586B75A-687E-405C-8A0B-8D00578BA2C3}" type="datetimeFigureOut">
               <a:rPr lang="en-US" dirty="0"/>
               <a:pPr/>
-              <a:t>9/10/2021</a:t>
+              <a:t>9/13/2021</a:t>
             </a:fld>
             <a:endParaRPr lang="en-US" dirty="0"/>
           </a:p>
@@ -18203,7 +18281,7 @@
             <a:fld id="{5586B75A-687E-405C-8A0B-8D00578BA2C3}" type="datetimeFigureOut">
               <a:rPr lang="en-US" dirty="0"/>
               <a:pPr/>
-              <a:t>9/10/2021</a:t>
+              <a:t>9/13/2021</a:t>
             </a:fld>
             <a:endParaRPr lang="en-US" dirty="0"/>
           </a:p>
@@ -18370,7 +18448,7 @@
             <a:fld id="{5586B75A-687E-405C-8A0B-8D00578BA2C3}" type="datetimeFigureOut">
               <a:rPr lang="en-US" dirty="0"/>
               <a:pPr/>
-              <a:t>9/10/2021</a:t>
+              <a:t>9/13/2021</a:t>
             </a:fld>
             <a:endParaRPr lang="en-US" dirty="0"/>
           </a:p>
@@ -18625,7 +18703,7 @@
             <a:fld id="{5586B75A-687E-405C-8A0B-8D00578BA2C3}" type="datetimeFigureOut">
               <a:rPr lang="en-US" dirty="0"/>
               <a:pPr/>
-              <a:t>9/10/2021</a:t>
+              <a:t>9/13/2021</a:t>
             </a:fld>
             <a:endParaRPr lang="en-US" dirty="0"/>
           </a:p>
@@ -18910,7 +18988,7 @@
             <a:fld id="{5586B75A-687E-405C-8A0B-8D00578BA2C3}" type="datetimeFigureOut">
               <a:rPr lang="en-US" dirty="0"/>
               <a:pPr/>
-              <a:t>9/10/2021</a:t>
+              <a:t>9/13/2021</a:t>
             </a:fld>
             <a:endParaRPr lang="en-US" dirty="0"/>
           </a:p>
@@ -19349,7 +19427,7 @@
             <a:fld id="{5586B75A-687E-405C-8A0B-8D00578BA2C3}" type="datetimeFigureOut">
               <a:rPr lang="en-US" dirty="0"/>
               <a:pPr/>
-              <a:t>9/10/2021</a:t>
+              <a:t>9/13/2021</a:t>
             </a:fld>
             <a:endParaRPr lang="en-US" dirty="0"/>
           </a:p>
@@ -19464,7 +19542,7 @@
             <a:fld id="{5586B75A-687E-405C-8A0B-8D00578BA2C3}" type="datetimeFigureOut">
               <a:rPr lang="en-US" dirty="0"/>
               <a:pPr/>
-              <a:t>9/10/2021</a:t>
+              <a:t>9/13/2021</a:t>
             </a:fld>
             <a:endParaRPr lang="en-US" dirty="0"/>
           </a:p>
@@ -19556,7 +19634,7 @@
             <a:fld id="{5586B75A-687E-405C-8A0B-8D00578BA2C3}" type="datetimeFigureOut">
               <a:rPr lang="en-US" dirty="0"/>
               <a:pPr/>
-              <a:t>9/10/2021</a:t>
+              <a:t>9/13/2021</a:t>
             </a:fld>
             <a:endParaRPr lang="en-US" dirty="0"/>
           </a:p>
@@ -19841,7 +19919,7 @@
             <a:fld id="{5586B75A-687E-405C-8A0B-8D00578BA2C3}" type="datetimeFigureOut">
               <a:rPr lang="en-US" dirty="0"/>
               <a:pPr/>
-              <a:t>9/10/2021</a:t>
+              <a:t>9/13/2021</a:t>
             </a:fld>
             <a:endParaRPr lang="en-US" dirty="0"/>
           </a:p>
@@ -20111,7 +20189,7 @@
             <a:fld id="{5586B75A-687E-405C-8A0B-8D00578BA2C3}" type="datetimeFigureOut">
               <a:rPr lang="en-US" dirty="0"/>
               <a:pPr/>
-              <a:t>9/10/2021</a:t>
+              <a:t>9/13/2021</a:t>
             </a:fld>
             <a:endParaRPr lang="en-US" dirty="0"/>
           </a:p>
@@ -20405,7 +20483,7 @@
             <a:fld id="{5586B75A-687E-405C-8A0B-8D00578BA2C3}" type="datetimeFigureOut">
               <a:rPr lang="en-US" dirty="0"/>
               <a:pPr/>
-              <a:t>9/10/2021</a:t>
+              <a:t>9/13/2021</a:t>
             </a:fld>
             <a:endParaRPr lang="en-US" dirty="0"/>
           </a:p>
@@ -20993,6 +21071,475 @@
           <p:cNvPr id="2" name="Title 1">
             <a:extLst>
               <a:ext uri="{FF2B5EF4-FFF2-40B4-BE49-F238E27FC236}">
+                <a16:creationId xmlns:a16="http://schemas.microsoft.com/office/drawing/2014/main" id="{BE3CE341-C8FD-4040-9162-4698F8695F23}"/>
+              </a:ext>
+            </a:extLst>
+          </p:cNvPr>
+          <p:cNvSpPr>
+            <a:spLocks noGrp="1"/>
+          </p:cNvSpPr>
+          <p:nvPr>
+            <p:ph type="title"/>
+          </p:nvPr>
+        </p:nvSpPr>
+        <p:spPr/>
+        <p:txBody>
+          <a:bodyPr/>
+          <a:lstStyle/>
+          <a:p>
+            <a:r>
+              <a:rPr lang="en-US" dirty="0"/>
+              <a:t>After Scanning</a:t>
+            </a:r>
+            <a:endParaRPr lang="fr-CA" dirty="0"/>
+          </a:p>
+        </p:txBody>
+      </p:sp>
+      <p:sp>
+        <p:nvSpPr>
+          <p:cNvPr id="4" name="Text Placeholder 3">
+            <a:extLst>
+              <a:ext uri="{FF2B5EF4-FFF2-40B4-BE49-F238E27FC236}">
+                <a16:creationId xmlns:a16="http://schemas.microsoft.com/office/drawing/2014/main" id="{86E1AAED-E98D-4B7A-802D-7B71E8A95AEC}"/>
+              </a:ext>
+            </a:extLst>
+          </p:cNvPr>
+          <p:cNvSpPr>
+            <a:spLocks noGrp="1"/>
+          </p:cNvSpPr>
+          <p:nvPr>
+            <p:ph type="body" sz="half" idx="2"/>
+          </p:nvPr>
+        </p:nvSpPr>
+        <p:spPr/>
+        <p:txBody>
+          <a:bodyPr/>
+          <a:lstStyle/>
+          <a:p>
+            <a:endParaRPr lang="fr-CA"/>
+          </a:p>
+        </p:txBody>
+      </p:sp>
+      <p:pic>
+        <p:nvPicPr>
+          <p:cNvPr id="6" name="Picture 5">
+            <a:extLst>
+              <a:ext uri="{FF2B5EF4-FFF2-40B4-BE49-F238E27FC236}">
+                <a16:creationId xmlns:a16="http://schemas.microsoft.com/office/drawing/2014/main" id="{DAC4F764-7F89-447D-B1F2-E12C376840B0}"/>
+              </a:ext>
+            </a:extLst>
+          </p:cNvPr>
+          <p:cNvPicPr>
+            <a:picLocks noChangeAspect="1"/>
+          </p:cNvPicPr>
+          <p:nvPr/>
+        </p:nvPicPr>
+        <p:blipFill>
+          <a:blip r:embed="rId2"/>
+          <a:stretch>
+            <a:fillRect/>
+          </a:stretch>
+        </p:blipFill>
+        <p:spPr>
+          <a:xfrm>
+            <a:off x="3512195" y="1273185"/>
+            <a:ext cx="8229004" cy="4311629"/>
+          </a:xfrm>
+          <a:prstGeom prst="rect">
+            <a:avLst/>
+          </a:prstGeom>
+        </p:spPr>
+      </p:pic>
+    </p:spTree>
+    <p:extLst>
+      <p:ext uri="{BB962C8B-B14F-4D97-AF65-F5344CB8AC3E}">
+        <p14:creationId xmlns:p14="http://schemas.microsoft.com/office/powerpoint/2010/main" val="439465011"/>
+      </p:ext>
+    </p:extLst>
+  </p:cSld>
+  <p:clrMapOvr>
+    <a:masterClrMapping/>
+  </p:clrMapOvr>
+</p:sld>
+</file>
+
+<file path=ppt/slides/slide11.xml><?xml version="1.0" encoding="utf-8"?>
+<p:sld xmlns:a="http://schemas.openxmlformats.org/drawingml/2006/main" xmlns:r="http://schemas.openxmlformats.org/officeDocument/2006/relationships" xmlns:p="http://schemas.openxmlformats.org/presentationml/2006/main">
+  <p:cSld>
+    <p:spTree>
+      <p:nvGrpSpPr>
+        <p:cNvPr id="1" name=""/>
+        <p:cNvGrpSpPr/>
+        <p:nvPr/>
+      </p:nvGrpSpPr>
+      <p:grpSpPr>
+        <a:xfrm>
+          <a:off x="0" y="0"/>
+          <a:ext cx="0" cy="0"/>
+          <a:chOff x="0" y="0"/>
+          <a:chExt cx="0" cy="0"/>
+        </a:xfrm>
+      </p:grpSpPr>
+      <p:sp>
+        <p:nvSpPr>
+          <p:cNvPr id="2" name="Title 1">
+            <a:extLst>
+              <a:ext uri="{FF2B5EF4-FFF2-40B4-BE49-F238E27FC236}">
+                <a16:creationId xmlns:a16="http://schemas.microsoft.com/office/drawing/2014/main" id="{6A39C7E6-719F-4360-82A7-D235406B0AE1}"/>
+              </a:ext>
+            </a:extLst>
+          </p:cNvPr>
+          <p:cNvSpPr>
+            <a:spLocks noGrp="1"/>
+          </p:cNvSpPr>
+          <p:nvPr>
+            <p:ph type="title"/>
+          </p:nvPr>
+        </p:nvSpPr>
+        <p:spPr/>
+        <p:txBody>
+          <a:bodyPr/>
+          <a:lstStyle/>
+          <a:p>
+            <a:r>
+              <a:rPr lang="en-US" dirty="0"/>
+              <a:t>After 2</a:t>
+            </a:r>
+            <a:r>
+              <a:rPr lang="en-US" baseline="30000" dirty="0"/>
+              <a:t>nd</a:t>
+            </a:r>
+            <a:r>
+              <a:rPr lang="en-US" dirty="0"/>
+              <a:t> Scan</a:t>
+            </a:r>
+            <a:endParaRPr lang="fr-CA" dirty="0"/>
+          </a:p>
+        </p:txBody>
+      </p:sp>
+      <p:sp>
+        <p:nvSpPr>
+          <p:cNvPr id="4" name="Text Placeholder 3">
+            <a:extLst>
+              <a:ext uri="{FF2B5EF4-FFF2-40B4-BE49-F238E27FC236}">
+                <a16:creationId xmlns:a16="http://schemas.microsoft.com/office/drawing/2014/main" id="{5D137186-B30B-4684-9E7B-C1B6E2AB7C05}"/>
+              </a:ext>
+            </a:extLst>
+          </p:cNvPr>
+          <p:cNvSpPr>
+            <a:spLocks noGrp="1"/>
+          </p:cNvSpPr>
+          <p:nvPr>
+            <p:ph type="body" sz="half" idx="2"/>
+          </p:nvPr>
+        </p:nvSpPr>
+        <p:spPr/>
+        <p:txBody>
+          <a:bodyPr/>
+          <a:lstStyle/>
+          <a:p>
+            <a:endParaRPr lang="fr-CA"/>
+          </a:p>
+        </p:txBody>
+      </p:sp>
+      <p:pic>
+        <p:nvPicPr>
+          <p:cNvPr id="8" name="Picture 7">
+            <a:extLst>
+              <a:ext uri="{FF2B5EF4-FFF2-40B4-BE49-F238E27FC236}">
+                <a16:creationId xmlns:a16="http://schemas.microsoft.com/office/drawing/2014/main" id="{06464887-E2EE-4A69-B34E-4B72B811C0FB}"/>
+              </a:ext>
+            </a:extLst>
+          </p:cNvPr>
+          <p:cNvPicPr>
+            <a:picLocks noChangeAspect="1"/>
+          </p:cNvPicPr>
+          <p:nvPr/>
+        </p:nvPicPr>
+        <p:blipFill>
+          <a:blip r:embed="rId2"/>
+          <a:stretch>
+            <a:fillRect/>
+          </a:stretch>
+        </p:blipFill>
+        <p:spPr>
+          <a:xfrm>
+            <a:off x="3592484" y="1308316"/>
+            <a:ext cx="8093389" cy="4241367"/>
+          </a:xfrm>
+          <a:prstGeom prst="rect">
+            <a:avLst/>
+          </a:prstGeom>
+        </p:spPr>
+      </p:pic>
+    </p:spTree>
+    <p:extLst>
+      <p:ext uri="{BB962C8B-B14F-4D97-AF65-F5344CB8AC3E}">
+        <p14:creationId xmlns:p14="http://schemas.microsoft.com/office/powerpoint/2010/main" val="519063218"/>
+      </p:ext>
+    </p:extLst>
+  </p:cSld>
+  <p:clrMapOvr>
+    <a:masterClrMapping/>
+  </p:clrMapOvr>
+</p:sld>
+</file>
+
+<file path=ppt/slides/slide12.xml><?xml version="1.0" encoding="utf-8"?>
+<p:sld xmlns:a="http://schemas.openxmlformats.org/drawingml/2006/main" xmlns:r="http://schemas.openxmlformats.org/officeDocument/2006/relationships" xmlns:p="http://schemas.openxmlformats.org/presentationml/2006/main">
+  <p:cSld>
+    <p:spTree>
+      <p:nvGrpSpPr>
+        <p:cNvPr id="1" name=""/>
+        <p:cNvGrpSpPr/>
+        <p:nvPr/>
+      </p:nvGrpSpPr>
+      <p:grpSpPr>
+        <a:xfrm>
+          <a:off x="0" y="0"/>
+          <a:ext cx="0" cy="0"/>
+          <a:chOff x="0" y="0"/>
+          <a:chExt cx="0" cy="0"/>
+        </a:xfrm>
+      </p:grpSpPr>
+      <p:sp>
+        <p:nvSpPr>
+          <p:cNvPr id="2" name="Title 1">
+            <a:extLst>
+              <a:ext uri="{FF2B5EF4-FFF2-40B4-BE49-F238E27FC236}">
+                <a16:creationId xmlns:a16="http://schemas.microsoft.com/office/drawing/2014/main" id="{61179D2D-801C-4EE8-A452-FEEBAB97827A}"/>
+              </a:ext>
+            </a:extLst>
+          </p:cNvPr>
+          <p:cNvSpPr>
+            <a:spLocks noGrp="1"/>
+          </p:cNvSpPr>
+          <p:nvPr>
+            <p:ph type="title"/>
+          </p:nvPr>
+        </p:nvSpPr>
+        <p:spPr/>
+        <p:txBody>
+          <a:bodyPr/>
+          <a:lstStyle/>
+          <a:p>
+            <a:r>
+              <a:rPr lang="en-US" dirty="0"/>
+              <a:t>Post Printing</a:t>
+            </a:r>
+            <a:endParaRPr lang="fr-CA" dirty="0"/>
+          </a:p>
+        </p:txBody>
+      </p:sp>
+      <p:sp>
+        <p:nvSpPr>
+          <p:cNvPr id="4" name="Text Placeholder 3">
+            <a:extLst>
+              <a:ext uri="{FF2B5EF4-FFF2-40B4-BE49-F238E27FC236}">
+                <a16:creationId xmlns:a16="http://schemas.microsoft.com/office/drawing/2014/main" id="{6C4C9579-17E8-4B90-A0AC-8E6A0551F6C7}"/>
+              </a:ext>
+            </a:extLst>
+          </p:cNvPr>
+          <p:cNvSpPr>
+            <a:spLocks noGrp="1"/>
+          </p:cNvSpPr>
+          <p:nvPr>
+            <p:ph type="body" sz="half" idx="2"/>
+          </p:nvPr>
+        </p:nvSpPr>
+        <p:spPr/>
+        <p:txBody>
+          <a:bodyPr/>
+          <a:lstStyle/>
+          <a:p>
+            <a:endParaRPr lang="fr-CA"/>
+          </a:p>
+        </p:txBody>
+      </p:sp>
+      <p:pic>
+        <p:nvPicPr>
+          <p:cNvPr id="10" name="Picture 9">
+            <a:extLst>
+              <a:ext uri="{FF2B5EF4-FFF2-40B4-BE49-F238E27FC236}">
+                <a16:creationId xmlns:a16="http://schemas.microsoft.com/office/drawing/2014/main" id="{7A7C9B36-7F1C-4532-A3D9-54A8700FC300}"/>
+              </a:ext>
+            </a:extLst>
+          </p:cNvPr>
+          <p:cNvPicPr>
+            <a:picLocks noChangeAspect="1"/>
+          </p:cNvPicPr>
+          <p:nvPr/>
+        </p:nvPicPr>
+        <p:blipFill>
+          <a:blip r:embed="rId2"/>
+          <a:stretch>
+            <a:fillRect/>
+          </a:stretch>
+        </p:blipFill>
+        <p:spPr>
+          <a:xfrm>
+            <a:off x="3587420" y="1311445"/>
+            <a:ext cx="8115231" cy="4235110"/>
+          </a:xfrm>
+          <a:prstGeom prst="rect">
+            <a:avLst/>
+          </a:prstGeom>
+        </p:spPr>
+      </p:pic>
+    </p:spTree>
+    <p:extLst>
+      <p:ext uri="{BB962C8B-B14F-4D97-AF65-F5344CB8AC3E}">
+        <p14:creationId xmlns:p14="http://schemas.microsoft.com/office/powerpoint/2010/main" val="4089766087"/>
+      </p:ext>
+    </p:extLst>
+  </p:cSld>
+  <p:clrMapOvr>
+    <a:masterClrMapping/>
+  </p:clrMapOvr>
+</p:sld>
+</file>
+
+<file path=ppt/slides/slide13.xml><?xml version="1.0" encoding="utf-8"?>
+<p:sld xmlns:a="http://schemas.openxmlformats.org/drawingml/2006/main" xmlns:r="http://schemas.openxmlformats.org/officeDocument/2006/relationships" xmlns:p="http://schemas.openxmlformats.org/presentationml/2006/main">
+  <p:cSld>
+    <p:spTree>
+      <p:nvGrpSpPr>
+        <p:cNvPr id="1" name=""/>
+        <p:cNvGrpSpPr/>
+        <p:nvPr/>
+      </p:nvGrpSpPr>
+      <p:grpSpPr>
+        <a:xfrm>
+          <a:off x="0" y="0"/>
+          <a:ext cx="0" cy="0"/>
+          <a:chOff x="0" y="0"/>
+          <a:chExt cx="0" cy="0"/>
+        </a:xfrm>
+      </p:grpSpPr>
+      <p:sp>
+        <p:nvSpPr>
+          <p:cNvPr id="2" name="Title 1">
+            <a:extLst>
+              <a:ext uri="{FF2B5EF4-FFF2-40B4-BE49-F238E27FC236}">
+                <a16:creationId xmlns:a16="http://schemas.microsoft.com/office/drawing/2014/main" id="{6F03E9D7-C0D2-45C9-BECD-CEBE9C1D961B}"/>
+              </a:ext>
+            </a:extLst>
+          </p:cNvPr>
+          <p:cNvSpPr>
+            <a:spLocks noGrp="1"/>
+          </p:cNvSpPr>
+          <p:nvPr>
+            <p:ph type="title"/>
+          </p:nvPr>
+        </p:nvSpPr>
+        <p:spPr/>
+        <p:txBody>
+          <a:bodyPr/>
+          <a:lstStyle/>
+          <a:p>
+            <a:r>
+              <a:rPr lang="en-US" dirty="0"/>
+              <a:t>Reoccurring programs</a:t>
+            </a:r>
+            <a:endParaRPr lang="fr-CA" dirty="0"/>
+          </a:p>
+        </p:txBody>
+      </p:sp>
+      <p:graphicFrame>
+        <p:nvGraphicFramePr>
+          <p:cNvPr id="5" name="Content Placeholder 4">
+            <a:extLst>
+              <a:ext uri="{FF2B5EF4-FFF2-40B4-BE49-F238E27FC236}">
+                <a16:creationId xmlns:a16="http://schemas.microsoft.com/office/drawing/2014/main" id="{8F68204E-F95C-4EE6-84D7-A7FE7E2FAB7F}"/>
+              </a:ext>
+            </a:extLst>
+          </p:cNvPr>
+          <p:cNvGraphicFramePr>
+            <a:graphicFrameLocks noGrp="1"/>
+          </p:cNvGraphicFramePr>
+          <p:nvPr>
+            <p:ph idx="1"/>
+            <p:extLst>
+              <p:ext uri="{D42A27DB-BD31-4B8C-83A1-F6EECF244321}">
+                <p14:modId xmlns:p14="http://schemas.microsoft.com/office/powerpoint/2010/main" val="3667617667"/>
+              </p:ext>
+            </p:extLst>
+          </p:nvPr>
+        </p:nvGraphicFramePr>
+        <p:xfrm>
+          <a:off x="3867150" y="868363"/>
+          <a:ext cx="7315200" cy="5121275"/>
+        </p:xfrm>
+        <a:graphic>
+          <a:graphicData uri="http://schemas.openxmlformats.org/drawingml/2006/diagram">
+            <dgm:relIds xmlns:dgm="http://schemas.openxmlformats.org/drawingml/2006/diagram" xmlns:r="http://schemas.openxmlformats.org/officeDocument/2006/relationships" r:dm="rId2" r:lo="rId3" r:qs="rId4" r:cs="rId5"/>
+          </a:graphicData>
+        </a:graphic>
+      </p:graphicFrame>
+      <p:sp>
+        <p:nvSpPr>
+          <p:cNvPr id="4" name="Text Placeholder 3">
+            <a:extLst>
+              <a:ext uri="{FF2B5EF4-FFF2-40B4-BE49-F238E27FC236}">
+                <a16:creationId xmlns:a16="http://schemas.microsoft.com/office/drawing/2014/main" id="{734A07F1-973D-4E00-ACA7-9FE52C52E28B}"/>
+              </a:ext>
+            </a:extLst>
+          </p:cNvPr>
+          <p:cNvSpPr>
+            <a:spLocks noGrp="1"/>
+          </p:cNvSpPr>
+          <p:nvPr>
+            <p:ph type="body" sz="half" idx="2"/>
+          </p:nvPr>
+        </p:nvSpPr>
+        <p:spPr/>
+        <p:txBody>
+          <a:bodyPr/>
+          <a:lstStyle/>
+          <a:p>
+            <a:r>
+              <a:rPr lang="en-US" dirty="0"/>
+              <a:t>Need to be setup via Windows Task Scheduler </a:t>
+            </a:r>
+            <a:endParaRPr lang="fr-CA" dirty="0"/>
+          </a:p>
+        </p:txBody>
+      </p:sp>
+    </p:spTree>
+    <p:extLst>
+      <p:ext uri="{BB962C8B-B14F-4D97-AF65-F5344CB8AC3E}">
+        <p14:creationId xmlns:p14="http://schemas.microsoft.com/office/powerpoint/2010/main" val="2626867415"/>
+      </p:ext>
+    </p:extLst>
+  </p:cSld>
+  <p:clrMapOvr>
+    <a:masterClrMapping/>
+  </p:clrMapOvr>
+</p:sld>
+</file>
+
+<file path=ppt/slides/slide14.xml><?xml version="1.0" encoding="utf-8"?>
+<p:sld xmlns:a="http://schemas.openxmlformats.org/drawingml/2006/main" xmlns:r="http://schemas.openxmlformats.org/officeDocument/2006/relationships" xmlns:p="http://schemas.openxmlformats.org/presentationml/2006/main">
+  <p:cSld>
+    <p:spTree>
+      <p:nvGrpSpPr>
+        <p:cNvPr id="1" name=""/>
+        <p:cNvGrpSpPr/>
+        <p:nvPr/>
+      </p:nvGrpSpPr>
+      <p:grpSpPr>
+        <a:xfrm>
+          <a:off x="0" y="0"/>
+          <a:ext cx="0" cy="0"/>
+          <a:chOff x="0" y="0"/>
+          <a:chExt cx="0" cy="0"/>
+        </a:xfrm>
+      </p:grpSpPr>
+      <p:sp>
+        <p:nvSpPr>
+          <p:cNvPr id="2" name="Title 1">
+            <a:extLst>
+              <a:ext uri="{FF2B5EF4-FFF2-40B4-BE49-F238E27FC236}">
                 <a16:creationId xmlns:a16="http://schemas.microsoft.com/office/drawing/2014/main" id="{BEDB5C02-A62B-4368-9609-8A357DC152DD}"/>
               </a:ext>
             </a:extLst>
@@ -21061,7 +21608,7 @@
 </p:sld>
 </file>
 
-<file path=ppt/slides/slide11.xml><?xml version="1.0" encoding="utf-8"?>
+<file path=ppt/slides/slide15.xml><?xml version="1.0" encoding="utf-8"?>
 <p:sld xmlns:a="http://schemas.openxmlformats.org/drawingml/2006/main" xmlns:r="http://schemas.openxmlformats.org/officeDocument/2006/relationships" xmlns:p="http://schemas.openxmlformats.org/presentationml/2006/main">
   <p:cSld>
     <p:spTree>
@@ -21156,7 +21703,7 @@
           <a:p>
             <a:r>
               <a:rPr lang="en-US" dirty="0"/>
-              <a:t>Scanner needs to preamble with F10</a:t>
+              <a:t>Scanner needs to preamble with F9</a:t>
             </a:r>
           </a:p>
           <a:p>
@@ -21168,7 +21715,7 @@
           <a:p>
             <a:r>
               <a:rPr lang="en-US" dirty="0"/>
-              <a:t>User needs to type number of prints they want, defaulted to 1 currently *</a:t>
+              <a:t>User needs to type number of prints they want, defaulted to 1 pending SQL</a:t>
             </a:r>
           </a:p>
           <a:p>
@@ -21196,18 +21743,13 @@
               <a:rPr lang="en-US" dirty="0"/>
               <a:t>Easily found in code of scannerUsageCheck.cpp</a:t>
             </a:r>
-            <a:endParaRPr lang="en-US" dirty="0">
-              <a:hlinkClick r:id="rId2"/>
-            </a:endParaRPr>
           </a:p>
           <a:p>
+            <a:pPr lvl="1"/>
             <a:r>
-              <a:rPr lang="en-US" dirty="0">
-                <a:hlinkClick r:id="rId2"/>
-              </a:rPr>
-              <a:t>https://github.com/pixustechnologies/labelSerialNumberProject</a:t>
+              <a:rPr lang="en-US" dirty="0"/>
+              <a:t>Then compiled again</a:t>
             </a:r>
-            <a:endParaRPr lang="en-US" dirty="0"/>
           </a:p>
         </p:txBody>
       </p:sp>
@@ -21224,7 +21766,7 @@
 </p:sld>
 </file>
 
-<file path=ppt/slides/slide12.xml><?xml version="1.0" encoding="utf-8"?>
+<file path=ppt/slides/slide16.xml><?xml version="1.0" encoding="utf-8"?>
 <p:sld xmlns:a="http://schemas.openxmlformats.org/drawingml/2006/main" xmlns:r="http://schemas.openxmlformats.org/officeDocument/2006/relationships" xmlns:p="http://schemas.openxmlformats.org/presentationml/2006/main">
   <p:cSld>
     <p:spTree>
@@ -21265,7 +21807,15 @@
             <a:pPr algn="ctr"/>
             <a:r>
               <a:rPr lang="en-US" dirty="0"/>
-              <a:t>Technical Debt 2</a:t>
+              <a:t>Technical Debt </a:t>
+            </a:r>
+            <a:r>
+              <a:rPr lang="en-US" dirty="0" err="1"/>
+              <a:t>Cont</a:t>
+            </a:r>
+            <a:r>
+              <a:rPr lang="en-US" dirty="0"/>
+              <a:t>…</a:t>
             </a:r>
             <a:endParaRPr lang="fr-CA" dirty="0"/>
           </a:p>
@@ -21294,7 +21844,32 @@
           <a:p>
             <a:r>
               <a:rPr lang="en-US" dirty="0"/>
-              <a:t>A</a:t>
+              <a:t>Location of data and relevant files is hyper dependent on code</a:t>
+            </a:r>
+          </a:p>
+          <a:p>
+            <a:r>
+              <a:rPr lang="en-US" dirty="0"/>
+              <a:t>System will be hard to move between computers</a:t>
+            </a:r>
+          </a:p>
+          <a:p>
+            <a:r>
+              <a:rPr lang="en-US" dirty="0"/>
+              <a:t>Report extract is impossible to work with</a:t>
+            </a:r>
+          </a:p>
+          <a:p>
+            <a:r>
+              <a:rPr lang="en-US" dirty="0"/>
+              <a:t>Crystal reports wont intake a text file easily, serial number is being imported as a parameter from visual cut</a:t>
+            </a:r>
+          </a:p>
+          <a:p>
+            <a:pPr lvl="1"/>
+            <a:r>
+              <a:rPr lang="en-US" dirty="0"/>
+              <a:t>Tried ODBC text file</a:t>
             </a:r>
           </a:p>
           <a:p>
@@ -21321,7 +21896,7 @@
 </p:sld>
 </file>
 
-<file path=ppt/slides/slide13.xml><?xml version="1.0" encoding="utf-8"?>
+<file path=ppt/slides/slide17.xml><?xml version="1.0" encoding="utf-8"?>
 <p:sld xmlns:a="http://schemas.openxmlformats.org/drawingml/2006/main" xmlns:r="http://schemas.openxmlformats.org/officeDocument/2006/relationships" xmlns:p="http://schemas.openxmlformats.org/presentationml/2006/main">
   <p:cSld>
     <p:spTree>
@@ -21365,7 +21940,7 @@
             </a:r>
             <a:r>
               <a:rPr lang="en-US" dirty="0"/>
-              <a:t> account</a:t>
+              <a:t> account details</a:t>
             </a:r>
             <a:endParaRPr lang="fr-CA" dirty="0"/>
           </a:p>
@@ -21413,7 +21988,7 @@
 </p:sld>
 </file>
 
-<file path=ppt/slides/slide14.xml><?xml version="1.0" encoding="utf-8"?>
+<file path=ppt/slides/slide18.xml><?xml version="1.0" encoding="utf-8"?>
 <p:sld xmlns:a="http://schemas.openxmlformats.org/drawingml/2006/main" xmlns:r="http://schemas.openxmlformats.org/officeDocument/2006/relationships" xmlns:p="http://schemas.openxmlformats.org/presentationml/2006/main">
   <p:cSld>
     <p:spTree>
@@ -21457,7 +22032,7 @@
             </a:r>
             <a:r>
               <a:rPr lang="en-US" dirty="0"/>
-              <a:t> Account</a:t>
+              <a:t> account details</a:t>
             </a:r>
             <a:endParaRPr lang="fr-CA" dirty="0"/>
           </a:p>
@@ -21580,10 +22155,10 @@
       </p:sp>
       <p:pic>
         <p:nvPicPr>
-          <p:cNvPr id="6" name="Picture 5">
+          <p:cNvPr id="8" name="Picture 7">
             <a:extLst>
               <a:ext uri="{FF2B5EF4-FFF2-40B4-BE49-F238E27FC236}">
-                <a16:creationId xmlns:a16="http://schemas.microsoft.com/office/drawing/2014/main" id="{CBCA6F81-F4C6-4E3E-AE9D-D544C93530BA}"/>
+                <a16:creationId xmlns:a16="http://schemas.microsoft.com/office/drawing/2014/main" id="{5DC55BB6-4905-4058-A1A3-E55A95185973}"/>
               </a:ext>
             </a:extLst>
           </p:cNvPr>
@@ -21600,8 +22175,8 @@
         </p:blipFill>
         <p:spPr>
           <a:xfrm>
-            <a:off x="3553865" y="763524"/>
-            <a:ext cx="7996430" cy="5330952"/>
+            <a:off x="3692560" y="775981"/>
+            <a:ext cx="7979783" cy="5306037"/>
           </a:xfrm>
           <a:prstGeom prst="rect">
             <a:avLst/>
@@ -21694,10 +22269,10 @@
       </p:sp>
       <p:pic>
         <p:nvPicPr>
-          <p:cNvPr id="7" name="Picture 6">
+          <p:cNvPr id="5" name="Picture 4">
             <a:extLst>
               <a:ext uri="{FF2B5EF4-FFF2-40B4-BE49-F238E27FC236}">
-                <a16:creationId xmlns:a16="http://schemas.microsoft.com/office/drawing/2014/main" id="{272D22D8-054F-4BEA-A4BF-386FD196E98B}"/>
+                <a16:creationId xmlns:a16="http://schemas.microsoft.com/office/drawing/2014/main" id="{08EC3C67-21F3-4A32-937C-4E2FF61CCD21}"/>
               </a:ext>
             </a:extLst>
           </p:cNvPr>
@@ -21714,8 +22289,8 @@
         </p:blipFill>
         <p:spPr>
           <a:xfrm>
-            <a:off x="3646146" y="759629"/>
-            <a:ext cx="7973802" cy="5338742"/>
+            <a:off x="3548543" y="747630"/>
+            <a:ext cx="8065113" cy="5362739"/>
           </a:xfrm>
           <a:prstGeom prst="rect">
             <a:avLst/>
@@ -21825,16 +22400,25 @@
               <a:rPr lang="en-US" dirty="0"/>
               <a:t>Spacing?</a:t>
             </a:r>
+          </a:p>
+          <a:p>
+            <a:r>
+              <a:rPr lang="en-US" dirty="0"/>
+              <a:t>Not enough SN per Orders?</a:t>
+            </a:r>
+            <a:endParaRPr lang="fr-CA" dirty="0"/>
+          </a:p>
+          <a:p>
             <a:endParaRPr lang="fr-CA" dirty="0"/>
           </a:p>
         </p:txBody>
       </p:sp>
       <p:pic>
         <p:nvPicPr>
-          <p:cNvPr id="13" name="Picture 12">
+          <p:cNvPr id="5" name="Picture 4">
             <a:extLst>
               <a:ext uri="{FF2B5EF4-FFF2-40B4-BE49-F238E27FC236}">
-                <a16:creationId xmlns:a16="http://schemas.microsoft.com/office/drawing/2014/main" id="{4C972FD7-027D-480D-8207-745B0BF055CE}"/>
+                <a16:creationId xmlns:a16="http://schemas.microsoft.com/office/drawing/2014/main" id="{9EE89808-8709-4562-8462-64509626BE3E}"/>
               </a:ext>
             </a:extLst>
           </p:cNvPr>
@@ -21843,16 +22427,15 @@
           </p:cNvPicPr>
           <p:nvPr/>
         </p:nvPicPr>
-        <p:blipFill>
+        <p:blipFill rotWithShape="1">
           <a:blip r:embed="rId2"/>
-          <a:stretch>
-            <a:fillRect/>
-          </a:stretch>
+          <a:srcRect b="9091"/>
+          <a:stretch/>
         </p:blipFill>
         <p:spPr>
           <a:xfrm>
-            <a:off x="3570644" y="767420"/>
-            <a:ext cx="8115230" cy="5042280"/>
+            <a:off x="3836512" y="755009"/>
+            <a:ext cx="7770623" cy="5327009"/>
           </a:xfrm>
           <a:prstGeom prst="rect">
             <a:avLst/>
@@ -21980,7 +22563,20 @@
               <a:rPr lang="en-US" dirty="0"/>
               <a:t>Spacing?</a:t>
             </a:r>
-            <a:endParaRPr lang="fr-CA" dirty="0"/>
+          </a:p>
+          <a:p>
+            <a:r>
+              <a:rPr lang="en-US" dirty="0"/>
+              <a:t>Not enough SN per Orders?</a:t>
+            </a:r>
+            <a:br>
+              <a:rPr lang="fr-CA" dirty="0"/>
+            </a:br>
+            <a:r>
+              <a:rPr lang="fr-CA" dirty="0"/>
+              <a:t>-alt for reprint?</a:t>
+            </a:r>
+            <a:endParaRPr lang="en-US" dirty="0"/>
           </a:p>
         </p:txBody>
       </p:sp>
@@ -22206,7 +22802,7 @@
             <p:ph idx="1"/>
             <p:extLst>
               <p:ext uri="{D42A27DB-BD31-4B8C-83A1-F6EECF244321}">
-                <p14:modId xmlns:p14="http://schemas.microsoft.com/office/powerpoint/2010/main" val="445049179"/>
+                <p14:modId xmlns:p14="http://schemas.microsoft.com/office/powerpoint/2010/main" val="2805922393"/>
               </p:ext>
             </p:extLst>
           </p:nvPr>
@@ -22248,13 +22844,13 @@
             </a:r>
             <a:r>
               <a:rPr lang="en-US" dirty="0"/>
-              <a:t> will search for Ctrl+F10 to start the program</a:t>
+              <a:t> will search for Ctrl+F9 to start the program</a:t>
             </a:r>
           </a:p>
           <a:p>
             <a:r>
               <a:rPr lang="en-US" dirty="0"/>
-              <a:t>Scanners will automatically press F10, user must hold Ctrl</a:t>
+              <a:t>Scanners will automatically press F9, user must hold Ctrl</a:t>
             </a:r>
           </a:p>
           <a:p>
@@ -22346,7 +22942,7 @@
             <p:ph idx="1"/>
             <p:extLst>
               <p:ext uri="{D42A27DB-BD31-4B8C-83A1-F6EECF244321}">
-                <p14:modId xmlns:p14="http://schemas.microsoft.com/office/powerpoint/2010/main" val="1659771835"/>
+                <p14:modId xmlns:p14="http://schemas.microsoft.com/office/powerpoint/2010/main" val="3305338273"/>
               </p:ext>
             </p:extLst>
           </p:nvPr>
@@ -22424,7 +23020,7 @@
           <p:cNvPr id="2" name="Title 1">
             <a:extLst>
               <a:ext uri="{FF2B5EF4-FFF2-40B4-BE49-F238E27FC236}">
-                <a16:creationId xmlns:a16="http://schemas.microsoft.com/office/drawing/2014/main" id="{6F03E9D7-C0D2-45C9-BECD-CEBE9C1D961B}"/>
+                <a16:creationId xmlns:a16="http://schemas.microsoft.com/office/drawing/2014/main" id="{C376B12C-079A-499A-8094-BEB67BEA8687}"/>
               </a:ext>
             </a:extLst>
           </p:cNvPr>
@@ -22441,50 +23037,23 @@
           <a:lstStyle/>
           <a:p>
             <a:r>
+              <a:rPr lang="en-US" dirty="0" err="1"/>
+              <a:t>AutoHotkey</a:t>
+            </a:r>
+            <a:r>
               <a:rPr lang="en-US" dirty="0"/>
-              <a:t>Reoccurring programs</a:t>
+              <a:t> Running</a:t>
             </a:r>
             <a:endParaRPr lang="fr-CA" dirty="0"/>
           </a:p>
         </p:txBody>
       </p:sp>
-      <p:graphicFrame>
-        <p:nvGraphicFramePr>
-          <p:cNvPr id="5" name="Content Placeholder 4">
-            <a:extLst>
-              <a:ext uri="{FF2B5EF4-FFF2-40B4-BE49-F238E27FC236}">
-                <a16:creationId xmlns:a16="http://schemas.microsoft.com/office/drawing/2014/main" id="{8F68204E-F95C-4EE6-84D7-A7FE7E2FAB7F}"/>
-              </a:ext>
-            </a:extLst>
-          </p:cNvPr>
-          <p:cNvGraphicFramePr>
-            <a:graphicFrameLocks noGrp="1"/>
-          </p:cNvGraphicFramePr>
-          <p:nvPr>
-            <p:ph idx="1"/>
-            <p:extLst>
-              <p:ext uri="{D42A27DB-BD31-4B8C-83A1-F6EECF244321}">
-                <p14:modId xmlns:p14="http://schemas.microsoft.com/office/powerpoint/2010/main" val="3667617667"/>
-              </p:ext>
-            </p:extLst>
-          </p:nvPr>
-        </p:nvGraphicFramePr>
-        <p:xfrm>
-          <a:off x="3867150" y="868363"/>
-          <a:ext cx="7315200" cy="5121275"/>
-        </p:xfrm>
-        <a:graphic>
-          <a:graphicData uri="http://schemas.openxmlformats.org/drawingml/2006/diagram">
-            <dgm:relIds xmlns:dgm="http://schemas.openxmlformats.org/drawingml/2006/diagram" xmlns:r="http://schemas.openxmlformats.org/officeDocument/2006/relationships" r:dm="rId2" r:lo="rId3" r:qs="rId4" r:cs="rId5"/>
-          </a:graphicData>
-        </a:graphic>
-      </p:graphicFrame>
       <p:sp>
         <p:nvSpPr>
           <p:cNvPr id="4" name="Text Placeholder 3">
             <a:extLst>
               <a:ext uri="{FF2B5EF4-FFF2-40B4-BE49-F238E27FC236}">
-                <a16:creationId xmlns:a16="http://schemas.microsoft.com/office/drawing/2014/main" id="{734A07F1-973D-4E00-ACA7-9FE52C52E28B}"/>
+                <a16:creationId xmlns:a16="http://schemas.microsoft.com/office/drawing/2014/main" id="{B059A18B-9299-4AD4-AF09-AAA8C675F5CF}"/>
               </a:ext>
             </a:extLst>
           </p:cNvPr>
@@ -22500,18 +23069,44 @@
           <a:bodyPr/>
           <a:lstStyle/>
           <a:p>
-            <a:r>
-              <a:rPr lang="en-US" dirty="0"/>
-              <a:t>Need to be setup via Windows Task Scheduler </a:t>
-            </a:r>
-            <a:endParaRPr lang="fr-CA" dirty="0"/>
+            <a:endParaRPr lang="fr-CA"/>
           </a:p>
         </p:txBody>
       </p:sp>
+      <p:pic>
+        <p:nvPicPr>
+          <p:cNvPr id="8" name="Picture 7">
+            <a:extLst>
+              <a:ext uri="{FF2B5EF4-FFF2-40B4-BE49-F238E27FC236}">
+                <a16:creationId xmlns:a16="http://schemas.microsoft.com/office/drawing/2014/main" id="{8310F9D6-F365-4576-B882-DFF02B8C4CFF}"/>
+              </a:ext>
+            </a:extLst>
+          </p:cNvPr>
+          <p:cNvPicPr>
+            <a:picLocks noChangeAspect="1"/>
+          </p:cNvPicPr>
+          <p:nvPr/>
+        </p:nvPicPr>
+        <p:blipFill>
+          <a:blip r:embed="rId2"/>
+          <a:stretch>
+            <a:fillRect/>
+          </a:stretch>
+        </p:blipFill>
+        <p:spPr>
+          <a:xfrm>
+            <a:off x="3724712" y="1292270"/>
+            <a:ext cx="7896894" cy="4456339"/>
+          </a:xfrm>
+          <a:prstGeom prst="rect">
+            <a:avLst/>
+          </a:prstGeom>
+        </p:spPr>
+      </p:pic>
     </p:spTree>
     <p:extLst>
       <p:ext uri="{BB962C8B-B14F-4D97-AF65-F5344CB8AC3E}">
-        <p14:creationId xmlns:p14="http://schemas.microsoft.com/office/powerpoint/2010/main" val="2626867415"/>
+        <p14:creationId xmlns:p14="http://schemas.microsoft.com/office/powerpoint/2010/main" val="1914247205"/>
       </p:ext>
     </p:extLst>
   </p:cSld>

--- a/LabelSerialNumberChangeProposal.pptx
+++ b/LabelSerialNumberChangeProposal.pptx
@@ -3968,7 +3968,7 @@
           </a:br>
           <a:r>
             <a:rPr lang="en-US" dirty="0"/>
-            <a:t>+2 .</a:t>
+            <a:t>+3 .</a:t>
           </a:r>
           <a:r>
             <a:rPr lang="en-US" dirty="0" err="1"/>
@@ -4027,58 +4027,6 @@
       </dgm:t>
     </dgm:pt>
     <dgm:pt modelId="{8B6F1219-C0C9-42EE-A202-422710B569C5}" type="sibTrans" cxnId="{DB621BB4-1721-46CA-9C90-60643B419F26}">
-      <dgm:prSet/>
-      <dgm:spPr/>
-      <dgm:t>
-        <a:bodyPr/>
-        <a:lstStyle/>
-        <a:p>
-          <a:endParaRPr lang="fr-CA"/>
-        </a:p>
-      </dgm:t>
-    </dgm:pt>
-    <dgm:pt modelId="{4A4E3E50-38C2-4C3C-AE96-953BA26A11C9}">
-      <dgm:prSet/>
-      <dgm:spPr/>
-      <dgm:t>
-        <a:bodyPr/>
-        <a:lstStyle/>
-        <a:p>
-          <a:r>
-            <a:rPr lang="en-US" dirty="0"/>
-            <a:t>printWIP.bat</a:t>
-          </a:r>
-          <a:br>
-            <a:rPr lang="en-US" dirty="0"/>
-          </a:br>
-          <a:r>
-            <a:rPr lang="en-US" dirty="0"/>
-            <a:t>+2 .</a:t>
-          </a:r>
-          <a:r>
-            <a:rPr lang="en-US" dirty="0" err="1"/>
-            <a:t>rpt</a:t>
-          </a:r>
-          <a:r>
-            <a:rPr lang="en-US" dirty="0"/>
-            <a:t> +.docx</a:t>
-          </a:r>
-          <a:endParaRPr lang="fr-CA" dirty="0"/>
-        </a:p>
-      </dgm:t>
-    </dgm:pt>
-    <dgm:pt modelId="{F4856804-261D-4CA9-AEA7-CB9CCF3B24D3}" type="sibTrans" cxnId="{F1DC65E4-3406-49EF-8BD7-3B43D972B953}">
-      <dgm:prSet/>
-      <dgm:spPr/>
-      <dgm:t>
-        <a:bodyPr/>
-        <a:lstStyle/>
-        <a:p>
-          <a:endParaRPr lang="fr-CA"/>
-        </a:p>
-      </dgm:t>
-    </dgm:pt>
-    <dgm:pt modelId="{F92BA4C8-D8E7-4F76-9AE8-619682ED5A87}" type="parTrans" cxnId="{F1DC65E4-3406-49EF-8BD7-3B43D972B953}">
       <dgm:prSet/>
       <dgm:spPr/>
       <dgm:t>
@@ -4163,7 +4111,7 @@
         </a:p>
       </dgm:t>
     </dgm:pt>
-    <dgm:pt modelId="{DCC0585E-4EEF-477E-9E64-47DB63E3B1F0}">
+    <dgm:pt modelId="{4A4E3E50-38C2-4C3C-AE96-953BA26A11C9}">
       <dgm:prSet/>
       <dgm:spPr/>
       <dgm:t>
@@ -4171,25 +4119,29 @@
         <a:lstStyle/>
         <a:p>
           <a:r>
-            <a:rPr lang="en-US" i="1" dirty="0"/>
-            <a:t>printQA.bat</a:t>
+            <a:rPr lang="en-US" dirty="0"/>
+            <a:t>printWIP.bat</a:t>
           </a:r>
           <a:br>
-            <a:rPr lang="en-US" i="1" dirty="0"/>
+            <a:rPr lang="en-US" dirty="0"/>
           </a:br>
           <a:r>
-            <a:rPr lang="en-US" i="1" dirty="0"/>
-            <a:t>+1 .</a:t>
+            <a:rPr lang="en-US" dirty="0"/>
+            <a:t>+2 .</a:t>
           </a:r>
           <a:r>
-            <a:rPr lang="en-US" i="1" dirty="0" err="1"/>
+            <a:rPr lang="en-US" dirty="0" err="1"/>
             <a:t>rpt</a:t>
           </a:r>
-          <a:endParaRPr lang="fr-CA" i="1" dirty="0"/>
+          <a:r>
+            <a:rPr lang="en-US" dirty="0"/>
+            <a:t> +.docx</a:t>
+          </a:r>
+          <a:endParaRPr lang="fr-CA" dirty="0"/>
         </a:p>
       </dgm:t>
     </dgm:pt>
-    <dgm:pt modelId="{5E696FD1-73A9-49CE-9C82-A67D5179851A}" type="parTrans" cxnId="{933C0776-BD08-42D1-ADA6-BA5B5B3BC905}">
+    <dgm:pt modelId="{F4856804-261D-4CA9-AEA7-CB9CCF3B24D3}" type="sibTrans" cxnId="{F1DC65E4-3406-49EF-8BD7-3B43D972B953}">
       <dgm:prSet/>
       <dgm:spPr/>
       <dgm:t>
@@ -4200,7 +4152,7 @@
         </a:p>
       </dgm:t>
     </dgm:pt>
-    <dgm:pt modelId="{D959DD05-460A-431F-803F-199126E0D621}" type="sibTrans" cxnId="{933C0776-BD08-42D1-ADA6-BA5B5B3BC905}">
+    <dgm:pt modelId="{F92BA4C8-D8E7-4F76-9AE8-619682ED5A87}" type="parTrans" cxnId="{F1DC65E4-3406-49EF-8BD7-3B43D972B953}">
       <dgm:prSet/>
       <dgm:spPr/>
       <dgm:t>
@@ -4285,7 +4237,7 @@
       <dgm:spPr/>
     </dgm:pt>
     <dgm:pt modelId="{CA698B96-2FDD-477F-82FD-3398AEE00C53}" type="pres">
-      <dgm:prSet presAssocID="{E91B2509-2172-40BF-92BF-95C71C842B9D}" presName="Name37" presStyleLbl="parChTrans1D3" presStyleIdx="0" presStyleCnt="5"/>
+      <dgm:prSet presAssocID="{E91B2509-2172-40BF-92BF-95C71C842B9D}" presName="Name37" presStyleLbl="parChTrans1D3" presStyleIdx="0" presStyleCnt="4"/>
       <dgm:spPr/>
     </dgm:pt>
     <dgm:pt modelId="{473DEF0C-42E2-4A50-856D-1F839CCF32C4}" type="pres">
@@ -4301,7 +4253,7 @@
       <dgm:spPr/>
     </dgm:pt>
     <dgm:pt modelId="{CB2F9E2B-60EC-401F-A7AE-483C76BC0EC4}" type="pres">
-      <dgm:prSet presAssocID="{C1DA3676-0503-49EC-84DF-0840E579CFEF}" presName="rootText" presStyleLbl="node3" presStyleIdx="0" presStyleCnt="4">
+      <dgm:prSet presAssocID="{C1DA3676-0503-49EC-84DF-0840E579CFEF}" presName="rootText" presStyleLbl="node3" presStyleIdx="0" presStyleCnt="3">
         <dgm:presLayoutVars>
           <dgm:chPref val="3"/>
         </dgm:presLayoutVars>
@@ -4309,7 +4261,7 @@
       <dgm:spPr/>
     </dgm:pt>
     <dgm:pt modelId="{87894099-6401-42BD-9593-FCCC7AE42C49}" type="pres">
-      <dgm:prSet presAssocID="{C1DA3676-0503-49EC-84DF-0840E579CFEF}" presName="rootConnector" presStyleLbl="node3" presStyleIdx="0" presStyleCnt="4"/>
+      <dgm:prSet presAssocID="{C1DA3676-0503-49EC-84DF-0840E579CFEF}" presName="rootConnector" presStyleLbl="node3" presStyleIdx="0" presStyleCnt="3"/>
       <dgm:spPr/>
     </dgm:pt>
     <dgm:pt modelId="{5AB908CA-153D-4CCC-9357-A7CB91FB315D}" type="pres">
@@ -4321,7 +4273,7 @@
       <dgm:spPr/>
     </dgm:pt>
     <dgm:pt modelId="{28A959D3-8E8F-4C33-8E58-743CD226A445}" type="pres">
-      <dgm:prSet presAssocID="{8F3C6AC4-A53B-4B83-A481-13534CEBBE7D}" presName="Name37" presStyleLbl="parChTrans1D3" presStyleIdx="1" presStyleCnt="5"/>
+      <dgm:prSet presAssocID="{8F3C6AC4-A53B-4B83-A481-13534CEBBE7D}" presName="Name37" presStyleLbl="parChTrans1D3" presStyleIdx="1" presStyleCnt="4"/>
       <dgm:spPr/>
     </dgm:pt>
     <dgm:pt modelId="{9942EE3E-75B3-40C5-9515-14C899144BE6}" type="pres">
@@ -4337,7 +4289,7 @@
       <dgm:spPr/>
     </dgm:pt>
     <dgm:pt modelId="{227A2695-8EBE-4628-A9EE-801697A0D3C2}" type="pres">
-      <dgm:prSet presAssocID="{4DE9C598-B23B-4383-915B-55E3A905EC09}" presName="rootText" presStyleLbl="node3" presStyleIdx="1" presStyleCnt="4">
+      <dgm:prSet presAssocID="{4DE9C598-B23B-4383-915B-55E3A905EC09}" presName="rootText" presStyleLbl="node3" presStyleIdx="1" presStyleCnt="3">
         <dgm:presLayoutVars>
           <dgm:chPref val="3"/>
         </dgm:presLayoutVars>
@@ -4345,7 +4297,7 @@
       <dgm:spPr/>
     </dgm:pt>
     <dgm:pt modelId="{EAF98DA0-A25D-4689-9A35-0FB204C4D414}" type="pres">
-      <dgm:prSet presAssocID="{4DE9C598-B23B-4383-915B-55E3A905EC09}" presName="rootConnector" presStyleLbl="node3" presStyleIdx="1" presStyleCnt="4"/>
+      <dgm:prSet presAssocID="{4DE9C598-B23B-4383-915B-55E3A905EC09}" presName="rootConnector" presStyleLbl="node3" presStyleIdx="1" presStyleCnt="3"/>
       <dgm:spPr/>
     </dgm:pt>
     <dgm:pt modelId="{B1130AF9-6FE0-4F08-9475-22188116C08D}" type="pres">
@@ -4392,44 +4344,8 @@
       <dgm:prSet presAssocID="{A7E99E54-94B2-4D9C-82A3-E8D7CBB0FC6A}" presName="hierChild7" presStyleCnt="0"/>
       <dgm:spPr/>
     </dgm:pt>
-    <dgm:pt modelId="{D2C33EE2-902F-4DEC-A486-716BCF9C574A}" type="pres">
-      <dgm:prSet presAssocID="{5E696FD1-73A9-49CE-9C82-A67D5179851A}" presName="Name37" presStyleLbl="parChTrans1D3" presStyleIdx="2" presStyleCnt="5"/>
-      <dgm:spPr/>
-    </dgm:pt>
-    <dgm:pt modelId="{ECCFF307-6359-4DCA-BF55-ED05B5388428}" type="pres">
-      <dgm:prSet presAssocID="{DCC0585E-4EEF-477E-9E64-47DB63E3B1F0}" presName="hierRoot2" presStyleCnt="0">
-        <dgm:presLayoutVars>
-          <dgm:hierBranch val="init"/>
-        </dgm:presLayoutVars>
-      </dgm:prSet>
-      <dgm:spPr/>
-    </dgm:pt>
-    <dgm:pt modelId="{E1A219C8-0B21-4371-AEDF-DFE36A8898FB}" type="pres">
-      <dgm:prSet presAssocID="{DCC0585E-4EEF-477E-9E64-47DB63E3B1F0}" presName="rootComposite" presStyleCnt="0"/>
-      <dgm:spPr/>
-    </dgm:pt>
-    <dgm:pt modelId="{E16286B1-F6DD-435B-8D33-2273810FC772}" type="pres">
-      <dgm:prSet presAssocID="{DCC0585E-4EEF-477E-9E64-47DB63E3B1F0}" presName="rootText" presStyleLbl="node3" presStyleIdx="2" presStyleCnt="4">
-        <dgm:presLayoutVars>
-          <dgm:chPref val="3"/>
-        </dgm:presLayoutVars>
-      </dgm:prSet>
-      <dgm:spPr/>
-    </dgm:pt>
-    <dgm:pt modelId="{05167FCA-E22E-4DDC-A69D-5406D39E103B}" type="pres">
-      <dgm:prSet presAssocID="{DCC0585E-4EEF-477E-9E64-47DB63E3B1F0}" presName="rootConnector" presStyleLbl="node3" presStyleIdx="2" presStyleCnt="4"/>
-      <dgm:spPr/>
-    </dgm:pt>
-    <dgm:pt modelId="{04B065D9-B02C-48CA-909E-658C017FE0CF}" type="pres">
-      <dgm:prSet presAssocID="{DCC0585E-4EEF-477E-9E64-47DB63E3B1F0}" presName="hierChild4" presStyleCnt="0"/>
-      <dgm:spPr/>
-    </dgm:pt>
-    <dgm:pt modelId="{C39E0C51-7389-4934-9866-1F5F14D69376}" type="pres">
-      <dgm:prSet presAssocID="{DCC0585E-4EEF-477E-9E64-47DB63E3B1F0}" presName="hierChild5" presStyleCnt="0"/>
-      <dgm:spPr/>
-    </dgm:pt>
     <dgm:pt modelId="{36F9C691-4B50-4159-9F42-B35EF32A6B44}" type="pres">
-      <dgm:prSet presAssocID="{F92BA4C8-D8E7-4F76-9AE8-619682ED5A87}" presName="Name37" presStyleLbl="parChTrans1D3" presStyleIdx="3" presStyleCnt="5"/>
+      <dgm:prSet presAssocID="{F92BA4C8-D8E7-4F76-9AE8-619682ED5A87}" presName="Name37" presStyleLbl="parChTrans1D3" presStyleIdx="2" presStyleCnt="4"/>
       <dgm:spPr/>
     </dgm:pt>
     <dgm:pt modelId="{312C63B7-2356-4591-A8D8-CB4355394DE3}" type="pres">
@@ -4445,7 +4361,7 @@
       <dgm:spPr/>
     </dgm:pt>
     <dgm:pt modelId="{B7B9E35F-3141-4501-8C8E-ECDBA7C3D699}" type="pres">
-      <dgm:prSet presAssocID="{4A4E3E50-38C2-4C3C-AE96-953BA26A11C9}" presName="rootText" presStyleLbl="node3" presStyleIdx="3" presStyleCnt="4">
+      <dgm:prSet presAssocID="{4A4E3E50-38C2-4C3C-AE96-953BA26A11C9}" presName="rootText" presStyleLbl="node3" presStyleIdx="2" presStyleCnt="3">
         <dgm:presLayoutVars>
           <dgm:chPref val="3"/>
         </dgm:presLayoutVars>
@@ -4453,7 +4369,7 @@
       <dgm:spPr/>
     </dgm:pt>
     <dgm:pt modelId="{7914E8B1-80D5-4A71-9775-0A174E4B78BC}" type="pres">
-      <dgm:prSet presAssocID="{4A4E3E50-38C2-4C3C-AE96-953BA26A11C9}" presName="rootConnector" presStyleLbl="node3" presStyleIdx="3" presStyleCnt="4"/>
+      <dgm:prSet presAssocID="{4A4E3E50-38C2-4C3C-AE96-953BA26A11C9}" presName="rootConnector" presStyleLbl="node3" presStyleIdx="2" presStyleCnt="3"/>
       <dgm:spPr/>
     </dgm:pt>
     <dgm:pt modelId="{9A41BE5B-11A2-49DE-9691-74C1D4BA987E}" type="pres">
@@ -4469,7 +4385,7 @@
       <dgm:spPr/>
     </dgm:pt>
     <dgm:pt modelId="{FC040049-51F5-41BD-8A19-8EF975D2FEC2}" type="pres">
-      <dgm:prSet presAssocID="{F5961BDC-783E-4C07-BC92-9011F5BBD285}" presName="Name111" presStyleLbl="parChTrans1D3" presStyleIdx="4" presStyleCnt="5"/>
+      <dgm:prSet presAssocID="{F5961BDC-783E-4C07-BC92-9011F5BBD285}" presName="Name111" presStyleLbl="parChTrans1D3" presStyleIdx="3" presStyleCnt="4"/>
       <dgm:spPr/>
     </dgm:pt>
     <dgm:pt modelId="{E0DB40E2-3599-401C-9680-5F546B644036}" type="pres">
@@ -4513,16 +4429,13 @@
     <dgm:cxn modelId="{EC288514-5953-4371-B614-67E2587A0632}" type="presOf" srcId="{8F3C6AC4-A53B-4B83-A481-13534CEBBE7D}" destId="{28A959D3-8E8F-4C33-8E58-743CD226A445}" srcOrd="0" destOrd="0" presId="urn:microsoft.com/office/officeart/2005/8/layout/orgChart1"/>
     <dgm:cxn modelId="{E6F4F318-A20C-4F11-A512-B27325BAF16D}" type="presOf" srcId="{1763EED3-26D7-4B0E-B022-1B72A013A70C}" destId="{CDB323ED-45A3-4822-B212-E9401A6C85A9}" srcOrd="1" destOrd="0" presId="urn:microsoft.com/office/officeart/2005/8/layout/orgChart1"/>
     <dgm:cxn modelId="{824EB01B-7989-4B5E-B04F-F041A0FBE0D9}" type="presOf" srcId="{12B359AD-F8D0-452E-9FE6-4E1434D70F15}" destId="{62E9EE9C-9C61-429A-9C9D-4DB0E88E4329}" srcOrd="1" destOrd="0" presId="urn:microsoft.com/office/officeart/2005/8/layout/orgChart1"/>
-    <dgm:cxn modelId="{4D05E120-7DBB-46A6-B2C5-DF7850427A80}" type="presOf" srcId="{5E696FD1-73A9-49CE-9C82-A67D5179851A}" destId="{D2C33EE2-902F-4DEC-A486-716BCF9C574A}" srcOrd="0" destOrd="0" presId="urn:microsoft.com/office/officeart/2005/8/layout/orgChart1"/>
     <dgm:cxn modelId="{D4789563-D13B-4B08-BDCA-385B520F591F}" type="presOf" srcId="{A7BDC5C7-F208-4337-83DA-CEAB2AF8A6E8}" destId="{CA2AF3D0-A783-4F4A-AF16-39637F115AA6}" srcOrd="0" destOrd="0" presId="urn:microsoft.com/office/officeart/2005/8/layout/orgChart1"/>
     <dgm:cxn modelId="{B22BB143-FF24-4728-B175-EA1552D06D94}" type="presOf" srcId="{B11103E8-CD81-40BE-B579-4FCAB035D7D0}" destId="{4E2D0EDB-C4D6-450E-83EA-96CF439066D6}" srcOrd="1" destOrd="0" presId="urn:microsoft.com/office/officeart/2005/8/layout/orgChart1"/>
     <dgm:cxn modelId="{175ED643-4624-4279-9AC0-71B49AB06463}" type="presOf" srcId="{12B359AD-F8D0-452E-9FE6-4E1434D70F15}" destId="{92DD8E95-5792-4CAF-BBE2-B190055FFE9B}" srcOrd="0" destOrd="0" presId="urn:microsoft.com/office/officeart/2005/8/layout/orgChart1"/>
     <dgm:cxn modelId="{19586B45-307A-4F82-965B-3618C233D3C3}" type="presOf" srcId="{C1DA3676-0503-49EC-84DF-0840E579CFEF}" destId="{87894099-6401-42BD-9593-FCCC7AE42C49}" srcOrd="1" destOrd="0" presId="urn:microsoft.com/office/officeart/2005/8/layout/orgChart1"/>
     <dgm:cxn modelId="{198BD745-2D9F-4E83-921B-DBA00E038AA2}" type="presOf" srcId="{1763EED3-26D7-4B0E-B022-1B72A013A70C}" destId="{B7666E4B-FE3C-4B7F-ADE2-C772AB73DAAC}" srcOrd="0" destOrd="0" presId="urn:microsoft.com/office/officeart/2005/8/layout/orgChart1"/>
-    <dgm:cxn modelId="{5F4F376D-5620-4216-AF82-C04C5F55E5B0}" type="presOf" srcId="{DCC0585E-4EEF-477E-9E64-47DB63E3B1F0}" destId="{E16286B1-F6DD-435B-8D33-2273810FC772}" srcOrd="0" destOrd="0" presId="urn:microsoft.com/office/officeart/2005/8/layout/orgChart1"/>
     <dgm:cxn modelId="{56DEE571-1D10-4A28-9146-2F3255577C1A}" srcId="{B11103E8-CD81-40BE-B579-4FCAB035D7D0}" destId="{C1DA3676-0503-49EC-84DF-0840E579CFEF}" srcOrd="0" destOrd="0" parTransId="{E91B2509-2172-40BF-92BF-95C71C842B9D}" sibTransId="{249178E8-CF68-4256-8FB4-C392210D1F0F}"/>
     <dgm:cxn modelId="{1DE58273-423C-4229-8419-B58F7186758D}" type="presOf" srcId="{F92BA4C8-D8E7-4F76-9AE8-619682ED5A87}" destId="{36F9C691-4B50-4159-9F42-B35EF32A6B44}" srcOrd="0" destOrd="0" presId="urn:microsoft.com/office/officeart/2005/8/layout/orgChart1"/>
-    <dgm:cxn modelId="{933C0776-BD08-42D1-ADA6-BA5B5B3BC905}" srcId="{B11103E8-CD81-40BE-B579-4FCAB035D7D0}" destId="{DCC0585E-4EEF-477E-9E64-47DB63E3B1F0}" srcOrd="2" destOrd="0" parTransId="{5E696FD1-73A9-49CE-9C82-A67D5179851A}" sibTransId="{D959DD05-460A-431F-803F-199126E0D621}"/>
     <dgm:cxn modelId="{A0CB5C58-44FD-4B28-8DA0-AC4381DFBDCD}" type="presOf" srcId="{4A4E3E50-38C2-4C3C-AE96-953BA26A11C9}" destId="{B7B9E35F-3141-4501-8C8E-ECDBA7C3D699}" srcOrd="0" destOrd="0" presId="urn:microsoft.com/office/officeart/2005/8/layout/orgChart1"/>
     <dgm:cxn modelId="{67EF6583-DA13-4DCD-B2C7-E01EC5ABDE4A}" srcId="{EC376E4E-E648-41DA-86DB-8DA8BA5FAEC7}" destId="{12B359AD-F8D0-452E-9FE6-4E1434D70F15}" srcOrd="0" destOrd="0" parTransId="{F38279A6-DA67-4CAC-9D98-9FD4DBAA81BE}" sibTransId="{718721CD-C249-4EFA-880F-8D85A96569A0}"/>
     <dgm:cxn modelId="{B6C0118D-A2B4-48B2-9D92-51426B77C601}" type="presOf" srcId="{F5961BDC-783E-4C07-BC92-9011F5BBD285}" destId="{FC040049-51F5-41BD-8A19-8EF975D2FEC2}" srcOrd="0" destOrd="0" presId="urn:microsoft.com/office/officeart/2005/8/layout/orgChart1"/>
@@ -4531,13 +4444,12 @@
     <dgm:cxn modelId="{E964689A-B3A3-4628-A308-30C81D211922}" type="presOf" srcId="{EC376E4E-E648-41DA-86DB-8DA8BA5FAEC7}" destId="{1FB3CEF6-77BB-4E6C-A2DD-4A3F7EC690C5}" srcOrd="0" destOrd="0" presId="urn:microsoft.com/office/officeart/2005/8/layout/orgChart1"/>
     <dgm:cxn modelId="{E02A83A2-B2E9-46F4-AF77-D471A4A0459A}" type="presOf" srcId="{4DE9C598-B23B-4383-915B-55E3A905EC09}" destId="{EAF98DA0-A25D-4689-9A35-0FB204C4D414}" srcOrd="1" destOrd="0" presId="urn:microsoft.com/office/officeart/2005/8/layout/orgChart1"/>
     <dgm:cxn modelId="{169577A9-2FA2-4D9B-B2B3-3293E28A18B5}" srcId="{12B359AD-F8D0-452E-9FE6-4E1434D70F15}" destId="{B11103E8-CD81-40BE-B579-4FCAB035D7D0}" srcOrd="0" destOrd="0" parTransId="{8EAAB40C-C46B-4763-9B19-143C18560BB8}" sibTransId="{066CED9E-DDC2-4B20-81DF-84AEF02375EA}"/>
-    <dgm:cxn modelId="{DB621BB4-1721-46CA-9C90-60643B419F26}" srcId="{B11103E8-CD81-40BE-B579-4FCAB035D7D0}" destId="{1763EED3-26D7-4B0E-B022-1B72A013A70C}" srcOrd="4" destOrd="0" parTransId="{F5961BDC-783E-4C07-BC92-9011F5BBD285}" sibTransId="{8B6F1219-C0C9-42EE-A202-422710B569C5}"/>
+    <dgm:cxn modelId="{DB621BB4-1721-46CA-9C90-60643B419F26}" srcId="{B11103E8-CD81-40BE-B579-4FCAB035D7D0}" destId="{1763EED3-26D7-4B0E-B022-1B72A013A70C}" srcOrd="3" destOrd="0" parTransId="{F5961BDC-783E-4C07-BC92-9011F5BBD285}" sibTransId="{8B6F1219-C0C9-42EE-A202-422710B569C5}"/>
     <dgm:cxn modelId="{8A53A4C3-6031-4734-B3C1-7BBE70A6195C}" type="presOf" srcId="{A7E99E54-94B2-4D9C-82A3-E8D7CBB0FC6A}" destId="{54DB9B34-E7B2-41DC-B13D-F457F995CDFC}" srcOrd="0" destOrd="0" presId="urn:microsoft.com/office/officeart/2005/8/layout/orgChart1"/>
     <dgm:cxn modelId="{2D5715C6-4B16-4AF8-A0C8-2697B477409C}" type="presOf" srcId="{4A4E3E50-38C2-4C3C-AE96-953BA26A11C9}" destId="{7914E8B1-80D5-4A71-9775-0A174E4B78BC}" srcOrd="1" destOrd="0" presId="urn:microsoft.com/office/officeart/2005/8/layout/orgChart1"/>
     <dgm:cxn modelId="{756917CD-3304-41C1-83A7-9955CB260BC6}" type="presOf" srcId="{8EAAB40C-C46B-4763-9B19-143C18560BB8}" destId="{4F485F08-228B-4F23-9920-ED58748DD612}" srcOrd="0" destOrd="0" presId="urn:microsoft.com/office/officeart/2005/8/layout/orgChart1"/>
-    <dgm:cxn modelId="{027DE8CD-8FAF-4678-A5D7-7F37B082E9FC}" type="presOf" srcId="{DCC0585E-4EEF-477E-9E64-47DB63E3B1F0}" destId="{05167FCA-E22E-4DDC-A69D-5406D39E103B}" srcOrd="1" destOrd="0" presId="urn:microsoft.com/office/officeart/2005/8/layout/orgChart1"/>
     <dgm:cxn modelId="{931F97D1-3692-4A52-A385-70D3E0FA82DE}" type="presOf" srcId="{E91B2509-2172-40BF-92BF-95C71C842B9D}" destId="{CA698B96-2FDD-477F-82FD-3398AEE00C53}" srcOrd="0" destOrd="0" presId="urn:microsoft.com/office/officeart/2005/8/layout/orgChart1"/>
-    <dgm:cxn modelId="{F1DC65E4-3406-49EF-8BD7-3B43D972B953}" srcId="{B11103E8-CD81-40BE-B579-4FCAB035D7D0}" destId="{4A4E3E50-38C2-4C3C-AE96-953BA26A11C9}" srcOrd="3" destOrd="0" parTransId="{F92BA4C8-D8E7-4F76-9AE8-619682ED5A87}" sibTransId="{F4856804-261D-4CA9-AEA7-CB9CCF3B24D3}"/>
+    <dgm:cxn modelId="{F1DC65E4-3406-49EF-8BD7-3B43D972B953}" srcId="{B11103E8-CD81-40BE-B579-4FCAB035D7D0}" destId="{4A4E3E50-38C2-4C3C-AE96-953BA26A11C9}" srcOrd="2" destOrd="0" parTransId="{F92BA4C8-D8E7-4F76-9AE8-619682ED5A87}" sibTransId="{F4856804-261D-4CA9-AEA7-CB9CCF3B24D3}"/>
     <dgm:cxn modelId="{9C4E09F7-60C7-4A17-883C-565801E26701}" srcId="{4DE9C598-B23B-4383-915B-55E3A905EC09}" destId="{A7E99E54-94B2-4D9C-82A3-E8D7CBB0FC6A}" srcOrd="0" destOrd="0" parTransId="{A7BDC5C7-F208-4337-83DA-CEAB2AF8A6E8}" sibTransId="{E5ADC721-8733-4901-A13E-0A3C1A6D9EA5}"/>
     <dgm:cxn modelId="{ECEF2BFB-C19C-4668-B0B2-A06335D9AE4F}" type="presOf" srcId="{B11103E8-CD81-40BE-B579-4FCAB035D7D0}" destId="{F58A63D3-C78F-4550-80E7-D69343F847C2}" srcOrd="0" destOrd="0" presId="urn:microsoft.com/office/officeart/2005/8/layout/orgChart1"/>
     <dgm:cxn modelId="{AE87FEFC-59F2-4DF6-8D52-F70F37326785}" type="presOf" srcId="{A7E99E54-94B2-4D9C-82A3-E8D7CBB0FC6A}" destId="{89957609-8B97-47C3-AEE9-6DD7393B124C}" srcOrd="1" destOrd="0" presId="urn:microsoft.com/office/officeart/2005/8/layout/orgChart1"/>
@@ -4574,15 +4486,8 @@
     <dgm:cxn modelId="{95772096-7DBA-4E8C-91C6-4F8A0A64416C}" type="presParOf" srcId="{1ED732C6-4FB8-4A1E-BC80-51448E89ECFB}" destId="{89957609-8B97-47C3-AEE9-6DD7393B124C}" srcOrd="1" destOrd="0" presId="urn:microsoft.com/office/officeart/2005/8/layout/orgChart1"/>
     <dgm:cxn modelId="{2739B281-BD78-4410-BADC-C96574C56CCB}" type="presParOf" srcId="{1A754903-320B-4D58-8D1D-B1046E7A0C09}" destId="{98A76313-0002-4F08-8C2A-2C9E7CF86A01}" srcOrd="1" destOrd="0" presId="urn:microsoft.com/office/officeart/2005/8/layout/orgChart1"/>
     <dgm:cxn modelId="{1040F5D0-2127-428D-B706-9E5757FFC25A}" type="presParOf" srcId="{1A754903-320B-4D58-8D1D-B1046E7A0C09}" destId="{B66ED59C-56CC-4674-9E98-64456A927D23}" srcOrd="2" destOrd="0" presId="urn:microsoft.com/office/officeart/2005/8/layout/orgChart1"/>
-    <dgm:cxn modelId="{8665360A-069C-438B-B348-BE17BDD53A30}" type="presParOf" srcId="{DF366C04-0EC9-45EA-9E59-CA10E9616C42}" destId="{D2C33EE2-902F-4DEC-A486-716BCF9C574A}" srcOrd="4" destOrd="0" presId="urn:microsoft.com/office/officeart/2005/8/layout/orgChart1"/>
-    <dgm:cxn modelId="{210AD954-3BF6-41BA-BF9D-314A1DA0489C}" type="presParOf" srcId="{DF366C04-0EC9-45EA-9E59-CA10E9616C42}" destId="{ECCFF307-6359-4DCA-BF55-ED05B5388428}" srcOrd="5" destOrd="0" presId="urn:microsoft.com/office/officeart/2005/8/layout/orgChart1"/>
-    <dgm:cxn modelId="{FF80E84C-32E4-41F8-AE92-2B365DF8FC17}" type="presParOf" srcId="{ECCFF307-6359-4DCA-BF55-ED05B5388428}" destId="{E1A219C8-0B21-4371-AEDF-DFE36A8898FB}" srcOrd="0" destOrd="0" presId="urn:microsoft.com/office/officeart/2005/8/layout/orgChart1"/>
-    <dgm:cxn modelId="{89AFDE49-FEEF-49F4-A926-EE60B8CFF04C}" type="presParOf" srcId="{E1A219C8-0B21-4371-AEDF-DFE36A8898FB}" destId="{E16286B1-F6DD-435B-8D33-2273810FC772}" srcOrd="0" destOrd="0" presId="urn:microsoft.com/office/officeart/2005/8/layout/orgChart1"/>
-    <dgm:cxn modelId="{40F9ECC6-485F-4032-8331-0A512C8D41DF}" type="presParOf" srcId="{E1A219C8-0B21-4371-AEDF-DFE36A8898FB}" destId="{05167FCA-E22E-4DDC-A69D-5406D39E103B}" srcOrd="1" destOrd="0" presId="urn:microsoft.com/office/officeart/2005/8/layout/orgChart1"/>
-    <dgm:cxn modelId="{A28DB575-C011-4191-8075-82E820FE698A}" type="presParOf" srcId="{ECCFF307-6359-4DCA-BF55-ED05B5388428}" destId="{04B065D9-B02C-48CA-909E-658C017FE0CF}" srcOrd="1" destOrd="0" presId="urn:microsoft.com/office/officeart/2005/8/layout/orgChart1"/>
-    <dgm:cxn modelId="{5A0E0D31-0F75-4FA6-BA31-6F8C67F2952C}" type="presParOf" srcId="{ECCFF307-6359-4DCA-BF55-ED05B5388428}" destId="{C39E0C51-7389-4934-9866-1F5F14D69376}" srcOrd="2" destOrd="0" presId="urn:microsoft.com/office/officeart/2005/8/layout/orgChart1"/>
-    <dgm:cxn modelId="{9198E430-4E3B-4BE6-B09D-89FA0286C30C}" type="presParOf" srcId="{DF366C04-0EC9-45EA-9E59-CA10E9616C42}" destId="{36F9C691-4B50-4159-9F42-B35EF32A6B44}" srcOrd="6" destOrd="0" presId="urn:microsoft.com/office/officeart/2005/8/layout/orgChart1"/>
-    <dgm:cxn modelId="{2B36E909-34B6-4C95-8761-53C7FC7080B9}" type="presParOf" srcId="{DF366C04-0EC9-45EA-9E59-CA10E9616C42}" destId="{312C63B7-2356-4591-A8D8-CB4355394DE3}" srcOrd="7" destOrd="0" presId="urn:microsoft.com/office/officeart/2005/8/layout/orgChart1"/>
+    <dgm:cxn modelId="{9198E430-4E3B-4BE6-B09D-89FA0286C30C}" type="presParOf" srcId="{DF366C04-0EC9-45EA-9E59-CA10E9616C42}" destId="{36F9C691-4B50-4159-9F42-B35EF32A6B44}" srcOrd="4" destOrd="0" presId="urn:microsoft.com/office/officeart/2005/8/layout/orgChart1"/>
+    <dgm:cxn modelId="{2B36E909-34B6-4C95-8761-53C7FC7080B9}" type="presParOf" srcId="{DF366C04-0EC9-45EA-9E59-CA10E9616C42}" destId="{312C63B7-2356-4591-A8D8-CB4355394DE3}" srcOrd="5" destOrd="0" presId="urn:microsoft.com/office/officeart/2005/8/layout/orgChart1"/>
     <dgm:cxn modelId="{72D56477-E19B-4C56-8DCA-ABF4A3C334B7}" type="presParOf" srcId="{312C63B7-2356-4591-A8D8-CB4355394DE3}" destId="{980CD6A4-C2BD-46F1-9817-29D82D14EAD8}" srcOrd="0" destOrd="0" presId="urn:microsoft.com/office/officeart/2005/8/layout/orgChart1"/>
     <dgm:cxn modelId="{A760D4C3-30AD-46E6-BE5F-1C179C8D0BE2}" type="presParOf" srcId="{980CD6A4-C2BD-46F1-9817-29D82D14EAD8}" destId="{B7B9E35F-3141-4501-8C8E-ECDBA7C3D699}" srcOrd="0" destOrd="0" presId="urn:microsoft.com/office/officeart/2005/8/layout/orgChart1"/>
     <dgm:cxn modelId="{0B1DAF5E-956D-45F9-ABE7-38276EE83E97}" type="presParOf" srcId="{980CD6A4-C2BD-46F1-9817-29D82D14EAD8}" destId="{7914E8B1-80D5-4A71-9775-0A174E4B78BC}" srcOrd="1" destOrd="0" presId="urn:microsoft.com/office/officeart/2005/8/layout/orgChart1"/>
@@ -4881,43 +4786,6 @@
         </a:p>
       </dgm:t>
     </dgm:pt>
-    <dgm:pt modelId="{DCC0585E-4EEF-477E-9E64-47DB63E3B1F0}">
-      <dgm:prSet/>
-      <dgm:spPr/>
-      <dgm:t>
-        <a:bodyPr/>
-        <a:lstStyle/>
-        <a:p>
-          <a:r>
-            <a:rPr lang="en-US" i="1" dirty="0"/>
-            <a:t>batch</a:t>
-          </a:r>
-          <a:endParaRPr lang="fr-CA" i="1" dirty="0"/>
-        </a:p>
-      </dgm:t>
-    </dgm:pt>
-    <dgm:pt modelId="{5E696FD1-73A9-49CE-9C82-A67D5179851A}" type="parTrans" cxnId="{933C0776-BD08-42D1-ADA6-BA5B5B3BC905}">
-      <dgm:prSet/>
-      <dgm:spPr/>
-      <dgm:t>
-        <a:bodyPr/>
-        <a:lstStyle/>
-        <a:p>
-          <a:endParaRPr lang="fr-CA"/>
-        </a:p>
-      </dgm:t>
-    </dgm:pt>
-    <dgm:pt modelId="{D959DD05-460A-431F-803F-199126E0D621}" type="sibTrans" cxnId="{933C0776-BD08-42D1-ADA6-BA5B5B3BC905}">
-      <dgm:prSet/>
-      <dgm:spPr/>
-      <dgm:t>
-        <a:bodyPr/>
-        <a:lstStyle/>
-        <a:p>
-          <a:endParaRPr lang="fr-CA"/>
-        </a:p>
-      </dgm:t>
-    </dgm:pt>
     <dgm:pt modelId="{1FB3CEF6-77BB-4E6C-A2DD-4A3F7EC690C5}" type="pres">
       <dgm:prSet presAssocID="{EC376E4E-E648-41DA-86DB-8DA8BA5FAEC7}" presName="hierChild1" presStyleCnt="0">
         <dgm:presLayoutVars>
@@ -4992,7 +4860,7 @@
       <dgm:spPr/>
     </dgm:pt>
     <dgm:pt modelId="{CA698B96-2FDD-477F-82FD-3398AEE00C53}" type="pres">
-      <dgm:prSet presAssocID="{E91B2509-2172-40BF-92BF-95C71C842B9D}" presName="Name37" presStyleLbl="parChTrans1D3" presStyleIdx="0" presStyleCnt="5"/>
+      <dgm:prSet presAssocID="{E91B2509-2172-40BF-92BF-95C71C842B9D}" presName="Name37" presStyleLbl="parChTrans1D3" presStyleIdx="0" presStyleCnt="4"/>
       <dgm:spPr/>
     </dgm:pt>
     <dgm:pt modelId="{473DEF0C-42E2-4A50-856D-1F839CCF32C4}" type="pres">
@@ -5008,7 +4876,7 @@
       <dgm:spPr/>
     </dgm:pt>
     <dgm:pt modelId="{CB2F9E2B-60EC-401F-A7AE-483C76BC0EC4}" type="pres">
-      <dgm:prSet presAssocID="{C1DA3676-0503-49EC-84DF-0840E579CFEF}" presName="rootText" presStyleLbl="node3" presStyleIdx="0" presStyleCnt="4">
+      <dgm:prSet presAssocID="{C1DA3676-0503-49EC-84DF-0840E579CFEF}" presName="rootText" presStyleLbl="node3" presStyleIdx="0" presStyleCnt="3">
         <dgm:presLayoutVars>
           <dgm:chPref val="3"/>
         </dgm:presLayoutVars>
@@ -5016,7 +4884,7 @@
       <dgm:spPr/>
     </dgm:pt>
     <dgm:pt modelId="{87894099-6401-42BD-9593-FCCC7AE42C49}" type="pres">
-      <dgm:prSet presAssocID="{C1DA3676-0503-49EC-84DF-0840E579CFEF}" presName="rootConnector" presStyleLbl="node3" presStyleIdx="0" presStyleCnt="4"/>
+      <dgm:prSet presAssocID="{C1DA3676-0503-49EC-84DF-0840E579CFEF}" presName="rootConnector" presStyleLbl="node3" presStyleIdx="0" presStyleCnt="3"/>
       <dgm:spPr/>
     </dgm:pt>
     <dgm:pt modelId="{5AB908CA-153D-4CCC-9357-A7CB91FB315D}" type="pres">
@@ -5028,7 +4896,7 @@
       <dgm:spPr/>
     </dgm:pt>
     <dgm:pt modelId="{28A959D3-8E8F-4C33-8E58-743CD226A445}" type="pres">
-      <dgm:prSet presAssocID="{8F3C6AC4-A53B-4B83-A481-13534CEBBE7D}" presName="Name37" presStyleLbl="parChTrans1D3" presStyleIdx="1" presStyleCnt="5"/>
+      <dgm:prSet presAssocID="{8F3C6AC4-A53B-4B83-A481-13534CEBBE7D}" presName="Name37" presStyleLbl="parChTrans1D3" presStyleIdx="1" presStyleCnt="4"/>
       <dgm:spPr/>
     </dgm:pt>
     <dgm:pt modelId="{9942EE3E-75B3-40C5-9515-14C899144BE6}" type="pres">
@@ -5044,7 +4912,7 @@
       <dgm:spPr/>
     </dgm:pt>
     <dgm:pt modelId="{227A2695-8EBE-4628-A9EE-801697A0D3C2}" type="pres">
-      <dgm:prSet presAssocID="{4DE9C598-B23B-4383-915B-55E3A905EC09}" presName="rootText" presStyleLbl="node3" presStyleIdx="1" presStyleCnt="4">
+      <dgm:prSet presAssocID="{4DE9C598-B23B-4383-915B-55E3A905EC09}" presName="rootText" presStyleLbl="node3" presStyleIdx="1" presStyleCnt="3">
         <dgm:presLayoutVars>
           <dgm:chPref val="3"/>
         </dgm:presLayoutVars>
@@ -5052,7 +4920,7 @@
       <dgm:spPr/>
     </dgm:pt>
     <dgm:pt modelId="{EAF98DA0-A25D-4689-9A35-0FB204C4D414}" type="pres">
-      <dgm:prSet presAssocID="{4DE9C598-B23B-4383-915B-55E3A905EC09}" presName="rootConnector" presStyleLbl="node3" presStyleIdx="1" presStyleCnt="4"/>
+      <dgm:prSet presAssocID="{4DE9C598-B23B-4383-915B-55E3A905EC09}" presName="rootConnector" presStyleLbl="node3" presStyleIdx="1" presStyleCnt="3"/>
       <dgm:spPr/>
     </dgm:pt>
     <dgm:pt modelId="{B1130AF9-6FE0-4F08-9475-22188116C08D}" type="pres">
@@ -5099,44 +4967,8 @@
       <dgm:prSet presAssocID="{A7E99E54-94B2-4D9C-82A3-E8D7CBB0FC6A}" presName="hierChild7" presStyleCnt="0"/>
       <dgm:spPr/>
     </dgm:pt>
-    <dgm:pt modelId="{D2C33EE2-902F-4DEC-A486-716BCF9C574A}" type="pres">
-      <dgm:prSet presAssocID="{5E696FD1-73A9-49CE-9C82-A67D5179851A}" presName="Name37" presStyleLbl="parChTrans1D3" presStyleIdx="2" presStyleCnt="5"/>
-      <dgm:spPr/>
-    </dgm:pt>
-    <dgm:pt modelId="{ECCFF307-6359-4DCA-BF55-ED05B5388428}" type="pres">
-      <dgm:prSet presAssocID="{DCC0585E-4EEF-477E-9E64-47DB63E3B1F0}" presName="hierRoot2" presStyleCnt="0">
-        <dgm:presLayoutVars>
-          <dgm:hierBranch val="init"/>
-        </dgm:presLayoutVars>
-      </dgm:prSet>
-      <dgm:spPr/>
-    </dgm:pt>
-    <dgm:pt modelId="{E1A219C8-0B21-4371-AEDF-DFE36A8898FB}" type="pres">
-      <dgm:prSet presAssocID="{DCC0585E-4EEF-477E-9E64-47DB63E3B1F0}" presName="rootComposite" presStyleCnt="0"/>
-      <dgm:spPr/>
-    </dgm:pt>
-    <dgm:pt modelId="{E16286B1-F6DD-435B-8D33-2273810FC772}" type="pres">
-      <dgm:prSet presAssocID="{DCC0585E-4EEF-477E-9E64-47DB63E3B1F0}" presName="rootText" presStyleLbl="node3" presStyleIdx="2" presStyleCnt="4">
-        <dgm:presLayoutVars>
-          <dgm:chPref val="3"/>
-        </dgm:presLayoutVars>
-      </dgm:prSet>
-      <dgm:spPr/>
-    </dgm:pt>
-    <dgm:pt modelId="{05167FCA-E22E-4DDC-A69D-5406D39E103B}" type="pres">
-      <dgm:prSet presAssocID="{DCC0585E-4EEF-477E-9E64-47DB63E3B1F0}" presName="rootConnector" presStyleLbl="node3" presStyleIdx="2" presStyleCnt="4"/>
-      <dgm:spPr/>
-    </dgm:pt>
-    <dgm:pt modelId="{04B065D9-B02C-48CA-909E-658C017FE0CF}" type="pres">
-      <dgm:prSet presAssocID="{DCC0585E-4EEF-477E-9E64-47DB63E3B1F0}" presName="hierChild4" presStyleCnt="0"/>
-      <dgm:spPr/>
-    </dgm:pt>
-    <dgm:pt modelId="{C39E0C51-7389-4934-9866-1F5F14D69376}" type="pres">
-      <dgm:prSet presAssocID="{DCC0585E-4EEF-477E-9E64-47DB63E3B1F0}" presName="hierChild5" presStyleCnt="0"/>
-      <dgm:spPr/>
-    </dgm:pt>
     <dgm:pt modelId="{36F9C691-4B50-4159-9F42-B35EF32A6B44}" type="pres">
-      <dgm:prSet presAssocID="{F92BA4C8-D8E7-4F76-9AE8-619682ED5A87}" presName="Name37" presStyleLbl="parChTrans1D3" presStyleIdx="3" presStyleCnt="5"/>
+      <dgm:prSet presAssocID="{F92BA4C8-D8E7-4F76-9AE8-619682ED5A87}" presName="Name37" presStyleLbl="parChTrans1D3" presStyleIdx="2" presStyleCnt="4"/>
       <dgm:spPr/>
     </dgm:pt>
     <dgm:pt modelId="{312C63B7-2356-4591-A8D8-CB4355394DE3}" type="pres">
@@ -5152,7 +4984,7 @@
       <dgm:spPr/>
     </dgm:pt>
     <dgm:pt modelId="{B7B9E35F-3141-4501-8C8E-ECDBA7C3D699}" type="pres">
-      <dgm:prSet presAssocID="{4A4E3E50-38C2-4C3C-AE96-953BA26A11C9}" presName="rootText" presStyleLbl="node3" presStyleIdx="3" presStyleCnt="4">
+      <dgm:prSet presAssocID="{4A4E3E50-38C2-4C3C-AE96-953BA26A11C9}" presName="rootText" presStyleLbl="node3" presStyleIdx="2" presStyleCnt="3">
         <dgm:presLayoutVars>
           <dgm:chPref val="3"/>
         </dgm:presLayoutVars>
@@ -5160,7 +4992,7 @@
       <dgm:spPr/>
     </dgm:pt>
     <dgm:pt modelId="{7914E8B1-80D5-4A71-9775-0A174E4B78BC}" type="pres">
-      <dgm:prSet presAssocID="{4A4E3E50-38C2-4C3C-AE96-953BA26A11C9}" presName="rootConnector" presStyleLbl="node3" presStyleIdx="3" presStyleCnt="4"/>
+      <dgm:prSet presAssocID="{4A4E3E50-38C2-4C3C-AE96-953BA26A11C9}" presName="rootConnector" presStyleLbl="node3" presStyleIdx="2" presStyleCnt="3"/>
       <dgm:spPr/>
     </dgm:pt>
     <dgm:pt modelId="{9A41BE5B-11A2-49DE-9691-74C1D4BA987E}" type="pres">
@@ -5176,7 +5008,7 @@
       <dgm:spPr/>
     </dgm:pt>
     <dgm:pt modelId="{FC040049-51F5-41BD-8A19-8EF975D2FEC2}" type="pres">
-      <dgm:prSet presAssocID="{F5961BDC-783E-4C07-BC92-9011F5BBD285}" presName="Name111" presStyleLbl="parChTrans1D3" presStyleIdx="4" presStyleCnt="5"/>
+      <dgm:prSet presAssocID="{F5961BDC-783E-4C07-BC92-9011F5BBD285}" presName="Name111" presStyleLbl="parChTrans1D3" presStyleIdx="3" presStyleCnt="4"/>
       <dgm:spPr/>
     </dgm:pt>
     <dgm:pt modelId="{E0DB40E2-3599-401C-9680-5F546B644036}" type="pres">
@@ -5220,16 +5052,13 @@
     <dgm:cxn modelId="{EC288514-5953-4371-B614-67E2587A0632}" type="presOf" srcId="{8F3C6AC4-A53B-4B83-A481-13534CEBBE7D}" destId="{28A959D3-8E8F-4C33-8E58-743CD226A445}" srcOrd="0" destOrd="0" presId="urn:microsoft.com/office/officeart/2005/8/layout/orgChart1"/>
     <dgm:cxn modelId="{E6F4F318-A20C-4F11-A512-B27325BAF16D}" type="presOf" srcId="{1763EED3-26D7-4B0E-B022-1B72A013A70C}" destId="{CDB323ED-45A3-4822-B212-E9401A6C85A9}" srcOrd="1" destOrd="0" presId="urn:microsoft.com/office/officeart/2005/8/layout/orgChart1"/>
     <dgm:cxn modelId="{824EB01B-7989-4B5E-B04F-F041A0FBE0D9}" type="presOf" srcId="{12B359AD-F8D0-452E-9FE6-4E1434D70F15}" destId="{62E9EE9C-9C61-429A-9C9D-4DB0E88E4329}" srcOrd="1" destOrd="0" presId="urn:microsoft.com/office/officeart/2005/8/layout/orgChart1"/>
-    <dgm:cxn modelId="{4D05E120-7DBB-46A6-B2C5-DF7850427A80}" type="presOf" srcId="{5E696FD1-73A9-49CE-9C82-A67D5179851A}" destId="{D2C33EE2-902F-4DEC-A486-716BCF9C574A}" srcOrd="0" destOrd="0" presId="urn:microsoft.com/office/officeart/2005/8/layout/orgChart1"/>
     <dgm:cxn modelId="{D4789563-D13B-4B08-BDCA-385B520F591F}" type="presOf" srcId="{A7BDC5C7-F208-4337-83DA-CEAB2AF8A6E8}" destId="{CA2AF3D0-A783-4F4A-AF16-39637F115AA6}" srcOrd="0" destOrd="0" presId="urn:microsoft.com/office/officeart/2005/8/layout/orgChart1"/>
     <dgm:cxn modelId="{B22BB143-FF24-4728-B175-EA1552D06D94}" type="presOf" srcId="{B11103E8-CD81-40BE-B579-4FCAB035D7D0}" destId="{4E2D0EDB-C4D6-450E-83EA-96CF439066D6}" srcOrd="1" destOrd="0" presId="urn:microsoft.com/office/officeart/2005/8/layout/orgChart1"/>
     <dgm:cxn modelId="{175ED643-4624-4279-9AC0-71B49AB06463}" type="presOf" srcId="{12B359AD-F8D0-452E-9FE6-4E1434D70F15}" destId="{92DD8E95-5792-4CAF-BBE2-B190055FFE9B}" srcOrd="0" destOrd="0" presId="urn:microsoft.com/office/officeart/2005/8/layout/orgChart1"/>
     <dgm:cxn modelId="{19586B45-307A-4F82-965B-3618C233D3C3}" type="presOf" srcId="{C1DA3676-0503-49EC-84DF-0840E579CFEF}" destId="{87894099-6401-42BD-9593-FCCC7AE42C49}" srcOrd="1" destOrd="0" presId="urn:microsoft.com/office/officeart/2005/8/layout/orgChart1"/>
     <dgm:cxn modelId="{198BD745-2D9F-4E83-921B-DBA00E038AA2}" type="presOf" srcId="{1763EED3-26D7-4B0E-B022-1B72A013A70C}" destId="{B7666E4B-FE3C-4B7F-ADE2-C772AB73DAAC}" srcOrd="0" destOrd="0" presId="urn:microsoft.com/office/officeart/2005/8/layout/orgChart1"/>
-    <dgm:cxn modelId="{5F4F376D-5620-4216-AF82-C04C5F55E5B0}" type="presOf" srcId="{DCC0585E-4EEF-477E-9E64-47DB63E3B1F0}" destId="{E16286B1-F6DD-435B-8D33-2273810FC772}" srcOrd="0" destOrd="0" presId="urn:microsoft.com/office/officeart/2005/8/layout/orgChart1"/>
     <dgm:cxn modelId="{56DEE571-1D10-4A28-9146-2F3255577C1A}" srcId="{B11103E8-CD81-40BE-B579-4FCAB035D7D0}" destId="{C1DA3676-0503-49EC-84DF-0840E579CFEF}" srcOrd="0" destOrd="0" parTransId="{E91B2509-2172-40BF-92BF-95C71C842B9D}" sibTransId="{249178E8-CF68-4256-8FB4-C392210D1F0F}"/>
     <dgm:cxn modelId="{1DE58273-423C-4229-8419-B58F7186758D}" type="presOf" srcId="{F92BA4C8-D8E7-4F76-9AE8-619682ED5A87}" destId="{36F9C691-4B50-4159-9F42-B35EF32A6B44}" srcOrd="0" destOrd="0" presId="urn:microsoft.com/office/officeart/2005/8/layout/orgChart1"/>
-    <dgm:cxn modelId="{933C0776-BD08-42D1-ADA6-BA5B5B3BC905}" srcId="{B11103E8-CD81-40BE-B579-4FCAB035D7D0}" destId="{DCC0585E-4EEF-477E-9E64-47DB63E3B1F0}" srcOrd="2" destOrd="0" parTransId="{5E696FD1-73A9-49CE-9C82-A67D5179851A}" sibTransId="{D959DD05-460A-431F-803F-199126E0D621}"/>
     <dgm:cxn modelId="{A0CB5C58-44FD-4B28-8DA0-AC4381DFBDCD}" type="presOf" srcId="{4A4E3E50-38C2-4C3C-AE96-953BA26A11C9}" destId="{B7B9E35F-3141-4501-8C8E-ECDBA7C3D699}" srcOrd="0" destOrd="0" presId="urn:microsoft.com/office/officeart/2005/8/layout/orgChart1"/>
     <dgm:cxn modelId="{67EF6583-DA13-4DCD-B2C7-E01EC5ABDE4A}" srcId="{EC376E4E-E648-41DA-86DB-8DA8BA5FAEC7}" destId="{12B359AD-F8D0-452E-9FE6-4E1434D70F15}" srcOrd="0" destOrd="0" parTransId="{F38279A6-DA67-4CAC-9D98-9FD4DBAA81BE}" sibTransId="{718721CD-C249-4EFA-880F-8D85A96569A0}"/>
     <dgm:cxn modelId="{B6C0118D-A2B4-48B2-9D92-51426B77C601}" type="presOf" srcId="{F5961BDC-783E-4C07-BC92-9011F5BBD285}" destId="{FC040049-51F5-41BD-8A19-8EF975D2FEC2}" srcOrd="0" destOrd="0" presId="urn:microsoft.com/office/officeart/2005/8/layout/orgChart1"/>
@@ -5238,13 +5067,12 @@
     <dgm:cxn modelId="{E964689A-B3A3-4628-A308-30C81D211922}" type="presOf" srcId="{EC376E4E-E648-41DA-86DB-8DA8BA5FAEC7}" destId="{1FB3CEF6-77BB-4E6C-A2DD-4A3F7EC690C5}" srcOrd="0" destOrd="0" presId="urn:microsoft.com/office/officeart/2005/8/layout/orgChart1"/>
     <dgm:cxn modelId="{E02A83A2-B2E9-46F4-AF77-D471A4A0459A}" type="presOf" srcId="{4DE9C598-B23B-4383-915B-55E3A905EC09}" destId="{EAF98DA0-A25D-4689-9A35-0FB204C4D414}" srcOrd="1" destOrd="0" presId="urn:microsoft.com/office/officeart/2005/8/layout/orgChart1"/>
     <dgm:cxn modelId="{169577A9-2FA2-4D9B-B2B3-3293E28A18B5}" srcId="{12B359AD-F8D0-452E-9FE6-4E1434D70F15}" destId="{B11103E8-CD81-40BE-B579-4FCAB035D7D0}" srcOrd="0" destOrd="0" parTransId="{8EAAB40C-C46B-4763-9B19-143C18560BB8}" sibTransId="{066CED9E-DDC2-4B20-81DF-84AEF02375EA}"/>
-    <dgm:cxn modelId="{DB621BB4-1721-46CA-9C90-60643B419F26}" srcId="{B11103E8-CD81-40BE-B579-4FCAB035D7D0}" destId="{1763EED3-26D7-4B0E-B022-1B72A013A70C}" srcOrd="4" destOrd="0" parTransId="{F5961BDC-783E-4C07-BC92-9011F5BBD285}" sibTransId="{8B6F1219-C0C9-42EE-A202-422710B569C5}"/>
+    <dgm:cxn modelId="{DB621BB4-1721-46CA-9C90-60643B419F26}" srcId="{B11103E8-CD81-40BE-B579-4FCAB035D7D0}" destId="{1763EED3-26D7-4B0E-B022-1B72A013A70C}" srcOrd="3" destOrd="0" parTransId="{F5961BDC-783E-4C07-BC92-9011F5BBD285}" sibTransId="{8B6F1219-C0C9-42EE-A202-422710B569C5}"/>
     <dgm:cxn modelId="{8A53A4C3-6031-4734-B3C1-7BBE70A6195C}" type="presOf" srcId="{A7E99E54-94B2-4D9C-82A3-E8D7CBB0FC6A}" destId="{54DB9B34-E7B2-41DC-B13D-F457F995CDFC}" srcOrd="0" destOrd="0" presId="urn:microsoft.com/office/officeart/2005/8/layout/orgChart1"/>
     <dgm:cxn modelId="{2D5715C6-4B16-4AF8-A0C8-2697B477409C}" type="presOf" srcId="{4A4E3E50-38C2-4C3C-AE96-953BA26A11C9}" destId="{7914E8B1-80D5-4A71-9775-0A174E4B78BC}" srcOrd="1" destOrd="0" presId="urn:microsoft.com/office/officeart/2005/8/layout/orgChart1"/>
     <dgm:cxn modelId="{756917CD-3304-41C1-83A7-9955CB260BC6}" type="presOf" srcId="{8EAAB40C-C46B-4763-9B19-143C18560BB8}" destId="{4F485F08-228B-4F23-9920-ED58748DD612}" srcOrd="0" destOrd="0" presId="urn:microsoft.com/office/officeart/2005/8/layout/orgChart1"/>
-    <dgm:cxn modelId="{027DE8CD-8FAF-4678-A5D7-7F37B082E9FC}" type="presOf" srcId="{DCC0585E-4EEF-477E-9E64-47DB63E3B1F0}" destId="{05167FCA-E22E-4DDC-A69D-5406D39E103B}" srcOrd="1" destOrd="0" presId="urn:microsoft.com/office/officeart/2005/8/layout/orgChart1"/>
     <dgm:cxn modelId="{931F97D1-3692-4A52-A385-70D3E0FA82DE}" type="presOf" srcId="{E91B2509-2172-40BF-92BF-95C71C842B9D}" destId="{CA698B96-2FDD-477F-82FD-3398AEE00C53}" srcOrd="0" destOrd="0" presId="urn:microsoft.com/office/officeart/2005/8/layout/orgChart1"/>
-    <dgm:cxn modelId="{F1DC65E4-3406-49EF-8BD7-3B43D972B953}" srcId="{B11103E8-CD81-40BE-B579-4FCAB035D7D0}" destId="{4A4E3E50-38C2-4C3C-AE96-953BA26A11C9}" srcOrd="3" destOrd="0" parTransId="{F92BA4C8-D8E7-4F76-9AE8-619682ED5A87}" sibTransId="{F4856804-261D-4CA9-AEA7-CB9CCF3B24D3}"/>
+    <dgm:cxn modelId="{F1DC65E4-3406-49EF-8BD7-3B43D972B953}" srcId="{B11103E8-CD81-40BE-B579-4FCAB035D7D0}" destId="{4A4E3E50-38C2-4C3C-AE96-953BA26A11C9}" srcOrd="2" destOrd="0" parTransId="{F92BA4C8-D8E7-4F76-9AE8-619682ED5A87}" sibTransId="{F4856804-261D-4CA9-AEA7-CB9CCF3B24D3}"/>
     <dgm:cxn modelId="{9C4E09F7-60C7-4A17-883C-565801E26701}" srcId="{4DE9C598-B23B-4383-915B-55E3A905EC09}" destId="{A7E99E54-94B2-4D9C-82A3-E8D7CBB0FC6A}" srcOrd="0" destOrd="0" parTransId="{A7BDC5C7-F208-4337-83DA-CEAB2AF8A6E8}" sibTransId="{E5ADC721-8733-4901-A13E-0A3C1A6D9EA5}"/>
     <dgm:cxn modelId="{ECEF2BFB-C19C-4668-B0B2-A06335D9AE4F}" type="presOf" srcId="{B11103E8-CD81-40BE-B579-4FCAB035D7D0}" destId="{F58A63D3-C78F-4550-80E7-D69343F847C2}" srcOrd="0" destOrd="0" presId="urn:microsoft.com/office/officeart/2005/8/layout/orgChart1"/>
     <dgm:cxn modelId="{AE87FEFC-59F2-4DF6-8D52-F70F37326785}" type="presOf" srcId="{A7E99E54-94B2-4D9C-82A3-E8D7CBB0FC6A}" destId="{89957609-8B97-47C3-AEE9-6DD7393B124C}" srcOrd="1" destOrd="0" presId="urn:microsoft.com/office/officeart/2005/8/layout/orgChart1"/>
@@ -5281,15 +5109,8 @@
     <dgm:cxn modelId="{95772096-7DBA-4E8C-91C6-4F8A0A64416C}" type="presParOf" srcId="{1ED732C6-4FB8-4A1E-BC80-51448E89ECFB}" destId="{89957609-8B97-47C3-AEE9-6DD7393B124C}" srcOrd="1" destOrd="0" presId="urn:microsoft.com/office/officeart/2005/8/layout/orgChart1"/>
     <dgm:cxn modelId="{2739B281-BD78-4410-BADC-C96574C56CCB}" type="presParOf" srcId="{1A754903-320B-4D58-8D1D-B1046E7A0C09}" destId="{98A76313-0002-4F08-8C2A-2C9E7CF86A01}" srcOrd="1" destOrd="0" presId="urn:microsoft.com/office/officeart/2005/8/layout/orgChart1"/>
     <dgm:cxn modelId="{1040F5D0-2127-428D-B706-9E5757FFC25A}" type="presParOf" srcId="{1A754903-320B-4D58-8D1D-B1046E7A0C09}" destId="{B66ED59C-56CC-4674-9E98-64456A927D23}" srcOrd="2" destOrd="0" presId="urn:microsoft.com/office/officeart/2005/8/layout/orgChart1"/>
-    <dgm:cxn modelId="{8665360A-069C-438B-B348-BE17BDD53A30}" type="presParOf" srcId="{DF366C04-0EC9-45EA-9E59-CA10E9616C42}" destId="{D2C33EE2-902F-4DEC-A486-716BCF9C574A}" srcOrd="4" destOrd="0" presId="urn:microsoft.com/office/officeart/2005/8/layout/orgChart1"/>
-    <dgm:cxn modelId="{210AD954-3BF6-41BA-BF9D-314A1DA0489C}" type="presParOf" srcId="{DF366C04-0EC9-45EA-9E59-CA10E9616C42}" destId="{ECCFF307-6359-4DCA-BF55-ED05B5388428}" srcOrd="5" destOrd="0" presId="urn:microsoft.com/office/officeart/2005/8/layout/orgChart1"/>
-    <dgm:cxn modelId="{FF80E84C-32E4-41F8-AE92-2B365DF8FC17}" type="presParOf" srcId="{ECCFF307-6359-4DCA-BF55-ED05B5388428}" destId="{E1A219C8-0B21-4371-AEDF-DFE36A8898FB}" srcOrd="0" destOrd="0" presId="urn:microsoft.com/office/officeart/2005/8/layout/orgChart1"/>
-    <dgm:cxn modelId="{89AFDE49-FEEF-49F4-A926-EE60B8CFF04C}" type="presParOf" srcId="{E1A219C8-0B21-4371-AEDF-DFE36A8898FB}" destId="{E16286B1-F6DD-435B-8D33-2273810FC772}" srcOrd="0" destOrd="0" presId="urn:microsoft.com/office/officeart/2005/8/layout/orgChart1"/>
-    <dgm:cxn modelId="{40F9ECC6-485F-4032-8331-0A512C8D41DF}" type="presParOf" srcId="{E1A219C8-0B21-4371-AEDF-DFE36A8898FB}" destId="{05167FCA-E22E-4DDC-A69D-5406D39E103B}" srcOrd="1" destOrd="0" presId="urn:microsoft.com/office/officeart/2005/8/layout/orgChart1"/>
-    <dgm:cxn modelId="{A28DB575-C011-4191-8075-82E820FE698A}" type="presParOf" srcId="{ECCFF307-6359-4DCA-BF55-ED05B5388428}" destId="{04B065D9-B02C-48CA-909E-658C017FE0CF}" srcOrd="1" destOrd="0" presId="urn:microsoft.com/office/officeart/2005/8/layout/orgChart1"/>
-    <dgm:cxn modelId="{5A0E0D31-0F75-4FA6-BA31-6F8C67F2952C}" type="presParOf" srcId="{ECCFF307-6359-4DCA-BF55-ED05B5388428}" destId="{C39E0C51-7389-4934-9866-1F5F14D69376}" srcOrd="2" destOrd="0" presId="urn:microsoft.com/office/officeart/2005/8/layout/orgChart1"/>
-    <dgm:cxn modelId="{9198E430-4E3B-4BE6-B09D-89FA0286C30C}" type="presParOf" srcId="{DF366C04-0EC9-45EA-9E59-CA10E9616C42}" destId="{36F9C691-4B50-4159-9F42-B35EF32A6B44}" srcOrd="6" destOrd="0" presId="urn:microsoft.com/office/officeart/2005/8/layout/orgChart1"/>
-    <dgm:cxn modelId="{2B36E909-34B6-4C95-8761-53C7FC7080B9}" type="presParOf" srcId="{DF366C04-0EC9-45EA-9E59-CA10E9616C42}" destId="{312C63B7-2356-4591-A8D8-CB4355394DE3}" srcOrd="7" destOrd="0" presId="urn:microsoft.com/office/officeart/2005/8/layout/orgChart1"/>
+    <dgm:cxn modelId="{9198E430-4E3B-4BE6-B09D-89FA0286C30C}" type="presParOf" srcId="{DF366C04-0EC9-45EA-9E59-CA10E9616C42}" destId="{36F9C691-4B50-4159-9F42-B35EF32A6B44}" srcOrd="4" destOrd="0" presId="urn:microsoft.com/office/officeart/2005/8/layout/orgChart1"/>
+    <dgm:cxn modelId="{2B36E909-34B6-4C95-8761-53C7FC7080B9}" type="presParOf" srcId="{DF366C04-0EC9-45EA-9E59-CA10E9616C42}" destId="{312C63B7-2356-4591-A8D8-CB4355394DE3}" srcOrd="5" destOrd="0" presId="urn:microsoft.com/office/officeart/2005/8/layout/orgChart1"/>
     <dgm:cxn modelId="{72D56477-E19B-4C56-8DCA-ABF4A3C334B7}" type="presParOf" srcId="{312C63B7-2356-4591-A8D8-CB4355394DE3}" destId="{980CD6A4-C2BD-46F1-9817-29D82D14EAD8}" srcOrd="0" destOrd="0" presId="urn:microsoft.com/office/officeart/2005/8/layout/orgChart1"/>
     <dgm:cxn modelId="{A760D4C3-30AD-46E6-BE5F-1C179C8D0BE2}" type="presParOf" srcId="{980CD6A4-C2BD-46F1-9817-29D82D14EAD8}" destId="{B7B9E35F-3141-4501-8C8E-ECDBA7C3D699}" srcOrd="0" destOrd="0" presId="urn:microsoft.com/office/officeart/2005/8/layout/orgChart1"/>
     <dgm:cxn modelId="{0B1DAF5E-956D-45F9-ABE7-38276EE83E97}" type="presParOf" srcId="{980CD6A4-C2BD-46F1-9817-29D82D14EAD8}" destId="{7914E8B1-80D5-4A71-9775-0A174E4B78BC}" srcOrd="1" destOrd="0" presId="urn:microsoft.com/office/officeart/2005/8/layout/orgChart1"/>
@@ -6414,7 +6235,7 @@
       <dsp:spPr>
         <a:xfrm>
           <a:off x="3657600" y="1856174"/>
-          <a:ext cx="2779566" cy="1408926"/>
+          <a:ext cx="1853044" cy="1408926"/>
         </a:xfrm>
         <a:custGeom>
           <a:avLst/>
@@ -6431,71 +6252,10 @@
                 <a:pt x="0" y="1248124"/>
               </a:lnTo>
               <a:lnTo>
-                <a:pt x="2779566" y="1248124"/>
+                <a:pt x="1853044" y="1248124"/>
               </a:lnTo>
               <a:lnTo>
-                <a:pt x="2779566" y="1408926"/>
-              </a:lnTo>
-            </a:path>
-          </a:pathLst>
-        </a:custGeom>
-        <a:noFill/>
-        <a:ln w="10795" cap="flat" cmpd="sng" algn="ctr">
-          <a:solidFill>
-            <a:schemeClr val="accent1">
-              <a:shade val="80000"/>
-              <a:hueOff val="0"/>
-              <a:satOff val="0"/>
-              <a:lumOff val="0"/>
-              <a:alphaOff val="0"/>
-            </a:schemeClr>
-          </a:solidFill>
-          <a:prstDash val="solid"/>
-        </a:ln>
-        <a:effectLst/>
-      </dsp:spPr>
-      <dsp:style>
-        <a:lnRef idx="2">
-          <a:scrgbClr r="0" g="0" b="0"/>
-        </a:lnRef>
-        <a:fillRef idx="0">
-          <a:scrgbClr r="0" g="0" b="0"/>
-        </a:fillRef>
-        <a:effectRef idx="0">
-          <a:scrgbClr r="0" g="0" b="0"/>
-        </a:effectRef>
-        <a:fontRef idx="minor"/>
-      </dsp:style>
-    </dsp:sp>
-    <dsp:sp modelId="{D2C33EE2-902F-4DEC-A486-716BCF9C574A}">
-      <dsp:nvSpPr>
-        <dsp:cNvPr id="0" name=""/>
-        <dsp:cNvSpPr/>
-      </dsp:nvSpPr>
-      <dsp:spPr>
-        <a:xfrm>
-          <a:off x="3657600" y="1856174"/>
-          <a:ext cx="926522" cy="1408926"/>
-        </a:xfrm>
-        <a:custGeom>
-          <a:avLst/>
-          <a:gdLst/>
-          <a:ahLst/>
-          <a:cxnLst/>
-          <a:rect l="0" t="0" r="0" b="0"/>
-          <a:pathLst>
-            <a:path>
-              <a:moveTo>
-                <a:pt x="0" y="0"/>
-              </a:moveTo>
-              <a:lnTo>
-                <a:pt x="0" y="1248124"/>
-              </a:lnTo>
-              <a:lnTo>
-                <a:pt x="926522" y="1248124"/>
-              </a:lnTo>
-              <a:lnTo>
-                <a:pt x="926522" y="1408926"/>
+                <a:pt x="1853044" y="1408926"/>
               </a:lnTo>
             </a:path>
           </a:pathLst>
@@ -6535,7 +6295,7 @@
       </dsp:nvSpPr>
       <dsp:spPr>
         <a:xfrm>
-          <a:off x="2570276" y="4030821"/>
+          <a:off x="3496798" y="4030821"/>
           <a:ext cx="160801" cy="704463"/>
         </a:xfrm>
         <a:custGeom>
@@ -6593,8 +6353,8 @@
       </dsp:nvSpPr>
       <dsp:spPr>
         <a:xfrm>
-          <a:off x="2731077" y="1856174"/>
-          <a:ext cx="926522" cy="1408926"/>
+          <a:off x="3611880" y="1856174"/>
+          <a:ext cx="91440" cy="1408926"/>
         </a:xfrm>
         <a:custGeom>
           <a:avLst/>
@@ -6605,16 +6365,10 @@
           <a:pathLst>
             <a:path>
               <a:moveTo>
-                <a:pt x="926522" y="0"/>
+                <a:pt x="45720" y="0"/>
               </a:moveTo>
               <a:lnTo>
-                <a:pt x="926522" y="1248124"/>
-              </a:lnTo>
-              <a:lnTo>
-                <a:pt x="0" y="1248124"/>
-              </a:lnTo>
-              <a:lnTo>
-                <a:pt x="0" y="1408926"/>
+                <a:pt x="45720" y="1408926"/>
               </a:lnTo>
             </a:path>
           </a:pathLst>
@@ -6654,8 +6408,8 @@
       </dsp:nvSpPr>
       <dsp:spPr>
         <a:xfrm>
-          <a:off x="878033" y="1856174"/>
-          <a:ext cx="2779566" cy="1408926"/>
+          <a:off x="1804555" y="1856174"/>
+          <a:ext cx="1853044" cy="1408926"/>
         </a:xfrm>
         <a:custGeom>
           <a:avLst/>
@@ -6666,10 +6420,10 @@
           <a:pathLst>
             <a:path>
               <a:moveTo>
-                <a:pt x="2779566" y="0"/>
+                <a:pt x="1853044" y="0"/>
               </a:moveTo>
               <a:lnTo>
-                <a:pt x="2779566" y="1248124"/>
+                <a:pt x="1853044" y="1248124"/>
               </a:lnTo>
               <a:lnTo>
                 <a:pt x="0" y="1248124"/>
@@ -6926,7 +6680,7 @@
       </dsp:nvSpPr>
       <dsp:spPr>
         <a:xfrm>
-          <a:off x="112313" y="3265100"/>
+          <a:off x="1038835" y="3265100"/>
           <a:ext cx="1531441" cy="765720"/>
         </a:xfrm>
         <a:prstGeom prst="rect">
@@ -6994,7 +6748,7 @@
           </a:br>
           <a:r>
             <a:rPr lang="en-US" sz="1700" kern="1200" dirty="0"/>
-            <a:t>+2 .</a:t>
+            <a:t>+3 .</a:t>
           </a:r>
           <a:r>
             <a:rPr lang="en-US" sz="1700" kern="1200" dirty="0" err="1"/>
@@ -7004,7 +6758,7 @@
         </a:p>
       </dsp:txBody>
       <dsp:txXfrm>
-        <a:off x="112313" y="3265100"/>
+        <a:off x="1038835" y="3265100"/>
         <a:ext cx="1531441" cy="765720"/>
       </dsp:txXfrm>
     </dsp:sp>
@@ -7015,7 +6769,7 @@
       </dsp:nvSpPr>
       <dsp:spPr>
         <a:xfrm>
-          <a:off x="1965357" y="3265100"/>
+          <a:off x="2891879" y="3265100"/>
           <a:ext cx="1531441" cy="765720"/>
         </a:xfrm>
         <a:prstGeom prst="rect">
@@ -7082,7 +6836,7 @@
         </a:p>
       </dsp:txBody>
       <dsp:txXfrm>
-        <a:off x="1965357" y="3265100"/>
+        <a:off x="2891879" y="3265100"/>
         <a:ext cx="1531441" cy="765720"/>
       </dsp:txXfrm>
     </dsp:sp>
@@ -7093,7 +6847,7 @@
       </dsp:nvSpPr>
       <dsp:spPr>
         <a:xfrm>
-          <a:off x="1038835" y="4352423"/>
+          <a:off x="1965357" y="4352423"/>
           <a:ext cx="1531441" cy="765720"/>
         </a:xfrm>
         <a:prstGeom prst="rect">
@@ -7160,96 +6914,7 @@
         </a:p>
       </dsp:txBody>
       <dsp:txXfrm>
-        <a:off x="1038835" y="4352423"/>
-        <a:ext cx="1531441" cy="765720"/>
-      </dsp:txXfrm>
-    </dsp:sp>
-    <dsp:sp modelId="{E16286B1-F6DD-435B-8D33-2273810FC772}">
-      <dsp:nvSpPr>
-        <dsp:cNvPr id="0" name=""/>
-        <dsp:cNvSpPr/>
-      </dsp:nvSpPr>
-      <dsp:spPr>
-        <a:xfrm>
-          <a:off x="3818401" y="3265100"/>
-          <a:ext cx="1531441" cy="765720"/>
-        </a:xfrm>
-        <a:prstGeom prst="rect">
-          <a:avLst/>
-        </a:prstGeom>
-        <a:solidFill>
-          <a:schemeClr val="accent1">
-            <a:hueOff val="0"/>
-            <a:satOff val="0"/>
-            <a:lumOff val="0"/>
-            <a:alphaOff val="0"/>
-          </a:schemeClr>
-        </a:solidFill>
-        <a:ln w="10795" cap="flat" cmpd="sng" algn="ctr">
-          <a:solidFill>
-            <a:schemeClr val="lt1">
-              <a:hueOff val="0"/>
-              <a:satOff val="0"/>
-              <a:lumOff val="0"/>
-              <a:alphaOff val="0"/>
-            </a:schemeClr>
-          </a:solidFill>
-          <a:prstDash val="solid"/>
-        </a:ln>
-        <a:effectLst/>
-      </dsp:spPr>
-      <dsp:style>
-        <a:lnRef idx="2">
-          <a:scrgbClr r="0" g="0" b="0"/>
-        </a:lnRef>
-        <a:fillRef idx="1">
-          <a:scrgbClr r="0" g="0" b="0"/>
-        </a:fillRef>
-        <a:effectRef idx="0">
-          <a:scrgbClr r="0" g="0" b="0"/>
-        </a:effectRef>
-        <a:fontRef idx="minor">
-          <a:schemeClr val="lt1"/>
-        </a:fontRef>
-      </dsp:style>
-      <dsp:txBody>
-        <a:bodyPr spcFirstLastPara="0" vert="horz" wrap="square" lIns="10795" tIns="10795" rIns="10795" bIns="10795" numCol="1" spcCol="1270" anchor="ctr" anchorCtr="0">
-          <a:noAutofit/>
-        </a:bodyPr>
-        <a:lstStyle/>
-        <a:p>
-          <a:pPr marL="0" lvl="0" indent="0" algn="ctr" defTabSz="755650">
-            <a:lnSpc>
-              <a:spcPct val="90000"/>
-            </a:lnSpc>
-            <a:spcBef>
-              <a:spcPct val="0"/>
-            </a:spcBef>
-            <a:spcAft>
-              <a:spcPct val="35000"/>
-            </a:spcAft>
-            <a:buNone/>
-          </a:pPr>
-          <a:r>
-            <a:rPr lang="en-US" sz="1700" i="1" kern="1200" dirty="0"/>
-            <a:t>printQA.bat</a:t>
-          </a:r>
-          <a:br>
-            <a:rPr lang="en-US" sz="1700" i="1" kern="1200" dirty="0"/>
-          </a:br>
-          <a:r>
-            <a:rPr lang="en-US" sz="1700" i="1" kern="1200" dirty="0"/>
-            <a:t>+1 .</a:t>
-          </a:r>
-          <a:r>
-            <a:rPr lang="en-US" sz="1700" i="1" kern="1200" dirty="0" err="1"/>
-            <a:t>rpt</a:t>
-          </a:r>
-          <a:endParaRPr lang="fr-CA" sz="1700" i="1" kern="1200" dirty="0"/>
-        </a:p>
-      </dsp:txBody>
-      <dsp:txXfrm>
-        <a:off x="3818401" y="3265100"/>
+        <a:off x="1965357" y="4352423"/>
         <a:ext cx="1531441" cy="765720"/>
       </dsp:txXfrm>
     </dsp:sp>
@@ -7260,7 +6925,7 @@
       </dsp:nvSpPr>
       <dsp:spPr>
         <a:xfrm>
-          <a:off x="5671445" y="3265100"/>
+          <a:off x="4744923" y="3265100"/>
           <a:ext cx="1531441" cy="765720"/>
         </a:xfrm>
         <a:prstGeom prst="rect">
@@ -7342,7 +7007,7 @@
         </a:p>
       </dsp:txBody>
       <dsp:txXfrm>
-        <a:off x="5671445" y="3265100"/>
+        <a:off x="4744923" y="3265100"/>
         <a:ext cx="1531441" cy="765720"/>
       </dsp:txXfrm>
     </dsp:sp>
@@ -7502,7 +7167,7 @@
       <dsp:spPr>
         <a:xfrm>
           <a:off x="3657600" y="1856174"/>
-          <a:ext cx="2779566" cy="1408926"/>
+          <a:ext cx="1853044" cy="1408926"/>
         </a:xfrm>
         <a:custGeom>
           <a:avLst/>
@@ -7519,71 +7184,10 @@
                 <a:pt x="0" y="1248124"/>
               </a:lnTo>
               <a:lnTo>
-                <a:pt x="2779566" y="1248124"/>
+                <a:pt x="1853044" y="1248124"/>
               </a:lnTo>
               <a:lnTo>
-                <a:pt x="2779566" y="1408926"/>
-              </a:lnTo>
-            </a:path>
-          </a:pathLst>
-        </a:custGeom>
-        <a:noFill/>
-        <a:ln w="10795" cap="flat" cmpd="sng" algn="ctr">
-          <a:solidFill>
-            <a:schemeClr val="accent1">
-              <a:shade val="80000"/>
-              <a:hueOff val="0"/>
-              <a:satOff val="0"/>
-              <a:lumOff val="0"/>
-              <a:alphaOff val="0"/>
-            </a:schemeClr>
-          </a:solidFill>
-          <a:prstDash val="solid"/>
-        </a:ln>
-        <a:effectLst/>
-      </dsp:spPr>
-      <dsp:style>
-        <a:lnRef idx="2">
-          <a:scrgbClr r="0" g="0" b="0"/>
-        </a:lnRef>
-        <a:fillRef idx="0">
-          <a:scrgbClr r="0" g="0" b="0"/>
-        </a:fillRef>
-        <a:effectRef idx="0">
-          <a:scrgbClr r="0" g="0" b="0"/>
-        </a:effectRef>
-        <a:fontRef idx="minor"/>
-      </dsp:style>
-    </dsp:sp>
-    <dsp:sp modelId="{D2C33EE2-902F-4DEC-A486-716BCF9C574A}">
-      <dsp:nvSpPr>
-        <dsp:cNvPr id="0" name=""/>
-        <dsp:cNvSpPr/>
-      </dsp:nvSpPr>
-      <dsp:spPr>
-        <a:xfrm>
-          <a:off x="3657600" y="1856174"/>
-          <a:ext cx="926522" cy="1408926"/>
-        </a:xfrm>
-        <a:custGeom>
-          <a:avLst/>
-          <a:gdLst/>
-          <a:ahLst/>
-          <a:cxnLst/>
-          <a:rect l="0" t="0" r="0" b="0"/>
-          <a:pathLst>
-            <a:path>
-              <a:moveTo>
-                <a:pt x="0" y="0"/>
-              </a:moveTo>
-              <a:lnTo>
-                <a:pt x="0" y="1248124"/>
-              </a:lnTo>
-              <a:lnTo>
-                <a:pt x="926522" y="1248124"/>
-              </a:lnTo>
-              <a:lnTo>
-                <a:pt x="926522" y="1408926"/>
+                <a:pt x="1853044" y="1408926"/>
               </a:lnTo>
             </a:path>
           </a:pathLst>
@@ -7623,7 +7227,7 @@
       </dsp:nvSpPr>
       <dsp:spPr>
         <a:xfrm>
-          <a:off x="2570276" y="4030821"/>
+          <a:off x="3496798" y="4030821"/>
           <a:ext cx="160801" cy="704463"/>
         </a:xfrm>
         <a:custGeom>
@@ -7681,8 +7285,8 @@
       </dsp:nvSpPr>
       <dsp:spPr>
         <a:xfrm>
-          <a:off x="2731077" y="1856174"/>
-          <a:ext cx="926522" cy="1408926"/>
+          <a:off x="3611880" y="1856174"/>
+          <a:ext cx="91440" cy="1408926"/>
         </a:xfrm>
         <a:custGeom>
           <a:avLst/>
@@ -7693,16 +7297,10 @@
           <a:pathLst>
             <a:path>
               <a:moveTo>
-                <a:pt x="926522" y="0"/>
+                <a:pt x="45720" y="0"/>
               </a:moveTo>
               <a:lnTo>
-                <a:pt x="926522" y="1248124"/>
-              </a:lnTo>
-              <a:lnTo>
-                <a:pt x="0" y="1248124"/>
-              </a:lnTo>
-              <a:lnTo>
-                <a:pt x="0" y="1408926"/>
+                <a:pt x="45720" y="1408926"/>
               </a:lnTo>
             </a:path>
           </a:pathLst>
@@ -7742,8 +7340,8 @@
       </dsp:nvSpPr>
       <dsp:spPr>
         <a:xfrm>
-          <a:off x="878033" y="1856174"/>
-          <a:ext cx="2779566" cy="1408926"/>
+          <a:off x="1804555" y="1856174"/>
+          <a:ext cx="1853044" cy="1408926"/>
         </a:xfrm>
         <a:custGeom>
           <a:avLst/>
@@ -7754,10 +7352,10 @@
           <a:pathLst>
             <a:path>
               <a:moveTo>
-                <a:pt x="2779566" y="0"/>
+                <a:pt x="1853044" y="0"/>
               </a:moveTo>
               <a:lnTo>
-                <a:pt x="2779566" y="1248124"/>
+                <a:pt x="1853044" y="1248124"/>
               </a:lnTo>
               <a:lnTo>
                 <a:pt x="0" y="1248124"/>
@@ -8014,7 +7612,7 @@
       </dsp:nvSpPr>
       <dsp:spPr>
         <a:xfrm>
-          <a:off x="112313" y="3265100"/>
+          <a:off x="1038835" y="3265100"/>
           <a:ext cx="1531441" cy="765720"/>
         </a:xfrm>
         <a:prstGeom prst="rect">
@@ -8081,7 +7679,7 @@
         </a:p>
       </dsp:txBody>
       <dsp:txXfrm>
-        <a:off x="112313" y="3265100"/>
+        <a:off x="1038835" y="3265100"/>
         <a:ext cx="1531441" cy="765720"/>
       </dsp:txXfrm>
     </dsp:sp>
@@ -8092,7 +7690,7 @@
       </dsp:nvSpPr>
       <dsp:spPr>
         <a:xfrm>
-          <a:off x="1965357" y="3265100"/>
+          <a:off x="2891879" y="3265100"/>
           <a:ext cx="1531441" cy="765720"/>
         </a:xfrm>
         <a:prstGeom prst="rect">
@@ -8159,7 +7757,7 @@
         </a:p>
       </dsp:txBody>
       <dsp:txXfrm>
-        <a:off x="1965357" y="3265100"/>
+        <a:off x="2891879" y="3265100"/>
         <a:ext cx="1531441" cy="765720"/>
       </dsp:txXfrm>
     </dsp:sp>
@@ -8170,7 +7768,7 @@
       </dsp:nvSpPr>
       <dsp:spPr>
         <a:xfrm>
-          <a:off x="1038835" y="4352423"/>
+          <a:off x="1965357" y="4352423"/>
           <a:ext cx="1531441" cy="765720"/>
         </a:xfrm>
         <a:prstGeom prst="rect">
@@ -8237,85 +7835,7 @@
         </a:p>
       </dsp:txBody>
       <dsp:txXfrm>
-        <a:off x="1038835" y="4352423"/>
-        <a:ext cx="1531441" cy="765720"/>
-      </dsp:txXfrm>
-    </dsp:sp>
-    <dsp:sp modelId="{E16286B1-F6DD-435B-8D33-2273810FC772}">
-      <dsp:nvSpPr>
-        <dsp:cNvPr id="0" name=""/>
-        <dsp:cNvSpPr/>
-      </dsp:nvSpPr>
-      <dsp:spPr>
-        <a:xfrm>
-          <a:off x="3818401" y="3265100"/>
-          <a:ext cx="1531441" cy="765720"/>
-        </a:xfrm>
-        <a:prstGeom prst="rect">
-          <a:avLst/>
-        </a:prstGeom>
-        <a:solidFill>
-          <a:schemeClr val="accent1">
-            <a:hueOff val="0"/>
-            <a:satOff val="0"/>
-            <a:lumOff val="0"/>
-            <a:alphaOff val="0"/>
-          </a:schemeClr>
-        </a:solidFill>
-        <a:ln w="10795" cap="flat" cmpd="sng" algn="ctr">
-          <a:solidFill>
-            <a:schemeClr val="lt1">
-              <a:hueOff val="0"/>
-              <a:satOff val="0"/>
-              <a:lumOff val="0"/>
-              <a:alphaOff val="0"/>
-            </a:schemeClr>
-          </a:solidFill>
-          <a:prstDash val="solid"/>
-        </a:ln>
-        <a:effectLst/>
-      </dsp:spPr>
-      <dsp:style>
-        <a:lnRef idx="2">
-          <a:scrgbClr r="0" g="0" b="0"/>
-        </a:lnRef>
-        <a:fillRef idx="1">
-          <a:scrgbClr r="0" g="0" b="0"/>
-        </a:fillRef>
-        <a:effectRef idx="0">
-          <a:scrgbClr r="0" g="0" b="0"/>
-        </a:effectRef>
-        <a:fontRef idx="minor">
-          <a:schemeClr val="lt1"/>
-        </a:fontRef>
-      </dsp:style>
-      <dsp:txBody>
-        <a:bodyPr spcFirstLastPara="0" vert="horz" wrap="square" lIns="14605" tIns="14605" rIns="14605" bIns="14605" numCol="1" spcCol="1270" anchor="ctr" anchorCtr="0">
-          <a:noAutofit/>
-        </a:bodyPr>
-        <a:lstStyle/>
-        <a:p>
-          <a:pPr marL="0" lvl="0" indent="0" algn="ctr" defTabSz="1022350">
-            <a:lnSpc>
-              <a:spcPct val="90000"/>
-            </a:lnSpc>
-            <a:spcBef>
-              <a:spcPct val="0"/>
-            </a:spcBef>
-            <a:spcAft>
-              <a:spcPct val="35000"/>
-            </a:spcAft>
-            <a:buNone/>
-          </a:pPr>
-          <a:r>
-            <a:rPr lang="en-US" sz="2300" i="1" kern="1200" dirty="0"/>
-            <a:t>batch</a:t>
-          </a:r>
-          <a:endParaRPr lang="fr-CA" sz="2300" i="1" kern="1200" dirty="0"/>
-        </a:p>
-      </dsp:txBody>
-      <dsp:txXfrm>
-        <a:off x="3818401" y="3265100"/>
+        <a:off x="1965357" y="4352423"/>
         <a:ext cx="1531441" cy="765720"/>
       </dsp:txXfrm>
     </dsp:sp>
@@ -8326,7 +7846,7 @@
       </dsp:nvSpPr>
       <dsp:spPr>
         <a:xfrm>
-          <a:off x="5671445" y="3265100"/>
+          <a:off x="4744923" y="3265100"/>
           <a:ext cx="1531441" cy="765720"/>
         </a:xfrm>
         <a:prstGeom prst="rect">
@@ -8393,7 +7913,7 @@
         </a:p>
       </dsp:txBody>
       <dsp:txXfrm>
-        <a:off x="5671445" y="3265100"/>
+        <a:off x="4744923" y="3265100"/>
         <a:ext cx="1531441" cy="765720"/>
       </dsp:txXfrm>
     </dsp:sp>
@@ -17937,7 +17457,7 @@
             <a:fld id="{5586B75A-687E-405C-8A0B-8D00578BA2C3}" type="datetimeFigureOut">
               <a:rPr lang="en-US" dirty="0"/>
               <a:pPr/>
-              <a:t>9/13/2021</a:t>
+              <a:t>9/15/2021</a:t>
             </a:fld>
             <a:endParaRPr lang="en-US" dirty="0"/>
           </a:p>
@@ -18104,7 +17624,7 @@
             <a:fld id="{5586B75A-687E-405C-8A0B-8D00578BA2C3}" type="datetimeFigureOut">
               <a:rPr lang="en-US" dirty="0"/>
               <a:pPr/>
-              <a:t>9/13/2021</a:t>
+              <a:t>9/15/2021</a:t>
             </a:fld>
             <a:endParaRPr lang="en-US" dirty="0"/>
           </a:p>
@@ -18281,7 +17801,7 @@
             <a:fld id="{5586B75A-687E-405C-8A0B-8D00578BA2C3}" type="datetimeFigureOut">
               <a:rPr lang="en-US" dirty="0"/>
               <a:pPr/>
-              <a:t>9/13/2021</a:t>
+              <a:t>9/15/2021</a:t>
             </a:fld>
             <a:endParaRPr lang="en-US" dirty="0"/>
           </a:p>
@@ -18448,7 +17968,7 @@
             <a:fld id="{5586B75A-687E-405C-8A0B-8D00578BA2C3}" type="datetimeFigureOut">
               <a:rPr lang="en-US" dirty="0"/>
               <a:pPr/>
-              <a:t>9/13/2021</a:t>
+              <a:t>9/15/2021</a:t>
             </a:fld>
             <a:endParaRPr lang="en-US" dirty="0"/>
           </a:p>
@@ -18703,7 +18223,7 @@
             <a:fld id="{5586B75A-687E-405C-8A0B-8D00578BA2C3}" type="datetimeFigureOut">
               <a:rPr lang="en-US" dirty="0"/>
               <a:pPr/>
-              <a:t>9/13/2021</a:t>
+              <a:t>9/15/2021</a:t>
             </a:fld>
             <a:endParaRPr lang="en-US" dirty="0"/>
           </a:p>
@@ -18988,7 +18508,7 @@
             <a:fld id="{5586B75A-687E-405C-8A0B-8D00578BA2C3}" type="datetimeFigureOut">
               <a:rPr lang="en-US" dirty="0"/>
               <a:pPr/>
-              <a:t>9/13/2021</a:t>
+              <a:t>9/15/2021</a:t>
             </a:fld>
             <a:endParaRPr lang="en-US" dirty="0"/>
           </a:p>
@@ -19427,7 +18947,7 @@
             <a:fld id="{5586B75A-687E-405C-8A0B-8D00578BA2C3}" type="datetimeFigureOut">
               <a:rPr lang="en-US" dirty="0"/>
               <a:pPr/>
-              <a:t>9/13/2021</a:t>
+              <a:t>9/15/2021</a:t>
             </a:fld>
             <a:endParaRPr lang="en-US" dirty="0"/>
           </a:p>
@@ -19542,7 +19062,7 @@
             <a:fld id="{5586B75A-687E-405C-8A0B-8D00578BA2C3}" type="datetimeFigureOut">
               <a:rPr lang="en-US" dirty="0"/>
               <a:pPr/>
-              <a:t>9/13/2021</a:t>
+              <a:t>9/15/2021</a:t>
             </a:fld>
             <a:endParaRPr lang="en-US" dirty="0"/>
           </a:p>
@@ -19634,7 +19154,7 @@
             <a:fld id="{5586B75A-687E-405C-8A0B-8D00578BA2C3}" type="datetimeFigureOut">
               <a:rPr lang="en-US" dirty="0"/>
               <a:pPr/>
-              <a:t>9/13/2021</a:t>
+              <a:t>9/15/2021</a:t>
             </a:fld>
             <a:endParaRPr lang="en-US" dirty="0"/>
           </a:p>
@@ -19919,7 +19439,7 @@
             <a:fld id="{5586B75A-687E-405C-8A0B-8D00578BA2C3}" type="datetimeFigureOut">
               <a:rPr lang="en-US" dirty="0"/>
               <a:pPr/>
-              <a:t>9/13/2021</a:t>
+              <a:t>9/15/2021</a:t>
             </a:fld>
             <a:endParaRPr lang="en-US" dirty="0"/>
           </a:p>
@@ -20189,7 +19709,7 @@
             <a:fld id="{5586B75A-687E-405C-8A0B-8D00578BA2C3}" type="datetimeFigureOut">
               <a:rPr lang="en-US" dirty="0"/>
               <a:pPr/>
-              <a:t>9/13/2021</a:t>
+              <a:t>9/15/2021</a:t>
             </a:fld>
             <a:endParaRPr lang="en-US" dirty="0"/>
           </a:p>
@@ -20483,7 +20003,7 @@
             <a:fld id="{5586B75A-687E-405C-8A0B-8D00578BA2C3}" type="datetimeFigureOut">
               <a:rPr lang="en-US" dirty="0"/>
               <a:pPr/>
-              <a:t>9/13/2021</a:t>
+              <a:t>9/15/2021</a:t>
             </a:fld>
             <a:endParaRPr lang="en-US" dirty="0"/>
           </a:p>
@@ -21874,6 +21394,15 @@
           </a:p>
           <a:p>
             <a:r>
+              <a:rPr lang="en-US" dirty="0"/>
+              <a:t>Set paper printer to default to duplex</a:t>
+            </a:r>
+            <a:endParaRPr lang="en-US" dirty="0">
+              <a:hlinkClick r:id="rId2"/>
+            </a:endParaRPr>
+          </a:p>
+          <a:p>
+            <a:r>
               <a:rPr lang="en-US" dirty="0">
                 <a:hlinkClick r:id="rId2"/>
               </a:rPr>
@@ -22690,20 +22219,16 @@
           <a:bodyPr/>
           <a:lstStyle/>
           <a:p>
-            <a:r>
-              <a:rPr lang="en-US" dirty="0"/>
-              <a:t>-missing database</a:t>
-            </a:r>
             <a:endParaRPr lang="fr-CA" dirty="0"/>
           </a:p>
         </p:txBody>
       </p:sp>
       <p:pic>
         <p:nvPicPr>
-          <p:cNvPr id="6" name="Picture 5">
+          <p:cNvPr id="10" name="Picture 9">
             <a:extLst>
               <a:ext uri="{FF2B5EF4-FFF2-40B4-BE49-F238E27FC236}">
-                <a16:creationId xmlns:a16="http://schemas.microsoft.com/office/drawing/2014/main" id="{659BD9C9-3F99-40A5-9650-47665D1F33E6}"/>
+                <a16:creationId xmlns:a16="http://schemas.microsoft.com/office/drawing/2014/main" id="{3A0F78D8-F064-4E9F-87D8-65140904C8FD}"/>
               </a:ext>
             </a:extLst>
           </p:cNvPr>
@@ -22712,15 +22237,16 @@
           </p:cNvPicPr>
           <p:nvPr/>
         </p:nvPicPr>
-        <p:blipFill rotWithShape="1">
+        <p:blipFill>
           <a:blip r:embed="rId2"/>
-          <a:srcRect b="12722"/>
-          <a:stretch/>
+          <a:stretch>
+            <a:fillRect/>
+          </a:stretch>
         </p:blipFill>
         <p:spPr>
           <a:xfrm>
-            <a:off x="4563611" y="438325"/>
-            <a:ext cx="5719674" cy="5981350"/>
+            <a:off x="5125101" y="0"/>
+            <a:ext cx="5297393" cy="6858000"/>
           </a:xfrm>
           <a:prstGeom prst="rect">
             <a:avLst/>
@@ -22802,7 +22328,7 @@
             <p:ph idx="1"/>
             <p:extLst>
               <p:ext uri="{D42A27DB-BD31-4B8C-83A1-F6EECF244321}">
-                <p14:modId xmlns:p14="http://schemas.microsoft.com/office/powerpoint/2010/main" val="2805922393"/>
+                <p14:modId xmlns:p14="http://schemas.microsoft.com/office/powerpoint/2010/main" val="3639353537"/>
               </p:ext>
             </p:extLst>
           </p:nvPr>
@@ -22942,7 +22468,7 @@
             <p:ph idx="1"/>
             <p:extLst>
               <p:ext uri="{D42A27DB-BD31-4B8C-83A1-F6EECF244321}">
-                <p14:modId xmlns:p14="http://schemas.microsoft.com/office/powerpoint/2010/main" val="3305338273"/>
+                <p14:modId xmlns:p14="http://schemas.microsoft.com/office/powerpoint/2010/main" val="893185750"/>
               </p:ext>
             </p:extLst>
           </p:nvPr>

--- a/LabelSerialNumberChangeProposal.pptx
+++ b/LabelSerialNumberChangeProposal.pptx
@@ -17457,7 +17457,7 @@
             <a:fld id="{5586B75A-687E-405C-8A0B-8D00578BA2C3}" type="datetimeFigureOut">
               <a:rPr lang="en-US" dirty="0"/>
               <a:pPr/>
-              <a:t>9/15/2021</a:t>
+              <a:t>9/16/2021</a:t>
             </a:fld>
             <a:endParaRPr lang="en-US" dirty="0"/>
           </a:p>
@@ -17624,7 +17624,7 @@
             <a:fld id="{5586B75A-687E-405C-8A0B-8D00578BA2C3}" type="datetimeFigureOut">
               <a:rPr lang="en-US" dirty="0"/>
               <a:pPr/>
-              <a:t>9/15/2021</a:t>
+              <a:t>9/16/2021</a:t>
             </a:fld>
             <a:endParaRPr lang="en-US" dirty="0"/>
           </a:p>
@@ -17801,7 +17801,7 @@
             <a:fld id="{5586B75A-687E-405C-8A0B-8D00578BA2C3}" type="datetimeFigureOut">
               <a:rPr lang="en-US" dirty="0"/>
               <a:pPr/>
-              <a:t>9/15/2021</a:t>
+              <a:t>9/16/2021</a:t>
             </a:fld>
             <a:endParaRPr lang="en-US" dirty="0"/>
           </a:p>
@@ -17968,7 +17968,7 @@
             <a:fld id="{5586B75A-687E-405C-8A0B-8D00578BA2C3}" type="datetimeFigureOut">
               <a:rPr lang="en-US" dirty="0"/>
               <a:pPr/>
-              <a:t>9/15/2021</a:t>
+              <a:t>9/16/2021</a:t>
             </a:fld>
             <a:endParaRPr lang="en-US" dirty="0"/>
           </a:p>
@@ -18223,7 +18223,7 @@
             <a:fld id="{5586B75A-687E-405C-8A0B-8D00578BA2C3}" type="datetimeFigureOut">
               <a:rPr lang="en-US" dirty="0"/>
               <a:pPr/>
-              <a:t>9/15/2021</a:t>
+              <a:t>9/16/2021</a:t>
             </a:fld>
             <a:endParaRPr lang="en-US" dirty="0"/>
           </a:p>
@@ -18508,7 +18508,7 @@
             <a:fld id="{5586B75A-687E-405C-8A0B-8D00578BA2C3}" type="datetimeFigureOut">
               <a:rPr lang="en-US" dirty="0"/>
               <a:pPr/>
-              <a:t>9/15/2021</a:t>
+              <a:t>9/16/2021</a:t>
             </a:fld>
             <a:endParaRPr lang="en-US" dirty="0"/>
           </a:p>
@@ -18947,7 +18947,7 @@
             <a:fld id="{5586B75A-687E-405C-8A0B-8D00578BA2C3}" type="datetimeFigureOut">
               <a:rPr lang="en-US" dirty="0"/>
               <a:pPr/>
-              <a:t>9/15/2021</a:t>
+              <a:t>9/16/2021</a:t>
             </a:fld>
             <a:endParaRPr lang="en-US" dirty="0"/>
           </a:p>
@@ -19062,7 +19062,7 @@
             <a:fld id="{5586B75A-687E-405C-8A0B-8D00578BA2C3}" type="datetimeFigureOut">
               <a:rPr lang="en-US" dirty="0"/>
               <a:pPr/>
-              <a:t>9/15/2021</a:t>
+              <a:t>9/16/2021</a:t>
             </a:fld>
             <a:endParaRPr lang="en-US" dirty="0"/>
           </a:p>
@@ -19154,7 +19154,7 @@
             <a:fld id="{5586B75A-687E-405C-8A0B-8D00578BA2C3}" type="datetimeFigureOut">
               <a:rPr lang="en-US" dirty="0"/>
               <a:pPr/>
-              <a:t>9/15/2021</a:t>
+              <a:t>9/16/2021</a:t>
             </a:fld>
             <a:endParaRPr lang="en-US" dirty="0"/>
           </a:p>
@@ -19439,7 +19439,7 @@
             <a:fld id="{5586B75A-687E-405C-8A0B-8D00578BA2C3}" type="datetimeFigureOut">
               <a:rPr lang="en-US" dirty="0"/>
               <a:pPr/>
-              <a:t>9/15/2021</a:t>
+              <a:t>9/16/2021</a:t>
             </a:fld>
             <a:endParaRPr lang="en-US" dirty="0"/>
           </a:p>
@@ -19709,7 +19709,7 @@
             <a:fld id="{5586B75A-687E-405C-8A0B-8D00578BA2C3}" type="datetimeFigureOut">
               <a:rPr lang="en-US" dirty="0"/>
               <a:pPr/>
-              <a:t>9/15/2021</a:t>
+              <a:t>9/16/2021</a:t>
             </a:fld>
             <a:endParaRPr lang="en-US" dirty="0"/>
           </a:p>
@@ -20003,7 +20003,7 @@
             <a:fld id="{5586B75A-687E-405C-8A0B-8D00578BA2C3}" type="datetimeFigureOut">
               <a:rPr lang="en-US" dirty="0"/>
               <a:pPr/>
-              <a:t>9/15/2021</a:t>
+              <a:t>9/16/2021</a:t>
             </a:fld>
             <a:endParaRPr lang="en-US" dirty="0"/>
           </a:p>
@@ -20642,10 +20642,10 @@
       </p:sp>
       <p:pic>
         <p:nvPicPr>
-          <p:cNvPr id="6" name="Picture 5">
+          <p:cNvPr id="5" name="Picture 4">
             <a:extLst>
               <a:ext uri="{FF2B5EF4-FFF2-40B4-BE49-F238E27FC236}">
-                <a16:creationId xmlns:a16="http://schemas.microsoft.com/office/drawing/2014/main" id="{DAC4F764-7F89-447D-B1F2-E12C376840B0}"/>
+                <a16:creationId xmlns:a16="http://schemas.microsoft.com/office/drawing/2014/main" id="{925D0FFF-23DA-4B5A-AFBF-C3F4FBCA08EB}"/>
               </a:ext>
             </a:extLst>
           </p:cNvPr>
@@ -20662,8 +20662,8 @@
         </p:blipFill>
         <p:spPr>
           <a:xfrm>
-            <a:off x="3512195" y="1273185"/>
-            <a:ext cx="8229004" cy="4311629"/>
+            <a:off x="3639855" y="1316292"/>
+            <a:ext cx="8077999" cy="4225415"/>
           </a:xfrm>
           <a:prstGeom prst="rect">
             <a:avLst/>
@@ -20723,15 +20723,7 @@
           <a:p>
             <a:r>
               <a:rPr lang="en-US" dirty="0"/>
-              <a:t>After 2</a:t>
-            </a:r>
-            <a:r>
-              <a:rPr lang="en-US" baseline="30000" dirty="0"/>
-              <a:t>nd</a:t>
-            </a:r>
-            <a:r>
-              <a:rPr lang="en-US" dirty="0"/>
-              <a:t> Scan</a:t>
+              <a:t>After Question</a:t>
             </a:r>
             <a:endParaRPr lang="fr-CA" dirty="0"/>
           </a:p>
@@ -20758,16 +20750,20 @@
           <a:bodyPr/>
           <a:lstStyle/>
           <a:p>
-            <a:endParaRPr lang="fr-CA"/>
+            <a:r>
+              <a:rPr lang="en-US" dirty="0"/>
+              <a:t>If it is the first time, there will be no question, just straight to the print</a:t>
+            </a:r>
+            <a:endParaRPr lang="fr-CA" dirty="0"/>
           </a:p>
         </p:txBody>
       </p:sp>
       <p:pic>
         <p:nvPicPr>
-          <p:cNvPr id="8" name="Picture 7">
+          <p:cNvPr id="5" name="Picture 4">
             <a:extLst>
               <a:ext uri="{FF2B5EF4-FFF2-40B4-BE49-F238E27FC236}">
-                <a16:creationId xmlns:a16="http://schemas.microsoft.com/office/drawing/2014/main" id="{06464887-E2EE-4A69-B34E-4B72B811C0FB}"/>
+                <a16:creationId xmlns:a16="http://schemas.microsoft.com/office/drawing/2014/main" id="{87B14B07-E0F9-4C41-8E3E-F58DBA5EB808}"/>
               </a:ext>
             </a:extLst>
           </p:cNvPr>
@@ -20784,8 +20780,8 @@
         </p:blipFill>
         <p:spPr>
           <a:xfrm>
-            <a:off x="3592484" y="1308316"/>
-            <a:ext cx="8093389" cy="4241367"/>
+            <a:off x="3595176" y="1309656"/>
+            <a:ext cx="8135947" cy="4238687"/>
           </a:xfrm>
           <a:prstGeom prst="rect">
             <a:avLst/>
@@ -21684,10 +21680,10 @@
       </p:sp>
       <p:pic>
         <p:nvPicPr>
-          <p:cNvPr id="8" name="Picture 7">
+          <p:cNvPr id="5" name="Picture 4">
             <a:extLst>
               <a:ext uri="{FF2B5EF4-FFF2-40B4-BE49-F238E27FC236}">
-                <a16:creationId xmlns:a16="http://schemas.microsoft.com/office/drawing/2014/main" id="{5DC55BB6-4905-4058-A1A3-E55A95185973}"/>
+                <a16:creationId xmlns:a16="http://schemas.microsoft.com/office/drawing/2014/main" id="{D9B95BC8-DD36-4108-89F1-F11176309BBE}"/>
               </a:ext>
             </a:extLst>
           </p:cNvPr>
@@ -21704,8 +21700,8 @@
         </p:blipFill>
         <p:spPr>
           <a:xfrm>
-            <a:off x="3692560" y="775981"/>
-            <a:ext cx="7979783" cy="5306037"/>
+            <a:off x="3565321" y="755460"/>
+            <a:ext cx="8013673" cy="5347079"/>
           </a:xfrm>
           <a:prstGeom prst="rect">
             <a:avLst/>
@@ -21906,48 +21902,16 @@
           <a:bodyPr/>
           <a:lstStyle/>
           <a:p>
-            <a:r>
-              <a:rPr lang="en-US" dirty="0"/>
-              <a:t>Amt/Amt or Amt?</a:t>
-            </a:r>
-          </a:p>
-          <a:p>
-            <a:r>
-              <a:rPr lang="en-US" dirty="0"/>
-              <a:t>Boxes or Circle?</a:t>
-            </a:r>
-          </a:p>
-          <a:p>
-            <a:r>
-              <a:rPr lang="en-US" dirty="0"/>
-              <a:t>Any more info wanted?</a:t>
-            </a:r>
-            <a:endParaRPr lang="fr-CA" dirty="0"/>
-          </a:p>
-          <a:p>
-            <a:r>
-              <a:rPr lang="en-US" dirty="0"/>
-              <a:t>Spacing?</a:t>
-            </a:r>
-          </a:p>
-          <a:p>
-            <a:r>
-              <a:rPr lang="en-US" dirty="0"/>
-              <a:t>Not enough SN per Orders?</a:t>
-            </a:r>
-            <a:endParaRPr lang="fr-CA" dirty="0"/>
-          </a:p>
-          <a:p>
             <a:endParaRPr lang="fr-CA" dirty="0"/>
           </a:p>
         </p:txBody>
       </p:sp>
       <p:pic>
         <p:nvPicPr>
-          <p:cNvPr id="5" name="Picture 4">
+          <p:cNvPr id="6" name="Picture 5">
             <a:extLst>
               <a:ext uri="{FF2B5EF4-FFF2-40B4-BE49-F238E27FC236}">
-                <a16:creationId xmlns:a16="http://schemas.microsoft.com/office/drawing/2014/main" id="{9EE89808-8709-4562-8462-64509626BE3E}"/>
+                <a16:creationId xmlns:a16="http://schemas.microsoft.com/office/drawing/2014/main" id="{078D3E07-4BE7-4D3B-B12B-E244F3FA1CC9}"/>
               </a:ext>
             </a:extLst>
           </p:cNvPr>
@@ -21956,15 +21920,16 @@
           </p:cNvPicPr>
           <p:nvPr/>
         </p:nvPicPr>
-        <p:blipFill rotWithShape="1">
+        <p:blipFill>
           <a:blip r:embed="rId2"/>
-          <a:srcRect b="9091"/>
-          <a:stretch/>
+          <a:stretch>
+            <a:fillRect/>
+          </a:stretch>
         </p:blipFill>
         <p:spPr>
           <a:xfrm>
-            <a:off x="3836512" y="755009"/>
-            <a:ext cx="7770623" cy="5327009"/>
+            <a:off x="3875715" y="741623"/>
+            <a:ext cx="7477121" cy="5374753"/>
           </a:xfrm>
           <a:prstGeom prst="rect">
             <a:avLst/>
@@ -22032,24 +21997,6 @@
       </p:sp>
       <p:sp>
         <p:nvSpPr>
-          <p:cNvPr id="3" name="Picture Placeholder 2">
-            <a:extLst>
-              <a:ext uri="{FF2B5EF4-FFF2-40B4-BE49-F238E27FC236}">
-                <a16:creationId xmlns:a16="http://schemas.microsoft.com/office/drawing/2014/main" id="{22B443F7-658F-4120-9647-6E66A0CB1443}"/>
-              </a:ext>
-            </a:extLst>
-          </p:cNvPr>
-          <p:cNvSpPr>
-            <a:spLocks noGrp="1"/>
-          </p:cNvSpPr>
-          <p:nvPr>
-            <p:ph type="pic" idx="1"/>
-          </p:nvPr>
-        </p:nvSpPr>
-        <p:spPr/>
-      </p:sp>
-      <p:sp>
-        <p:nvSpPr>
           <p:cNvPr id="4" name="Text Placeholder 3">
             <a:extLst>
               <a:ext uri="{FF2B5EF4-FFF2-40B4-BE49-F238E27FC236}">
@@ -22069,52 +22016,16 @@
           <a:bodyPr/>
           <a:lstStyle/>
           <a:p>
-            <a:r>
-              <a:rPr lang="en-US" dirty="0"/>
-              <a:t>Amt/Amt or Amt?</a:t>
-            </a:r>
-          </a:p>
-          <a:p>
-            <a:r>
-              <a:rPr lang="en-US" dirty="0"/>
-              <a:t>Boxes or Circle?</a:t>
-            </a:r>
-          </a:p>
-          <a:p>
-            <a:r>
-              <a:rPr lang="en-US" dirty="0"/>
-              <a:t>Any more info wanted?</a:t>
-            </a:r>
-            <a:endParaRPr lang="fr-CA" dirty="0"/>
-          </a:p>
-          <a:p>
-            <a:r>
-              <a:rPr lang="en-US" dirty="0"/>
-              <a:t>Spacing?</a:t>
-            </a:r>
-          </a:p>
-          <a:p>
-            <a:r>
-              <a:rPr lang="en-US" dirty="0"/>
-              <a:t>Not enough SN per Orders?</a:t>
-            </a:r>
-            <a:br>
-              <a:rPr lang="fr-CA" dirty="0"/>
-            </a:br>
-            <a:r>
-              <a:rPr lang="fr-CA" dirty="0"/>
-              <a:t>-alt for reprint?</a:t>
-            </a:r>
             <a:endParaRPr lang="en-US" dirty="0"/>
           </a:p>
         </p:txBody>
       </p:sp>
       <p:pic>
         <p:nvPicPr>
-          <p:cNvPr id="14" name="Picture 13">
+          <p:cNvPr id="6" name="Picture 5">
             <a:extLst>
               <a:ext uri="{FF2B5EF4-FFF2-40B4-BE49-F238E27FC236}">
-                <a16:creationId xmlns:a16="http://schemas.microsoft.com/office/drawing/2014/main" id="{FD2B8DA0-C985-4141-B0CE-A938BF2501D9}"/>
+                <a16:creationId xmlns:a16="http://schemas.microsoft.com/office/drawing/2014/main" id="{09A34C31-15A7-4BA0-9017-675B745473DC}"/>
               </a:ext>
             </a:extLst>
           </p:cNvPr>
@@ -22131,8 +22042,8 @@
         </p:blipFill>
         <p:spPr>
           <a:xfrm>
-            <a:off x="3570644" y="759630"/>
-            <a:ext cx="8115230" cy="5365880"/>
+            <a:off x="4236441" y="757045"/>
+            <a:ext cx="6997367" cy="5343910"/>
           </a:xfrm>
           <a:prstGeom prst="rect">
             <a:avLst/>
@@ -22370,25 +22281,13 @@
             </a:r>
             <a:r>
               <a:rPr lang="en-US" dirty="0"/>
-              <a:t> will search for Ctrl+F9 to start the program</a:t>
+              <a:t> will search for F9 to start the program</a:t>
             </a:r>
           </a:p>
           <a:p>
             <a:r>
               <a:rPr lang="en-US" dirty="0"/>
-              <a:t>Scanners will automatically press F9, user must hold Ctrl</a:t>
-            </a:r>
-          </a:p>
-          <a:p>
-            <a:r>
-              <a:rPr lang="en-US" dirty="0"/>
-              <a:t>Scan twice to input the barcode</a:t>
-            </a:r>
-          </a:p>
-          <a:p>
-            <a:r>
-              <a:rPr lang="en-US" dirty="0"/>
-              <a:t>Enter the print amount *</a:t>
+              <a:t>Enter the print amount</a:t>
             </a:r>
           </a:p>
         </p:txBody>

--- a/LabelSerialNumberChangeProposal.pptx
+++ b/LabelSerialNumberChangeProposal.pptx
@@ -16,13 +16,14 @@
     <p:sldId id="272" r:id="rId10"/>
     <p:sldId id="273" r:id="rId11"/>
     <p:sldId id="274" r:id="rId12"/>
-    <p:sldId id="271" r:id="rId13"/>
-    <p:sldId id="259" r:id="rId14"/>
-    <p:sldId id="260" r:id="rId15"/>
-    <p:sldId id="261" r:id="rId16"/>
-    <p:sldId id="264" r:id="rId17"/>
-    <p:sldId id="263" r:id="rId18"/>
-    <p:sldId id="262" r:id="rId19"/>
+    <p:sldId id="276" r:id="rId13"/>
+    <p:sldId id="271" r:id="rId14"/>
+    <p:sldId id="259" r:id="rId15"/>
+    <p:sldId id="260" r:id="rId16"/>
+    <p:sldId id="261" r:id="rId17"/>
+    <p:sldId id="264" r:id="rId18"/>
+    <p:sldId id="263" r:id="rId19"/>
+    <p:sldId id="262" r:id="rId20"/>
   </p:sldIdLst>
   <p:sldSz cx="12192000" cy="6858000"/>
   <p:notesSz cx="6858000" cy="9144000"/>
@@ -3961,14 +3962,14 @@
         <a:p>
           <a:r>
             <a:rPr lang="en-US" dirty="0"/>
-            <a:t>printLabels.bat</a:t>
+            <a:t>printLabelsv2.bat</a:t>
           </a:r>
           <a:br>
             <a:rPr lang="en-US" dirty="0"/>
           </a:br>
           <a:r>
             <a:rPr lang="en-US" dirty="0"/>
-            <a:t>+3 .</a:t>
+            <a:t>+X .</a:t>
           </a:r>
           <a:r>
             <a:rPr lang="en-US" dirty="0" err="1"/>
@@ -4163,6 +4164,54 @@
         </a:p>
       </dgm:t>
     </dgm:pt>
+    <dgm:pt modelId="{F5DB1430-E849-4A67-BCD3-028245B3E3AF}">
+      <dgm:prSet/>
+      <dgm:spPr/>
+      <dgm:t>
+        <a:bodyPr/>
+        <a:lstStyle/>
+        <a:p>
+          <a:r>
+            <a:rPr lang="en-US" dirty="0"/>
+            <a:t>printQA.bat</a:t>
+          </a:r>
+          <a:br>
+            <a:rPr lang="en-US" dirty="0"/>
+          </a:br>
+          <a:r>
+            <a:rPr lang="en-US" dirty="0"/>
+            <a:t>+1 .</a:t>
+          </a:r>
+          <a:r>
+            <a:rPr lang="en-US" dirty="0" err="1"/>
+            <a:t>rpt</a:t>
+          </a:r>
+          <a:endParaRPr lang="fr-CA" dirty="0"/>
+        </a:p>
+      </dgm:t>
+    </dgm:pt>
+    <dgm:pt modelId="{81654E97-7E1A-468A-A4BE-C1A2E807DAF9}" type="parTrans" cxnId="{24BCCF1F-FFF9-4C1B-B9E2-4C62A543ED60}">
+      <dgm:prSet/>
+      <dgm:spPr/>
+      <dgm:t>
+        <a:bodyPr/>
+        <a:lstStyle/>
+        <a:p>
+          <a:endParaRPr lang="fr-CA"/>
+        </a:p>
+      </dgm:t>
+    </dgm:pt>
+    <dgm:pt modelId="{A6D5F59C-E942-459D-80CB-B31DCD4E71B4}" type="sibTrans" cxnId="{24BCCF1F-FFF9-4C1B-B9E2-4C62A543ED60}">
+      <dgm:prSet/>
+      <dgm:spPr/>
+      <dgm:t>
+        <a:bodyPr/>
+        <a:lstStyle/>
+        <a:p>
+          <a:endParaRPr lang="fr-CA"/>
+        </a:p>
+      </dgm:t>
+    </dgm:pt>
     <dgm:pt modelId="{1FB3CEF6-77BB-4E6C-A2DD-4A3F7EC690C5}" type="pres">
       <dgm:prSet presAssocID="{EC376E4E-E648-41DA-86DB-8DA8BA5FAEC7}" presName="hierChild1" presStyleCnt="0">
         <dgm:presLayoutVars>
@@ -4236,8 +4285,44 @@
       <dgm:prSet presAssocID="{B11103E8-CD81-40BE-B579-4FCAB035D7D0}" presName="hierChild4" presStyleCnt="0"/>
       <dgm:spPr/>
     </dgm:pt>
+    <dgm:pt modelId="{7AA25F1C-51B2-49BF-8201-0652CE559B21}" type="pres">
+      <dgm:prSet presAssocID="{81654E97-7E1A-468A-A4BE-C1A2E807DAF9}" presName="Name37" presStyleLbl="parChTrans1D3" presStyleIdx="0" presStyleCnt="5"/>
+      <dgm:spPr/>
+    </dgm:pt>
+    <dgm:pt modelId="{894F9E9B-7055-4E66-AF59-07013E419A5C}" type="pres">
+      <dgm:prSet presAssocID="{F5DB1430-E849-4A67-BCD3-028245B3E3AF}" presName="hierRoot2" presStyleCnt="0">
+        <dgm:presLayoutVars>
+          <dgm:hierBranch val="init"/>
+        </dgm:presLayoutVars>
+      </dgm:prSet>
+      <dgm:spPr/>
+    </dgm:pt>
+    <dgm:pt modelId="{64A91C8C-0772-45D6-AD00-72AAAD91D341}" type="pres">
+      <dgm:prSet presAssocID="{F5DB1430-E849-4A67-BCD3-028245B3E3AF}" presName="rootComposite" presStyleCnt="0"/>
+      <dgm:spPr/>
+    </dgm:pt>
+    <dgm:pt modelId="{D9BAE0A2-1877-42BD-82CF-B647EA24D564}" type="pres">
+      <dgm:prSet presAssocID="{F5DB1430-E849-4A67-BCD3-028245B3E3AF}" presName="rootText" presStyleLbl="node3" presStyleIdx="0" presStyleCnt="4">
+        <dgm:presLayoutVars>
+          <dgm:chPref val="3"/>
+        </dgm:presLayoutVars>
+      </dgm:prSet>
+      <dgm:spPr/>
+    </dgm:pt>
+    <dgm:pt modelId="{9C9D2984-BB26-459C-A377-46B76EC7C1DE}" type="pres">
+      <dgm:prSet presAssocID="{F5DB1430-E849-4A67-BCD3-028245B3E3AF}" presName="rootConnector" presStyleLbl="node3" presStyleIdx="0" presStyleCnt="4"/>
+      <dgm:spPr/>
+    </dgm:pt>
+    <dgm:pt modelId="{4F0C3D8D-71C6-41BD-B747-4B9907999B97}" type="pres">
+      <dgm:prSet presAssocID="{F5DB1430-E849-4A67-BCD3-028245B3E3AF}" presName="hierChild4" presStyleCnt="0"/>
+      <dgm:spPr/>
+    </dgm:pt>
+    <dgm:pt modelId="{D22ADF25-2909-4CC0-991A-22958AA2A3E1}" type="pres">
+      <dgm:prSet presAssocID="{F5DB1430-E849-4A67-BCD3-028245B3E3AF}" presName="hierChild5" presStyleCnt="0"/>
+      <dgm:spPr/>
+    </dgm:pt>
     <dgm:pt modelId="{CA698B96-2FDD-477F-82FD-3398AEE00C53}" type="pres">
-      <dgm:prSet presAssocID="{E91B2509-2172-40BF-92BF-95C71C842B9D}" presName="Name37" presStyleLbl="parChTrans1D3" presStyleIdx="0" presStyleCnt="4"/>
+      <dgm:prSet presAssocID="{E91B2509-2172-40BF-92BF-95C71C842B9D}" presName="Name37" presStyleLbl="parChTrans1D3" presStyleIdx="1" presStyleCnt="5"/>
       <dgm:spPr/>
     </dgm:pt>
     <dgm:pt modelId="{473DEF0C-42E2-4A50-856D-1F839CCF32C4}" type="pres">
@@ -4253,7 +4338,7 @@
       <dgm:spPr/>
     </dgm:pt>
     <dgm:pt modelId="{CB2F9E2B-60EC-401F-A7AE-483C76BC0EC4}" type="pres">
-      <dgm:prSet presAssocID="{C1DA3676-0503-49EC-84DF-0840E579CFEF}" presName="rootText" presStyleLbl="node3" presStyleIdx="0" presStyleCnt="3">
+      <dgm:prSet presAssocID="{C1DA3676-0503-49EC-84DF-0840E579CFEF}" presName="rootText" presStyleLbl="node3" presStyleIdx="1" presStyleCnt="4">
         <dgm:presLayoutVars>
           <dgm:chPref val="3"/>
         </dgm:presLayoutVars>
@@ -4261,7 +4346,7 @@
       <dgm:spPr/>
     </dgm:pt>
     <dgm:pt modelId="{87894099-6401-42BD-9593-FCCC7AE42C49}" type="pres">
-      <dgm:prSet presAssocID="{C1DA3676-0503-49EC-84DF-0840E579CFEF}" presName="rootConnector" presStyleLbl="node3" presStyleIdx="0" presStyleCnt="3"/>
+      <dgm:prSet presAssocID="{C1DA3676-0503-49EC-84DF-0840E579CFEF}" presName="rootConnector" presStyleLbl="node3" presStyleIdx="1" presStyleCnt="4"/>
       <dgm:spPr/>
     </dgm:pt>
     <dgm:pt modelId="{5AB908CA-153D-4CCC-9357-A7CB91FB315D}" type="pres">
@@ -4273,7 +4358,7 @@
       <dgm:spPr/>
     </dgm:pt>
     <dgm:pt modelId="{28A959D3-8E8F-4C33-8E58-743CD226A445}" type="pres">
-      <dgm:prSet presAssocID="{8F3C6AC4-A53B-4B83-A481-13534CEBBE7D}" presName="Name37" presStyleLbl="parChTrans1D3" presStyleIdx="1" presStyleCnt="4"/>
+      <dgm:prSet presAssocID="{8F3C6AC4-A53B-4B83-A481-13534CEBBE7D}" presName="Name37" presStyleLbl="parChTrans1D3" presStyleIdx="2" presStyleCnt="5"/>
       <dgm:spPr/>
     </dgm:pt>
     <dgm:pt modelId="{9942EE3E-75B3-40C5-9515-14C899144BE6}" type="pres">
@@ -4289,7 +4374,7 @@
       <dgm:spPr/>
     </dgm:pt>
     <dgm:pt modelId="{227A2695-8EBE-4628-A9EE-801697A0D3C2}" type="pres">
-      <dgm:prSet presAssocID="{4DE9C598-B23B-4383-915B-55E3A905EC09}" presName="rootText" presStyleLbl="node3" presStyleIdx="1" presStyleCnt="3">
+      <dgm:prSet presAssocID="{4DE9C598-B23B-4383-915B-55E3A905EC09}" presName="rootText" presStyleLbl="node3" presStyleIdx="2" presStyleCnt="4">
         <dgm:presLayoutVars>
           <dgm:chPref val="3"/>
         </dgm:presLayoutVars>
@@ -4297,7 +4382,7 @@
       <dgm:spPr/>
     </dgm:pt>
     <dgm:pt modelId="{EAF98DA0-A25D-4689-9A35-0FB204C4D414}" type="pres">
-      <dgm:prSet presAssocID="{4DE9C598-B23B-4383-915B-55E3A905EC09}" presName="rootConnector" presStyleLbl="node3" presStyleIdx="1" presStyleCnt="3"/>
+      <dgm:prSet presAssocID="{4DE9C598-B23B-4383-915B-55E3A905EC09}" presName="rootConnector" presStyleLbl="node3" presStyleIdx="2" presStyleCnt="4"/>
       <dgm:spPr/>
     </dgm:pt>
     <dgm:pt modelId="{B1130AF9-6FE0-4F08-9475-22188116C08D}" type="pres">
@@ -4345,7 +4430,7 @@
       <dgm:spPr/>
     </dgm:pt>
     <dgm:pt modelId="{36F9C691-4B50-4159-9F42-B35EF32A6B44}" type="pres">
-      <dgm:prSet presAssocID="{F92BA4C8-D8E7-4F76-9AE8-619682ED5A87}" presName="Name37" presStyleLbl="parChTrans1D3" presStyleIdx="2" presStyleCnt="4"/>
+      <dgm:prSet presAssocID="{F92BA4C8-D8E7-4F76-9AE8-619682ED5A87}" presName="Name37" presStyleLbl="parChTrans1D3" presStyleIdx="3" presStyleCnt="5"/>
       <dgm:spPr/>
     </dgm:pt>
     <dgm:pt modelId="{312C63B7-2356-4591-A8D8-CB4355394DE3}" type="pres">
@@ -4361,7 +4446,7 @@
       <dgm:spPr/>
     </dgm:pt>
     <dgm:pt modelId="{B7B9E35F-3141-4501-8C8E-ECDBA7C3D699}" type="pres">
-      <dgm:prSet presAssocID="{4A4E3E50-38C2-4C3C-AE96-953BA26A11C9}" presName="rootText" presStyleLbl="node3" presStyleIdx="2" presStyleCnt="3">
+      <dgm:prSet presAssocID="{4A4E3E50-38C2-4C3C-AE96-953BA26A11C9}" presName="rootText" presStyleLbl="node3" presStyleIdx="3" presStyleCnt="4">
         <dgm:presLayoutVars>
           <dgm:chPref val="3"/>
         </dgm:presLayoutVars>
@@ -4369,7 +4454,7 @@
       <dgm:spPr/>
     </dgm:pt>
     <dgm:pt modelId="{7914E8B1-80D5-4A71-9775-0A174E4B78BC}" type="pres">
-      <dgm:prSet presAssocID="{4A4E3E50-38C2-4C3C-AE96-953BA26A11C9}" presName="rootConnector" presStyleLbl="node3" presStyleIdx="2" presStyleCnt="3"/>
+      <dgm:prSet presAssocID="{4A4E3E50-38C2-4C3C-AE96-953BA26A11C9}" presName="rootConnector" presStyleLbl="node3" presStyleIdx="3" presStyleCnt="4"/>
       <dgm:spPr/>
     </dgm:pt>
     <dgm:pt modelId="{9A41BE5B-11A2-49DE-9691-74C1D4BA987E}" type="pres">
@@ -4385,7 +4470,7 @@
       <dgm:spPr/>
     </dgm:pt>
     <dgm:pt modelId="{FC040049-51F5-41BD-8A19-8EF975D2FEC2}" type="pres">
-      <dgm:prSet presAssocID="{F5961BDC-783E-4C07-BC92-9011F5BBD285}" presName="Name111" presStyleLbl="parChTrans1D3" presStyleIdx="3" presStyleCnt="4"/>
+      <dgm:prSet presAssocID="{F5961BDC-783E-4C07-BC92-9011F5BBD285}" presName="Name111" presStyleLbl="parChTrans1D3" presStyleIdx="4" presStyleCnt="5"/>
       <dgm:spPr/>
     </dgm:pt>
     <dgm:pt modelId="{E0DB40E2-3599-401C-9680-5F546B644036}" type="pres">
@@ -4429,27 +4514,31 @@
     <dgm:cxn modelId="{EC288514-5953-4371-B614-67E2587A0632}" type="presOf" srcId="{8F3C6AC4-A53B-4B83-A481-13534CEBBE7D}" destId="{28A959D3-8E8F-4C33-8E58-743CD226A445}" srcOrd="0" destOrd="0" presId="urn:microsoft.com/office/officeart/2005/8/layout/orgChart1"/>
     <dgm:cxn modelId="{E6F4F318-A20C-4F11-A512-B27325BAF16D}" type="presOf" srcId="{1763EED3-26D7-4B0E-B022-1B72A013A70C}" destId="{CDB323ED-45A3-4822-B212-E9401A6C85A9}" srcOrd="1" destOrd="0" presId="urn:microsoft.com/office/officeart/2005/8/layout/orgChart1"/>
     <dgm:cxn modelId="{824EB01B-7989-4B5E-B04F-F041A0FBE0D9}" type="presOf" srcId="{12B359AD-F8D0-452E-9FE6-4E1434D70F15}" destId="{62E9EE9C-9C61-429A-9C9D-4DB0E88E4329}" srcOrd="1" destOrd="0" presId="urn:microsoft.com/office/officeart/2005/8/layout/orgChart1"/>
+    <dgm:cxn modelId="{24BCCF1F-FFF9-4C1B-B9E2-4C62A543ED60}" srcId="{B11103E8-CD81-40BE-B579-4FCAB035D7D0}" destId="{F5DB1430-E849-4A67-BCD3-028245B3E3AF}" srcOrd="0" destOrd="0" parTransId="{81654E97-7E1A-468A-A4BE-C1A2E807DAF9}" sibTransId="{A6D5F59C-E942-459D-80CB-B31DCD4E71B4}"/>
+    <dgm:cxn modelId="{0DCC2624-50E3-4C52-80D0-315ACC848C55}" type="presOf" srcId="{F5DB1430-E849-4A67-BCD3-028245B3E3AF}" destId="{D9BAE0A2-1877-42BD-82CF-B647EA24D564}" srcOrd="0" destOrd="0" presId="urn:microsoft.com/office/officeart/2005/8/layout/orgChart1"/>
     <dgm:cxn modelId="{D4789563-D13B-4B08-BDCA-385B520F591F}" type="presOf" srcId="{A7BDC5C7-F208-4337-83DA-CEAB2AF8A6E8}" destId="{CA2AF3D0-A783-4F4A-AF16-39637F115AA6}" srcOrd="0" destOrd="0" presId="urn:microsoft.com/office/officeart/2005/8/layout/orgChart1"/>
     <dgm:cxn modelId="{B22BB143-FF24-4728-B175-EA1552D06D94}" type="presOf" srcId="{B11103E8-CD81-40BE-B579-4FCAB035D7D0}" destId="{4E2D0EDB-C4D6-450E-83EA-96CF439066D6}" srcOrd="1" destOrd="0" presId="urn:microsoft.com/office/officeart/2005/8/layout/orgChart1"/>
     <dgm:cxn modelId="{175ED643-4624-4279-9AC0-71B49AB06463}" type="presOf" srcId="{12B359AD-F8D0-452E-9FE6-4E1434D70F15}" destId="{92DD8E95-5792-4CAF-BBE2-B190055FFE9B}" srcOrd="0" destOrd="0" presId="urn:microsoft.com/office/officeart/2005/8/layout/orgChart1"/>
     <dgm:cxn modelId="{19586B45-307A-4F82-965B-3618C233D3C3}" type="presOf" srcId="{C1DA3676-0503-49EC-84DF-0840E579CFEF}" destId="{87894099-6401-42BD-9593-FCCC7AE42C49}" srcOrd="1" destOrd="0" presId="urn:microsoft.com/office/officeart/2005/8/layout/orgChart1"/>
     <dgm:cxn modelId="{198BD745-2D9F-4E83-921B-DBA00E038AA2}" type="presOf" srcId="{1763EED3-26D7-4B0E-B022-1B72A013A70C}" destId="{B7666E4B-FE3C-4B7F-ADE2-C772AB73DAAC}" srcOrd="0" destOrd="0" presId="urn:microsoft.com/office/officeart/2005/8/layout/orgChart1"/>
-    <dgm:cxn modelId="{56DEE571-1D10-4A28-9146-2F3255577C1A}" srcId="{B11103E8-CD81-40BE-B579-4FCAB035D7D0}" destId="{C1DA3676-0503-49EC-84DF-0840E579CFEF}" srcOrd="0" destOrd="0" parTransId="{E91B2509-2172-40BF-92BF-95C71C842B9D}" sibTransId="{249178E8-CF68-4256-8FB4-C392210D1F0F}"/>
+    <dgm:cxn modelId="{56DEE571-1D10-4A28-9146-2F3255577C1A}" srcId="{B11103E8-CD81-40BE-B579-4FCAB035D7D0}" destId="{C1DA3676-0503-49EC-84DF-0840E579CFEF}" srcOrd="1" destOrd="0" parTransId="{E91B2509-2172-40BF-92BF-95C71C842B9D}" sibTransId="{249178E8-CF68-4256-8FB4-C392210D1F0F}"/>
+    <dgm:cxn modelId="{D5E8E472-60FB-435C-B4CD-89210B28C73E}" type="presOf" srcId="{F5DB1430-E849-4A67-BCD3-028245B3E3AF}" destId="{9C9D2984-BB26-459C-A377-46B76EC7C1DE}" srcOrd="1" destOrd="0" presId="urn:microsoft.com/office/officeart/2005/8/layout/orgChart1"/>
     <dgm:cxn modelId="{1DE58273-423C-4229-8419-B58F7186758D}" type="presOf" srcId="{F92BA4C8-D8E7-4F76-9AE8-619682ED5A87}" destId="{36F9C691-4B50-4159-9F42-B35EF32A6B44}" srcOrd="0" destOrd="0" presId="urn:microsoft.com/office/officeart/2005/8/layout/orgChart1"/>
     <dgm:cxn modelId="{A0CB5C58-44FD-4B28-8DA0-AC4381DFBDCD}" type="presOf" srcId="{4A4E3E50-38C2-4C3C-AE96-953BA26A11C9}" destId="{B7B9E35F-3141-4501-8C8E-ECDBA7C3D699}" srcOrd="0" destOrd="0" presId="urn:microsoft.com/office/officeart/2005/8/layout/orgChart1"/>
     <dgm:cxn modelId="{67EF6583-DA13-4DCD-B2C7-E01EC5ABDE4A}" srcId="{EC376E4E-E648-41DA-86DB-8DA8BA5FAEC7}" destId="{12B359AD-F8D0-452E-9FE6-4E1434D70F15}" srcOrd="0" destOrd="0" parTransId="{F38279A6-DA67-4CAC-9D98-9FD4DBAA81BE}" sibTransId="{718721CD-C249-4EFA-880F-8D85A96569A0}"/>
     <dgm:cxn modelId="{B6C0118D-A2B4-48B2-9D92-51426B77C601}" type="presOf" srcId="{F5961BDC-783E-4C07-BC92-9011F5BBD285}" destId="{FC040049-51F5-41BD-8A19-8EF975D2FEC2}" srcOrd="0" destOrd="0" presId="urn:microsoft.com/office/officeart/2005/8/layout/orgChart1"/>
-    <dgm:cxn modelId="{909F9790-969F-4EBC-B8F3-0D35ACBC0D5C}" srcId="{B11103E8-CD81-40BE-B579-4FCAB035D7D0}" destId="{4DE9C598-B23B-4383-915B-55E3A905EC09}" srcOrd="1" destOrd="0" parTransId="{8F3C6AC4-A53B-4B83-A481-13534CEBBE7D}" sibTransId="{F02FEB7E-1FF2-4F4C-AAA3-981FB56FC271}"/>
+    <dgm:cxn modelId="{909F9790-969F-4EBC-B8F3-0D35ACBC0D5C}" srcId="{B11103E8-CD81-40BE-B579-4FCAB035D7D0}" destId="{4DE9C598-B23B-4383-915B-55E3A905EC09}" srcOrd="2" destOrd="0" parTransId="{8F3C6AC4-A53B-4B83-A481-13534CEBBE7D}" sibTransId="{F02FEB7E-1FF2-4F4C-AAA3-981FB56FC271}"/>
     <dgm:cxn modelId="{907E7297-C1DA-4B69-BFF9-98329E5D3995}" type="presOf" srcId="{C1DA3676-0503-49EC-84DF-0840E579CFEF}" destId="{CB2F9E2B-60EC-401F-A7AE-483C76BC0EC4}" srcOrd="0" destOrd="0" presId="urn:microsoft.com/office/officeart/2005/8/layout/orgChart1"/>
     <dgm:cxn modelId="{E964689A-B3A3-4628-A308-30C81D211922}" type="presOf" srcId="{EC376E4E-E648-41DA-86DB-8DA8BA5FAEC7}" destId="{1FB3CEF6-77BB-4E6C-A2DD-4A3F7EC690C5}" srcOrd="0" destOrd="0" presId="urn:microsoft.com/office/officeart/2005/8/layout/orgChart1"/>
     <dgm:cxn modelId="{E02A83A2-B2E9-46F4-AF77-D471A4A0459A}" type="presOf" srcId="{4DE9C598-B23B-4383-915B-55E3A905EC09}" destId="{EAF98DA0-A25D-4689-9A35-0FB204C4D414}" srcOrd="1" destOrd="0" presId="urn:microsoft.com/office/officeart/2005/8/layout/orgChart1"/>
     <dgm:cxn modelId="{169577A9-2FA2-4D9B-B2B3-3293E28A18B5}" srcId="{12B359AD-F8D0-452E-9FE6-4E1434D70F15}" destId="{B11103E8-CD81-40BE-B579-4FCAB035D7D0}" srcOrd="0" destOrd="0" parTransId="{8EAAB40C-C46B-4763-9B19-143C18560BB8}" sibTransId="{066CED9E-DDC2-4B20-81DF-84AEF02375EA}"/>
-    <dgm:cxn modelId="{DB621BB4-1721-46CA-9C90-60643B419F26}" srcId="{B11103E8-CD81-40BE-B579-4FCAB035D7D0}" destId="{1763EED3-26D7-4B0E-B022-1B72A013A70C}" srcOrd="3" destOrd="0" parTransId="{F5961BDC-783E-4C07-BC92-9011F5BBD285}" sibTransId="{8B6F1219-C0C9-42EE-A202-422710B569C5}"/>
+    <dgm:cxn modelId="{DB621BB4-1721-46CA-9C90-60643B419F26}" srcId="{B11103E8-CD81-40BE-B579-4FCAB035D7D0}" destId="{1763EED3-26D7-4B0E-B022-1B72A013A70C}" srcOrd="4" destOrd="0" parTransId="{F5961BDC-783E-4C07-BC92-9011F5BBD285}" sibTransId="{8B6F1219-C0C9-42EE-A202-422710B569C5}"/>
+    <dgm:cxn modelId="{E0389BBD-FCE5-4819-9866-02E43026D3E1}" type="presOf" srcId="{81654E97-7E1A-468A-A4BE-C1A2E807DAF9}" destId="{7AA25F1C-51B2-49BF-8201-0652CE559B21}" srcOrd="0" destOrd="0" presId="urn:microsoft.com/office/officeart/2005/8/layout/orgChart1"/>
     <dgm:cxn modelId="{8A53A4C3-6031-4734-B3C1-7BBE70A6195C}" type="presOf" srcId="{A7E99E54-94B2-4D9C-82A3-E8D7CBB0FC6A}" destId="{54DB9B34-E7B2-41DC-B13D-F457F995CDFC}" srcOrd="0" destOrd="0" presId="urn:microsoft.com/office/officeart/2005/8/layout/orgChart1"/>
     <dgm:cxn modelId="{2D5715C6-4B16-4AF8-A0C8-2697B477409C}" type="presOf" srcId="{4A4E3E50-38C2-4C3C-AE96-953BA26A11C9}" destId="{7914E8B1-80D5-4A71-9775-0A174E4B78BC}" srcOrd="1" destOrd="0" presId="urn:microsoft.com/office/officeart/2005/8/layout/orgChart1"/>
     <dgm:cxn modelId="{756917CD-3304-41C1-83A7-9955CB260BC6}" type="presOf" srcId="{8EAAB40C-C46B-4763-9B19-143C18560BB8}" destId="{4F485F08-228B-4F23-9920-ED58748DD612}" srcOrd="0" destOrd="0" presId="urn:microsoft.com/office/officeart/2005/8/layout/orgChart1"/>
     <dgm:cxn modelId="{931F97D1-3692-4A52-A385-70D3E0FA82DE}" type="presOf" srcId="{E91B2509-2172-40BF-92BF-95C71C842B9D}" destId="{CA698B96-2FDD-477F-82FD-3398AEE00C53}" srcOrd="0" destOrd="0" presId="urn:microsoft.com/office/officeart/2005/8/layout/orgChart1"/>
-    <dgm:cxn modelId="{F1DC65E4-3406-49EF-8BD7-3B43D972B953}" srcId="{B11103E8-CD81-40BE-B579-4FCAB035D7D0}" destId="{4A4E3E50-38C2-4C3C-AE96-953BA26A11C9}" srcOrd="2" destOrd="0" parTransId="{F92BA4C8-D8E7-4F76-9AE8-619682ED5A87}" sibTransId="{F4856804-261D-4CA9-AEA7-CB9CCF3B24D3}"/>
+    <dgm:cxn modelId="{F1DC65E4-3406-49EF-8BD7-3B43D972B953}" srcId="{B11103E8-CD81-40BE-B579-4FCAB035D7D0}" destId="{4A4E3E50-38C2-4C3C-AE96-953BA26A11C9}" srcOrd="3" destOrd="0" parTransId="{F92BA4C8-D8E7-4F76-9AE8-619682ED5A87}" sibTransId="{F4856804-261D-4CA9-AEA7-CB9CCF3B24D3}"/>
     <dgm:cxn modelId="{9C4E09F7-60C7-4A17-883C-565801E26701}" srcId="{4DE9C598-B23B-4383-915B-55E3A905EC09}" destId="{A7E99E54-94B2-4D9C-82A3-E8D7CBB0FC6A}" srcOrd="0" destOrd="0" parTransId="{A7BDC5C7-F208-4337-83DA-CEAB2AF8A6E8}" sibTransId="{E5ADC721-8733-4901-A13E-0A3C1A6D9EA5}"/>
     <dgm:cxn modelId="{ECEF2BFB-C19C-4668-B0B2-A06335D9AE4F}" type="presOf" srcId="{B11103E8-CD81-40BE-B579-4FCAB035D7D0}" destId="{F58A63D3-C78F-4550-80E7-D69343F847C2}" srcOrd="0" destOrd="0" presId="urn:microsoft.com/office/officeart/2005/8/layout/orgChart1"/>
     <dgm:cxn modelId="{AE87FEFC-59F2-4DF6-8D52-F70F37326785}" type="presOf" srcId="{A7E99E54-94B2-4D9C-82A3-E8D7CBB0FC6A}" destId="{89957609-8B97-47C3-AEE9-6DD7393B124C}" srcOrd="1" destOrd="0" presId="urn:microsoft.com/office/officeart/2005/8/layout/orgChart1"/>
@@ -4465,15 +4554,22 @@
     <dgm:cxn modelId="{3C433F5B-9E7D-4335-8F8B-A2C85A305CB9}" type="presParOf" srcId="{9C640B7D-D67D-4B8E-A8C5-471568107335}" destId="{F58A63D3-C78F-4550-80E7-D69343F847C2}" srcOrd="0" destOrd="0" presId="urn:microsoft.com/office/officeart/2005/8/layout/orgChart1"/>
     <dgm:cxn modelId="{15575AAB-B9B1-477F-8E61-DAD43D9A106E}" type="presParOf" srcId="{9C640B7D-D67D-4B8E-A8C5-471568107335}" destId="{4E2D0EDB-C4D6-450E-83EA-96CF439066D6}" srcOrd="1" destOrd="0" presId="urn:microsoft.com/office/officeart/2005/8/layout/orgChart1"/>
     <dgm:cxn modelId="{7CEA1FA0-74E2-4F02-B0BC-131CCB9A333B}" type="presParOf" srcId="{57E17CB4-9CE1-4EFF-9213-9E6AA8A73D8C}" destId="{DF366C04-0EC9-45EA-9E59-CA10E9616C42}" srcOrd="1" destOrd="0" presId="urn:microsoft.com/office/officeart/2005/8/layout/orgChart1"/>
-    <dgm:cxn modelId="{47795B8E-899B-4008-AFF6-5AB37A7C4623}" type="presParOf" srcId="{DF366C04-0EC9-45EA-9E59-CA10E9616C42}" destId="{CA698B96-2FDD-477F-82FD-3398AEE00C53}" srcOrd="0" destOrd="0" presId="urn:microsoft.com/office/officeart/2005/8/layout/orgChart1"/>
-    <dgm:cxn modelId="{38A4F6E3-6062-49FF-8CE3-A36E981CB9B6}" type="presParOf" srcId="{DF366C04-0EC9-45EA-9E59-CA10E9616C42}" destId="{473DEF0C-42E2-4A50-856D-1F839CCF32C4}" srcOrd="1" destOrd="0" presId="urn:microsoft.com/office/officeart/2005/8/layout/orgChart1"/>
+    <dgm:cxn modelId="{D6E8D670-259B-42A4-BCE6-53578731C465}" type="presParOf" srcId="{DF366C04-0EC9-45EA-9E59-CA10E9616C42}" destId="{7AA25F1C-51B2-49BF-8201-0652CE559B21}" srcOrd="0" destOrd="0" presId="urn:microsoft.com/office/officeart/2005/8/layout/orgChart1"/>
+    <dgm:cxn modelId="{0A28B2D8-121D-43A5-BCED-02D1126D8ECD}" type="presParOf" srcId="{DF366C04-0EC9-45EA-9E59-CA10E9616C42}" destId="{894F9E9B-7055-4E66-AF59-07013E419A5C}" srcOrd="1" destOrd="0" presId="urn:microsoft.com/office/officeart/2005/8/layout/orgChart1"/>
+    <dgm:cxn modelId="{0EFC4EE9-B180-45BA-9C6D-520C4FDA94BD}" type="presParOf" srcId="{894F9E9B-7055-4E66-AF59-07013E419A5C}" destId="{64A91C8C-0772-45D6-AD00-72AAAD91D341}" srcOrd="0" destOrd="0" presId="urn:microsoft.com/office/officeart/2005/8/layout/orgChart1"/>
+    <dgm:cxn modelId="{36C12D48-0F64-40C4-ACFE-4CAC2A20BCE4}" type="presParOf" srcId="{64A91C8C-0772-45D6-AD00-72AAAD91D341}" destId="{D9BAE0A2-1877-42BD-82CF-B647EA24D564}" srcOrd="0" destOrd="0" presId="urn:microsoft.com/office/officeart/2005/8/layout/orgChart1"/>
+    <dgm:cxn modelId="{8CF7389B-F0D8-4D38-AC82-EB15337FFAE6}" type="presParOf" srcId="{64A91C8C-0772-45D6-AD00-72AAAD91D341}" destId="{9C9D2984-BB26-459C-A377-46B76EC7C1DE}" srcOrd="1" destOrd="0" presId="urn:microsoft.com/office/officeart/2005/8/layout/orgChart1"/>
+    <dgm:cxn modelId="{9329315E-7D0F-412B-AA0D-E37B06E9D363}" type="presParOf" srcId="{894F9E9B-7055-4E66-AF59-07013E419A5C}" destId="{4F0C3D8D-71C6-41BD-B747-4B9907999B97}" srcOrd="1" destOrd="0" presId="urn:microsoft.com/office/officeart/2005/8/layout/orgChart1"/>
+    <dgm:cxn modelId="{D06D888F-344F-4421-B56E-23D74ED2E484}" type="presParOf" srcId="{894F9E9B-7055-4E66-AF59-07013E419A5C}" destId="{D22ADF25-2909-4CC0-991A-22958AA2A3E1}" srcOrd="2" destOrd="0" presId="urn:microsoft.com/office/officeart/2005/8/layout/orgChart1"/>
+    <dgm:cxn modelId="{47795B8E-899B-4008-AFF6-5AB37A7C4623}" type="presParOf" srcId="{DF366C04-0EC9-45EA-9E59-CA10E9616C42}" destId="{CA698B96-2FDD-477F-82FD-3398AEE00C53}" srcOrd="2" destOrd="0" presId="urn:microsoft.com/office/officeart/2005/8/layout/orgChart1"/>
+    <dgm:cxn modelId="{38A4F6E3-6062-49FF-8CE3-A36E981CB9B6}" type="presParOf" srcId="{DF366C04-0EC9-45EA-9E59-CA10E9616C42}" destId="{473DEF0C-42E2-4A50-856D-1F839CCF32C4}" srcOrd="3" destOrd="0" presId="urn:microsoft.com/office/officeart/2005/8/layout/orgChart1"/>
     <dgm:cxn modelId="{B0AAA5BD-323E-40F8-88D6-04DCC54A5DBF}" type="presParOf" srcId="{473DEF0C-42E2-4A50-856D-1F839CCF32C4}" destId="{4624B90A-4132-4200-8AA0-82A7A6868243}" srcOrd="0" destOrd="0" presId="urn:microsoft.com/office/officeart/2005/8/layout/orgChart1"/>
     <dgm:cxn modelId="{F8361AC3-010C-4552-88A4-09040E8F894E}" type="presParOf" srcId="{4624B90A-4132-4200-8AA0-82A7A6868243}" destId="{CB2F9E2B-60EC-401F-A7AE-483C76BC0EC4}" srcOrd="0" destOrd="0" presId="urn:microsoft.com/office/officeart/2005/8/layout/orgChart1"/>
     <dgm:cxn modelId="{86B63F77-1C87-4122-ADEE-F18936B8014A}" type="presParOf" srcId="{4624B90A-4132-4200-8AA0-82A7A6868243}" destId="{87894099-6401-42BD-9593-FCCC7AE42C49}" srcOrd="1" destOrd="0" presId="urn:microsoft.com/office/officeart/2005/8/layout/orgChart1"/>
     <dgm:cxn modelId="{34DA4E50-A3AA-4591-8293-F703820B1B36}" type="presParOf" srcId="{473DEF0C-42E2-4A50-856D-1F839CCF32C4}" destId="{5AB908CA-153D-4CCC-9357-A7CB91FB315D}" srcOrd="1" destOrd="0" presId="urn:microsoft.com/office/officeart/2005/8/layout/orgChart1"/>
     <dgm:cxn modelId="{07B5A45B-F1F0-4663-B634-6597C7788CF8}" type="presParOf" srcId="{473DEF0C-42E2-4A50-856D-1F839CCF32C4}" destId="{887CC9D3-38FE-45D6-B05D-3A8EDEAEB30E}" srcOrd="2" destOrd="0" presId="urn:microsoft.com/office/officeart/2005/8/layout/orgChart1"/>
-    <dgm:cxn modelId="{5F703066-DCE7-4FCC-9C32-45990E4C7284}" type="presParOf" srcId="{DF366C04-0EC9-45EA-9E59-CA10E9616C42}" destId="{28A959D3-8E8F-4C33-8E58-743CD226A445}" srcOrd="2" destOrd="0" presId="urn:microsoft.com/office/officeart/2005/8/layout/orgChart1"/>
-    <dgm:cxn modelId="{ADFEA9A2-0CD0-4DF8-9AF5-3CC0055F91EE}" type="presParOf" srcId="{DF366C04-0EC9-45EA-9E59-CA10E9616C42}" destId="{9942EE3E-75B3-40C5-9515-14C899144BE6}" srcOrd="3" destOrd="0" presId="urn:microsoft.com/office/officeart/2005/8/layout/orgChart1"/>
+    <dgm:cxn modelId="{5F703066-DCE7-4FCC-9C32-45990E4C7284}" type="presParOf" srcId="{DF366C04-0EC9-45EA-9E59-CA10E9616C42}" destId="{28A959D3-8E8F-4C33-8E58-743CD226A445}" srcOrd="4" destOrd="0" presId="urn:microsoft.com/office/officeart/2005/8/layout/orgChart1"/>
+    <dgm:cxn modelId="{ADFEA9A2-0CD0-4DF8-9AF5-3CC0055F91EE}" type="presParOf" srcId="{DF366C04-0EC9-45EA-9E59-CA10E9616C42}" destId="{9942EE3E-75B3-40C5-9515-14C899144BE6}" srcOrd="5" destOrd="0" presId="urn:microsoft.com/office/officeart/2005/8/layout/orgChart1"/>
     <dgm:cxn modelId="{A0AEDCB5-EF81-47B6-9DD6-DCFB8C3BA833}" type="presParOf" srcId="{9942EE3E-75B3-40C5-9515-14C899144BE6}" destId="{95254029-3A83-4A07-BCC7-CAD6C2DADFEC}" srcOrd="0" destOrd="0" presId="urn:microsoft.com/office/officeart/2005/8/layout/orgChart1"/>
     <dgm:cxn modelId="{463CEBDF-5752-4235-8F56-BDF69DE02976}" type="presParOf" srcId="{95254029-3A83-4A07-BCC7-CAD6C2DADFEC}" destId="{227A2695-8EBE-4628-A9EE-801697A0D3C2}" srcOrd="0" destOrd="0" presId="urn:microsoft.com/office/officeart/2005/8/layout/orgChart1"/>
     <dgm:cxn modelId="{01F9196F-E620-4D41-8079-413E3E478A4F}" type="presParOf" srcId="{95254029-3A83-4A07-BCC7-CAD6C2DADFEC}" destId="{EAF98DA0-A25D-4689-9A35-0FB204C4D414}" srcOrd="1" destOrd="0" presId="urn:microsoft.com/office/officeart/2005/8/layout/orgChart1"/>
@@ -4486,8 +4582,8 @@
     <dgm:cxn modelId="{95772096-7DBA-4E8C-91C6-4F8A0A64416C}" type="presParOf" srcId="{1ED732C6-4FB8-4A1E-BC80-51448E89ECFB}" destId="{89957609-8B97-47C3-AEE9-6DD7393B124C}" srcOrd="1" destOrd="0" presId="urn:microsoft.com/office/officeart/2005/8/layout/orgChart1"/>
     <dgm:cxn modelId="{2739B281-BD78-4410-BADC-C96574C56CCB}" type="presParOf" srcId="{1A754903-320B-4D58-8D1D-B1046E7A0C09}" destId="{98A76313-0002-4F08-8C2A-2C9E7CF86A01}" srcOrd="1" destOrd="0" presId="urn:microsoft.com/office/officeart/2005/8/layout/orgChart1"/>
     <dgm:cxn modelId="{1040F5D0-2127-428D-B706-9E5757FFC25A}" type="presParOf" srcId="{1A754903-320B-4D58-8D1D-B1046E7A0C09}" destId="{B66ED59C-56CC-4674-9E98-64456A927D23}" srcOrd="2" destOrd="0" presId="urn:microsoft.com/office/officeart/2005/8/layout/orgChart1"/>
-    <dgm:cxn modelId="{9198E430-4E3B-4BE6-B09D-89FA0286C30C}" type="presParOf" srcId="{DF366C04-0EC9-45EA-9E59-CA10E9616C42}" destId="{36F9C691-4B50-4159-9F42-B35EF32A6B44}" srcOrd="4" destOrd="0" presId="urn:microsoft.com/office/officeart/2005/8/layout/orgChart1"/>
-    <dgm:cxn modelId="{2B36E909-34B6-4C95-8761-53C7FC7080B9}" type="presParOf" srcId="{DF366C04-0EC9-45EA-9E59-CA10E9616C42}" destId="{312C63B7-2356-4591-A8D8-CB4355394DE3}" srcOrd="5" destOrd="0" presId="urn:microsoft.com/office/officeart/2005/8/layout/orgChart1"/>
+    <dgm:cxn modelId="{9198E430-4E3B-4BE6-B09D-89FA0286C30C}" type="presParOf" srcId="{DF366C04-0EC9-45EA-9E59-CA10E9616C42}" destId="{36F9C691-4B50-4159-9F42-B35EF32A6B44}" srcOrd="6" destOrd="0" presId="urn:microsoft.com/office/officeart/2005/8/layout/orgChart1"/>
+    <dgm:cxn modelId="{2B36E909-34B6-4C95-8761-53C7FC7080B9}" type="presParOf" srcId="{DF366C04-0EC9-45EA-9E59-CA10E9616C42}" destId="{312C63B7-2356-4591-A8D8-CB4355394DE3}" srcOrd="7" destOrd="0" presId="urn:microsoft.com/office/officeart/2005/8/layout/orgChart1"/>
     <dgm:cxn modelId="{72D56477-E19B-4C56-8DCA-ABF4A3C334B7}" type="presParOf" srcId="{312C63B7-2356-4591-A8D8-CB4355394DE3}" destId="{980CD6A4-C2BD-46F1-9817-29D82D14EAD8}" srcOrd="0" destOrd="0" presId="urn:microsoft.com/office/officeart/2005/8/layout/orgChart1"/>
     <dgm:cxn modelId="{A760D4C3-30AD-46E6-BE5F-1C179C8D0BE2}" type="presParOf" srcId="{980CD6A4-C2BD-46F1-9817-29D82D14EAD8}" destId="{B7B9E35F-3141-4501-8C8E-ECDBA7C3D699}" srcOrd="0" destOrd="0" presId="urn:microsoft.com/office/officeart/2005/8/layout/orgChart1"/>
     <dgm:cxn modelId="{0B1DAF5E-956D-45F9-ABE7-38276EE83E97}" type="presParOf" srcId="{980CD6A4-C2BD-46F1-9817-29D82D14EAD8}" destId="{7914E8B1-80D5-4A71-9775-0A174E4B78BC}" srcOrd="1" destOrd="0" presId="urn:microsoft.com/office/officeart/2005/8/layout/orgChart1"/>
@@ -4786,6 +4882,43 @@
         </a:p>
       </dgm:t>
     </dgm:pt>
+    <dgm:pt modelId="{B57B53FC-BA80-43F5-8BFD-BFDA766C6A11}">
+      <dgm:prSet/>
+      <dgm:spPr/>
+      <dgm:t>
+        <a:bodyPr/>
+        <a:lstStyle/>
+        <a:p>
+          <a:r>
+            <a:rPr lang="en-US" dirty="0"/>
+            <a:t>batch</a:t>
+          </a:r>
+          <a:endParaRPr lang="fr-CA" dirty="0"/>
+        </a:p>
+      </dgm:t>
+    </dgm:pt>
+    <dgm:pt modelId="{748A62F1-9E1F-4E59-9C99-6F74DF7342F2}" type="parTrans" cxnId="{F9290C9F-4651-40A6-81AD-559983C15917}">
+      <dgm:prSet/>
+      <dgm:spPr/>
+      <dgm:t>
+        <a:bodyPr/>
+        <a:lstStyle/>
+        <a:p>
+          <a:endParaRPr lang="fr-CA"/>
+        </a:p>
+      </dgm:t>
+    </dgm:pt>
+    <dgm:pt modelId="{35AE9356-62C2-4EC8-8CC1-A8FEBFEA810C}" type="sibTrans" cxnId="{F9290C9F-4651-40A6-81AD-559983C15917}">
+      <dgm:prSet/>
+      <dgm:spPr/>
+      <dgm:t>
+        <a:bodyPr/>
+        <a:lstStyle/>
+        <a:p>
+          <a:endParaRPr lang="fr-CA"/>
+        </a:p>
+      </dgm:t>
+    </dgm:pt>
     <dgm:pt modelId="{1FB3CEF6-77BB-4E6C-A2DD-4A3F7EC690C5}" type="pres">
       <dgm:prSet presAssocID="{EC376E4E-E648-41DA-86DB-8DA8BA5FAEC7}" presName="hierChild1" presStyleCnt="0">
         <dgm:presLayoutVars>
@@ -4859,8 +4992,44 @@
       <dgm:prSet presAssocID="{B11103E8-CD81-40BE-B579-4FCAB035D7D0}" presName="hierChild4" presStyleCnt="0"/>
       <dgm:spPr/>
     </dgm:pt>
+    <dgm:pt modelId="{0005035F-079F-4B75-ABD6-B002A5196E47}" type="pres">
+      <dgm:prSet presAssocID="{748A62F1-9E1F-4E59-9C99-6F74DF7342F2}" presName="Name37" presStyleLbl="parChTrans1D3" presStyleIdx="0" presStyleCnt="5"/>
+      <dgm:spPr/>
+    </dgm:pt>
+    <dgm:pt modelId="{55AB1897-0390-4635-936C-27B14BC5B00B}" type="pres">
+      <dgm:prSet presAssocID="{B57B53FC-BA80-43F5-8BFD-BFDA766C6A11}" presName="hierRoot2" presStyleCnt="0">
+        <dgm:presLayoutVars>
+          <dgm:hierBranch val="init"/>
+        </dgm:presLayoutVars>
+      </dgm:prSet>
+      <dgm:spPr/>
+    </dgm:pt>
+    <dgm:pt modelId="{8420F2E2-BE5B-447D-9336-1030D00BA86A}" type="pres">
+      <dgm:prSet presAssocID="{B57B53FC-BA80-43F5-8BFD-BFDA766C6A11}" presName="rootComposite" presStyleCnt="0"/>
+      <dgm:spPr/>
+    </dgm:pt>
+    <dgm:pt modelId="{274844C8-7C70-4042-B00B-72F04A850BBB}" type="pres">
+      <dgm:prSet presAssocID="{B57B53FC-BA80-43F5-8BFD-BFDA766C6A11}" presName="rootText" presStyleLbl="node3" presStyleIdx="0" presStyleCnt="4">
+        <dgm:presLayoutVars>
+          <dgm:chPref val="3"/>
+        </dgm:presLayoutVars>
+      </dgm:prSet>
+      <dgm:spPr/>
+    </dgm:pt>
+    <dgm:pt modelId="{C6295594-85CF-4A7C-A987-898CD9118F8F}" type="pres">
+      <dgm:prSet presAssocID="{B57B53FC-BA80-43F5-8BFD-BFDA766C6A11}" presName="rootConnector" presStyleLbl="node3" presStyleIdx="0" presStyleCnt="4"/>
+      <dgm:spPr/>
+    </dgm:pt>
+    <dgm:pt modelId="{41BCDDF8-A21E-4677-B9B6-40659F8F9DA5}" type="pres">
+      <dgm:prSet presAssocID="{B57B53FC-BA80-43F5-8BFD-BFDA766C6A11}" presName="hierChild4" presStyleCnt="0"/>
+      <dgm:spPr/>
+    </dgm:pt>
+    <dgm:pt modelId="{553F3CBA-41EA-4D55-87A1-A861E50F3AD8}" type="pres">
+      <dgm:prSet presAssocID="{B57B53FC-BA80-43F5-8BFD-BFDA766C6A11}" presName="hierChild5" presStyleCnt="0"/>
+      <dgm:spPr/>
+    </dgm:pt>
     <dgm:pt modelId="{CA698B96-2FDD-477F-82FD-3398AEE00C53}" type="pres">
-      <dgm:prSet presAssocID="{E91B2509-2172-40BF-92BF-95C71C842B9D}" presName="Name37" presStyleLbl="parChTrans1D3" presStyleIdx="0" presStyleCnt="4"/>
+      <dgm:prSet presAssocID="{E91B2509-2172-40BF-92BF-95C71C842B9D}" presName="Name37" presStyleLbl="parChTrans1D3" presStyleIdx="1" presStyleCnt="5"/>
       <dgm:spPr/>
     </dgm:pt>
     <dgm:pt modelId="{473DEF0C-42E2-4A50-856D-1F839CCF32C4}" type="pres">
@@ -4876,7 +5045,7 @@
       <dgm:spPr/>
     </dgm:pt>
     <dgm:pt modelId="{CB2F9E2B-60EC-401F-A7AE-483C76BC0EC4}" type="pres">
-      <dgm:prSet presAssocID="{C1DA3676-0503-49EC-84DF-0840E579CFEF}" presName="rootText" presStyleLbl="node3" presStyleIdx="0" presStyleCnt="3">
+      <dgm:prSet presAssocID="{C1DA3676-0503-49EC-84DF-0840E579CFEF}" presName="rootText" presStyleLbl="node3" presStyleIdx="1" presStyleCnt="4">
         <dgm:presLayoutVars>
           <dgm:chPref val="3"/>
         </dgm:presLayoutVars>
@@ -4884,7 +5053,7 @@
       <dgm:spPr/>
     </dgm:pt>
     <dgm:pt modelId="{87894099-6401-42BD-9593-FCCC7AE42C49}" type="pres">
-      <dgm:prSet presAssocID="{C1DA3676-0503-49EC-84DF-0840E579CFEF}" presName="rootConnector" presStyleLbl="node3" presStyleIdx="0" presStyleCnt="3"/>
+      <dgm:prSet presAssocID="{C1DA3676-0503-49EC-84DF-0840E579CFEF}" presName="rootConnector" presStyleLbl="node3" presStyleIdx="1" presStyleCnt="4"/>
       <dgm:spPr/>
     </dgm:pt>
     <dgm:pt modelId="{5AB908CA-153D-4CCC-9357-A7CB91FB315D}" type="pres">
@@ -4896,7 +5065,7 @@
       <dgm:spPr/>
     </dgm:pt>
     <dgm:pt modelId="{28A959D3-8E8F-4C33-8E58-743CD226A445}" type="pres">
-      <dgm:prSet presAssocID="{8F3C6AC4-A53B-4B83-A481-13534CEBBE7D}" presName="Name37" presStyleLbl="parChTrans1D3" presStyleIdx="1" presStyleCnt="4"/>
+      <dgm:prSet presAssocID="{8F3C6AC4-A53B-4B83-A481-13534CEBBE7D}" presName="Name37" presStyleLbl="parChTrans1D3" presStyleIdx="2" presStyleCnt="5"/>
       <dgm:spPr/>
     </dgm:pt>
     <dgm:pt modelId="{9942EE3E-75B3-40C5-9515-14C899144BE6}" type="pres">
@@ -4912,7 +5081,7 @@
       <dgm:spPr/>
     </dgm:pt>
     <dgm:pt modelId="{227A2695-8EBE-4628-A9EE-801697A0D3C2}" type="pres">
-      <dgm:prSet presAssocID="{4DE9C598-B23B-4383-915B-55E3A905EC09}" presName="rootText" presStyleLbl="node3" presStyleIdx="1" presStyleCnt="3">
+      <dgm:prSet presAssocID="{4DE9C598-B23B-4383-915B-55E3A905EC09}" presName="rootText" presStyleLbl="node3" presStyleIdx="2" presStyleCnt="4">
         <dgm:presLayoutVars>
           <dgm:chPref val="3"/>
         </dgm:presLayoutVars>
@@ -4920,7 +5089,7 @@
       <dgm:spPr/>
     </dgm:pt>
     <dgm:pt modelId="{EAF98DA0-A25D-4689-9A35-0FB204C4D414}" type="pres">
-      <dgm:prSet presAssocID="{4DE9C598-B23B-4383-915B-55E3A905EC09}" presName="rootConnector" presStyleLbl="node3" presStyleIdx="1" presStyleCnt="3"/>
+      <dgm:prSet presAssocID="{4DE9C598-B23B-4383-915B-55E3A905EC09}" presName="rootConnector" presStyleLbl="node3" presStyleIdx="2" presStyleCnt="4"/>
       <dgm:spPr/>
     </dgm:pt>
     <dgm:pt modelId="{B1130AF9-6FE0-4F08-9475-22188116C08D}" type="pres">
@@ -4968,7 +5137,7 @@
       <dgm:spPr/>
     </dgm:pt>
     <dgm:pt modelId="{36F9C691-4B50-4159-9F42-B35EF32A6B44}" type="pres">
-      <dgm:prSet presAssocID="{F92BA4C8-D8E7-4F76-9AE8-619682ED5A87}" presName="Name37" presStyleLbl="parChTrans1D3" presStyleIdx="2" presStyleCnt="4"/>
+      <dgm:prSet presAssocID="{F92BA4C8-D8E7-4F76-9AE8-619682ED5A87}" presName="Name37" presStyleLbl="parChTrans1D3" presStyleIdx="3" presStyleCnt="5"/>
       <dgm:spPr/>
     </dgm:pt>
     <dgm:pt modelId="{312C63B7-2356-4591-A8D8-CB4355394DE3}" type="pres">
@@ -4984,7 +5153,7 @@
       <dgm:spPr/>
     </dgm:pt>
     <dgm:pt modelId="{B7B9E35F-3141-4501-8C8E-ECDBA7C3D699}" type="pres">
-      <dgm:prSet presAssocID="{4A4E3E50-38C2-4C3C-AE96-953BA26A11C9}" presName="rootText" presStyleLbl="node3" presStyleIdx="2" presStyleCnt="3">
+      <dgm:prSet presAssocID="{4A4E3E50-38C2-4C3C-AE96-953BA26A11C9}" presName="rootText" presStyleLbl="node3" presStyleIdx="3" presStyleCnt="4">
         <dgm:presLayoutVars>
           <dgm:chPref val="3"/>
         </dgm:presLayoutVars>
@@ -4992,7 +5161,7 @@
       <dgm:spPr/>
     </dgm:pt>
     <dgm:pt modelId="{7914E8B1-80D5-4A71-9775-0A174E4B78BC}" type="pres">
-      <dgm:prSet presAssocID="{4A4E3E50-38C2-4C3C-AE96-953BA26A11C9}" presName="rootConnector" presStyleLbl="node3" presStyleIdx="2" presStyleCnt="3"/>
+      <dgm:prSet presAssocID="{4A4E3E50-38C2-4C3C-AE96-953BA26A11C9}" presName="rootConnector" presStyleLbl="node3" presStyleIdx="3" presStyleCnt="4"/>
       <dgm:spPr/>
     </dgm:pt>
     <dgm:pt modelId="{9A41BE5B-11A2-49DE-9691-74C1D4BA987E}" type="pres">
@@ -5008,7 +5177,7 @@
       <dgm:spPr/>
     </dgm:pt>
     <dgm:pt modelId="{FC040049-51F5-41BD-8A19-8EF975D2FEC2}" type="pres">
-      <dgm:prSet presAssocID="{F5961BDC-783E-4C07-BC92-9011F5BBD285}" presName="Name111" presStyleLbl="parChTrans1D3" presStyleIdx="3" presStyleCnt="4"/>
+      <dgm:prSet presAssocID="{F5961BDC-783E-4C07-BC92-9011F5BBD285}" presName="Name111" presStyleLbl="parChTrans1D3" presStyleIdx="4" presStyleCnt="5"/>
       <dgm:spPr/>
     </dgm:pt>
     <dgm:pt modelId="{E0DB40E2-3599-401C-9680-5F546B644036}" type="pres">
@@ -5052,27 +5221,31 @@
     <dgm:cxn modelId="{EC288514-5953-4371-B614-67E2587A0632}" type="presOf" srcId="{8F3C6AC4-A53B-4B83-A481-13534CEBBE7D}" destId="{28A959D3-8E8F-4C33-8E58-743CD226A445}" srcOrd="0" destOrd="0" presId="urn:microsoft.com/office/officeart/2005/8/layout/orgChart1"/>
     <dgm:cxn modelId="{E6F4F318-A20C-4F11-A512-B27325BAF16D}" type="presOf" srcId="{1763EED3-26D7-4B0E-B022-1B72A013A70C}" destId="{CDB323ED-45A3-4822-B212-E9401A6C85A9}" srcOrd="1" destOrd="0" presId="urn:microsoft.com/office/officeart/2005/8/layout/orgChart1"/>
     <dgm:cxn modelId="{824EB01B-7989-4B5E-B04F-F041A0FBE0D9}" type="presOf" srcId="{12B359AD-F8D0-452E-9FE6-4E1434D70F15}" destId="{62E9EE9C-9C61-429A-9C9D-4DB0E88E4329}" srcOrd="1" destOrd="0" presId="urn:microsoft.com/office/officeart/2005/8/layout/orgChart1"/>
+    <dgm:cxn modelId="{07C4C81D-047D-49F7-A9C2-B8D6AD011FF5}" type="presOf" srcId="{B57B53FC-BA80-43F5-8BFD-BFDA766C6A11}" destId="{C6295594-85CF-4A7C-A987-898CD9118F8F}" srcOrd="1" destOrd="0" presId="urn:microsoft.com/office/officeart/2005/8/layout/orgChart1"/>
     <dgm:cxn modelId="{D4789563-D13B-4B08-BDCA-385B520F591F}" type="presOf" srcId="{A7BDC5C7-F208-4337-83DA-CEAB2AF8A6E8}" destId="{CA2AF3D0-A783-4F4A-AF16-39637F115AA6}" srcOrd="0" destOrd="0" presId="urn:microsoft.com/office/officeart/2005/8/layout/orgChart1"/>
     <dgm:cxn modelId="{B22BB143-FF24-4728-B175-EA1552D06D94}" type="presOf" srcId="{B11103E8-CD81-40BE-B579-4FCAB035D7D0}" destId="{4E2D0EDB-C4D6-450E-83EA-96CF439066D6}" srcOrd="1" destOrd="0" presId="urn:microsoft.com/office/officeart/2005/8/layout/orgChart1"/>
     <dgm:cxn modelId="{175ED643-4624-4279-9AC0-71B49AB06463}" type="presOf" srcId="{12B359AD-F8D0-452E-9FE6-4E1434D70F15}" destId="{92DD8E95-5792-4CAF-BBE2-B190055FFE9B}" srcOrd="0" destOrd="0" presId="urn:microsoft.com/office/officeart/2005/8/layout/orgChart1"/>
     <dgm:cxn modelId="{19586B45-307A-4F82-965B-3618C233D3C3}" type="presOf" srcId="{C1DA3676-0503-49EC-84DF-0840E579CFEF}" destId="{87894099-6401-42BD-9593-FCCC7AE42C49}" srcOrd="1" destOrd="0" presId="urn:microsoft.com/office/officeart/2005/8/layout/orgChart1"/>
     <dgm:cxn modelId="{198BD745-2D9F-4E83-921B-DBA00E038AA2}" type="presOf" srcId="{1763EED3-26D7-4B0E-B022-1B72A013A70C}" destId="{B7666E4B-FE3C-4B7F-ADE2-C772AB73DAAC}" srcOrd="0" destOrd="0" presId="urn:microsoft.com/office/officeart/2005/8/layout/orgChart1"/>
-    <dgm:cxn modelId="{56DEE571-1D10-4A28-9146-2F3255577C1A}" srcId="{B11103E8-CD81-40BE-B579-4FCAB035D7D0}" destId="{C1DA3676-0503-49EC-84DF-0840E579CFEF}" srcOrd="0" destOrd="0" parTransId="{E91B2509-2172-40BF-92BF-95C71C842B9D}" sibTransId="{249178E8-CF68-4256-8FB4-C392210D1F0F}"/>
+    <dgm:cxn modelId="{B3B7C34C-665A-4C62-9284-D4043D11C43C}" type="presOf" srcId="{B57B53FC-BA80-43F5-8BFD-BFDA766C6A11}" destId="{274844C8-7C70-4042-B00B-72F04A850BBB}" srcOrd="0" destOrd="0" presId="urn:microsoft.com/office/officeart/2005/8/layout/orgChart1"/>
+    <dgm:cxn modelId="{56DEE571-1D10-4A28-9146-2F3255577C1A}" srcId="{B11103E8-CD81-40BE-B579-4FCAB035D7D0}" destId="{C1DA3676-0503-49EC-84DF-0840E579CFEF}" srcOrd="1" destOrd="0" parTransId="{E91B2509-2172-40BF-92BF-95C71C842B9D}" sibTransId="{249178E8-CF68-4256-8FB4-C392210D1F0F}"/>
     <dgm:cxn modelId="{1DE58273-423C-4229-8419-B58F7186758D}" type="presOf" srcId="{F92BA4C8-D8E7-4F76-9AE8-619682ED5A87}" destId="{36F9C691-4B50-4159-9F42-B35EF32A6B44}" srcOrd="0" destOrd="0" presId="urn:microsoft.com/office/officeart/2005/8/layout/orgChart1"/>
     <dgm:cxn modelId="{A0CB5C58-44FD-4B28-8DA0-AC4381DFBDCD}" type="presOf" srcId="{4A4E3E50-38C2-4C3C-AE96-953BA26A11C9}" destId="{B7B9E35F-3141-4501-8C8E-ECDBA7C3D699}" srcOrd="0" destOrd="0" presId="urn:microsoft.com/office/officeart/2005/8/layout/orgChart1"/>
     <dgm:cxn modelId="{67EF6583-DA13-4DCD-B2C7-E01EC5ABDE4A}" srcId="{EC376E4E-E648-41DA-86DB-8DA8BA5FAEC7}" destId="{12B359AD-F8D0-452E-9FE6-4E1434D70F15}" srcOrd="0" destOrd="0" parTransId="{F38279A6-DA67-4CAC-9D98-9FD4DBAA81BE}" sibTransId="{718721CD-C249-4EFA-880F-8D85A96569A0}"/>
     <dgm:cxn modelId="{B6C0118D-A2B4-48B2-9D92-51426B77C601}" type="presOf" srcId="{F5961BDC-783E-4C07-BC92-9011F5BBD285}" destId="{FC040049-51F5-41BD-8A19-8EF975D2FEC2}" srcOrd="0" destOrd="0" presId="urn:microsoft.com/office/officeart/2005/8/layout/orgChart1"/>
-    <dgm:cxn modelId="{909F9790-969F-4EBC-B8F3-0D35ACBC0D5C}" srcId="{B11103E8-CD81-40BE-B579-4FCAB035D7D0}" destId="{4DE9C598-B23B-4383-915B-55E3A905EC09}" srcOrd="1" destOrd="0" parTransId="{8F3C6AC4-A53B-4B83-A481-13534CEBBE7D}" sibTransId="{F02FEB7E-1FF2-4F4C-AAA3-981FB56FC271}"/>
+    <dgm:cxn modelId="{909F9790-969F-4EBC-B8F3-0D35ACBC0D5C}" srcId="{B11103E8-CD81-40BE-B579-4FCAB035D7D0}" destId="{4DE9C598-B23B-4383-915B-55E3A905EC09}" srcOrd="2" destOrd="0" parTransId="{8F3C6AC4-A53B-4B83-A481-13534CEBBE7D}" sibTransId="{F02FEB7E-1FF2-4F4C-AAA3-981FB56FC271}"/>
     <dgm:cxn modelId="{907E7297-C1DA-4B69-BFF9-98329E5D3995}" type="presOf" srcId="{C1DA3676-0503-49EC-84DF-0840E579CFEF}" destId="{CB2F9E2B-60EC-401F-A7AE-483C76BC0EC4}" srcOrd="0" destOrd="0" presId="urn:microsoft.com/office/officeart/2005/8/layout/orgChart1"/>
     <dgm:cxn modelId="{E964689A-B3A3-4628-A308-30C81D211922}" type="presOf" srcId="{EC376E4E-E648-41DA-86DB-8DA8BA5FAEC7}" destId="{1FB3CEF6-77BB-4E6C-A2DD-4A3F7EC690C5}" srcOrd="0" destOrd="0" presId="urn:microsoft.com/office/officeart/2005/8/layout/orgChart1"/>
+    <dgm:cxn modelId="{9AB7DF9B-E530-4833-82D0-B8CABF142619}" type="presOf" srcId="{748A62F1-9E1F-4E59-9C99-6F74DF7342F2}" destId="{0005035F-079F-4B75-ABD6-B002A5196E47}" srcOrd="0" destOrd="0" presId="urn:microsoft.com/office/officeart/2005/8/layout/orgChart1"/>
+    <dgm:cxn modelId="{F9290C9F-4651-40A6-81AD-559983C15917}" srcId="{B11103E8-CD81-40BE-B579-4FCAB035D7D0}" destId="{B57B53FC-BA80-43F5-8BFD-BFDA766C6A11}" srcOrd="0" destOrd="0" parTransId="{748A62F1-9E1F-4E59-9C99-6F74DF7342F2}" sibTransId="{35AE9356-62C2-4EC8-8CC1-A8FEBFEA810C}"/>
     <dgm:cxn modelId="{E02A83A2-B2E9-46F4-AF77-D471A4A0459A}" type="presOf" srcId="{4DE9C598-B23B-4383-915B-55E3A905EC09}" destId="{EAF98DA0-A25D-4689-9A35-0FB204C4D414}" srcOrd="1" destOrd="0" presId="urn:microsoft.com/office/officeart/2005/8/layout/orgChart1"/>
     <dgm:cxn modelId="{169577A9-2FA2-4D9B-B2B3-3293E28A18B5}" srcId="{12B359AD-F8D0-452E-9FE6-4E1434D70F15}" destId="{B11103E8-CD81-40BE-B579-4FCAB035D7D0}" srcOrd="0" destOrd="0" parTransId="{8EAAB40C-C46B-4763-9B19-143C18560BB8}" sibTransId="{066CED9E-DDC2-4B20-81DF-84AEF02375EA}"/>
-    <dgm:cxn modelId="{DB621BB4-1721-46CA-9C90-60643B419F26}" srcId="{B11103E8-CD81-40BE-B579-4FCAB035D7D0}" destId="{1763EED3-26D7-4B0E-B022-1B72A013A70C}" srcOrd="3" destOrd="0" parTransId="{F5961BDC-783E-4C07-BC92-9011F5BBD285}" sibTransId="{8B6F1219-C0C9-42EE-A202-422710B569C5}"/>
+    <dgm:cxn modelId="{DB621BB4-1721-46CA-9C90-60643B419F26}" srcId="{B11103E8-CD81-40BE-B579-4FCAB035D7D0}" destId="{1763EED3-26D7-4B0E-B022-1B72A013A70C}" srcOrd="4" destOrd="0" parTransId="{F5961BDC-783E-4C07-BC92-9011F5BBD285}" sibTransId="{8B6F1219-C0C9-42EE-A202-422710B569C5}"/>
     <dgm:cxn modelId="{8A53A4C3-6031-4734-B3C1-7BBE70A6195C}" type="presOf" srcId="{A7E99E54-94B2-4D9C-82A3-E8D7CBB0FC6A}" destId="{54DB9B34-E7B2-41DC-B13D-F457F995CDFC}" srcOrd="0" destOrd="0" presId="urn:microsoft.com/office/officeart/2005/8/layout/orgChart1"/>
     <dgm:cxn modelId="{2D5715C6-4B16-4AF8-A0C8-2697B477409C}" type="presOf" srcId="{4A4E3E50-38C2-4C3C-AE96-953BA26A11C9}" destId="{7914E8B1-80D5-4A71-9775-0A174E4B78BC}" srcOrd="1" destOrd="0" presId="urn:microsoft.com/office/officeart/2005/8/layout/orgChart1"/>
     <dgm:cxn modelId="{756917CD-3304-41C1-83A7-9955CB260BC6}" type="presOf" srcId="{8EAAB40C-C46B-4763-9B19-143C18560BB8}" destId="{4F485F08-228B-4F23-9920-ED58748DD612}" srcOrd="0" destOrd="0" presId="urn:microsoft.com/office/officeart/2005/8/layout/orgChart1"/>
     <dgm:cxn modelId="{931F97D1-3692-4A52-A385-70D3E0FA82DE}" type="presOf" srcId="{E91B2509-2172-40BF-92BF-95C71C842B9D}" destId="{CA698B96-2FDD-477F-82FD-3398AEE00C53}" srcOrd="0" destOrd="0" presId="urn:microsoft.com/office/officeart/2005/8/layout/orgChart1"/>
-    <dgm:cxn modelId="{F1DC65E4-3406-49EF-8BD7-3B43D972B953}" srcId="{B11103E8-CD81-40BE-B579-4FCAB035D7D0}" destId="{4A4E3E50-38C2-4C3C-AE96-953BA26A11C9}" srcOrd="2" destOrd="0" parTransId="{F92BA4C8-D8E7-4F76-9AE8-619682ED5A87}" sibTransId="{F4856804-261D-4CA9-AEA7-CB9CCF3B24D3}"/>
+    <dgm:cxn modelId="{F1DC65E4-3406-49EF-8BD7-3B43D972B953}" srcId="{B11103E8-CD81-40BE-B579-4FCAB035D7D0}" destId="{4A4E3E50-38C2-4C3C-AE96-953BA26A11C9}" srcOrd="3" destOrd="0" parTransId="{F92BA4C8-D8E7-4F76-9AE8-619682ED5A87}" sibTransId="{F4856804-261D-4CA9-AEA7-CB9CCF3B24D3}"/>
     <dgm:cxn modelId="{9C4E09F7-60C7-4A17-883C-565801E26701}" srcId="{4DE9C598-B23B-4383-915B-55E3A905EC09}" destId="{A7E99E54-94B2-4D9C-82A3-E8D7CBB0FC6A}" srcOrd="0" destOrd="0" parTransId="{A7BDC5C7-F208-4337-83DA-CEAB2AF8A6E8}" sibTransId="{E5ADC721-8733-4901-A13E-0A3C1A6D9EA5}"/>
     <dgm:cxn modelId="{ECEF2BFB-C19C-4668-B0B2-A06335D9AE4F}" type="presOf" srcId="{B11103E8-CD81-40BE-B579-4FCAB035D7D0}" destId="{F58A63D3-C78F-4550-80E7-D69343F847C2}" srcOrd="0" destOrd="0" presId="urn:microsoft.com/office/officeart/2005/8/layout/orgChart1"/>
     <dgm:cxn modelId="{AE87FEFC-59F2-4DF6-8D52-F70F37326785}" type="presOf" srcId="{A7E99E54-94B2-4D9C-82A3-E8D7CBB0FC6A}" destId="{89957609-8B97-47C3-AEE9-6DD7393B124C}" srcOrd="1" destOrd="0" presId="urn:microsoft.com/office/officeart/2005/8/layout/orgChart1"/>
@@ -5088,15 +5261,22 @@
     <dgm:cxn modelId="{3C433F5B-9E7D-4335-8F8B-A2C85A305CB9}" type="presParOf" srcId="{9C640B7D-D67D-4B8E-A8C5-471568107335}" destId="{F58A63D3-C78F-4550-80E7-D69343F847C2}" srcOrd="0" destOrd="0" presId="urn:microsoft.com/office/officeart/2005/8/layout/orgChart1"/>
     <dgm:cxn modelId="{15575AAB-B9B1-477F-8E61-DAD43D9A106E}" type="presParOf" srcId="{9C640B7D-D67D-4B8E-A8C5-471568107335}" destId="{4E2D0EDB-C4D6-450E-83EA-96CF439066D6}" srcOrd="1" destOrd="0" presId="urn:microsoft.com/office/officeart/2005/8/layout/orgChart1"/>
     <dgm:cxn modelId="{7CEA1FA0-74E2-4F02-B0BC-131CCB9A333B}" type="presParOf" srcId="{57E17CB4-9CE1-4EFF-9213-9E6AA8A73D8C}" destId="{DF366C04-0EC9-45EA-9E59-CA10E9616C42}" srcOrd="1" destOrd="0" presId="urn:microsoft.com/office/officeart/2005/8/layout/orgChart1"/>
-    <dgm:cxn modelId="{47795B8E-899B-4008-AFF6-5AB37A7C4623}" type="presParOf" srcId="{DF366C04-0EC9-45EA-9E59-CA10E9616C42}" destId="{CA698B96-2FDD-477F-82FD-3398AEE00C53}" srcOrd="0" destOrd="0" presId="urn:microsoft.com/office/officeart/2005/8/layout/orgChart1"/>
-    <dgm:cxn modelId="{38A4F6E3-6062-49FF-8CE3-A36E981CB9B6}" type="presParOf" srcId="{DF366C04-0EC9-45EA-9E59-CA10E9616C42}" destId="{473DEF0C-42E2-4A50-856D-1F839CCF32C4}" srcOrd="1" destOrd="0" presId="urn:microsoft.com/office/officeart/2005/8/layout/orgChart1"/>
+    <dgm:cxn modelId="{55335E89-7589-4204-9326-98F4167FFF65}" type="presParOf" srcId="{DF366C04-0EC9-45EA-9E59-CA10E9616C42}" destId="{0005035F-079F-4B75-ABD6-B002A5196E47}" srcOrd="0" destOrd="0" presId="urn:microsoft.com/office/officeart/2005/8/layout/orgChart1"/>
+    <dgm:cxn modelId="{D1E6969B-FC86-4EB6-8375-5659200CD2C1}" type="presParOf" srcId="{DF366C04-0EC9-45EA-9E59-CA10E9616C42}" destId="{55AB1897-0390-4635-936C-27B14BC5B00B}" srcOrd="1" destOrd="0" presId="urn:microsoft.com/office/officeart/2005/8/layout/orgChart1"/>
+    <dgm:cxn modelId="{A2A53E50-9F06-437E-8868-E47D482B038D}" type="presParOf" srcId="{55AB1897-0390-4635-936C-27B14BC5B00B}" destId="{8420F2E2-BE5B-447D-9336-1030D00BA86A}" srcOrd="0" destOrd="0" presId="urn:microsoft.com/office/officeart/2005/8/layout/orgChart1"/>
+    <dgm:cxn modelId="{D0A63B9A-B39D-4F41-924B-E2BA627FB6DD}" type="presParOf" srcId="{8420F2E2-BE5B-447D-9336-1030D00BA86A}" destId="{274844C8-7C70-4042-B00B-72F04A850BBB}" srcOrd="0" destOrd="0" presId="urn:microsoft.com/office/officeart/2005/8/layout/orgChart1"/>
+    <dgm:cxn modelId="{388A0E14-3F13-4B10-8EED-31FE4F63DBCA}" type="presParOf" srcId="{8420F2E2-BE5B-447D-9336-1030D00BA86A}" destId="{C6295594-85CF-4A7C-A987-898CD9118F8F}" srcOrd="1" destOrd="0" presId="urn:microsoft.com/office/officeart/2005/8/layout/orgChart1"/>
+    <dgm:cxn modelId="{A1D52469-0CE5-445A-9188-EC4A6264F17D}" type="presParOf" srcId="{55AB1897-0390-4635-936C-27B14BC5B00B}" destId="{41BCDDF8-A21E-4677-B9B6-40659F8F9DA5}" srcOrd="1" destOrd="0" presId="urn:microsoft.com/office/officeart/2005/8/layout/orgChart1"/>
+    <dgm:cxn modelId="{60C029D6-EE14-4DCA-A015-15530E0B6E2A}" type="presParOf" srcId="{55AB1897-0390-4635-936C-27B14BC5B00B}" destId="{553F3CBA-41EA-4D55-87A1-A861E50F3AD8}" srcOrd="2" destOrd="0" presId="urn:microsoft.com/office/officeart/2005/8/layout/orgChart1"/>
+    <dgm:cxn modelId="{47795B8E-899B-4008-AFF6-5AB37A7C4623}" type="presParOf" srcId="{DF366C04-0EC9-45EA-9E59-CA10E9616C42}" destId="{CA698B96-2FDD-477F-82FD-3398AEE00C53}" srcOrd="2" destOrd="0" presId="urn:microsoft.com/office/officeart/2005/8/layout/orgChart1"/>
+    <dgm:cxn modelId="{38A4F6E3-6062-49FF-8CE3-A36E981CB9B6}" type="presParOf" srcId="{DF366C04-0EC9-45EA-9E59-CA10E9616C42}" destId="{473DEF0C-42E2-4A50-856D-1F839CCF32C4}" srcOrd="3" destOrd="0" presId="urn:microsoft.com/office/officeart/2005/8/layout/orgChart1"/>
     <dgm:cxn modelId="{B0AAA5BD-323E-40F8-88D6-04DCC54A5DBF}" type="presParOf" srcId="{473DEF0C-42E2-4A50-856D-1F839CCF32C4}" destId="{4624B90A-4132-4200-8AA0-82A7A6868243}" srcOrd="0" destOrd="0" presId="urn:microsoft.com/office/officeart/2005/8/layout/orgChart1"/>
     <dgm:cxn modelId="{F8361AC3-010C-4552-88A4-09040E8F894E}" type="presParOf" srcId="{4624B90A-4132-4200-8AA0-82A7A6868243}" destId="{CB2F9E2B-60EC-401F-A7AE-483C76BC0EC4}" srcOrd="0" destOrd="0" presId="urn:microsoft.com/office/officeart/2005/8/layout/orgChart1"/>
     <dgm:cxn modelId="{86B63F77-1C87-4122-ADEE-F18936B8014A}" type="presParOf" srcId="{4624B90A-4132-4200-8AA0-82A7A6868243}" destId="{87894099-6401-42BD-9593-FCCC7AE42C49}" srcOrd="1" destOrd="0" presId="urn:microsoft.com/office/officeart/2005/8/layout/orgChart1"/>
     <dgm:cxn modelId="{34DA4E50-A3AA-4591-8293-F703820B1B36}" type="presParOf" srcId="{473DEF0C-42E2-4A50-856D-1F839CCF32C4}" destId="{5AB908CA-153D-4CCC-9357-A7CB91FB315D}" srcOrd="1" destOrd="0" presId="urn:microsoft.com/office/officeart/2005/8/layout/orgChart1"/>
     <dgm:cxn modelId="{07B5A45B-F1F0-4663-B634-6597C7788CF8}" type="presParOf" srcId="{473DEF0C-42E2-4A50-856D-1F839CCF32C4}" destId="{887CC9D3-38FE-45D6-B05D-3A8EDEAEB30E}" srcOrd="2" destOrd="0" presId="urn:microsoft.com/office/officeart/2005/8/layout/orgChart1"/>
-    <dgm:cxn modelId="{5F703066-DCE7-4FCC-9C32-45990E4C7284}" type="presParOf" srcId="{DF366C04-0EC9-45EA-9E59-CA10E9616C42}" destId="{28A959D3-8E8F-4C33-8E58-743CD226A445}" srcOrd="2" destOrd="0" presId="urn:microsoft.com/office/officeart/2005/8/layout/orgChart1"/>
-    <dgm:cxn modelId="{ADFEA9A2-0CD0-4DF8-9AF5-3CC0055F91EE}" type="presParOf" srcId="{DF366C04-0EC9-45EA-9E59-CA10E9616C42}" destId="{9942EE3E-75B3-40C5-9515-14C899144BE6}" srcOrd="3" destOrd="0" presId="urn:microsoft.com/office/officeart/2005/8/layout/orgChart1"/>
+    <dgm:cxn modelId="{5F703066-DCE7-4FCC-9C32-45990E4C7284}" type="presParOf" srcId="{DF366C04-0EC9-45EA-9E59-CA10E9616C42}" destId="{28A959D3-8E8F-4C33-8E58-743CD226A445}" srcOrd="4" destOrd="0" presId="urn:microsoft.com/office/officeart/2005/8/layout/orgChart1"/>
+    <dgm:cxn modelId="{ADFEA9A2-0CD0-4DF8-9AF5-3CC0055F91EE}" type="presParOf" srcId="{DF366C04-0EC9-45EA-9E59-CA10E9616C42}" destId="{9942EE3E-75B3-40C5-9515-14C899144BE6}" srcOrd="5" destOrd="0" presId="urn:microsoft.com/office/officeart/2005/8/layout/orgChart1"/>
     <dgm:cxn modelId="{A0AEDCB5-EF81-47B6-9DD6-DCFB8C3BA833}" type="presParOf" srcId="{9942EE3E-75B3-40C5-9515-14C899144BE6}" destId="{95254029-3A83-4A07-BCC7-CAD6C2DADFEC}" srcOrd="0" destOrd="0" presId="urn:microsoft.com/office/officeart/2005/8/layout/orgChart1"/>
     <dgm:cxn modelId="{463CEBDF-5752-4235-8F56-BDF69DE02976}" type="presParOf" srcId="{95254029-3A83-4A07-BCC7-CAD6C2DADFEC}" destId="{227A2695-8EBE-4628-A9EE-801697A0D3C2}" srcOrd="0" destOrd="0" presId="urn:microsoft.com/office/officeart/2005/8/layout/orgChart1"/>
     <dgm:cxn modelId="{01F9196F-E620-4D41-8079-413E3E478A4F}" type="presParOf" srcId="{95254029-3A83-4A07-BCC7-CAD6C2DADFEC}" destId="{EAF98DA0-A25D-4689-9A35-0FB204C4D414}" srcOrd="1" destOrd="0" presId="urn:microsoft.com/office/officeart/2005/8/layout/orgChart1"/>
@@ -5109,8 +5289,8 @@
     <dgm:cxn modelId="{95772096-7DBA-4E8C-91C6-4F8A0A64416C}" type="presParOf" srcId="{1ED732C6-4FB8-4A1E-BC80-51448E89ECFB}" destId="{89957609-8B97-47C3-AEE9-6DD7393B124C}" srcOrd="1" destOrd="0" presId="urn:microsoft.com/office/officeart/2005/8/layout/orgChart1"/>
     <dgm:cxn modelId="{2739B281-BD78-4410-BADC-C96574C56CCB}" type="presParOf" srcId="{1A754903-320B-4D58-8D1D-B1046E7A0C09}" destId="{98A76313-0002-4F08-8C2A-2C9E7CF86A01}" srcOrd="1" destOrd="0" presId="urn:microsoft.com/office/officeart/2005/8/layout/orgChart1"/>
     <dgm:cxn modelId="{1040F5D0-2127-428D-B706-9E5757FFC25A}" type="presParOf" srcId="{1A754903-320B-4D58-8D1D-B1046E7A0C09}" destId="{B66ED59C-56CC-4674-9E98-64456A927D23}" srcOrd="2" destOrd="0" presId="urn:microsoft.com/office/officeart/2005/8/layout/orgChart1"/>
-    <dgm:cxn modelId="{9198E430-4E3B-4BE6-B09D-89FA0286C30C}" type="presParOf" srcId="{DF366C04-0EC9-45EA-9E59-CA10E9616C42}" destId="{36F9C691-4B50-4159-9F42-B35EF32A6B44}" srcOrd="4" destOrd="0" presId="urn:microsoft.com/office/officeart/2005/8/layout/orgChart1"/>
-    <dgm:cxn modelId="{2B36E909-34B6-4C95-8761-53C7FC7080B9}" type="presParOf" srcId="{DF366C04-0EC9-45EA-9E59-CA10E9616C42}" destId="{312C63B7-2356-4591-A8D8-CB4355394DE3}" srcOrd="5" destOrd="0" presId="urn:microsoft.com/office/officeart/2005/8/layout/orgChart1"/>
+    <dgm:cxn modelId="{9198E430-4E3B-4BE6-B09D-89FA0286C30C}" type="presParOf" srcId="{DF366C04-0EC9-45EA-9E59-CA10E9616C42}" destId="{36F9C691-4B50-4159-9F42-B35EF32A6B44}" srcOrd="6" destOrd="0" presId="urn:microsoft.com/office/officeart/2005/8/layout/orgChart1"/>
+    <dgm:cxn modelId="{2B36E909-34B6-4C95-8761-53C7FC7080B9}" type="presParOf" srcId="{DF366C04-0EC9-45EA-9E59-CA10E9616C42}" destId="{312C63B7-2356-4591-A8D8-CB4355394DE3}" srcOrd="7" destOrd="0" presId="urn:microsoft.com/office/officeart/2005/8/layout/orgChart1"/>
     <dgm:cxn modelId="{72D56477-E19B-4C56-8DCA-ABF4A3C334B7}" type="presParOf" srcId="{312C63B7-2356-4591-A8D8-CB4355394DE3}" destId="{980CD6A4-C2BD-46F1-9817-29D82D14EAD8}" srcOrd="0" destOrd="0" presId="urn:microsoft.com/office/officeart/2005/8/layout/orgChart1"/>
     <dgm:cxn modelId="{A760D4C3-30AD-46E6-BE5F-1C179C8D0BE2}" type="presParOf" srcId="{980CD6A4-C2BD-46F1-9817-29D82D14EAD8}" destId="{B7B9E35F-3141-4501-8C8E-ECDBA7C3D699}" srcOrd="0" destOrd="0" presId="urn:microsoft.com/office/officeart/2005/8/layout/orgChart1"/>
     <dgm:cxn modelId="{0B1DAF5E-956D-45F9-ABE7-38276EE83E97}" type="presParOf" srcId="{980CD6A4-C2BD-46F1-9817-29D82D14EAD8}" destId="{7914E8B1-80D5-4A71-9775-0A174E4B78BC}" srcOrd="1" destOrd="0" presId="urn:microsoft.com/office/officeart/2005/8/layout/orgChart1"/>
@@ -6235,7 +6415,7 @@
       <dsp:spPr>
         <a:xfrm>
           <a:off x="3657600" y="1856174"/>
-          <a:ext cx="1853044" cy="1408926"/>
+          <a:ext cx="2779566" cy="1408926"/>
         </a:xfrm>
         <a:custGeom>
           <a:avLst/>
@@ -6252,10 +6432,10 @@
                 <a:pt x="0" y="1248124"/>
               </a:lnTo>
               <a:lnTo>
-                <a:pt x="1853044" y="1248124"/>
+                <a:pt x="2779566" y="1248124"/>
               </a:lnTo>
               <a:lnTo>
-                <a:pt x="1853044" y="1408926"/>
+                <a:pt x="2779566" y="1408926"/>
               </a:lnTo>
             </a:path>
           </a:pathLst>
@@ -6295,7 +6475,7 @@
       </dsp:nvSpPr>
       <dsp:spPr>
         <a:xfrm>
-          <a:off x="3496798" y="4030821"/>
+          <a:off x="4423320" y="4030821"/>
           <a:ext cx="160801" cy="704463"/>
         </a:xfrm>
         <a:custGeom>
@@ -6353,8 +6533,8 @@
       </dsp:nvSpPr>
       <dsp:spPr>
         <a:xfrm>
-          <a:off x="3611880" y="1856174"/>
-          <a:ext cx="91440" cy="1408926"/>
+          <a:off x="3657600" y="1856174"/>
+          <a:ext cx="926522" cy="1408926"/>
         </a:xfrm>
         <a:custGeom>
           <a:avLst/>
@@ -6365,10 +6545,16 @@
           <a:pathLst>
             <a:path>
               <a:moveTo>
-                <a:pt x="45720" y="0"/>
+                <a:pt x="0" y="0"/>
               </a:moveTo>
               <a:lnTo>
-                <a:pt x="45720" y="1408926"/>
+                <a:pt x="0" y="1248124"/>
+              </a:lnTo>
+              <a:lnTo>
+                <a:pt x="926522" y="1248124"/>
+              </a:lnTo>
+              <a:lnTo>
+                <a:pt x="926522" y="1408926"/>
               </a:lnTo>
             </a:path>
           </a:pathLst>
@@ -6408,8 +6594,8 @@
       </dsp:nvSpPr>
       <dsp:spPr>
         <a:xfrm>
-          <a:off x="1804555" y="1856174"/>
-          <a:ext cx="1853044" cy="1408926"/>
+          <a:off x="2731077" y="1856174"/>
+          <a:ext cx="926522" cy="1408926"/>
         </a:xfrm>
         <a:custGeom>
           <a:avLst/>
@@ -6420,10 +6606,71 @@
           <a:pathLst>
             <a:path>
               <a:moveTo>
-                <a:pt x="1853044" y="0"/>
+                <a:pt x="926522" y="0"/>
               </a:moveTo>
               <a:lnTo>
-                <a:pt x="1853044" y="1248124"/>
+                <a:pt x="926522" y="1248124"/>
+              </a:lnTo>
+              <a:lnTo>
+                <a:pt x="0" y="1248124"/>
+              </a:lnTo>
+              <a:lnTo>
+                <a:pt x="0" y="1408926"/>
+              </a:lnTo>
+            </a:path>
+          </a:pathLst>
+        </a:custGeom>
+        <a:noFill/>
+        <a:ln w="10795" cap="flat" cmpd="sng" algn="ctr">
+          <a:solidFill>
+            <a:schemeClr val="accent1">
+              <a:shade val="80000"/>
+              <a:hueOff val="0"/>
+              <a:satOff val="0"/>
+              <a:lumOff val="0"/>
+              <a:alphaOff val="0"/>
+            </a:schemeClr>
+          </a:solidFill>
+          <a:prstDash val="solid"/>
+        </a:ln>
+        <a:effectLst/>
+      </dsp:spPr>
+      <dsp:style>
+        <a:lnRef idx="2">
+          <a:scrgbClr r="0" g="0" b="0"/>
+        </a:lnRef>
+        <a:fillRef idx="0">
+          <a:scrgbClr r="0" g="0" b="0"/>
+        </a:fillRef>
+        <a:effectRef idx="0">
+          <a:scrgbClr r="0" g="0" b="0"/>
+        </a:effectRef>
+        <a:fontRef idx="minor"/>
+      </dsp:style>
+    </dsp:sp>
+    <dsp:sp modelId="{7AA25F1C-51B2-49BF-8201-0652CE559B21}">
+      <dsp:nvSpPr>
+        <dsp:cNvPr id="0" name=""/>
+        <dsp:cNvSpPr/>
+      </dsp:nvSpPr>
+      <dsp:spPr>
+        <a:xfrm>
+          <a:off x="878033" y="1856174"/>
+          <a:ext cx="2779566" cy="1408926"/>
+        </a:xfrm>
+        <a:custGeom>
+          <a:avLst/>
+          <a:gdLst/>
+          <a:ahLst/>
+          <a:cxnLst/>
+          <a:rect l="0" t="0" r="0" b="0"/>
+          <a:pathLst>
+            <a:path>
+              <a:moveTo>
+                <a:pt x="2779566" y="0"/>
+              </a:moveTo>
+              <a:lnTo>
+                <a:pt x="2779566" y="1248124"/>
               </a:lnTo>
               <a:lnTo>
                 <a:pt x="0" y="1248124"/>
@@ -6566,12 +6813,12 @@
         </a:fontRef>
       </dsp:style>
       <dsp:txBody>
-        <a:bodyPr spcFirstLastPara="0" vert="horz" wrap="square" lIns="10795" tIns="10795" rIns="10795" bIns="10795" numCol="1" spcCol="1270" anchor="ctr" anchorCtr="0">
+        <a:bodyPr spcFirstLastPara="0" vert="horz" wrap="square" lIns="10160" tIns="10160" rIns="10160" bIns="10160" numCol="1" spcCol="1270" anchor="ctr" anchorCtr="0">
           <a:noAutofit/>
         </a:bodyPr>
         <a:lstStyle/>
         <a:p>
-          <a:pPr marL="0" lvl="0" indent="0" algn="ctr" defTabSz="755650">
+          <a:pPr marL="0" lvl="0" indent="0" algn="ctr" defTabSz="711200">
             <a:lnSpc>
               <a:spcPct val="90000"/>
             </a:lnSpc>
@@ -6584,10 +6831,10 @@
             <a:buNone/>
           </a:pPr>
           <a:r>
-            <a:rPr lang="en-US" sz="1700" kern="1200" dirty="0"/>
+            <a:rPr lang="en-US" sz="1600" kern="1200" dirty="0"/>
             <a:t>initScan.exe</a:t>
           </a:r>
-          <a:endParaRPr lang="fr-CA" sz="1700" kern="1200" dirty="0"/>
+          <a:endParaRPr lang="fr-CA" sz="1600" kern="1200" dirty="0"/>
         </a:p>
       </dsp:txBody>
       <dsp:txXfrm>
@@ -6644,12 +6891,12 @@
         </a:fontRef>
       </dsp:style>
       <dsp:txBody>
-        <a:bodyPr spcFirstLastPara="0" vert="horz" wrap="square" lIns="10795" tIns="10795" rIns="10795" bIns="10795" numCol="1" spcCol="1270" anchor="ctr" anchorCtr="0">
+        <a:bodyPr spcFirstLastPara="0" vert="horz" wrap="square" lIns="10160" tIns="10160" rIns="10160" bIns="10160" numCol="1" spcCol="1270" anchor="ctr" anchorCtr="0">
           <a:noAutofit/>
         </a:bodyPr>
         <a:lstStyle/>
         <a:p>
-          <a:pPr marL="0" lvl="0" indent="0" algn="ctr" defTabSz="755650">
+          <a:pPr marL="0" lvl="0" indent="0" algn="ctr" defTabSz="711200">
             <a:lnSpc>
               <a:spcPct val="90000"/>
             </a:lnSpc>
@@ -6662,10 +6909,10 @@
             <a:buNone/>
           </a:pPr>
           <a:r>
-            <a:rPr lang="en-US" sz="1700" kern="1200" dirty="0"/>
+            <a:rPr lang="en-US" sz="1600" kern="1200" dirty="0"/>
             <a:t>logCheck.exe</a:t>
           </a:r>
-          <a:endParaRPr lang="fr-CA" sz="1700" kern="1200" dirty="0"/>
+          <a:endParaRPr lang="fr-CA" sz="1600" kern="1200" dirty="0"/>
         </a:p>
       </dsp:txBody>
       <dsp:txXfrm>
@@ -6673,14 +6920,14 @@
         <a:ext cx="1531441" cy="765720"/>
       </dsp:txXfrm>
     </dsp:sp>
-    <dsp:sp modelId="{CB2F9E2B-60EC-401F-A7AE-483C76BC0EC4}">
+    <dsp:sp modelId="{D9BAE0A2-1877-42BD-82CF-B647EA24D564}">
       <dsp:nvSpPr>
         <dsp:cNvPr id="0" name=""/>
         <dsp:cNvSpPr/>
       </dsp:nvSpPr>
       <dsp:spPr>
         <a:xfrm>
-          <a:off x="1038835" y="3265100"/>
+          <a:off x="112313" y="3265100"/>
           <a:ext cx="1531441" cy="765720"/>
         </a:xfrm>
         <a:prstGeom prst="rect">
@@ -6722,12 +6969,12 @@
         </a:fontRef>
       </dsp:style>
       <dsp:txBody>
-        <a:bodyPr spcFirstLastPara="0" vert="horz" wrap="square" lIns="10795" tIns="10795" rIns="10795" bIns="10795" numCol="1" spcCol="1270" anchor="ctr" anchorCtr="0">
+        <a:bodyPr spcFirstLastPara="0" vert="horz" wrap="square" lIns="10160" tIns="10160" rIns="10160" bIns="10160" numCol="1" spcCol="1270" anchor="ctr" anchorCtr="0">
           <a:noAutofit/>
         </a:bodyPr>
         <a:lstStyle/>
         <a:p>
-          <a:pPr marL="0" lvl="0" indent="0" algn="ctr" defTabSz="755650">
+          <a:pPr marL="0" lvl="0" indent="0" algn="ctr" defTabSz="711200">
             <a:lnSpc>
               <a:spcPct val="90000"/>
             </a:lnSpc>
@@ -6740,36 +6987,36 @@
             <a:buNone/>
           </a:pPr>
           <a:r>
-            <a:rPr lang="en-US" sz="1700" kern="1200" dirty="0"/>
-            <a:t>printLabels.bat</a:t>
+            <a:rPr lang="en-US" sz="1600" kern="1200" dirty="0"/>
+            <a:t>printQA.bat</a:t>
           </a:r>
           <a:br>
-            <a:rPr lang="en-US" sz="1700" kern="1200" dirty="0"/>
+            <a:rPr lang="en-US" sz="1600" kern="1200" dirty="0"/>
           </a:br>
           <a:r>
-            <a:rPr lang="en-US" sz="1700" kern="1200" dirty="0"/>
-            <a:t>+3 .</a:t>
+            <a:rPr lang="en-US" sz="1600" kern="1200" dirty="0"/>
+            <a:t>+1 .</a:t>
           </a:r>
           <a:r>
-            <a:rPr lang="en-US" sz="1700" kern="1200" dirty="0" err="1"/>
+            <a:rPr lang="en-US" sz="1600" kern="1200" dirty="0" err="1"/>
             <a:t>rpt</a:t>
           </a:r>
-          <a:endParaRPr lang="fr-CA" sz="1700" kern="1200" dirty="0"/>
+          <a:endParaRPr lang="fr-CA" sz="1600" kern="1200" dirty="0"/>
         </a:p>
       </dsp:txBody>
       <dsp:txXfrm>
-        <a:off x="1038835" y="3265100"/>
+        <a:off x="112313" y="3265100"/>
         <a:ext cx="1531441" cy="765720"/>
       </dsp:txXfrm>
     </dsp:sp>
-    <dsp:sp modelId="{227A2695-8EBE-4628-A9EE-801697A0D3C2}">
+    <dsp:sp modelId="{CB2F9E2B-60EC-401F-A7AE-483C76BC0EC4}">
       <dsp:nvSpPr>
         <dsp:cNvPr id="0" name=""/>
         <dsp:cNvSpPr/>
       </dsp:nvSpPr>
       <dsp:spPr>
         <a:xfrm>
-          <a:off x="2891879" y="3265100"/>
+          <a:off x="1965357" y="3265100"/>
           <a:ext cx="1531441" cy="765720"/>
         </a:xfrm>
         <a:prstGeom prst="rect">
@@ -6811,12 +7058,12 @@
         </a:fontRef>
       </dsp:style>
       <dsp:txBody>
-        <a:bodyPr spcFirstLastPara="0" vert="horz" wrap="square" lIns="10795" tIns="10795" rIns="10795" bIns="10795" numCol="1" spcCol="1270" anchor="ctr" anchorCtr="0">
+        <a:bodyPr spcFirstLastPara="0" vert="horz" wrap="square" lIns="10160" tIns="10160" rIns="10160" bIns="10160" numCol="1" spcCol="1270" anchor="ctr" anchorCtr="0">
           <a:noAutofit/>
         </a:bodyPr>
         <a:lstStyle/>
         <a:p>
-          <a:pPr marL="0" lvl="0" indent="0" algn="ctr" defTabSz="755650">
+          <a:pPr marL="0" lvl="0" indent="0" algn="ctr" defTabSz="711200">
             <a:lnSpc>
               <a:spcPct val="90000"/>
             </a:lnSpc>
@@ -6829,25 +7076,36 @@
             <a:buNone/>
           </a:pPr>
           <a:r>
-            <a:rPr lang="en-US" sz="1700" kern="1200" dirty="0"/>
-            <a:t>SNCountUp.bat</a:t>
+            <a:rPr lang="en-US" sz="1600" kern="1200" dirty="0"/>
+            <a:t>printLabelsv2.bat</a:t>
           </a:r>
-          <a:endParaRPr lang="fr-CA" sz="1700" kern="1200" dirty="0"/>
+          <a:br>
+            <a:rPr lang="en-US" sz="1600" kern="1200" dirty="0"/>
+          </a:br>
+          <a:r>
+            <a:rPr lang="en-US" sz="1600" kern="1200" dirty="0"/>
+            <a:t>+X .</a:t>
+          </a:r>
+          <a:r>
+            <a:rPr lang="en-US" sz="1600" kern="1200" dirty="0" err="1"/>
+            <a:t>rpt</a:t>
+          </a:r>
+          <a:endParaRPr lang="fr-CA" sz="1600" kern="1200" dirty="0"/>
         </a:p>
       </dsp:txBody>
       <dsp:txXfrm>
-        <a:off x="2891879" y="3265100"/>
+        <a:off x="1965357" y="3265100"/>
         <a:ext cx="1531441" cy="765720"/>
       </dsp:txXfrm>
     </dsp:sp>
-    <dsp:sp modelId="{54DB9B34-E7B2-41DC-B13D-F457F995CDFC}">
+    <dsp:sp modelId="{227A2695-8EBE-4628-A9EE-801697A0D3C2}">
       <dsp:nvSpPr>
         <dsp:cNvPr id="0" name=""/>
         <dsp:cNvSpPr/>
       </dsp:nvSpPr>
       <dsp:spPr>
         <a:xfrm>
-          <a:off x="1965357" y="4352423"/>
+          <a:off x="3818401" y="3265100"/>
           <a:ext cx="1531441" cy="765720"/>
         </a:xfrm>
         <a:prstGeom prst="rect">
@@ -6889,12 +7147,12 @@
         </a:fontRef>
       </dsp:style>
       <dsp:txBody>
-        <a:bodyPr spcFirstLastPara="0" vert="horz" wrap="square" lIns="10795" tIns="10795" rIns="10795" bIns="10795" numCol="1" spcCol="1270" anchor="ctr" anchorCtr="0">
+        <a:bodyPr spcFirstLastPara="0" vert="horz" wrap="square" lIns="10160" tIns="10160" rIns="10160" bIns="10160" numCol="1" spcCol="1270" anchor="ctr" anchorCtr="0">
           <a:noAutofit/>
         </a:bodyPr>
         <a:lstStyle/>
         <a:p>
-          <a:pPr marL="0" lvl="0" indent="0" algn="ctr" defTabSz="755650">
+          <a:pPr marL="0" lvl="0" indent="0" algn="ctr" defTabSz="711200">
             <a:lnSpc>
               <a:spcPct val="90000"/>
             </a:lnSpc>
@@ -6907,25 +7165,25 @@
             <a:buNone/>
           </a:pPr>
           <a:r>
-            <a:rPr lang="en-US" sz="1700" kern="1200" dirty="0"/>
-            <a:t>SNCount.txt</a:t>
+            <a:rPr lang="en-US" sz="1600" kern="1200" dirty="0"/>
+            <a:t>SNCountUp.bat</a:t>
           </a:r>
-          <a:endParaRPr lang="fr-CA" sz="1700" kern="1200" dirty="0"/>
+          <a:endParaRPr lang="fr-CA" sz="1600" kern="1200" dirty="0"/>
         </a:p>
       </dsp:txBody>
       <dsp:txXfrm>
-        <a:off x="1965357" y="4352423"/>
+        <a:off x="3818401" y="3265100"/>
         <a:ext cx="1531441" cy="765720"/>
       </dsp:txXfrm>
     </dsp:sp>
-    <dsp:sp modelId="{B7B9E35F-3141-4501-8C8E-ECDBA7C3D699}">
+    <dsp:sp modelId="{54DB9B34-E7B2-41DC-B13D-F457F995CDFC}">
       <dsp:nvSpPr>
         <dsp:cNvPr id="0" name=""/>
         <dsp:cNvSpPr/>
       </dsp:nvSpPr>
       <dsp:spPr>
         <a:xfrm>
-          <a:off x="4744923" y="3265100"/>
+          <a:off x="2891879" y="4352423"/>
           <a:ext cx="1531441" cy="765720"/>
         </a:xfrm>
         <a:prstGeom prst="rect">
@@ -6967,12 +7225,12 @@
         </a:fontRef>
       </dsp:style>
       <dsp:txBody>
-        <a:bodyPr spcFirstLastPara="0" vert="horz" wrap="square" lIns="10795" tIns="10795" rIns="10795" bIns="10795" numCol="1" spcCol="1270" anchor="ctr" anchorCtr="0">
+        <a:bodyPr spcFirstLastPara="0" vert="horz" wrap="square" lIns="10160" tIns="10160" rIns="10160" bIns="10160" numCol="1" spcCol="1270" anchor="ctr" anchorCtr="0">
           <a:noAutofit/>
         </a:bodyPr>
         <a:lstStyle/>
         <a:p>
-          <a:pPr marL="0" lvl="0" indent="0" algn="ctr" defTabSz="755650">
+          <a:pPr marL="0" lvl="0" indent="0" algn="ctr" defTabSz="711200">
             <a:lnSpc>
               <a:spcPct val="90000"/>
             </a:lnSpc>
@@ -6985,29 +7243,107 @@
             <a:buNone/>
           </a:pPr>
           <a:r>
-            <a:rPr lang="en-US" sz="1700" kern="1200" dirty="0"/>
+            <a:rPr lang="en-US" sz="1600" kern="1200" dirty="0"/>
+            <a:t>SNCount.txt</a:t>
+          </a:r>
+          <a:endParaRPr lang="fr-CA" sz="1600" kern="1200" dirty="0"/>
+        </a:p>
+      </dsp:txBody>
+      <dsp:txXfrm>
+        <a:off x="2891879" y="4352423"/>
+        <a:ext cx="1531441" cy="765720"/>
+      </dsp:txXfrm>
+    </dsp:sp>
+    <dsp:sp modelId="{B7B9E35F-3141-4501-8C8E-ECDBA7C3D699}">
+      <dsp:nvSpPr>
+        <dsp:cNvPr id="0" name=""/>
+        <dsp:cNvSpPr/>
+      </dsp:nvSpPr>
+      <dsp:spPr>
+        <a:xfrm>
+          <a:off x="5671445" y="3265100"/>
+          <a:ext cx="1531441" cy="765720"/>
+        </a:xfrm>
+        <a:prstGeom prst="rect">
+          <a:avLst/>
+        </a:prstGeom>
+        <a:solidFill>
+          <a:schemeClr val="accent1">
+            <a:hueOff val="0"/>
+            <a:satOff val="0"/>
+            <a:lumOff val="0"/>
+            <a:alphaOff val="0"/>
+          </a:schemeClr>
+        </a:solidFill>
+        <a:ln w="10795" cap="flat" cmpd="sng" algn="ctr">
+          <a:solidFill>
+            <a:schemeClr val="lt1">
+              <a:hueOff val="0"/>
+              <a:satOff val="0"/>
+              <a:lumOff val="0"/>
+              <a:alphaOff val="0"/>
+            </a:schemeClr>
+          </a:solidFill>
+          <a:prstDash val="solid"/>
+        </a:ln>
+        <a:effectLst/>
+      </dsp:spPr>
+      <dsp:style>
+        <a:lnRef idx="2">
+          <a:scrgbClr r="0" g="0" b="0"/>
+        </a:lnRef>
+        <a:fillRef idx="1">
+          <a:scrgbClr r="0" g="0" b="0"/>
+        </a:fillRef>
+        <a:effectRef idx="0">
+          <a:scrgbClr r="0" g="0" b="0"/>
+        </a:effectRef>
+        <a:fontRef idx="minor">
+          <a:schemeClr val="lt1"/>
+        </a:fontRef>
+      </dsp:style>
+      <dsp:txBody>
+        <a:bodyPr spcFirstLastPara="0" vert="horz" wrap="square" lIns="10160" tIns="10160" rIns="10160" bIns="10160" numCol="1" spcCol="1270" anchor="ctr" anchorCtr="0">
+          <a:noAutofit/>
+        </a:bodyPr>
+        <a:lstStyle/>
+        <a:p>
+          <a:pPr marL="0" lvl="0" indent="0" algn="ctr" defTabSz="711200">
+            <a:lnSpc>
+              <a:spcPct val="90000"/>
+            </a:lnSpc>
+            <a:spcBef>
+              <a:spcPct val="0"/>
+            </a:spcBef>
+            <a:spcAft>
+              <a:spcPct val="35000"/>
+            </a:spcAft>
+            <a:buNone/>
+          </a:pPr>
+          <a:r>
+            <a:rPr lang="en-US" sz="1600" kern="1200" dirty="0"/>
             <a:t>printWIP.bat</a:t>
           </a:r>
           <a:br>
-            <a:rPr lang="en-US" sz="1700" kern="1200" dirty="0"/>
+            <a:rPr lang="en-US" sz="1600" kern="1200" dirty="0"/>
           </a:br>
           <a:r>
-            <a:rPr lang="en-US" sz="1700" kern="1200" dirty="0"/>
+            <a:rPr lang="en-US" sz="1600" kern="1200" dirty="0"/>
             <a:t>+2 .</a:t>
           </a:r>
           <a:r>
-            <a:rPr lang="en-US" sz="1700" kern="1200" dirty="0" err="1"/>
+            <a:rPr lang="en-US" sz="1600" kern="1200" dirty="0" err="1"/>
             <a:t>rpt</a:t>
           </a:r>
           <a:r>
-            <a:rPr lang="en-US" sz="1700" kern="1200" dirty="0"/>
+            <a:rPr lang="en-US" sz="1600" kern="1200" dirty="0"/>
             <a:t> +.docx</a:t>
           </a:r>
-          <a:endParaRPr lang="fr-CA" sz="1700" kern="1200" dirty="0"/>
+          <a:endParaRPr lang="fr-CA" sz="1600" kern="1200" dirty="0"/>
         </a:p>
       </dsp:txBody>
       <dsp:txXfrm>
-        <a:off x="4744923" y="3265100"/>
+        <a:off x="5671445" y="3265100"/>
         <a:ext cx="1531441" cy="765720"/>
       </dsp:txXfrm>
     </dsp:sp>
@@ -7060,12 +7396,12 @@
         </a:fontRef>
       </dsp:style>
       <dsp:txBody>
-        <a:bodyPr spcFirstLastPara="0" vert="horz" wrap="square" lIns="10795" tIns="10795" rIns="10795" bIns="10795" numCol="1" spcCol="1270" anchor="ctr" anchorCtr="0">
+        <a:bodyPr spcFirstLastPara="0" vert="horz" wrap="square" lIns="10160" tIns="10160" rIns="10160" bIns="10160" numCol="1" spcCol="1270" anchor="ctr" anchorCtr="0">
           <a:noAutofit/>
         </a:bodyPr>
         <a:lstStyle/>
         <a:p>
-          <a:pPr marL="0" lvl="0" indent="0" algn="ctr" defTabSz="755650">
+          <a:pPr marL="0" lvl="0" indent="0" algn="ctr" defTabSz="711200">
             <a:lnSpc>
               <a:spcPct val="90000"/>
             </a:lnSpc>
@@ -7078,10 +7414,10 @@
             <a:buNone/>
           </a:pPr>
           <a:r>
-            <a:rPr lang="en-US" sz="1700" kern="1200" dirty="0"/>
+            <a:rPr lang="en-US" sz="1600" kern="1200" dirty="0"/>
             <a:t>bLog.txt</a:t>
           </a:r>
-          <a:endParaRPr lang="fr-CA" sz="1700" kern="1200" dirty="0"/>
+          <a:endParaRPr lang="fr-CA" sz="1600" kern="1200" dirty="0"/>
         </a:p>
       </dsp:txBody>
       <dsp:txXfrm>
@@ -7167,7 +7503,7 @@
       <dsp:spPr>
         <a:xfrm>
           <a:off x="3657600" y="1856174"/>
-          <a:ext cx="1853044" cy="1408926"/>
+          <a:ext cx="2779566" cy="1408926"/>
         </a:xfrm>
         <a:custGeom>
           <a:avLst/>
@@ -7184,10 +7520,10 @@
                 <a:pt x="0" y="1248124"/>
               </a:lnTo>
               <a:lnTo>
-                <a:pt x="1853044" y="1248124"/>
+                <a:pt x="2779566" y="1248124"/>
               </a:lnTo>
               <a:lnTo>
-                <a:pt x="1853044" y="1408926"/>
+                <a:pt x="2779566" y="1408926"/>
               </a:lnTo>
             </a:path>
           </a:pathLst>
@@ -7227,7 +7563,7 @@
       </dsp:nvSpPr>
       <dsp:spPr>
         <a:xfrm>
-          <a:off x="3496798" y="4030821"/>
+          <a:off x="4423320" y="4030821"/>
           <a:ext cx="160801" cy="704463"/>
         </a:xfrm>
         <a:custGeom>
@@ -7285,8 +7621,8 @@
       </dsp:nvSpPr>
       <dsp:spPr>
         <a:xfrm>
-          <a:off x="3611880" y="1856174"/>
-          <a:ext cx="91440" cy="1408926"/>
+          <a:off x="3657600" y="1856174"/>
+          <a:ext cx="926522" cy="1408926"/>
         </a:xfrm>
         <a:custGeom>
           <a:avLst/>
@@ -7297,10 +7633,16 @@
           <a:pathLst>
             <a:path>
               <a:moveTo>
-                <a:pt x="45720" y="0"/>
+                <a:pt x="0" y="0"/>
               </a:moveTo>
               <a:lnTo>
-                <a:pt x="45720" y="1408926"/>
+                <a:pt x="0" y="1248124"/>
+              </a:lnTo>
+              <a:lnTo>
+                <a:pt x="926522" y="1248124"/>
+              </a:lnTo>
+              <a:lnTo>
+                <a:pt x="926522" y="1408926"/>
               </a:lnTo>
             </a:path>
           </a:pathLst>
@@ -7340,8 +7682,8 @@
       </dsp:nvSpPr>
       <dsp:spPr>
         <a:xfrm>
-          <a:off x="1804555" y="1856174"/>
-          <a:ext cx="1853044" cy="1408926"/>
+          <a:off x="2731077" y="1856174"/>
+          <a:ext cx="926522" cy="1408926"/>
         </a:xfrm>
         <a:custGeom>
           <a:avLst/>
@@ -7352,10 +7694,71 @@
           <a:pathLst>
             <a:path>
               <a:moveTo>
-                <a:pt x="1853044" y="0"/>
+                <a:pt x="926522" y="0"/>
               </a:moveTo>
               <a:lnTo>
-                <a:pt x="1853044" y="1248124"/>
+                <a:pt x="926522" y="1248124"/>
+              </a:lnTo>
+              <a:lnTo>
+                <a:pt x="0" y="1248124"/>
+              </a:lnTo>
+              <a:lnTo>
+                <a:pt x="0" y="1408926"/>
+              </a:lnTo>
+            </a:path>
+          </a:pathLst>
+        </a:custGeom>
+        <a:noFill/>
+        <a:ln w="10795" cap="flat" cmpd="sng" algn="ctr">
+          <a:solidFill>
+            <a:schemeClr val="accent1">
+              <a:shade val="80000"/>
+              <a:hueOff val="0"/>
+              <a:satOff val="0"/>
+              <a:lumOff val="0"/>
+              <a:alphaOff val="0"/>
+            </a:schemeClr>
+          </a:solidFill>
+          <a:prstDash val="solid"/>
+        </a:ln>
+        <a:effectLst/>
+      </dsp:spPr>
+      <dsp:style>
+        <a:lnRef idx="2">
+          <a:scrgbClr r="0" g="0" b="0"/>
+        </a:lnRef>
+        <a:fillRef idx="0">
+          <a:scrgbClr r="0" g="0" b="0"/>
+        </a:fillRef>
+        <a:effectRef idx="0">
+          <a:scrgbClr r="0" g="0" b="0"/>
+        </a:effectRef>
+        <a:fontRef idx="minor"/>
+      </dsp:style>
+    </dsp:sp>
+    <dsp:sp modelId="{0005035F-079F-4B75-ABD6-B002A5196E47}">
+      <dsp:nvSpPr>
+        <dsp:cNvPr id="0" name=""/>
+        <dsp:cNvSpPr/>
+      </dsp:nvSpPr>
+      <dsp:spPr>
+        <a:xfrm>
+          <a:off x="878033" y="1856174"/>
+          <a:ext cx="2779566" cy="1408926"/>
+        </a:xfrm>
+        <a:custGeom>
+          <a:avLst/>
+          <a:gdLst/>
+          <a:ahLst/>
+          <a:cxnLst/>
+          <a:rect l="0" t="0" r="0" b="0"/>
+          <a:pathLst>
+            <a:path>
+              <a:moveTo>
+                <a:pt x="2779566" y="0"/>
+              </a:moveTo>
+              <a:lnTo>
+                <a:pt x="2779566" y="1248124"/>
               </a:lnTo>
               <a:lnTo>
                 <a:pt x="0" y="1248124"/>
@@ -7605,14 +8008,14 @@
         <a:ext cx="1531441" cy="765720"/>
       </dsp:txXfrm>
     </dsp:sp>
-    <dsp:sp modelId="{CB2F9E2B-60EC-401F-A7AE-483C76BC0EC4}">
+    <dsp:sp modelId="{274844C8-7C70-4042-B00B-72F04A850BBB}">
       <dsp:nvSpPr>
         <dsp:cNvPr id="0" name=""/>
         <dsp:cNvSpPr/>
       </dsp:nvSpPr>
       <dsp:spPr>
         <a:xfrm>
-          <a:off x="1038835" y="3265100"/>
+          <a:off x="112313" y="3265100"/>
           <a:ext cx="1531441" cy="765720"/>
         </a:xfrm>
         <a:prstGeom prst="rect">
@@ -7679,18 +8082,18 @@
         </a:p>
       </dsp:txBody>
       <dsp:txXfrm>
-        <a:off x="1038835" y="3265100"/>
+        <a:off x="112313" y="3265100"/>
         <a:ext cx="1531441" cy="765720"/>
       </dsp:txXfrm>
     </dsp:sp>
-    <dsp:sp modelId="{227A2695-8EBE-4628-A9EE-801697A0D3C2}">
+    <dsp:sp modelId="{CB2F9E2B-60EC-401F-A7AE-483C76BC0EC4}">
       <dsp:nvSpPr>
         <dsp:cNvPr id="0" name=""/>
         <dsp:cNvSpPr/>
       </dsp:nvSpPr>
       <dsp:spPr>
         <a:xfrm>
-          <a:off x="2891879" y="3265100"/>
+          <a:off x="1965357" y="3265100"/>
           <a:ext cx="1531441" cy="765720"/>
         </a:xfrm>
         <a:prstGeom prst="rect">
@@ -7757,7 +8160,85 @@
         </a:p>
       </dsp:txBody>
       <dsp:txXfrm>
-        <a:off x="2891879" y="3265100"/>
+        <a:off x="1965357" y="3265100"/>
+        <a:ext cx="1531441" cy="765720"/>
+      </dsp:txXfrm>
+    </dsp:sp>
+    <dsp:sp modelId="{227A2695-8EBE-4628-A9EE-801697A0D3C2}">
+      <dsp:nvSpPr>
+        <dsp:cNvPr id="0" name=""/>
+        <dsp:cNvSpPr/>
+      </dsp:nvSpPr>
+      <dsp:spPr>
+        <a:xfrm>
+          <a:off x="3818401" y="3265100"/>
+          <a:ext cx="1531441" cy="765720"/>
+        </a:xfrm>
+        <a:prstGeom prst="rect">
+          <a:avLst/>
+        </a:prstGeom>
+        <a:solidFill>
+          <a:schemeClr val="accent1">
+            <a:hueOff val="0"/>
+            <a:satOff val="0"/>
+            <a:lumOff val="0"/>
+            <a:alphaOff val="0"/>
+          </a:schemeClr>
+        </a:solidFill>
+        <a:ln w="10795" cap="flat" cmpd="sng" algn="ctr">
+          <a:solidFill>
+            <a:schemeClr val="lt1">
+              <a:hueOff val="0"/>
+              <a:satOff val="0"/>
+              <a:lumOff val="0"/>
+              <a:alphaOff val="0"/>
+            </a:schemeClr>
+          </a:solidFill>
+          <a:prstDash val="solid"/>
+        </a:ln>
+        <a:effectLst/>
+      </dsp:spPr>
+      <dsp:style>
+        <a:lnRef idx="2">
+          <a:scrgbClr r="0" g="0" b="0"/>
+        </a:lnRef>
+        <a:fillRef idx="1">
+          <a:scrgbClr r="0" g="0" b="0"/>
+        </a:fillRef>
+        <a:effectRef idx="0">
+          <a:scrgbClr r="0" g="0" b="0"/>
+        </a:effectRef>
+        <a:fontRef idx="minor">
+          <a:schemeClr val="lt1"/>
+        </a:fontRef>
+      </dsp:style>
+      <dsp:txBody>
+        <a:bodyPr spcFirstLastPara="0" vert="horz" wrap="square" lIns="14605" tIns="14605" rIns="14605" bIns="14605" numCol="1" spcCol="1270" anchor="ctr" anchorCtr="0">
+          <a:noAutofit/>
+        </a:bodyPr>
+        <a:lstStyle/>
+        <a:p>
+          <a:pPr marL="0" lvl="0" indent="0" algn="ctr" defTabSz="1022350">
+            <a:lnSpc>
+              <a:spcPct val="90000"/>
+            </a:lnSpc>
+            <a:spcBef>
+              <a:spcPct val="0"/>
+            </a:spcBef>
+            <a:spcAft>
+              <a:spcPct val="35000"/>
+            </a:spcAft>
+            <a:buNone/>
+          </a:pPr>
+          <a:r>
+            <a:rPr lang="en-US" sz="2300" kern="1200" dirty="0"/>
+            <a:t>batch</a:t>
+          </a:r>
+          <a:endParaRPr lang="fr-CA" sz="2300" kern="1200" dirty="0"/>
+        </a:p>
+      </dsp:txBody>
+      <dsp:txXfrm>
+        <a:off x="3818401" y="3265100"/>
         <a:ext cx="1531441" cy="765720"/>
       </dsp:txXfrm>
     </dsp:sp>
@@ -7768,7 +8249,7 @@
       </dsp:nvSpPr>
       <dsp:spPr>
         <a:xfrm>
-          <a:off x="1965357" y="4352423"/>
+          <a:off x="2891879" y="4352423"/>
           <a:ext cx="1531441" cy="765720"/>
         </a:xfrm>
         <a:prstGeom prst="rect">
@@ -7835,7 +8316,7 @@
         </a:p>
       </dsp:txBody>
       <dsp:txXfrm>
-        <a:off x="1965357" y="4352423"/>
+        <a:off x="2891879" y="4352423"/>
         <a:ext cx="1531441" cy="765720"/>
       </dsp:txXfrm>
     </dsp:sp>
@@ -7846,7 +8327,7 @@
       </dsp:nvSpPr>
       <dsp:spPr>
         <a:xfrm>
-          <a:off x="4744923" y="3265100"/>
+          <a:off x="5671445" y="3265100"/>
           <a:ext cx="1531441" cy="765720"/>
         </a:xfrm>
         <a:prstGeom prst="rect">
@@ -7913,7 +8394,7 @@
         </a:p>
       </dsp:txBody>
       <dsp:txXfrm>
-        <a:off x="4744923" y="3265100"/>
+        <a:off x="5671445" y="3265100"/>
         <a:ext cx="1531441" cy="765720"/>
       </dsp:txXfrm>
     </dsp:sp>
@@ -17457,7 +17938,7 @@
             <a:fld id="{5586B75A-687E-405C-8A0B-8D00578BA2C3}" type="datetimeFigureOut">
               <a:rPr lang="en-US" dirty="0"/>
               <a:pPr/>
-              <a:t>9/16/2021</a:t>
+              <a:t>9/20/2021</a:t>
             </a:fld>
             <a:endParaRPr lang="en-US" dirty="0"/>
           </a:p>
@@ -17624,7 +18105,7 @@
             <a:fld id="{5586B75A-687E-405C-8A0B-8D00578BA2C3}" type="datetimeFigureOut">
               <a:rPr lang="en-US" dirty="0"/>
               <a:pPr/>
-              <a:t>9/16/2021</a:t>
+              <a:t>9/20/2021</a:t>
             </a:fld>
             <a:endParaRPr lang="en-US" dirty="0"/>
           </a:p>
@@ -17801,7 +18282,7 @@
             <a:fld id="{5586B75A-687E-405C-8A0B-8D00578BA2C3}" type="datetimeFigureOut">
               <a:rPr lang="en-US" dirty="0"/>
               <a:pPr/>
-              <a:t>9/16/2021</a:t>
+              <a:t>9/20/2021</a:t>
             </a:fld>
             <a:endParaRPr lang="en-US" dirty="0"/>
           </a:p>
@@ -17968,7 +18449,7 @@
             <a:fld id="{5586B75A-687E-405C-8A0B-8D00578BA2C3}" type="datetimeFigureOut">
               <a:rPr lang="en-US" dirty="0"/>
               <a:pPr/>
-              <a:t>9/16/2021</a:t>
+              <a:t>9/20/2021</a:t>
             </a:fld>
             <a:endParaRPr lang="en-US" dirty="0"/>
           </a:p>
@@ -18223,7 +18704,7 @@
             <a:fld id="{5586B75A-687E-405C-8A0B-8D00578BA2C3}" type="datetimeFigureOut">
               <a:rPr lang="en-US" dirty="0"/>
               <a:pPr/>
-              <a:t>9/16/2021</a:t>
+              <a:t>9/20/2021</a:t>
             </a:fld>
             <a:endParaRPr lang="en-US" dirty="0"/>
           </a:p>
@@ -18508,7 +18989,7 @@
             <a:fld id="{5586B75A-687E-405C-8A0B-8D00578BA2C3}" type="datetimeFigureOut">
               <a:rPr lang="en-US" dirty="0"/>
               <a:pPr/>
-              <a:t>9/16/2021</a:t>
+              <a:t>9/20/2021</a:t>
             </a:fld>
             <a:endParaRPr lang="en-US" dirty="0"/>
           </a:p>
@@ -18947,7 +19428,7 @@
             <a:fld id="{5586B75A-687E-405C-8A0B-8D00578BA2C3}" type="datetimeFigureOut">
               <a:rPr lang="en-US" dirty="0"/>
               <a:pPr/>
-              <a:t>9/16/2021</a:t>
+              <a:t>9/20/2021</a:t>
             </a:fld>
             <a:endParaRPr lang="en-US" dirty="0"/>
           </a:p>
@@ -19062,7 +19543,7 @@
             <a:fld id="{5586B75A-687E-405C-8A0B-8D00578BA2C3}" type="datetimeFigureOut">
               <a:rPr lang="en-US" dirty="0"/>
               <a:pPr/>
-              <a:t>9/16/2021</a:t>
+              <a:t>9/20/2021</a:t>
             </a:fld>
             <a:endParaRPr lang="en-US" dirty="0"/>
           </a:p>
@@ -19154,7 +19635,7 @@
             <a:fld id="{5586B75A-687E-405C-8A0B-8D00578BA2C3}" type="datetimeFigureOut">
               <a:rPr lang="en-US" dirty="0"/>
               <a:pPr/>
-              <a:t>9/16/2021</a:t>
+              <a:t>9/20/2021</a:t>
             </a:fld>
             <a:endParaRPr lang="en-US" dirty="0"/>
           </a:p>
@@ -19439,7 +19920,7 @@
             <a:fld id="{5586B75A-687E-405C-8A0B-8D00578BA2C3}" type="datetimeFigureOut">
               <a:rPr lang="en-US" dirty="0"/>
               <a:pPr/>
-              <a:t>9/16/2021</a:t>
+              <a:t>9/20/2021</a:t>
             </a:fld>
             <a:endParaRPr lang="en-US" dirty="0"/>
           </a:p>
@@ -19709,7 +20190,7 @@
             <a:fld id="{5586B75A-687E-405C-8A0B-8D00578BA2C3}" type="datetimeFigureOut">
               <a:rPr lang="en-US" dirty="0"/>
               <a:pPr/>
-              <a:t>9/16/2021</a:t>
+              <a:t>9/20/2021</a:t>
             </a:fld>
             <a:endParaRPr lang="en-US" dirty="0"/>
           </a:p>
@@ -20003,7 +20484,7 @@
             <a:fld id="{5586B75A-687E-405C-8A0B-8D00578BA2C3}" type="datetimeFigureOut">
               <a:rPr lang="en-US" dirty="0"/>
               <a:pPr/>
-              <a:t>9/16/2021</a:t>
+              <a:t>9/20/2021</a:t>
             </a:fld>
             <a:endParaRPr lang="en-US" dirty="0"/>
           </a:p>
@@ -20841,6 +21322,120 @@
           <a:p>
             <a:r>
               <a:rPr lang="en-US" dirty="0"/>
+              <a:t>After Printing Amount</a:t>
+            </a:r>
+            <a:endParaRPr lang="fr-CA" dirty="0"/>
+          </a:p>
+        </p:txBody>
+      </p:sp>
+      <p:sp>
+        <p:nvSpPr>
+          <p:cNvPr id="4" name="Text Placeholder 3">
+            <a:extLst>
+              <a:ext uri="{FF2B5EF4-FFF2-40B4-BE49-F238E27FC236}">
+                <a16:creationId xmlns:a16="http://schemas.microsoft.com/office/drawing/2014/main" id="{6C4C9579-17E8-4B90-A0AC-8E6A0551F6C7}"/>
+              </a:ext>
+            </a:extLst>
+          </p:cNvPr>
+          <p:cNvSpPr>
+            <a:spLocks noGrp="1"/>
+          </p:cNvSpPr>
+          <p:nvPr>
+            <p:ph type="body" sz="half" idx="2"/>
+          </p:nvPr>
+        </p:nvSpPr>
+        <p:spPr/>
+        <p:txBody>
+          <a:bodyPr/>
+          <a:lstStyle/>
+          <a:p>
+            <a:endParaRPr lang="fr-CA" dirty="0"/>
+          </a:p>
+        </p:txBody>
+      </p:sp>
+      <p:pic>
+        <p:nvPicPr>
+          <p:cNvPr id="5" name="Picture 4">
+            <a:extLst>
+              <a:ext uri="{FF2B5EF4-FFF2-40B4-BE49-F238E27FC236}">
+                <a16:creationId xmlns:a16="http://schemas.microsoft.com/office/drawing/2014/main" id="{AF5379C7-7724-4691-87D4-B8E27E9C911A}"/>
+              </a:ext>
+            </a:extLst>
+          </p:cNvPr>
+          <p:cNvPicPr>
+            <a:picLocks noChangeAspect="1"/>
+          </p:cNvPicPr>
+          <p:nvPr/>
+        </p:nvPicPr>
+        <p:blipFill>
+          <a:blip r:embed="rId2"/>
+          <a:stretch>
+            <a:fillRect/>
+          </a:stretch>
+        </p:blipFill>
+        <p:spPr>
+          <a:xfrm>
+            <a:off x="3577414" y="1305236"/>
+            <a:ext cx="8136931" cy="4247528"/>
+          </a:xfrm>
+          <a:prstGeom prst="rect">
+            <a:avLst/>
+          </a:prstGeom>
+        </p:spPr>
+      </p:pic>
+    </p:spTree>
+    <p:extLst>
+      <p:ext uri="{BB962C8B-B14F-4D97-AF65-F5344CB8AC3E}">
+        <p14:creationId xmlns:p14="http://schemas.microsoft.com/office/powerpoint/2010/main" val="1969075457"/>
+      </p:ext>
+    </p:extLst>
+  </p:cSld>
+  <p:clrMapOvr>
+    <a:masterClrMapping/>
+  </p:clrMapOvr>
+</p:sld>
+</file>
+
+<file path=ppt/slides/slide13.xml><?xml version="1.0" encoding="utf-8"?>
+<p:sld xmlns:a="http://schemas.openxmlformats.org/drawingml/2006/main" xmlns:r="http://schemas.openxmlformats.org/officeDocument/2006/relationships" xmlns:p="http://schemas.openxmlformats.org/presentationml/2006/main">
+  <p:cSld>
+    <p:spTree>
+      <p:nvGrpSpPr>
+        <p:cNvPr id="1" name=""/>
+        <p:cNvGrpSpPr/>
+        <p:nvPr/>
+      </p:nvGrpSpPr>
+      <p:grpSpPr>
+        <a:xfrm>
+          <a:off x="0" y="0"/>
+          <a:ext cx="0" cy="0"/>
+          <a:chOff x="0" y="0"/>
+          <a:chExt cx="0" cy="0"/>
+        </a:xfrm>
+      </p:grpSpPr>
+      <p:sp>
+        <p:nvSpPr>
+          <p:cNvPr id="2" name="Title 1">
+            <a:extLst>
+              <a:ext uri="{FF2B5EF4-FFF2-40B4-BE49-F238E27FC236}">
+                <a16:creationId xmlns:a16="http://schemas.microsoft.com/office/drawing/2014/main" id="{61179D2D-801C-4EE8-A452-FEEBAB97827A}"/>
+              </a:ext>
+            </a:extLst>
+          </p:cNvPr>
+          <p:cNvSpPr>
+            <a:spLocks noGrp="1"/>
+          </p:cNvSpPr>
+          <p:nvPr>
+            <p:ph type="title"/>
+          </p:nvPr>
+        </p:nvSpPr>
+        <p:spPr/>
+        <p:txBody>
+          <a:bodyPr/>
+          <a:lstStyle/>
+          <a:p>
+            <a:r>
+              <a:rPr lang="en-US" dirty="0"/>
               <a:t>Post Printing</a:t>
             </a:r>
             <a:endParaRPr lang="fr-CA" dirty="0"/>
@@ -20874,10 +21469,10 @@
       </p:sp>
       <p:pic>
         <p:nvPicPr>
-          <p:cNvPr id="10" name="Picture 9">
+          <p:cNvPr id="7" name="Picture 6">
             <a:extLst>
               <a:ext uri="{FF2B5EF4-FFF2-40B4-BE49-F238E27FC236}">
-                <a16:creationId xmlns:a16="http://schemas.microsoft.com/office/drawing/2014/main" id="{7A7C9B36-7F1C-4532-A3D9-54A8700FC300}"/>
+                <a16:creationId xmlns:a16="http://schemas.microsoft.com/office/drawing/2014/main" id="{12065F72-E859-4CC5-B874-43111899779C}"/>
               </a:ext>
             </a:extLst>
           </p:cNvPr>
@@ -20894,8 +21489,8 @@
         </p:blipFill>
         <p:spPr>
           <a:xfrm>
-            <a:off x="3587420" y="1311445"/>
-            <a:ext cx="8115231" cy="4235110"/>
+            <a:off x="3579199" y="1316168"/>
+            <a:ext cx="8079931" cy="4225663"/>
           </a:xfrm>
           <a:prstGeom prst="rect">
             <a:avLst/>
@@ -20915,7 +21510,7 @@
 </p:sld>
 </file>
 
-<file path=ppt/slides/slide13.xml><?xml version="1.0" encoding="utf-8"?>
+<file path=ppt/slides/slide14.xml><?xml version="1.0" encoding="utf-8"?>
 <p:sld xmlns:a="http://schemas.openxmlformats.org/drawingml/2006/main" xmlns:r="http://schemas.openxmlformats.org/officeDocument/2006/relationships" xmlns:p="http://schemas.openxmlformats.org/presentationml/2006/main">
   <p:cSld>
     <p:spTree>
@@ -21034,7 +21629,7 @@
 </p:sld>
 </file>
 
-<file path=ppt/slides/slide14.xml><?xml version="1.0" encoding="utf-8"?>
+<file path=ppt/slides/slide15.xml><?xml version="1.0" encoding="utf-8"?>
 <p:sld xmlns:a="http://schemas.openxmlformats.org/drawingml/2006/main" xmlns:r="http://schemas.openxmlformats.org/officeDocument/2006/relationships" xmlns:p="http://schemas.openxmlformats.org/presentationml/2006/main">
   <p:cSld>
     <p:spTree>
@@ -21124,7 +21719,7 @@
 </p:sld>
 </file>
 
-<file path=ppt/slides/slide15.xml><?xml version="1.0" encoding="utf-8"?>
+<file path=ppt/slides/slide16.xml><?xml version="1.0" encoding="utf-8"?>
 <p:sld xmlns:a="http://schemas.openxmlformats.org/drawingml/2006/main" xmlns:r="http://schemas.openxmlformats.org/officeDocument/2006/relationships" xmlns:p="http://schemas.openxmlformats.org/presentationml/2006/main">
   <p:cSld>
     <p:spTree>
@@ -21282,7 +21877,7 @@
 </p:sld>
 </file>
 
-<file path=ppt/slides/slide16.xml><?xml version="1.0" encoding="utf-8"?>
+<file path=ppt/slides/slide17.xml><?xml version="1.0" encoding="utf-8"?>
 <p:sld xmlns:a="http://schemas.openxmlformats.org/drawingml/2006/main" xmlns:r="http://schemas.openxmlformats.org/officeDocument/2006/relationships" xmlns:p="http://schemas.openxmlformats.org/presentationml/2006/main">
   <p:cSld>
     <p:spTree>
@@ -21421,7 +22016,7 @@
 </p:sld>
 </file>
 
-<file path=ppt/slides/slide17.xml><?xml version="1.0" encoding="utf-8"?>
+<file path=ppt/slides/slide18.xml><?xml version="1.0" encoding="utf-8"?>
 <p:sld xmlns:a="http://schemas.openxmlformats.org/drawingml/2006/main" xmlns:r="http://schemas.openxmlformats.org/officeDocument/2006/relationships" xmlns:p="http://schemas.openxmlformats.org/presentationml/2006/main">
   <p:cSld>
     <p:spTree>
@@ -21513,7 +22108,7 @@
 </p:sld>
 </file>
 
-<file path=ppt/slides/slide18.xml><?xml version="1.0" encoding="utf-8"?>
+<file path=ppt/slides/slide19.xml><?xml version="1.0" encoding="utf-8"?>
 <p:sld xmlns:a="http://schemas.openxmlformats.org/drawingml/2006/main" xmlns:r="http://schemas.openxmlformats.org/officeDocument/2006/relationships" xmlns:p="http://schemas.openxmlformats.org/presentationml/2006/main">
   <p:cSld>
     <p:spTree>
@@ -22239,7 +22834,7 @@
             <p:ph idx="1"/>
             <p:extLst>
               <p:ext uri="{D42A27DB-BD31-4B8C-83A1-F6EECF244321}">
-                <p14:modId xmlns:p14="http://schemas.microsoft.com/office/powerpoint/2010/main" val="3639353537"/>
+                <p14:modId xmlns:p14="http://schemas.microsoft.com/office/powerpoint/2010/main" val="2667982459"/>
               </p:ext>
             </p:extLst>
           </p:nvPr>
@@ -22367,7 +22962,7 @@
             <p:ph idx="1"/>
             <p:extLst>
               <p:ext uri="{D42A27DB-BD31-4B8C-83A1-F6EECF244321}">
-                <p14:modId xmlns:p14="http://schemas.microsoft.com/office/powerpoint/2010/main" val="893185750"/>
+                <p14:modId xmlns:p14="http://schemas.microsoft.com/office/powerpoint/2010/main" val="3024939618"/>
               </p:ext>
             </p:extLst>
           </p:nvPr>
